--- a/docs/slides/lesson_08.pptx
+++ b/docs/slides/lesson_08.pptx
@@ -5,7 +5,7 @@
     <p:sldMasterId id="2147483648" r:id="rId1"/>
   </p:sldMasterIdLst>
   <p:notesMasterIdLst>
-    <p:notesMasterId r:id="rId59"/>
+    <p:notesMasterId r:id="rId66"/>
   </p:notesMasterIdLst>
   <p:sldIdLst>
     <p:sldId id="256" r:id="rId2"/>
@@ -61,10 +61,17 @@
     <p:sldId id="347" r:id="rId52"/>
     <p:sldId id="349" r:id="rId53"/>
     <p:sldId id="350" r:id="rId54"/>
-    <p:sldId id="351" r:id="rId55"/>
-    <p:sldId id="337" r:id="rId56"/>
-    <p:sldId id="322" r:id="rId57"/>
-    <p:sldId id="266" r:id="rId58"/>
+    <p:sldId id="352" r:id="rId55"/>
+    <p:sldId id="353" r:id="rId56"/>
+    <p:sldId id="351" r:id="rId57"/>
+    <p:sldId id="354" r:id="rId58"/>
+    <p:sldId id="355" r:id="rId59"/>
+    <p:sldId id="356" r:id="rId60"/>
+    <p:sldId id="357" r:id="rId61"/>
+    <p:sldId id="266" r:id="rId62"/>
+    <p:sldId id="358" r:id="rId63"/>
+    <p:sldId id="359" r:id="rId64"/>
+    <p:sldId id="360" r:id="rId65"/>
   </p:sldIdLst>
   <p:sldSz cx="12192000" cy="6858000"/>
   <p:notesSz cx="6858000" cy="9144000"/>
@@ -221,10 +228,17 @@
             <p14:sldId id="347"/>
             <p14:sldId id="349"/>
             <p14:sldId id="350"/>
+            <p14:sldId id="352"/>
+            <p14:sldId id="353"/>
             <p14:sldId id="351"/>
-            <p14:sldId id="337"/>
-            <p14:sldId id="322"/>
+            <p14:sldId id="354"/>
+            <p14:sldId id="355"/>
+            <p14:sldId id="356"/>
+            <p14:sldId id="357"/>
             <p14:sldId id="266"/>
+            <p14:sldId id="358"/>
+            <p14:sldId id="359"/>
+            <p14:sldId id="360"/>
           </p14:sldIdLst>
         </p14:section>
       </p14:sectionLst>
@@ -8474,7 +8488,15 @@
             <a:pPr lvl="1"/>
             <a:r>
               <a:rPr lang="en-US" dirty="0" smtClean="0"/>
-              <a:t>This is critical for authentication cookies</a:t>
+              <a:t>This is critical for authentication </a:t>
+            </a:r>
+            <a:r>
+              <a:rPr lang="en-US" dirty="0" smtClean="0"/>
+              <a:t>cookies to avoi</a:t>
+            </a:r>
+            <a:r>
+              <a:rPr lang="en-US" dirty="0" smtClean="0"/>
+              <a:t>d XSS attacks</a:t>
             </a:r>
             <a:endParaRPr lang="en-US" dirty="0"/>
           </a:p>
@@ -10812,7 +10834,7 @@
             <a:pPr lvl="1"/>
             <a:r>
               <a:rPr lang="en-US" dirty="0" smtClean="0"/>
-              <a:t>automatically added when making OPTIONS CORS call</a:t>
+              <a:t>automatically added when making OPTIONS CORS calls</a:t>
             </a:r>
           </a:p>
           <a:p>
@@ -13311,7 +13333,7 @@
         </p:spPr>
         <p:txBody>
           <a:bodyPr>
-            <a:normAutofit lnSpcReduction="10000"/>
+            <a:normAutofit fontScale="92500"/>
           </a:bodyPr>
           <a:lstStyle/>
           <a:p>
@@ -13349,7 +13371,7 @@
           <a:p>
             <a:r>
               <a:rPr lang="en-US" i="1" dirty="0" smtClean="0"/>
-              <a:t>In SPAs, if you stick with JSON APIs, you will be usually fine</a:t>
+              <a:t>In SPAs, if you stick with JSON APIs, you will be “usually” fine</a:t>
             </a:r>
           </a:p>
           <a:p>
@@ -13403,6 +13425,21 @@
             <a:r>
               <a:rPr lang="en-US" dirty="0" smtClean="0"/>
               <a:t>, but we will not need them in this course</a:t>
+            </a:r>
+          </a:p>
+          <a:p>
+            <a:pPr lvl="1"/>
+            <a:r>
+              <a:rPr lang="en-US" dirty="0" smtClean="0"/>
+              <a:t>also the </a:t>
+            </a:r>
+            <a:r>
+              <a:rPr lang="en-US" b="1" dirty="0" err="1" smtClean="0"/>
+              <a:t>SameSite</a:t>
+            </a:r>
+            <a:r>
+              <a:rPr lang="en-US" dirty="0" smtClean="0"/>
+              <a:t> set-cookie option can help here</a:t>
             </a:r>
             <a:endParaRPr lang="en-US" dirty="0"/>
           </a:p>
@@ -13560,25 +13597,6 @@
       </p:grpSpPr>
       <p:sp>
         <p:nvSpPr>
-          <p:cNvPr id="2" name="Title 1"/>
-          <p:cNvSpPr>
-            <a:spLocks noGrp="1"/>
-          </p:cNvSpPr>
-          <p:nvPr>
-            <p:ph type="title"/>
-          </p:nvPr>
-        </p:nvSpPr>
-        <p:spPr/>
-        <p:txBody>
-          <a:bodyPr/>
-          <a:lstStyle/>
-          <a:p>
-            <a:endParaRPr lang="en-US"/>
-          </a:p>
-        </p:txBody>
-      </p:sp>
-      <p:sp>
-        <p:nvSpPr>
           <p:cNvPr id="3" name="Content Placeholder 2"/>
           <p:cNvSpPr>
             <a:spLocks noGrp="1"/>
@@ -13587,11 +13605,542 @@
             <p:ph idx="1"/>
           </p:nvPr>
         </p:nvSpPr>
-        <p:spPr/>
-        <p:txBody>
-          <a:bodyPr/>
-          <a:lstStyle/>
-          <a:p>
+        <p:spPr>
+          <a:xfrm>
+            <a:off x="327660" y="187893"/>
+            <a:ext cx="11513820" cy="1416640"/>
+          </a:xfrm>
+        </p:spPr>
+        <p:txBody>
+          <a:bodyPr>
+            <a:normAutofit fontScale="92500" lnSpcReduction="20000"/>
+          </a:bodyPr>
+          <a:lstStyle/>
+          <a:p>
+            <a:r>
+              <a:rPr lang="en-US" dirty="0" smtClean="0"/>
+              <a:t>If </a:t>
+            </a:r>
+            <a:r>
+              <a:rPr lang="en-US" i="1" dirty="0" smtClean="0"/>
+              <a:t>frontend</a:t>
+            </a:r>
+            <a:r>
+              <a:rPr lang="en-US" dirty="0" smtClean="0"/>
+              <a:t> and </a:t>
+            </a:r>
+            <a:r>
+              <a:rPr lang="en-US" i="1" dirty="0" smtClean="0"/>
+              <a:t>backend</a:t>
+            </a:r>
+            <a:r>
+              <a:rPr lang="en-US" dirty="0" smtClean="0"/>
+              <a:t> servers are separated, you must enable CORS headers on the </a:t>
+            </a:r>
+            <a:r>
+              <a:rPr lang="en-US" i="1" dirty="0" smtClean="0"/>
+              <a:t>backend </a:t>
+            </a:r>
+            <a:r>
+              <a:rPr lang="en-US" dirty="0" smtClean="0"/>
+              <a:t>responses</a:t>
+            </a:r>
+            <a:endParaRPr lang="en-US" i="1" dirty="0" smtClean="0"/>
+          </a:p>
+          <a:p>
+            <a:r>
+              <a:rPr lang="en-US" dirty="0" smtClean="0"/>
+              <a:t>Still performance issues with </a:t>
+            </a:r>
+            <a:r>
+              <a:rPr lang="en-US" dirty="0" err="1" smtClean="0"/>
+              <a:t>preflighting</a:t>
+            </a:r>
+            <a:endParaRPr lang="en-US" dirty="0"/>
+          </a:p>
+        </p:txBody>
+      </p:sp>
+      <p:pic>
+        <p:nvPicPr>
+          <p:cNvPr id="1028" name="Picture 4" descr="Related image"/>
+          <p:cNvPicPr>
+            <a:picLocks noChangeAspect="1" noChangeArrowheads="1"/>
+          </p:cNvPicPr>
+          <p:nvPr/>
+        </p:nvPicPr>
+        <p:blipFill>
+          <a:blip r:embed="rId2" cstate="hqprint">
+            <a:extLst>
+              <a:ext uri="{28A0092B-C50C-407E-A947-70E740481C1C}">
+                <a14:useLocalDpi xmlns:a14="http://schemas.microsoft.com/office/drawing/2010/main" val="0"/>
+              </a:ext>
+            </a:extLst>
+          </a:blip>
+          <a:srcRect/>
+          <a:stretch>
+            <a:fillRect/>
+          </a:stretch>
+        </p:blipFill>
+        <p:spPr bwMode="auto">
+          <a:xfrm flipH="1">
+            <a:off x="1217294" y="3607772"/>
+            <a:ext cx="1298574" cy="1298574"/>
+          </a:xfrm>
+          <a:prstGeom prst="rect">
+            <a:avLst/>
+          </a:prstGeom>
+          <a:noFill/>
+          <a:extLst>
+            <a:ext uri="{909E8E84-426E-40DD-AFC4-6F175D3DCCD1}">
+              <a14:hiddenFill xmlns:a14="http://schemas.microsoft.com/office/drawing/2010/main">
+                <a:solidFill>
+                  <a:srgbClr val="FFFFFF"/>
+                </a:solidFill>
+              </a14:hiddenFill>
+            </a:ext>
+          </a:extLst>
+        </p:spPr>
+      </p:pic>
+      <p:pic>
+        <p:nvPicPr>
+          <p:cNvPr id="1030" name="Picture 6" descr="Image result for server"/>
+          <p:cNvPicPr>
+            <a:picLocks noChangeAspect="1" noChangeArrowheads="1"/>
+          </p:cNvPicPr>
+          <p:nvPr/>
+        </p:nvPicPr>
+        <p:blipFill>
+          <a:blip r:embed="rId3">
+            <a:extLst>
+              <a:ext uri="{28A0092B-C50C-407E-A947-70E740481C1C}">
+                <a14:useLocalDpi xmlns:a14="http://schemas.microsoft.com/office/drawing/2010/main" val="0"/>
+              </a:ext>
+            </a:extLst>
+          </a:blip>
+          <a:srcRect/>
+          <a:stretch>
+            <a:fillRect/>
+          </a:stretch>
+        </p:blipFill>
+        <p:spPr bwMode="auto">
+          <a:xfrm>
+            <a:off x="6805294" y="1629782"/>
+            <a:ext cx="2270126" cy="1708750"/>
+          </a:xfrm>
+          <a:prstGeom prst="rect">
+            <a:avLst/>
+          </a:prstGeom>
+          <a:noFill/>
+          <a:extLst>
+            <a:ext uri="{909E8E84-426E-40DD-AFC4-6F175D3DCCD1}">
+              <a14:hiddenFill xmlns:a14="http://schemas.microsoft.com/office/drawing/2010/main">
+                <a:solidFill>
+                  <a:srgbClr val="FFFFFF"/>
+                </a:solidFill>
+              </a14:hiddenFill>
+            </a:ext>
+          </a:extLst>
+        </p:spPr>
+      </p:pic>
+      <p:pic>
+        <p:nvPicPr>
+          <p:cNvPr id="7" name="Picture 6" descr="Image result for server"/>
+          <p:cNvPicPr>
+            <a:picLocks noChangeAspect="1" noChangeArrowheads="1"/>
+          </p:cNvPicPr>
+          <p:nvPr/>
+        </p:nvPicPr>
+        <p:blipFill>
+          <a:blip r:embed="rId3">
+            <a:extLst>
+              <a:ext uri="{28A0092B-C50C-407E-A947-70E740481C1C}">
+                <a14:useLocalDpi xmlns:a14="http://schemas.microsoft.com/office/drawing/2010/main" val="0"/>
+              </a:ext>
+            </a:extLst>
+          </a:blip>
+          <a:srcRect/>
+          <a:stretch>
+            <a:fillRect/>
+          </a:stretch>
+        </p:blipFill>
+        <p:spPr bwMode="auto">
+          <a:xfrm>
+            <a:off x="6805294" y="5084481"/>
+            <a:ext cx="2270126" cy="1708750"/>
+          </a:xfrm>
+          <a:prstGeom prst="rect">
+            <a:avLst/>
+          </a:prstGeom>
+          <a:noFill/>
+          <a:extLst>
+            <a:ext uri="{909E8E84-426E-40DD-AFC4-6F175D3DCCD1}">
+              <a14:hiddenFill xmlns:a14="http://schemas.microsoft.com/office/drawing/2010/main">
+                <a:solidFill>
+                  <a:srgbClr val="FFFFFF"/>
+                </a:solidFill>
+              </a14:hiddenFill>
+            </a:ext>
+          </a:extLst>
+        </p:spPr>
+      </p:pic>
+      <p:sp>
+        <p:nvSpPr>
+          <p:cNvPr id="4" name="TextBox 3"/>
+          <p:cNvSpPr txBox="1"/>
+          <p:nvPr/>
+        </p:nvSpPr>
+        <p:spPr>
+          <a:xfrm>
+            <a:off x="6935723" y="3308637"/>
+            <a:ext cx="2009268" cy="461665"/>
+          </a:xfrm>
+          <a:prstGeom prst="rect">
+            <a:avLst/>
+          </a:prstGeom>
+          <a:noFill/>
+        </p:spPr>
+        <p:txBody>
+          <a:bodyPr wrap="none" rtlCol="0">
+            <a:spAutoFit/>
+          </a:bodyPr>
+          <a:lstStyle/>
+          <a:p>
+            <a:r>
+              <a:rPr lang="en-US" sz="2400" dirty="0" smtClean="0"/>
+              <a:t>localhost:8080</a:t>
+            </a:r>
+            <a:endParaRPr lang="en-US" sz="2400" dirty="0"/>
+          </a:p>
+        </p:txBody>
+      </p:sp>
+      <p:sp>
+        <p:nvSpPr>
+          <p:cNvPr id="9" name="TextBox 8"/>
+          <p:cNvSpPr txBox="1"/>
+          <p:nvPr/>
+        </p:nvSpPr>
+        <p:spPr>
+          <a:xfrm>
+            <a:off x="6935723" y="4597567"/>
+            <a:ext cx="2009268" cy="461665"/>
+          </a:xfrm>
+          <a:prstGeom prst="rect">
+            <a:avLst/>
+          </a:prstGeom>
+          <a:noFill/>
+        </p:spPr>
+        <p:txBody>
+          <a:bodyPr wrap="none" rtlCol="0">
+            <a:spAutoFit/>
+          </a:bodyPr>
+          <a:lstStyle/>
+          <a:p>
+            <a:r>
+              <a:rPr lang="en-US" sz="2400" dirty="0" smtClean="0"/>
+              <a:t>localhost:8081</a:t>
+            </a:r>
+            <a:endParaRPr lang="en-US" sz="2400" dirty="0"/>
+          </a:p>
+        </p:txBody>
+      </p:sp>
+      <p:cxnSp>
+        <p:nvCxnSpPr>
+          <p:cNvPr id="6" name="Straight Arrow Connector 5"/>
+          <p:cNvCxnSpPr>
+            <a:stCxn id="1028" idx="1"/>
+            <a:endCxn id="1030" idx="1"/>
+          </p:cNvCxnSpPr>
+          <p:nvPr/>
+        </p:nvCxnSpPr>
+        <p:spPr>
+          <a:xfrm flipV="1">
+            <a:off x="2515868" y="2484157"/>
+            <a:ext cx="4289426" cy="1772902"/>
+          </a:xfrm>
+          <a:prstGeom prst="straightConnector1">
+            <a:avLst/>
+          </a:prstGeom>
+          <a:ln w="57150">
+            <a:solidFill>
+              <a:schemeClr val="tx1"/>
+            </a:solidFill>
+            <a:tailEnd type="triangle"/>
+          </a:ln>
+        </p:spPr>
+        <p:style>
+          <a:lnRef idx="1">
+            <a:schemeClr val="accent1"/>
+          </a:lnRef>
+          <a:fillRef idx="0">
+            <a:schemeClr val="accent1"/>
+          </a:fillRef>
+          <a:effectRef idx="0">
+            <a:schemeClr val="accent1"/>
+          </a:effectRef>
+          <a:fontRef idx="minor">
+            <a:schemeClr val="tx1"/>
+          </a:fontRef>
+        </p:style>
+      </p:cxnSp>
+      <p:cxnSp>
+        <p:nvCxnSpPr>
+          <p:cNvPr id="12" name="Straight Arrow Connector 11"/>
+          <p:cNvCxnSpPr>
+            <a:stCxn id="1028" idx="1"/>
+            <a:endCxn id="7" idx="1"/>
+          </p:cNvCxnSpPr>
+          <p:nvPr/>
+        </p:nvCxnSpPr>
+        <p:spPr>
+          <a:xfrm>
+            <a:off x="2515868" y="4257059"/>
+            <a:ext cx="4289426" cy="1681797"/>
+          </a:xfrm>
+          <a:prstGeom prst="straightConnector1">
+            <a:avLst/>
+          </a:prstGeom>
+          <a:ln w="57150">
+            <a:solidFill>
+              <a:schemeClr val="tx1"/>
+            </a:solidFill>
+            <a:tailEnd type="triangle"/>
+          </a:ln>
+        </p:spPr>
+        <p:style>
+          <a:lnRef idx="1">
+            <a:schemeClr val="accent1"/>
+          </a:lnRef>
+          <a:fillRef idx="0">
+            <a:schemeClr val="accent1"/>
+          </a:fillRef>
+          <a:effectRef idx="0">
+            <a:schemeClr val="accent1"/>
+          </a:effectRef>
+          <a:fontRef idx="minor">
+            <a:schemeClr val="tx1"/>
+          </a:fontRef>
+        </p:style>
+      </p:cxnSp>
+      <p:sp>
+        <p:nvSpPr>
+          <p:cNvPr id="13" name="TextBox 12"/>
+          <p:cNvSpPr txBox="1"/>
+          <p:nvPr/>
+        </p:nvSpPr>
+        <p:spPr>
+          <a:xfrm>
+            <a:off x="3682210" y="1988897"/>
+            <a:ext cx="1705916" cy="1015663"/>
+          </a:xfrm>
+          <a:prstGeom prst="rect">
+            <a:avLst/>
+          </a:prstGeom>
+          <a:noFill/>
+        </p:spPr>
+        <p:txBody>
+          <a:bodyPr wrap="none" rtlCol="0">
+            <a:spAutoFit/>
+          </a:bodyPr>
+          <a:lstStyle/>
+          <a:p>
+            <a:r>
+              <a:rPr lang="en-US" sz="2000" dirty="0" smtClean="0"/>
+              <a:t>GET /</a:t>
+            </a:r>
+          </a:p>
+          <a:p>
+            <a:r>
+              <a:rPr lang="en-US" sz="2000" dirty="0" smtClean="0"/>
+              <a:t>GET /style.css</a:t>
+            </a:r>
+          </a:p>
+          <a:p>
+            <a:r>
+              <a:rPr lang="en-US" sz="2000" dirty="0" smtClean="0"/>
+              <a:t>GET /bundle.js</a:t>
+            </a:r>
+            <a:endParaRPr lang="en-US" sz="2000" dirty="0"/>
+          </a:p>
+        </p:txBody>
+      </p:sp>
+      <p:sp>
+        <p:nvSpPr>
+          <p:cNvPr id="17" name="TextBox 16"/>
+          <p:cNvSpPr txBox="1"/>
+          <p:nvPr/>
+        </p:nvSpPr>
+        <p:spPr>
+          <a:xfrm>
+            <a:off x="3062287" y="5509558"/>
+            <a:ext cx="3093720" cy="707886"/>
+          </a:xfrm>
+          <a:prstGeom prst="rect">
+            <a:avLst/>
+          </a:prstGeom>
+          <a:noFill/>
+        </p:spPr>
+        <p:txBody>
+          <a:bodyPr wrap="square" rtlCol="0">
+            <a:spAutoFit/>
+          </a:bodyPr>
+          <a:lstStyle/>
+          <a:p>
+            <a:r>
+              <a:rPr lang="en-US" sz="2000" b="1" dirty="0"/>
+              <a:t>OPTIONS</a:t>
+            </a:r>
+            <a:r>
+              <a:rPr lang="en-US" sz="2000" dirty="0"/>
+              <a:t> /</a:t>
+            </a:r>
+            <a:r>
+              <a:rPr lang="en-US" sz="2000" dirty="0" err="1" smtClean="0"/>
+              <a:t>api</a:t>
+            </a:r>
+            <a:r>
+              <a:rPr lang="en-US" sz="2000" dirty="0" smtClean="0"/>
+              <a:t>/products</a:t>
+            </a:r>
+            <a:endParaRPr lang="en-US" sz="2000" dirty="0" smtClean="0"/>
+          </a:p>
+          <a:p>
+            <a:r>
+              <a:rPr lang="en-US" sz="2000" dirty="0" smtClean="0"/>
+              <a:t>POST </a:t>
+            </a:r>
+            <a:r>
+              <a:rPr lang="en-US" sz="2000" dirty="0" smtClean="0"/>
+              <a:t>/</a:t>
+            </a:r>
+            <a:r>
+              <a:rPr lang="en-US" sz="2000" dirty="0" err="1" smtClean="0"/>
+              <a:t>api</a:t>
+            </a:r>
+            <a:r>
+              <a:rPr lang="en-US" sz="2000" dirty="0" smtClean="0"/>
+              <a:t>/products</a:t>
+            </a:r>
+            <a:endParaRPr lang="en-US" sz="2000" dirty="0" smtClean="0"/>
+          </a:p>
+        </p:txBody>
+      </p:sp>
+      <p:pic>
+        <p:nvPicPr>
+          <p:cNvPr id="1032" name="Picture 8" descr="Image result for database sql server"/>
+          <p:cNvPicPr>
+            <a:picLocks noChangeAspect="1" noChangeArrowheads="1"/>
+          </p:cNvPicPr>
+          <p:nvPr/>
+        </p:nvPicPr>
+        <p:blipFill>
+          <a:blip r:embed="rId4">
+            <a:extLst>
+              <a:ext uri="{28A0092B-C50C-407E-A947-70E740481C1C}">
+                <a14:useLocalDpi xmlns:a14="http://schemas.microsoft.com/office/drawing/2010/main" val="0"/>
+              </a:ext>
+            </a:extLst>
+          </a:blip>
+          <a:srcRect/>
+          <a:stretch>
+            <a:fillRect/>
+          </a:stretch>
+        </p:blipFill>
+        <p:spPr bwMode="auto">
+          <a:xfrm>
+            <a:off x="10161906" y="5229265"/>
+            <a:ext cx="1412874" cy="1419181"/>
+          </a:xfrm>
+          <a:prstGeom prst="rect">
+            <a:avLst/>
+          </a:prstGeom>
+          <a:noFill/>
+          <a:extLst>
+            <a:ext uri="{909E8E84-426E-40DD-AFC4-6F175D3DCCD1}">
+              <a14:hiddenFill xmlns:a14="http://schemas.microsoft.com/office/drawing/2010/main">
+                <a:solidFill>
+                  <a:srgbClr val="FFFFFF"/>
+                </a:solidFill>
+              </a14:hiddenFill>
+            </a:ext>
+          </a:extLst>
+        </p:spPr>
+      </p:pic>
+      <p:cxnSp>
+        <p:nvCxnSpPr>
+          <p:cNvPr id="19" name="Straight Arrow Connector 18"/>
+          <p:cNvCxnSpPr>
+            <a:stCxn id="7" idx="3"/>
+            <a:endCxn id="1032" idx="1"/>
+          </p:cNvCxnSpPr>
+          <p:nvPr/>
+        </p:nvCxnSpPr>
+        <p:spPr>
+          <a:xfrm>
+            <a:off x="9075420" y="5938856"/>
+            <a:ext cx="1086486" cy="0"/>
+          </a:xfrm>
+          <a:prstGeom prst="straightConnector1">
+            <a:avLst/>
+          </a:prstGeom>
+          <a:ln w="57150">
+            <a:solidFill>
+              <a:schemeClr val="tx1"/>
+            </a:solidFill>
+            <a:headEnd type="triangle"/>
+            <a:tailEnd type="triangle"/>
+          </a:ln>
+        </p:spPr>
+        <p:style>
+          <a:lnRef idx="1">
+            <a:schemeClr val="accent1"/>
+          </a:lnRef>
+          <a:fillRef idx="0">
+            <a:schemeClr val="accent1"/>
+          </a:fillRef>
+          <a:effectRef idx="0">
+            <a:schemeClr val="accent1"/>
+          </a:effectRef>
+          <a:fontRef idx="minor">
+            <a:schemeClr val="tx1"/>
+          </a:fontRef>
+        </p:style>
+      </p:cxnSp>
+      <p:sp>
+        <p:nvSpPr>
+          <p:cNvPr id="2" name="Right Arrow 1"/>
+          <p:cNvSpPr/>
+          <p:nvPr/>
+        </p:nvSpPr>
+        <p:spPr>
+          <a:xfrm rot="20457412">
+            <a:off x="2031590" y="5835835"/>
+            <a:ext cx="978408" cy="484632"/>
+          </a:xfrm>
+          <a:prstGeom prst="rightArrow">
+            <a:avLst/>
+          </a:prstGeom>
+        </p:spPr>
+        <p:style>
+          <a:lnRef idx="2">
+            <a:schemeClr val="accent1">
+              <a:shade val="50000"/>
+            </a:schemeClr>
+          </a:lnRef>
+          <a:fillRef idx="1">
+            <a:schemeClr val="accent1"/>
+          </a:fillRef>
+          <a:effectRef idx="0">
+            <a:schemeClr val="accent1"/>
+          </a:effectRef>
+          <a:fontRef idx="minor">
+            <a:schemeClr val="lt1"/>
+          </a:fontRef>
+        </p:style>
+        <p:txBody>
+          <a:bodyPr rtlCol="0" anchor="ctr"/>
+          <a:lstStyle/>
+          <a:p>
+            <a:pPr algn="ctr"/>
             <a:endParaRPr lang="en-US"/>
           </a:p>
         </p:txBody>
@@ -13599,7 +14148,7 @@
     </p:spTree>
     <p:extLst>
       <p:ext uri="{BB962C8B-B14F-4D97-AF65-F5344CB8AC3E}">
-        <p14:creationId xmlns:p14="http://schemas.microsoft.com/office/powerpoint/2010/main" val="4220222506"/>
+        <p14:creationId xmlns:p14="http://schemas.microsoft.com/office/powerpoint/2010/main" val="3782989462"/>
       </p:ext>
     </p:extLst>
   </p:cSld>
@@ -13628,125 +14177,368 @@
       </p:grpSpPr>
       <p:sp>
         <p:nvSpPr>
-          <p:cNvPr id="2" name="Title 1"/>
-          <p:cNvSpPr>
-            <a:spLocks noGrp="1"/>
-          </p:cNvSpPr>
-          <p:nvPr>
-            <p:ph type="title"/>
-          </p:nvPr>
-        </p:nvSpPr>
-        <p:spPr/>
-        <p:txBody>
-          <a:bodyPr/>
-          <a:lstStyle/>
-          <a:p>
+          <p:cNvPr id="3" name="Content Placeholder 2"/>
+          <p:cNvSpPr>
+            <a:spLocks noGrp="1"/>
+          </p:cNvSpPr>
+          <p:nvPr>
+            <p:ph idx="1"/>
+          </p:nvPr>
+        </p:nvSpPr>
+        <p:spPr>
+          <a:xfrm>
+            <a:off x="327660" y="187893"/>
+            <a:ext cx="11513820" cy="1609531"/>
+          </a:xfrm>
+        </p:spPr>
+        <p:txBody>
+          <a:bodyPr>
+            <a:normAutofit fontScale="92500"/>
+          </a:bodyPr>
+          <a:lstStyle/>
+          <a:p>
+            <a:r>
+              <a:rPr lang="en-US" dirty="0" smtClean="0"/>
+              <a:t>If everything coming from same </a:t>
+            </a:r>
             <a:r>
               <a:rPr lang="en-US" b="1" dirty="0" smtClean="0"/>
-              <a:t>FIXME</a:t>
-            </a:r>
-            <a:r>
-              <a:rPr lang="en-US" dirty="0" smtClean="0"/>
-              <a:t> rest</a:t>
+              <a:t>Origin</a:t>
+            </a:r>
+            <a:r>
+              <a:rPr lang="en-US" dirty="0" smtClean="0"/>
+              <a:t>, then do not enable CORS headers on server, and you should have no problems with CSRF</a:t>
+            </a:r>
+          </a:p>
+          <a:p>
+            <a:r>
+              <a:rPr lang="en-US" dirty="0" smtClean="0"/>
+              <a:t>Note: could also be different servers behind a single gateway</a:t>
             </a:r>
             <a:endParaRPr lang="en-US" dirty="0"/>
           </a:p>
         </p:txBody>
       </p:sp>
-      <p:sp>
-        <p:nvSpPr>
-          <p:cNvPr id="3" name="Content Placeholder 2"/>
-          <p:cNvSpPr>
-            <a:spLocks noGrp="1"/>
-          </p:cNvSpPr>
-          <p:nvPr>
-            <p:ph idx="1"/>
-          </p:nvPr>
-        </p:nvSpPr>
-        <p:spPr>
-          <a:xfrm>
-            <a:off x="163773" y="1825625"/>
-            <a:ext cx="11746173" cy="4811736"/>
-          </a:xfrm>
-        </p:spPr>
-        <p:txBody>
-          <a:bodyPr>
-            <a:normAutofit/>
+      <p:pic>
+        <p:nvPicPr>
+          <p:cNvPr id="1028" name="Picture 4" descr="Related image"/>
+          <p:cNvPicPr>
+            <a:picLocks noChangeAspect="1" noChangeArrowheads="1"/>
+          </p:cNvPicPr>
+          <p:nvPr/>
+        </p:nvPicPr>
+        <p:blipFill>
+          <a:blip r:embed="rId2" cstate="hqprint">
+            <a:extLst>
+              <a:ext uri="{28A0092B-C50C-407E-A947-70E740481C1C}">
+                <a14:useLocalDpi xmlns:a14="http://schemas.microsoft.com/office/drawing/2010/main" val="0"/>
+              </a:ext>
+            </a:extLst>
+          </a:blip>
+          <a:srcRect/>
+          <a:stretch>
+            <a:fillRect/>
+          </a:stretch>
+        </p:blipFill>
+        <p:spPr bwMode="auto">
+          <a:xfrm flipH="1">
+            <a:off x="1407794" y="4462147"/>
+            <a:ext cx="1298574" cy="1298574"/>
+          </a:xfrm>
+          <a:prstGeom prst="rect">
+            <a:avLst/>
+          </a:prstGeom>
+          <a:noFill/>
+          <a:extLst>
+            <a:ext uri="{909E8E84-426E-40DD-AFC4-6F175D3DCCD1}">
+              <a14:hiddenFill xmlns:a14="http://schemas.microsoft.com/office/drawing/2010/main">
+                <a:solidFill>
+                  <a:srgbClr val="FFFFFF"/>
+                </a:solidFill>
+              </a14:hiddenFill>
+            </a:ext>
+          </a:extLst>
+        </p:spPr>
+      </p:pic>
+      <p:pic>
+        <p:nvPicPr>
+          <p:cNvPr id="7" name="Picture 6" descr="Image result for server"/>
+          <p:cNvPicPr>
+            <a:picLocks noChangeAspect="1" noChangeArrowheads="1"/>
+          </p:cNvPicPr>
+          <p:nvPr/>
+        </p:nvPicPr>
+        <p:blipFill>
+          <a:blip r:embed="rId3">
+            <a:extLst>
+              <a:ext uri="{28A0092B-C50C-407E-A947-70E740481C1C}">
+                <a14:useLocalDpi xmlns:a14="http://schemas.microsoft.com/office/drawing/2010/main" val="0"/>
+              </a:ext>
+            </a:extLst>
+          </a:blip>
+          <a:srcRect/>
+          <a:stretch>
+            <a:fillRect/>
+          </a:stretch>
+        </p:blipFill>
+        <p:spPr bwMode="auto">
+          <a:xfrm>
+            <a:off x="6985317" y="4257059"/>
+            <a:ext cx="2270126" cy="1708750"/>
+          </a:xfrm>
+          <a:prstGeom prst="rect">
+            <a:avLst/>
+          </a:prstGeom>
+          <a:noFill/>
+          <a:extLst>
+            <a:ext uri="{909E8E84-426E-40DD-AFC4-6F175D3DCCD1}">
+              <a14:hiddenFill xmlns:a14="http://schemas.microsoft.com/office/drawing/2010/main">
+                <a:solidFill>
+                  <a:srgbClr val="FFFFFF"/>
+                </a:solidFill>
+              </a14:hiddenFill>
+            </a:ext>
+          </a:extLst>
+        </p:spPr>
+      </p:pic>
+      <p:sp>
+        <p:nvSpPr>
+          <p:cNvPr id="9" name="TextBox 8"/>
+          <p:cNvSpPr txBox="1"/>
+          <p:nvPr/>
+        </p:nvSpPr>
+        <p:spPr>
+          <a:xfrm>
+            <a:off x="7184326" y="6258727"/>
+            <a:ext cx="2009268" cy="461665"/>
+          </a:xfrm>
+          <a:prstGeom prst="rect">
+            <a:avLst/>
+          </a:prstGeom>
+          <a:noFill/>
+        </p:spPr>
+        <p:txBody>
+          <a:bodyPr wrap="none" rtlCol="0">
+            <a:spAutoFit/>
           </a:bodyPr>
           <a:lstStyle/>
           <a:p>
             <a:r>
-              <a:rPr lang="en-US" dirty="0" err="1" smtClean="0"/>
-              <a:t>proxied</a:t>
-            </a:r>
-            <a:r>
-              <a:rPr lang="en-US" dirty="0" smtClean="0"/>
-              <a:t> calls vs CORS headers</a:t>
-            </a:r>
-          </a:p>
-          <a:p>
-            <a:pPr lvl="1"/>
-            <a:r>
-              <a:rPr lang="en-US" dirty="0" smtClean="0"/>
-              <a:t>depending on whether controlling 2</a:t>
-            </a:r>
-            <a:r>
-              <a:rPr lang="en-US" baseline="30000" dirty="0" smtClean="0"/>
-              <a:t>nd</a:t>
-            </a:r>
-            <a:r>
-              <a:rPr lang="en-US" dirty="0" smtClean="0"/>
-              <a:t> server</a:t>
-            </a:r>
-          </a:p>
-          <a:p>
-            <a:r>
-              <a:rPr lang="en-US" dirty="0" smtClean="0"/>
-              <a:t>explain </a:t>
-            </a:r>
-            <a:r>
-              <a:rPr lang="en-US" dirty="0" err="1" smtClean="0"/>
-              <a:t>idiocracy</a:t>
-            </a:r>
-            <a:r>
-              <a:rPr lang="en-US" dirty="0" smtClean="0"/>
-              <a:t> of trying to bypass CORS for performance reasons</a:t>
-            </a:r>
-          </a:p>
-          <a:p>
-            <a:r>
-              <a:rPr lang="en-US" dirty="0" smtClean="0"/>
-              <a:t>explain allow * is anyway blocked when </a:t>
-            </a:r>
-            <a:r>
-              <a:rPr lang="en-US" dirty="0" err="1" smtClean="0"/>
-              <a:t>auth</a:t>
-            </a:r>
-            <a:endParaRPr lang="en-US" dirty="0" smtClean="0"/>
-          </a:p>
-          <a:p>
-            <a:r>
-              <a:rPr lang="en-US" dirty="0" smtClean="0"/>
-              <a:t>bash bullshit of tutorials / blog posts</a:t>
-            </a:r>
-          </a:p>
-          <a:p>
-            <a:pPr lvl="1"/>
-            <a:r>
-              <a:rPr lang="en-US" dirty="0" err="1" smtClean="0"/>
-              <a:t>eg</a:t>
-            </a:r>
-            <a:r>
-              <a:rPr lang="en-US" dirty="0" smtClean="0"/>
-              <a:t> JWT for sessions without using cookies</a:t>
-            </a:r>
-          </a:p>
-        </p:txBody>
-      </p:sp>
+              <a:rPr lang="en-US" sz="2400" dirty="0" smtClean="0"/>
+              <a:t>localhost:8080</a:t>
+            </a:r>
+            <a:endParaRPr lang="en-US" sz="2400" dirty="0"/>
+          </a:p>
+        </p:txBody>
+      </p:sp>
+      <p:cxnSp>
+        <p:nvCxnSpPr>
+          <p:cNvPr id="12" name="Straight Arrow Connector 11"/>
+          <p:cNvCxnSpPr>
+            <a:stCxn id="1028" idx="1"/>
+            <a:endCxn id="7" idx="1"/>
+          </p:cNvCxnSpPr>
+          <p:nvPr/>
+        </p:nvCxnSpPr>
+        <p:spPr>
+          <a:xfrm>
+            <a:off x="2706368" y="5111434"/>
+            <a:ext cx="4278949" cy="0"/>
+          </a:xfrm>
+          <a:prstGeom prst="straightConnector1">
+            <a:avLst/>
+          </a:prstGeom>
+          <a:ln w="57150">
+            <a:solidFill>
+              <a:schemeClr val="tx1"/>
+            </a:solidFill>
+            <a:tailEnd type="triangle"/>
+          </a:ln>
+        </p:spPr>
+        <p:style>
+          <a:lnRef idx="1">
+            <a:schemeClr val="accent1"/>
+          </a:lnRef>
+          <a:fillRef idx="0">
+            <a:schemeClr val="accent1"/>
+          </a:fillRef>
+          <a:effectRef idx="0">
+            <a:schemeClr val="accent1"/>
+          </a:effectRef>
+          <a:fontRef idx="minor">
+            <a:schemeClr val="tx1"/>
+          </a:fontRef>
+        </p:style>
+      </p:cxnSp>
+      <p:sp>
+        <p:nvSpPr>
+          <p:cNvPr id="13" name="TextBox 12"/>
+          <p:cNvSpPr txBox="1"/>
+          <p:nvPr/>
+        </p:nvSpPr>
+        <p:spPr>
+          <a:xfrm>
+            <a:off x="3446613" y="3070937"/>
+            <a:ext cx="2798458" cy="1938992"/>
+          </a:xfrm>
+          <a:prstGeom prst="rect">
+            <a:avLst/>
+          </a:prstGeom>
+          <a:noFill/>
+        </p:spPr>
+        <p:txBody>
+          <a:bodyPr wrap="none" rtlCol="0">
+            <a:spAutoFit/>
+          </a:bodyPr>
+          <a:lstStyle/>
+          <a:p>
+            <a:r>
+              <a:rPr lang="en-US" sz="2000" dirty="0" smtClean="0"/>
+              <a:t>GET /</a:t>
+            </a:r>
+          </a:p>
+          <a:p>
+            <a:r>
+              <a:rPr lang="en-US" sz="2000" dirty="0" smtClean="0"/>
+              <a:t>GET /style.css</a:t>
+            </a:r>
+          </a:p>
+          <a:p>
+            <a:r>
+              <a:rPr lang="en-US" sz="2000" dirty="0" smtClean="0"/>
+              <a:t>GET /bundle.js</a:t>
+            </a:r>
+          </a:p>
+          <a:p>
+            <a:r>
+              <a:rPr lang="en-US" sz="2000" dirty="0" smtClean="0"/>
+              <a:t>GET /</a:t>
+            </a:r>
+            <a:r>
+              <a:rPr lang="en-US" sz="2000" dirty="0" err="1" smtClean="0"/>
+              <a:t>api</a:t>
+            </a:r>
+            <a:r>
+              <a:rPr lang="en-US" sz="2000" dirty="0" smtClean="0"/>
+              <a:t>/products</a:t>
+            </a:r>
+          </a:p>
+          <a:p>
+            <a:r>
+              <a:rPr lang="en-US" sz="2000" dirty="0" smtClean="0"/>
+              <a:t>POST /</a:t>
+            </a:r>
+            <a:r>
+              <a:rPr lang="en-US" sz="2000" dirty="0" err="1" smtClean="0"/>
+              <a:t>api</a:t>
+            </a:r>
+            <a:r>
+              <a:rPr lang="en-US" sz="2000" dirty="0" smtClean="0"/>
+              <a:t>/products</a:t>
+            </a:r>
+          </a:p>
+          <a:p>
+            <a:r>
+              <a:rPr lang="en-US" sz="2000" dirty="0" smtClean="0"/>
+              <a:t>DELETE /</a:t>
+            </a:r>
+            <a:r>
+              <a:rPr lang="en-US" sz="2000" dirty="0" err="1" smtClean="0"/>
+              <a:t>api</a:t>
+            </a:r>
+            <a:r>
+              <a:rPr lang="en-US" sz="2000" dirty="0" smtClean="0"/>
+              <a:t>/products/42</a:t>
+            </a:r>
+            <a:endParaRPr lang="en-US" sz="2000" dirty="0"/>
+          </a:p>
+        </p:txBody>
+      </p:sp>
+      <p:pic>
+        <p:nvPicPr>
+          <p:cNvPr id="1032" name="Picture 8" descr="Image result for database sql server"/>
+          <p:cNvPicPr>
+            <a:picLocks noChangeAspect="1" noChangeArrowheads="1"/>
+          </p:cNvPicPr>
+          <p:nvPr/>
+        </p:nvPicPr>
+        <p:blipFill>
+          <a:blip r:embed="rId4">
+            <a:extLst>
+              <a:ext uri="{28A0092B-C50C-407E-A947-70E740481C1C}">
+                <a14:useLocalDpi xmlns:a14="http://schemas.microsoft.com/office/drawing/2010/main" val="0"/>
+              </a:ext>
+            </a:extLst>
+          </a:blip>
+          <a:srcRect/>
+          <a:stretch>
+            <a:fillRect/>
+          </a:stretch>
+        </p:blipFill>
+        <p:spPr bwMode="auto">
+          <a:xfrm>
+            <a:off x="10161906" y="4401843"/>
+            <a:ext cx="1412874" cy="1419181"/>
+          </a:xfrm>
+          <a:prstGeom prst="rect">
+            <a:avLst/>
+          </a:prstGeom>
+          <a:noFill/>
+          <a:extLst>
+            <a:ext uri="{909E8E84-426E-40DD-AFC4-6F175D3DCCD1}">
+              <a14:hiddenFill xmlns:a14="http://schemas.microsoft.com/office/drawing/2010/main">
+                <a:solidFill>
+                  <a:srgbClr val="FFFFFF"/>
+                </a:solidFill>
+              </a14:hiddenFill>
+            </a:ext>
+          </a:extLst>
+        </p:spPr>
+      </p:pic>
+      <p:cxnSp>
+        <p:nvCxnSpPr>
+          <p:cNvPr id="19" name="Straight Arrow Connector 18"/>
+          <p:cNvCxnSpPr>
+            <a:stCxn id="7" idx="3"/>
+            <a:endCxn id="1032" idx="1"/>
+          </p:cNvCxnSpPr>
+          <p:nvPr/>
+        </p:nvCxnSpPr>
+        <p:spPr>
+          <a:xfrm>
+            <a:off x="9255443" y="5111434"/>
+            <a:ext cx="906463" cy="0"/>
+          </a:xfrm>
+          <a:prstGeom prst="straightConnector1">
+            <a:avLst/>
+          </a:prstGeom>
+          <a:ln w="57150">
+            <a:solidFill>
+              <a:schemeClr val="tx1"/>
+            </a:solidFill>
+            <a:headEnd type="triangle"/>
+            <a:tailEnd type="triangle"/>
+          </a:ln>
+        </p:spPr>
+        <p:style>
+          <a:lnRef idx="1">
+            <a:schemeClr val="accent1"/>
+          </a:lnRef>
+          <a:fillRef idx="0">
+            <a:schemeClr val="accent1"/>
+          </a:fillRef>
+          <a:effectRef idx="0">
+            <a:schemeClr val="accent1"/>
+          </a:effectRef>
+          <a:fontRef idx="minor">
+            <a:schemeClr val="tx1"/>
+          </a:fontRef>
+        </p:style>
+      </p:cxnSp>
     </p:spTree>
     <p:extLst>
       <p:ext uri="{BB962C8B-B14F-4D97-AF65-F5344CB8AC3E}">
-        <p14:creationId xmlns:p14="http://schemas.microsoft.com/office/powerpoint/2010/main" val="2135539209"/>
+        <p14:creationId xmlns:p14="http://schemas.microsoft.com/office/powerpoint/2010/main" val="2234145314"/>
       </p:ext>
     </p:extLst>
   </p:cSld>
@@ -13783,14 +14575,19 @@
             <p:ph type="title"/>
           </p:nvPr>
         </p:nvSpPr>
-        <p:spPr/>
+        <p:spPr>
+          <a:xfrm>
+            <a:off x="219635" y="78254"/>
+            <a:ext cx="10515600" cy="1325563"/>
+          </a:xfrm>
+        </p:spPr>
         <p:txBody>
           <a:bodyPr/>
           <a:lstStyle/>
           <a:p>
             <a:r>
               <a:rPr lang="en-US" dirty="0" smtClean="0"/>
-              <a:t>CSRF Prevention</a:t>
+              <a:t>Third-Party APIs</a:t>
             </a:r>
             <a:endParaRPr lang="en-US" dirty="0"/>
           </a:p>
@@ -13808,83 +14605,295 @@
         </p:nvSpPr>
         <p:spPr>
           <a:xfrm>
-            <a:off x="119641" y="1825625"/>
-            <a:ext cx="11853017" cy="4857186"/>
+            <a:off x="259976" y="1238436"/>
+            <a:ext cx="11779624" cy="1216622"/>
           </a:xfrm>
         </p:spPr>
         <p:txBody>
           <a:bodyPr>
-            <a:normAutofit fontScale="92500"/>
+            <a:normAutofit fontScale="77500" lnSpcReduction="20000"/>
           </a:bodyPr>
           <a:lstStyle/>
           <a:p>
             <a:r>
               <a:rPr lang="en-US" dirty="0" smtClean="0"/>
-              <a:t>Using a cookie token for authentication is not enough for critical operations </a:t>
-            </a:r>
-          </a:p>
-          <a:p>
-            <a:r>
-              <a:rPr lang="en-US" dirty="0" smtClean="0"/>
-              <a:t>Need a </a:t>
-            </a:r>
-            <a:r>
-              <a:rPr lang="en-US" i="1" dirty="0" smtClean="0"/>
-              <a:t>second token </a:t>
-            </a:r>
-            <a:r>
-              <a:rPr lang="en-US" dirty="0" smtClean="0"/>
-              <a:t>which is </a:t>
-            </a:r>
-            <a:r>
-              <a:rPr lang="en-US" b="1" dirty="0" smtClean="0"/>
-              <a:t>NOT</a:t>
-            </a:r>
-            <a:r>
-              <a:rPr lang="en-US" dirty="0" smtClean="0"/>
-              <a:t> stored in a cookie, and added in the HTML/JS at each request</a:t>
-            </a:r>
-          </a:p>
-          <a:p>
-            <a:r>
-              <a:rPr lang="en-US" dirty="0" smtClean="0"/>
-              <a:t>Server will validate both tokens before accepting a request</a:t>
-            </a:r>
-          </a:p>
-          <a:p>
-            <a:r>
-              <a:rPr lang="en-US" dirty="0" smtClean="0"/>
-              <a:t>Details on how to handle such token depends on the framework used by the server, and how it generates the HTML pages</a:t>
-            </a:r>
-          </a:p>
-          <a:p>
-            <a:pPr lvl="1"/>
-            <a:r>
-              <a:rPr lang="en-US" dirty="0" err="1"/>
-              <a:t>e</a:t>
-            </a:r>
-            <a:r>
-              <a:rPr lang="en-US" dirty="0" err="1" smtClean="0"/>
-              <a:t>g</a:t>
-            </a:r>
-            <a:r>
-              <a:rPr lang="en-US" dirty="0" smtClean="0"/>
-              <a:t>, added as a secret, non-visible input in the HTML forms</a:t>
-            </a:r>
-          </a:p>
-          <a:p>
-            <a:r>
-              <a:rPr lang="en-US" i="1" dirty="0" smtClean="0"/>
-              <a:t>Eve will/should not be able  to read and use such second token</a:t>
-            </a:r>
-            <a:endParaRPr lang="en-US" i="1" dirty="0"/>
-          </a:p>
-        </p:txBody>
-      </p:sp>
+              <a:t>Still have to enable CORS in those remote servers, if want to contact them directly from JS</a:t>
+            </a:r>
+          </a:p>
+          <a:p>
+            <a:r>
+              <a:rPr lang="en-US" dirty="0" smtClean="0"/>
+              <a:t>But what if I cannot change those settings, or want to avoid preflight requests?</a:t>
+            </a:r>
+            <a:endParaRPr lang="en-US" dirty="0"/>
+          </a:p>
+        </p:txBody>
+      </p:sp>
+      <p:pic>
+        <p:nvPicPr>
+          <p:cNvPr id="4" name="Picture 4" descr="Related image"/>
+          <p:cNvPicPr>
+            <a:picLocks noChangeAspect="1" noChangeArrowheads="1"/>
+          </p:cNvPicPr>
+          <p:nvPr/>
+        </p:nvPicPr>
+        <p:blipFill>
+          <a:blip r:embed="rId2" cstate="hqprint">
+            <a:extLst>
+              <a:ext uri="{28A0092B-C50C-407E-A947-70E740481C1C}">
+                <a14:useLocalDpi xmlns:a14="http://schemas.microsoft.com/office/drawing/2010/main" val="0"/>
+              </a:ext>
+            </a:extLst>
+          </a:blip>
+          <a:srcRect/>
+          <a:stretch>
+            <a:fillRect/>
+          </a:stretch>
+        </p:blipFill>
+        <p:spPr bwMode="auto">
+          <a:xfrm flipH="1">
+            <a:off x="1217294" y="4334959"/>
+            <a:ext cx="1298574" cy="1298574"/>
+          </a:xfrm>
+          <a:prstGeom prst="rect">
+            <a:avLst/>
+          </a:prstGeom>
+          <a:noFill/>
+          <a:extLst>
+            <a:ext uri="{909E8E84-426E-40DD-AFC4-6F175D3DCCD1}">
+              <a14:hiddenFill xmlns:a14="http://schemas.microsoft.com/office/drawing/2010/main">
+                <a:solidFill>
+                  <a:srgbClr val="FFFFFF"/>
+                </a:solidFill>
+              </a14:hiddenFill>
+            </a:ext>
+          </a:extLst>
+        </p:spPr>
+      </p:pic>
+      <p:pic>
+        <p:nvPicPr>
+          <p:cNvPr id="5" name="Picture 6" descr="Image result for server"/>
+          <p:cNvPicPr>
+            <a:picLocks noChangeAspect="1" noChangeArrowheads="1"/>
+          </p:cNvPicPr>
+          <p:nvPr/>
+        </p:nvPicPr>
+        <p:blipFill>
+          <a:blip r:embed="rId3">
+            <a:extLst>
+              <a:ext uri="{28A0092B-C50C-407E-A947-70E740481C1C}">
+                <a14:useLocalDpi xmlns:a14="http://schemas.microsoft.com/office/drawing/2010/main" val="0"/>
+              </a:ext>
+            </a:extLst>
+          </a:blip>
+          <a:srcRect/>
+          <a:stretch>
+            <a:fillRect/>
+          </a:stretch>
+        </p:blipFill>
+        <p:spPr bwMode="auto">
+          <a:xfrm>
+            <a:off x="6805294" y="3078630"/>
+            <a:ext cx="2270126" cy="1708750"/>
+          </a:xfrm>
+          <a:prstGeom prst="rect">
+            <a:avLst/>
+          </a:prstGeom>
+          <a:noFill/>
+          <a:extLst>
+            <a:ext uri="{909E8E84-426E-40DD-AFC4-6F175D3DCCD1}">
+              <a14:hiddenFill xmlns:a14="http://schemas.microsoft.com/office/drawing/2010/main">
+                <a:solidFill>
+                  <a:srgbClr val="FFFFFF"/>
+                </a:solidFill>
+              </a14:hiddenFill>
+            </a:ext>
+          </a:extLst>
+        </p:spPr>
+      </p:pic>
+      <p:pic>
+        <p:nvPicPr>
+          <p:cNvPr id="6" name="Picture 5" descr="Image result for server"/>
+          <p:cNvPicPr>
+            <a:picLocks noChangeAspect="1" noChangeArrowheads="1"/>
+          </p:cNvPicPr>
+          <p:nvPr/>
+        </p:nvPicPr>
+        <p:blipFill>
+          <a:blip r:embed="rId3">
+            <a:extLst>
+              <a:ext uri="{28A0092B-C50C-407E-A947-70E740481C1C}">
+                <a14:useLocalDpi xmlns:a14="http://schemas.microsoft.com/office/drawing/2010/main" val="0"/>
+              </a:ext>
+            </a:extLst>
+          </a:blip>
+          <a:srcRect/>
+          <a:stretch>
+            <a:fillRect/>
+          </a:stretch>
+        </p:blipFill>
+        <p:spPr bwMode="auto">
+          <a:xfrm>
+            <a:off x="6805294" y="5115858"/>
+            <a:ext cx="2270126" cy="1708750"/>
+          </a:xfrm>
+          <a:prstGeom prst="rect">
+            <a:avLst/>
+          </a:prstGeom>
+          <a:noFill/>
+          <a:extLst>
+            <a:ext uri="{909E8E84-426E-40DD-AFC4-6F175D3DCCD1}">
+              <a14:hiddenFill xmlns:a14="http://schemas.microsoft.com/office/drawing/2010/main">
+                <a:solidFill>
+                  <a:srgbClr val="FFFFFF"/>
+                </a:solidFill>
+              </a14:hiddenFill>
+            </a:ext>
+          </a:extLst>
+        </p:spPr>
+      </p:pic>
+      <p:sp>
+        <p:nvSpPr>
+          <p:cNvPr id="7" name="TextBox 6"/>
+          <p:cNvSpPr txBox="1"/>
+          <p:nvPr/>
+        </p:nvSpPr>
+        <p:spPr>
+          <a:xfrm>
+            <a:off x="9075420" y="3797213"/>
+            <a:ext cx="2914874" cy="461665"/>
+          </a:xfrm>
+          <a:prstGeom prst="rect">
+            <a:avLst/>
+          </a:prstGeom>
+          <a:noFill/>
+        </p:spPr>
+        <p:txBody>
+          <a:bodyPr wrap="square" rtlCol="0">
+            <a:spAutoFit/>
+          </a:bodyPr>
+          <a:lstStyle/>
+          <a:p>
+            <a:r>
+              <a:rPr lang="en-US" sz="2400" dirty="0" smtClean="0"/>
+              <a:t>Third-Party Server X</a:t>
+            </a:r>
+            <a:endParaRPr lang="en-US" sz="2400" dirty="0"/>
+          </a:p>
+        </p:txBody>
+      </p:sp>
+      <p:sp>
+        <p:nvSpPr>
+          <p:cNvPr id="8" name="TextBox 7"/>
+          <p:cNvSpPr txBox="1"/>
+          <p:nvPr/>
+        </p:nvSpPr>
+        <p:spPr>
+          <a:xfrm>
+            <a:off x="9167935" y="5798839"/>
+            <a:ext cx="1458926" cy="461665"/>
+          </a:xfrm>
+          <a:prstGeom prst="rect">
+            <a:avLst/>
+          </a:prstGeom>
+          <a:noFill/>
+        </p:spPr>
+        <p:txBody>
+          <a:bodyPr wrap="none" rtlCol="0">
+            <a:spAutoFit/>
+          </a:bodyPr>
+          <a:lstStyle/>
+          <a:p>
+            <a:r>
+              <a:rPr lang="en-US" sz="2400" dirty="0" smtClean="0"/>
+              <a:t>My Server</a:t>
+            </a:r>
+            <a:endParaRPr lang="en-US" sz="2400" dirty="0"/>
+          </a:p>
+        </p:txBody>
+      </p:sp>
+      <p:cxnSp>
+        <p:nvCxnSpPr>
+          <p:cNvPr id="9" name="Straight Arrow Connector 8"/>
+          <p:cNvCxnSpPr>
+            <a:stCxn id="4" idx="1"/>
+            <a:endCxn id="5" idx="1"/>
+          </p:cNvCxnSpPr>
+          <p:nvPr/>
+        </p:nvCxnSpPr>
+        <p:spPr>
+          <a:xfrm flipV="1">
+            <a:off x="2515868" y="3933005"/>
+            <a:ext cx="4289426" cy="1051241"/>
+          </a:xfrm>
+          <a:prstGeom prst="straightConnector1">
+            <a:avLst/>
+          </a:prstGeom>
+          <a:ln w="57150">
+            <a:solidFill>
+              <a:schemeClr val="tx1"/>
+            </a:solidFill>
+            <a:tailEnd type="triangle"/>
+          </a:ln>
+        </p:spPr>
+        <p:style>
+          <a:lnRef idx="1">
+            <a:schemeClr val="accent1"/>
+          </a:lnRef>
+          <a:fillRef idx="0">
+            <a:schemeClr val="accent1"/>
+          </a:fillRef>
+          <a:effectRef idx="0">
+            <a:schemeClr val="accent1"/>
+          </a:effectRef>
+          <a:fontRef idx="minor">
+            <a:schemeClr val="tx1"/>
+          </a:fontRef>
+        </p:style>
+      </p:cxnSp>
+      <p:cxnSp>
+        <p:nvCxnSpPr>
+          <p:cNvPr id="10" name="Straight Arrow Connector 9"/>
+          <p:cNvCxnSpPr>
+            <a:stCxn id="4" idx="1"/>
+            <a:endCxn id="6" idx="1"/>
+          </p:cNvCxnSpPr>
+          <p:nvPr/>
+        </p:nvCxnSpPr>
+        <p:spPr>
+          <a:xfrm>
+            <a:off x="2515868" y="4984246"/>
+            <a:ext cx="4289426" cy="985987"/>
+          </a:xfrm>
+          <a:prstGeom prst="straightConnector1">
+            <a:avLst/>
+          </a:prstGeom>
+          <a:ln w="57150">
+            <a:solidFill>
+              <a:schemeClr val="tx1"/>
+            </a:solidFill>
+            <a:tailEnd type="triangle"/>
+          </a:ln>
+        </p:spPr>
+        <p:style>
+          <a:lnRef idx="1">
+            <a:schemeClr val="accent1"/>
+          </a:lnRef>
+          <a:fillRef idx="0">
+            <a:schemeClr val="accent1"/>
+          </a:fillRef>
+          <a:effectRef idx="0">
+            <a:schemeClr val="accent1"/>
+          </a:effectRef>
+          <a:fontRef idx="minor">
+            <a:schemeClr val="tx1"/>
+          </a:fontRef>
+        </p:style>
+      </p:cxnSp>
     </p:spTree>
     <p:extLst>
       <p:ext uri="{BB962C8B-B14F-4D97-AF65-F5344CB8AC3E}">
-        <p14:creationId xmlns:p14="http://schemas.microsoft.com/office/powerpoint/2010/main" val="317193024"/>
+        <p14:creationId xmlns:p14="http://schemas.microsoft.com/office/powerpoint/2010/main" val="4220222506"/>
       </p:ext>
     </p:extLst>
   </p:cSld>
@@ -13921,12 +14930,21 @@
             <p:ph type="title"/>
           </p:nvPr>
         </p:nvSpPr>
-        <p:spPr/>
+        <p:spPr>
+          <a:xfrm>
+            <a:off x="838200" y="136525"/>
+            <a:ext cx="10515600" cy="1325563"/>
+          </a:xfrm>
+        </p:spPr>
         <p:txBody>
           <a:bodyPr/>
           <a:lstStyle/>
           <a:p>
-            <a:endParaRPr lang="en-US"/>
+            <a:r>
+              <a:rPr lang="en-US" dirty="0" smtClean="0"/>
+              <a:t>Proxy Requests</a:t>
+            </a:r>
+            <a:endParaRPr lang="en-US" dirty="0"/>
           </a:p>
         </p:txBody>
       </p:sp>
@@ -13940,19 +14958,755 @@
             <p:ph idx="1"/>
           </p:nvPr>
         </p:nvSpPr>
-        <p:spPr/>
-        <p:txBody>
-          <a:bodyPr/>
-          <a:lstStyle/>
-          <a:p>
-            <a:endParaRPr lang="en-US"/>
+        <p:spPr>
+          <a:xfrm>
+            <a:off x="94129" y="1707563"/>
+            <a:ext cx="6785582" cy="3288740"/>
+          </a:xfrm>
+        </p:spPr>
+        <p:txBody>
+          <a:bodyPr>
+            <a:normAutofit/>
+          </a:bodyPr>
+          <a:lstStyle/>
+          <a:p>
+            <a:r>
+              <a:rPr lang="en-US" dirty="0" smtClean="0"/>
+              <a:t>Option: do </a:t>
+            </a:r>
+            <a:r>
+              <a:rPr lang="en-US" dirty="0"/>
+              <a:t>not call a Third-Party Server </a:t>
+            </a:r>
+            <a:r>
+              <a:rPr lang="en-US" dirty="0" smtClean="0"/>
+              <a:t>X directly from JS, but via your own server</a:t>
+            </a:r>
+          </a:p>
+          <a:p>
+            <a:pPr lvl="1"/>
+            <a:r>
+              <a:rPr lang="en-US" dirty="0" err="1" smtClean="0"/>
+              <a:t>Eg</a:t>
+            </a:r>
+            <a:r>
+              <a:rPr lang="en-US" dirty="0" smtClean="0"/>
+              <a:t>, have a REST API that calls X</a:t>
+            </a:r>
+          </a:p>
+          <a:p>
+            <a:r>
+              <a:rPr lang="en-US" dirty="0" smtClean="0"/>
+              <a:t>CORS only applies to browsers, and not to your server apps!</a:t>
+            </a:r>
+            <a:endParaRPr lang="en-US" dirty="0"/>
+          </a:p>
+          <a:p>
+            <a:pPr marL="0" indent="0">
+              <a:buNone/>
+            </a:pPr>
+            <a:endParaRPr lang="en-US" dirty="0"/>
+          </a:p>
+        </p:txBody>
+      </p:sp>
+      <p:pic>
+        <p:nvPicPr>
+          <p:cNvPr id="10" name="Picture 4" descr="Related image"/>
+          <p:cNvPicPr>
+            <a:picLocks noChangeAspect="1" noChangeArrowheads="1"/>
+          </p:cNvPicPr>
+          <p:nvPr/>
+        </p:nvPicPr>
+        <p:blipFill>
+          <a:blip r:embed="rId2" cstate="hqprint">
+            <a:extLst>
+              <a:ext uri="{28A0092B-C50C-407E-A947-70E740481C1C}">
+                <a14:useLocalDpi xmlns:a14="http://schemas.microsoft.com/office/drawing/2010/main" val="0"/>
+              </a:ext>
+            </a:extLst>
+          </a:blip>
+          <a:srcRect/>
+          <a:stretch>
+            <a:fillRect/>
+          </a:stretch>
+        </p:blipFill>
+        <p:spPr bwMode="auto">
+          <a:xfrm flipH="1">
+            <a:off x="1443522" y="5320946"/>
+            <a:ext cx="1298574" cy="1298574"/>
+          </a:xfrm>
+          <a:prstGeom prst="rect">
+            <a:avLst/>
+          </a:prstGeom>
+          <a:noFill/>
+          <a:extLst>
+            <a:ext uri="{909E8E84-426E-40DD-AFC4-6F175D3DCCD1}">
+              <a14:hiddenFill xmlns:a14="http://schemas.microsoft.com/office/drawing/2010/main">
+                <a:solidFill>
+                  <a:srgbClr val="FFFFFF"/>
+                </a:solidFill>
+              </a14:hiddenFill>
+            </a:ext>
+          </a:extLst>
+        </p:spPr>
+      </p:pic>
+      <p:pic>
+        <p:nvPicPr>
+          <p:cNvPr id="11" name="Picture 6" descr="Image result for server"/>
+          <p:cNvPicPr>
+            <a:picLocks noChangeAspect="1" noChangeArrowheads="1"/>
+          </p:cNvPicPr>
+          <p:nvPr/>
+        </p:nvPicPr>
+        <p:blipFill>
+          <a:blip r:embed="rId3">
+            <a:extLst>
+              <a:ext uri="{28A0092B-C50C-407E-A947-70E740481C1C}">
+                <a14:useLocalDpi xmlns:a14="http://schemas.microsoft.com/office/drawing/2010/main" val="0"/>
+              </a:ext>
+            </a:extLst>
+          </a:blip>
+          <a:srcRect/>
+          <a:stretch>
+            <a:fillRect/>
+          </a:stretch>
+        </p:blipFill>
+        <p:spPr bwMode="auto">
+          <a:xfrm>
+            <a:off x="7031522" y="2127214"/>
+            <a:ext cx="2270126" cy="1708750"/>
+          </a:xfrm>
+          <a:prstGeom prst="rect">
+            <a:avLst/>
+          </a:prstGeom>
+          <a:noFill/>
+          <a:extLst>
+            <a:ext uri="{909E8E84-426E-40DD-AFC4-6F175D3DCCD1}">
+              <a14:hiddenFill xmlns:a14="http://schemas.microsoft.com/office/drawing/2010/main">
+                <a:solidFill>
+                  <a:srgbClr val="FFFFFF"/>
+                </a:solidFill>
+              </a14:hiddenFill>
+            </a:ext>
+          </a:extLst>
+        </p:spPr>
+      </p:pic>
+      <p:pic>
+        <p:nvPicPr>
+          <p:cNvPr id="12" name="Picture 11" descr="Image result for server"/>
+          <p:cNvPicPr>
+            <a:picLocks noChangeAspect="1" noChangeArrowheads="1"/>
+          </p:cNvPicPr>
+          <p:nvPr/>
+        </p:nvPicPr>
+        <p:blipFill>
+          <a:blip r:embed="rId3">
+            <a:extLst>
+              <a:ext uri="{28A0092B-C50C-407E-A947-70E740481C1C}">
+                <a14:useLocalDpi xmlns:a14="http://schemas.microsoft.com/office/drawing/2010/main" val="0"/>
+              </a:ext>
+            </a:extLst>
+          </a:blip>
+          <a:srcRect/>
+          <a:stretch>
+            <a:fillRect/>
+          </a:stretch>
+        </p:blipFill>
+        <p:spPr bwMode="auto">
+          <a:xfrm>
+            <a:off x="7031522" y="5115858"/>
+            <a:ext cx="2270126" cy="1708750"/>
+          </a:xfrm>
+          <a:prstGeom prst="rect">
+            <a:avLst/>
+          </a:prstGeom>
+          <a:noFill/>
+          <a:extLst>
+            <a:ext uri="{909E8E84-426E-40DD-AFC4-6F175D3DCCD1}">
+              <a14:hiddenFill xmlns:a14="http://schemas.microsoft.com/office/drawing/2010/main">
+                <a:solidFill>
+                  <a:srgbClr val="FFFFFF"/>
+                </a:solidFill>
+              </a14:hiddenFill>
+            </a:ext>
+          </a:extLst>
+        </p:spPr>
+      </p:pic>
+      <p:sp>
+        <p:nvSpPr>
+          <p:cNvPr id="13" name="TextBox 12"/>
+          <p:cNvSpPr txBox="1"/>
+          <p:nvPr/>
+        </p:nvSpPr>
+        <p:spPr>
+          <a:xfrm>
+            <a:off x="9252342" y="2828711"/>
+            <a:ext cx="2914874" cy="461665"/>
+          </a:xfrm>
+          <a:prstGeom prst="rect">
+            <a:avLst/>
+          </a:prstGeom>
+          <a:noFill/>
+        </p:spPr>
+        <p:txBody>
+          <a:bodyPr wrap="square" rtlCol="0">
+            <a:spAutoFit/>
+          </a:bodyPr>
+          <a:lstStyle/>
+          <a:p>
+            <a:r>
+              <a:rPr lang="en-US" sz="2400" dirty="0" smtClean="0"/>
+              <a:t>Third-Party Server X</a:t>
+            </a:r>
+            <a:endParaRPr lang="en-US" sz="2400" dirty="0"/>
+          </a:p>
+        </p:txBody>
+      </p:sp>
+      <p:sp>
+        <p:nvSpPr>
+          <p:cNvPr id="14" name="TextBox 13"/>
+          <p:cNvSpPr txBox="1"/>
+          <p:nvPr/>
+        </p:nvSpPr>
+        <p:spPr>
+          <a:xfrm>
+            <a:off x="9394163" y="5798839"/>
+            <a:ext cx="1458926" cy="461665"/>
+          </a:xfrm>
+          <a:prstGeom prst="rect">
+            <a:avLst/>
+          </a:prstGeom>
+          <a:noFill/>
+        </p:spPr>
+        <p:txBody>
+          <a:bodyPr wrap="none" rtlCol="0">
+            <a:spAutoFit/>
+          </a:bodyPr>
+          <a:lstStyle/>
+          <a:p>
+            <a:r>
+              <a:rPr lang="en-US" sz="2400" dirty="0" smtClean="0"/>
+              <a:t>My Server</a:t>
+            </a:r>
+            <a:endParaRPr lang="en-US" sz="2400" dirty="0"/>
+          </a:p>
+        </p:txBody>
+      </p:sp>
+      <p:cxnSp>
+        <p:nvCxnSpPr>
+          <p:cNvPr id="15" name="Straight Arrow Connector 14"/>
+          <p:cNvCxnSpPr>
+            <a:stCxn id="12" idx="0"/>
+            <a:endCxn id="11" idx="2"/>
+          </p:cNvCxnSpPr>
+          <p:nvPr/>
+        </p:nvCxnSpPr>
+        <p:spPr>
+          <a:xfrm flipV="1">
+            <a:off x="8166585" y="3835964"/>
+            <a:ext cx="0" cy="1279894"/>
+          </a:xfrm>
+          <a:prstGeom prst="straightConnector1">
+            <a:avLst/>
+          </a:prstGeom>
+          <a:ln w="57150">
+            <a:solidFill>
+              <a:schemeClr val="tx1"/>
+            </a:solidFill>
+            <a:tailEnd type="triangle"/>
+          </a:ln>
+        </p:spPr>
+        <p:style>
+          <a:lnRef idx="1">
+            <a:schemeClr val="accent1"/>
+          </a:lnRef>
+          <a:fillRef idx="0">
+            <a:schemeClr val="accent1"/>
+          </a:fillRef>
+          <a:effectRef idx="0">
+            <a:schemeClr val="accent1"/>
+          </a:effectRef>
+          <a:fontRef idx="minor">
+            <a:schemeClr val="tx1"/>
+          </a:fontRef>
+        </p:style>
+      </p:cxnSp>
+      <p:cxnSp>
+        <p:nvCxnSpPr>
+          <p:cNvPr id="16" name="Straight Arrow Connector 15"/>
+          <p:cNvCxnSpPr>
+            <a:stCxn id="10" idx="1"/>
+            <a:endCxn id="12" idx="1"/>
+          </p:cNvCxnSpPr>
+          <p:nvPr/>
+        </p:nvCxnSpPr>
+        <p:spPr>
+          <a:xfrm>
+            <a:off x="2742096" y="5970233"/>
+            <a:ext cx="4289426" cy="0"/>
+          </a:xfrm>
+          <a:prstGeom prst="straightConnector1">
+            <a:avLst/>
+          </a:prstGeom>
+          <a:ln w="57150">
+            <a:solidFill>
+              <a:schemeClr val="tx1"/>
+            </a:solidFill>
+            <a:tailEnd type="triangle"/>
+          </a:ln>
+        </p:spPr>
+        <p:style>
+          <a:lnRef idx="1">
+            <a:schemeClr val="accent1"/>
+          </a:lnRef>
+          <a:fillRef idx="0">
+            <a:schemeClr val="accent1"/>
+          </a:fillRef>
+          <a:effectRef idx="0">
+            <a:schemeClr val="accent1"/>
+          </a:effectRef>
+          <a:fontRef idx="minor">
+            <a:schemeClr val="tx1"/>
+          </a:fontRef>
+        </p:style>
+      </p:cxnSp>
+      <p:sp>
+        <p:nvSpPr>
+          <p:cNvPr id="25" name="TextBox 24"/>
+          <p:cNvSpPr txBox="1"/>
+          <p:nvPr/>
+        </p:nvSpPr>
+        <p:spPr>
+          <a:xfrm>
+            <a:off x="3266786" y="5381981"/>
+            <a:ext cx="2712922" cy="461665"/>
+          </a:xfrm>
+          <a:prstGeom prst="rect">
+            <a:avLst/>
+          </a:prstGeom>
+          <a:noFill/>
+        </p:spPr>
+        <p:txBody>
+          <a:bodyPr wrap="none" rtlCol="0">
+            <a:spAutoFit/>
+          </a:bodyPr>
+          <a:lstStyle/>
+          <a:p>
+            <a:r>
+              <a:rPr lang="en-US" sz="2400" dirty="0" smtClean="0"/>
+              <a:t>POST /</a:t>
+            </a:r>
+            <a:r>
+              <a:rPr lang="en-US" sz="2400" dirty="0" err="1" smtClean="0"/>
+              <a:t>myserver</a:t>
+            </a:r>
+            <a:r>
+              <a:rPr lang="en-US" sz="2400" dirty="0" smtClean="0"/>
+              <a:t>/foo</a:t>
+            </a:r>
+            <a:endParaRPr lang="en-US" sz="2400" dirty="0"/>
+          </a:p>
+        </p:txBody>
+      </p:sp>
+      <p:sp>
+        <p:nvSpPr>
+          <p:cNvPr id="26" name="TextBox 25"/>
+          <p:cNvSpPr txBox="1"/>
+          <p:nvPr/>
+        </p:nvSpPr>
+        <p:spPr>
+          <a:xfrm>
+            <a:off x="8318397" y="4313775"/>
+            <a:ext cx="1687706" cy="461665"/>
+          </a:xfrm>
+          <a:prstGeom prst="rect">
+            <a:avLst/>
+          </a:prstGeom>
+          <a:noFill/>
+        </p:spPr>
+        <p:txBody>
+          <a:bodyPr wrap="none" rtlCol="0">
+            <a:spAutoFit/>
+          </a:bodyPr>
+          <a:lstStyle/>
+          <a:p>
+            <a:r>
+              <a:rPr lang="en-US" sz="2400" dirty="0" smtClean="0"/>
+              <a:t>POST /x/foo</a:t>
+            </a:r>
+            <a:endParaRPr lang="en-US" sz="2400" dirty="0"/>
           </a:p>
         </p:txBody>
       </p:sp>
     </p:spTree>
     <p:extLst>
       <p:ext uri="{BB962C8B-B14F-4D97-AF65-F5344CB8AC3E}">
-        <p14:creationId xmlns:p14="http://schemas.microsoft.com/office/powerpoint/2010/main" val="3775469729"/>
+        <p14:creationId xmlns:p14="http://schemas.microsoft.com/office/powerpoint/2010/main" val="336353325"/>
+      </p:ext>
+    </p:extLst>
+  </p:cSld>
+  <p:clrMapOvr>
+    <a:masterClrMapping/>
+  </p:clrMapOvr>
+</p:sld>
+</file>
+
+<file path=ppt/slides/slide58.xml><?xml version="1.0" encoding="utf-8"?>
+<p:sld xmlns:a="http://schemas.openxmlformats.org/drawingml/2006/main" xmlns:r="http://schemas.openxmlformats.org/officeDocument/2006/relationships" xmlns:p="http://schemas.openxmlformats.org/presentationml/2006/main">
+  <p:cSld>
+    <p:spTree>
+      <p:nvGrpSpPr>
+        <p:cNvPr id="1" name=""/>
+        <p:cNvGrpSpPr/>
+        <p:nvPr/>
+      </p:nvGrpSpPr>
+      <p:grpSpPr>
+        <a:xfrm>
+          <a:off x="0" y="0"/>
+          <a:ext cx="0" cy="0"/>
+          <a:chOff x="0" y="0"/>
+          <a:chExt cx="0" cy="0"/>
+        </a:xfrm>
+      </p:grpSpPr>
+      <p:sp>
+        <p:nvSpPr>
+          <p:cNvPr id="2" name="Title 1"/>
+          <p:cNvSpPr>
+            <a:spLocks noGrp="1"/>
+          </p:cNvSpPr>
+          <p:nvPr>
+            <p:ph type="title"/>
+          </p:nvPr>
+        </p:nvSpPr>
+        <p:spPr/>
+        <p:txBody>
+          <a:bodyPr/>
+          <a:lstStyle/>
+          <a:p>
+            <a:r>
+              <a:rPr lang="en-US" dirty="0" smtClean="0"/>
+              <a:t>Disabling CORS</a:t>
+            </a:r>
+            <a:endParaRPr lang="en-US" dirty="0"/>
+          </a:p>
+        </p:txBody>
+      </p:sp>
+      <p:sp>
+        <p:nvSpPr>
+          <p:cNvPr id="3" name="Content Placeholder 2"/>
+          <p:cNvSpPr>
+            <a:spLocks noGrp="1"/>
+          </p:cNvSpPr>
+          <p:nvPr>
+            <p:ph idx="1"/>
+          </p:nvPr>
+        </p:nvSpPr>
+        <p:spPr>
+          <a:xfrm>
+            <a:off x="219635" y="1825625"/>
+            <a:ext cx="11819965" cy="4893422"/>
+          </a:xfrm>
+        </p:spPr>
+        <p:txBody>
+          <a:bodyPr>
+            <a:normAutofit fontScale="92500"/>
+          </a:bodyPr>
+          <a:lstStyle/>
+          <a:p>
+            <a:r>
+              <a:rPr lang="en-US" dirty="0" smtClean="0"/>
+              <a:t>People that do not understand CORS can be tempted to disable it </a:t>
+            </a:r>
+            <a:r>
+              <a:rPr lang="en-US" dirty="0"/>
+              <a:t>by setting </a:t>
+            </a:r>
+            <a:r>
+              <a:rPr lang="en-US" dirty="0" smtClean="0"/>
+              <a:t>“</a:t>
+            </a:r>
+            <a:r>
+              <a:rPr lang="en-US" b="1" dirty="0" smtClean="0"/>
+              <a:t>Access-Control-Allow-Origin</a:t>
+            </a:r>
+            <a:r>
+              <a:rPr lang="en-US" b="1" dirty="0"/>
+              <a:t>: </a:t>
+            </a:r>
+            <a:r>
+              <a:rPr lang="en-US" b="1" dirty="0" smtClean="0"/>
+              <a:t>*</a:t>
+            </a:r>
+            <a:r>
+              <a:rPr lang="en-US" dirty="0" smtClean="0"/>
+              <a:t>” in their servers</a:t>
+            </a:r>
+          </a:p>
+          <a:p>
+            <a:pPr lvl="1"/>
+            <a:r>
+              <a:rPr lang="en-US" dirty="0" err="1" smtClean="0"/>
+              <a:t>ie</a:t>
+            </a:r>
+            <a:r>
+              <a:rPr lang="en-US" dirty="0" smtClean="0"/>
+              <a:t>, “</a:t>
+            </a:r>
+            <a:r>
+              <a:rPr lang="en-US" b="1" dirty="0" smtClean="0"/>
+              <a:t>*</a:t>
+            </a:r>
+            <a:r>
+              <a:rPr lang="en-US" dirty="0" smtClean="0"/>
+              <a:t>” means all origins are valid</a:t>
+            </a:r>
+          </a:p>
+          <a:p>
+            <a:r>
+              <a:rPr lang="en-US" dirty="0" smtClean="0"/>
+              <a:t>This “</a:t>
+            </a:r>
+            <a:r>
+              <a:rPr lang="en-US" i="1" dirty="0" smtClean="0"/>
+              <a:t>could</a:t>
+            </a:r>
+            <a:r>
+              <a:rPr lang="en-US" dirty="0" smtClean="0"/>
+              <a:t>” be fine for read-only services with no sensitive data</a:t>
+            </a:r>
+          </a:p>
+          <a:p>
+            <a:r>
+              <a:rPr lang="en-US" dirty="0" smtClean="0"/>
+              <a:t>What if need to do </a:t>
+            </a:r>
+            <a:r>
+              <a:rPr lang="en-US" i="1" dirty="0" smtClean="0"/>
+              <a:t>authenticated</a:t>
+            </a:r>
+            <a:r>
+              <a:rPr lang="en-US" dirty="0" smtClean="0"/>
+              <a:t> requests with cookies?</a:t>
+            </a:r>
+          </a:p>
+          <a:p>
+            <a:r>
+              <a:rPr lang="en-US" dirty="0" smtClean="0"/>
+              <a:t>Some browsers have “</a:t>
+            </a:r>
+            <a:r>
+              <a:rPr lang="en-US" i="1" dirty="0" smtClean="0"/>
+              <a:t>idiot-proof</a:t>
+            </a:r>
+            <a:r>
+              <a:rPr lang="en-US" dirty="0" smtClean="0"/>
+              <a:t>” mechanisms that block authenticated requests to servers responding with </a:t>
+            </a:r>
+            <a:r>
+              <a:rPr lang="en-US" dirty="0"/>
+              <a:t>“</a:t>
+            </a:r>
+            <a:r>
+              <a:rPr lang="en-US" b="1" dirty="0"/>
+              <a:t>Access-Control-Allow-Origin: </a:t>
+            </a:r>
+            <a:r>
+              <a:rPr lang="en-US" b="1" dirty="0" smtClean="0"/>
+              <a:t>*</a:t>
+            </a:r>
+            <a:r>
+              <a:rPr lang="en-US" dirty="0" smtClean="0"/>
+              <a:t>”</a:t>
+            </a:r>
+          </a:p>
+          <a:p>
+            <a:pPr lvl="1"/>
+            <a:r>
+              <a:rPr lang="en-US" dirty="0" err="1" smtClean="0"/>
+              <a:t>ie</a:t>
+            </a:r>
+            <a:r>
+              <a:rPr lang="en-US" dirty="0" smtClean="0"/>
+              <a:t>, it would be pointless to have an </a:t>
+            </a:r>
+            <a:r>
+              <a:rPr lang="en-US" dirty="0" err="1" smtClean="0"/>
+              <a:t>auth</a:t>
+            </a:r>
+            <a:r>
+              <a:rPr lang="en-US" dirty="0" smtClean="0"/>
+              <a:t> system if then you disable CORS protection…</a:t>
+            </a:r>
+            <a:endParaRPr lang="en-US" dirty="0"/>
+          </a:p>
+        </p:txBody>
+      </p:sp>
+    </p:spTree>
+    <p:extLst>
+      <p:ext uri="{BB962C8B-B14F-4D97-AF65-F5344CB8AC3E}">
+        <p14:creationId xmlns:p14="http://schemas.microsoft.com/office/powerpoint/2010/main" val="1243464198"/>
+      </p:ext>
+    </p:extLst>
+  </p:cSld>
+  <p:clrMapOvr>
+    <a:masterClrMapping/>
+  </p:clrMapOvr>
+</p:sld>
+</file>
+
+<file path=ppt/slides/slide59.xml><?xml version="1.0" encoding="utf-8"?>
+<p:sld xmlns:a="http://schemas.openxmlformats.org/drawingml/2006/main" xmlns:r="http://schemas.openxmlformats.org/officeDocument/2006/relationships" xmlns:p="http://schemas.openxmlformats.org/presentationml/2006/main">
+  <p:cSld>
+    <p:spTree>
+      <p:nvGrpSpPr>
+        <p:cNvPr id="1" name=""/>
+        <p:cNvGrpSpPr/>
+        <p:nvPr/>
+      </p:nvGrpSpPr>
+      <p:grpSpPr>
+        <a:xfrm>
+          <a:off x="0" y="0"/>
+          <a:ext cx="0" cy="0"/>
+          <a:chOff x="0" y="0"/>
+          <a:chExt cx="0" cy="0"/>
+        </a:xfrm>
+      </p:grpSpPr>
+      <p:sp>
+        <p:nvSpPr>
+          <p:cNvPr id="2" name="Title 1"/>
+          <p:cNvSpPr>
+            <a:spLocks noGrp="1"/>
+          </p:cNvSpPr>
+          <p:nvPr>
+            <p:ph type="title"/>
+          </p:nvPr>
+        </p:nvSpPr>
+        <p:spPr/>
+        <p:txBody>
+          <a:bodyPr/>
+          <a:lstStyle/>
+          <a:p>
+            <a:r>
+              <a:rPr lang="en-US" dirty="0" smtClean="0"/>
+              <a:t>Blog Posts and Tutorials</a:t>
+            </a:r>
+            <a:endParaRPr lang="en-US" dirty="0"/>
+          </a:p>
+        </p:txBody>
+      </p:sp>
+      <p:sp>
+        <p:nvSpPr>
+          <p:cNvPr id="3" name="Content Placeholder 2"/>
+          <p:cNvSpPr>
+            <a:spLocks noGrp="1"/>
+          </p:cNvSpPr>
+          <p:nvPr>
+            <p:ph idx="1"/>
+          </p:nvPr>
+        </p:nvSpPr>
+        <p:spPr>
+          <a:xfrm>
+            <a:off x="224118" y="1825624"/>
+            <a:ext cx="11837894" cy="4924800"/>
+          </a:xfrm>
+        </p:spPr>
+        <p:txBody>
+          <a:bodyPr/>
+          <a:lstStyle/>
+          <a:p>
+            <a:r>
+              <a:rPr lang="en-US" dirty="0" smtClean="0"/>
+              <a:t>Security is a very complex topic</a:t>
+            </a:r>
+          </a:p>
+          <a:p>
+            <a:r>
+              <a:rPr lang="en-US" dirty="0" smtClean="0"/>
+              <a:t>Unfortunately, many universities do not cover it, or only superficially</a:t>
+            </a:r>
+          </a:p>
+          <a:p>
+            <a:r>
+              <a:rPr lang="en-US" dirty="0" smtClean="0"/>
+              <a:t>Result: plenty of resources online written by people with no clue of what they are talking about</a:t>
+            </a:r>
+          </a:p>
+          <a:p>
+            <a:pPr lvl="1"/>
+            <a:r>
+              <a:rPr lang="en-US" dirty="0" err="1" smtClean="0"/>
+              <a:t>eg</a:t>
+            </a:r>
+            <a:r>
+              <a:rPr lang="en-US" dirty="0"/>
+              <a:t>,</a:t>
+            </a:r>
+            <a:r>
+              <a:rPr lang="en-US" dirty="0" smtClean="0"/>
+              <a:t> not only using </a:t>
+            </a:r>
+            <a:r>
+              <a:rPr lang="en-US" b="1" dirty="0" smtClean="0"/>
+              <a:t>JWT</a:t>
+            </a:r>
+            <a:r>
+              <a:rPr lang="en-US" dirty="0" smtClean="0"/>
+              <a:t> for sessions (</a:t>
+            </a:r>
+            <a:r>
+              <a:rPr lang="en-US" dirty="0" err="1" smtClean="0"/>
+              <a:t>d’oh</a:t>
+            </a:r>
+            <a:r>
+              <a:rPr lang="en-US" dirty="0" smtClean="0"/>
+              <a:t>! what about logout?), but also not storing them in </a:t>
+            </a:r>
+            <a:r>
+              <a:rPr lang="en-US" i="1" dirty="0" err="1" smtClean="0"/>
+              <a:t>HttpOnly</a:t>
+            </a:r>
+            <a:r>
+              <a:rPr lang="en-US" dirty="0" smtClean="0"/>
+              <a:t> cookies (</a:t>
+            </a:r>
+            <a:r>
+              <a:rPr lang="en-US" b="1" dirty="0" smtClean="0"/>
+              <a:t>OMG</a:t>
+            </a:r>
+            <a:r>
+              <a:rPr lang="en-US" dirty="0" smtClean="0"/>
+              <a:t>!!! ever heard of XSS???)</a:t>
+            </a:r>
+          </a:p>
+          <a:p>
+            <a:r>
+              <a:rPr lang="en-US" dirty="0" smtClean="0"/>
+              <a:t>Recommendation: </a:t>
+            </a:r>
+            <a:r>
+              <a:rPr lang="en-US" i="1" dirty="0" smtClean="0"/>
+              <a:t>be wary of this issue, and do not trust blindly when reading of security </a:t>
+            </a:r>
+            <a:r>
+              <a:rPr lang="en-US" dirty="0" smtClean="0"/>
+              <a:t>(</a:t>
+            </a:r>
+            <a:r>
+              <a:rPr lang="en-US" b="1" dirty="0" smtClean="0"/>
+              <a:t>including these slides…</a:t>
+            </a:r>
+            <a:r>
+              <a:rPr lang="en-US" dirty="0" smtClean="0"/>
+              <a:t>)</a:t>
+            </a:r>
+            <a:endParaRPr lang="en-US" dirty="0"/>
+          </a:p>
+        </p:txBody>
+      </p:sp>
+    </p:spTree>
+    <p:extLst>
+      <p:ext uri="{BB962C8B-B14F-4D97-AF65-F5344CB8AC3E}">
+        <p14:creationId xmlns:p14="http://schemas.microsoft.com/office/powerpoint/2010/main" val="1357464847"/>
       </p:ext>
     </p:extLst>
   </p:cSld>
@@ -14149,6 +15903,1120 @@
     <p:extLst>
       <p:ext uri="{BB962C8B-B14F-4D97-AF65-F5344CB8AC3E}">
         <p14:creationId xmlns:p14="http://schemas.microsoft.com/office/powerpoint/2010/main" val="2024948971"/>
+      </p:ext>
+    </p:extLst>
+  </p:cSld>
+  <p:clrMapOvr>
+    <a:masterClrMapping/>
+  </p:clrMapOvr>
+</p:sld>
+</file>
+
+<file path=ppt/slides/slide60.xml><?xml version="1.0" encoding="utf-8"?>
+<p:sld xmlns:a="http://schemas.openxmlformats.org/drawingml/2006/main" xmlns:r="http://schemas.openxmlformats.org/officeDocument/2006/relationships" xmlns:p="http://schemas.openxmlformats.org/presentationml/2006/main">
+  <p:cSld>
+    <p:spTree>
+      <p:nvGrpSpPr>
+        <p:cNvPr id="1" name=""/>
+        <p:cNvGrpSpPr/>
+        <p:nvPr/>
+      </p:nvGrpSpPr>
+      <p:grpSpPr>
+        <a:xfrm>
+          <a:off x="0" y="0"/>
+          <a:ext cx="0" cy="0"/>
+          <a:chOff x="0" y="0"/>
+          <a:chExt cx="0" cy="0"/>
+        </a:xfrm>
+      </p:grpSpPr>
+      <p:sp>
+        <p:nvSpPr>
+          <p:cNvPr id="4" name="Title 3"/>
+          <p:cNvSpPr>
+            <a:spLocks noGrp="1"/>
+          </p:cNvSpPr>
+          <p:nvPr>
+            <p:ph type="title"/>
+          </p:nvPr>
+        </p:nvSpPr>
+        <p:spPr/>
+        <p:txBody>
+          <a:bodyPr/>
+          <a:lstStyle/>
+          <a:p>
+            <a:r>
+              <a:rPr lang="en-US" dirty="0" smtClean="0"/>
+              <a:t>Security in React and </a:t>
+            </a:r>
+            <a:r>
+              <a:rPr lang="en-US" dirty="0" err="1" smtClean="0"/>
+              <a:t>NodeJS</a:t>
+            </a:r>
+            <a:endParaRPr lang="en-US" dirty="0"/>
+          </a:p>
+        </p:txBody>
+      </p:sp>
+      <p:sp>
+        <p:nvSpPr>
+          <p:cNvPr id="5" name="Text Placeholder 4"/>
+          <p:cNvSpPr>
+            <a:spLocks noGrp="1"/>
+          </p:cNvSpPr>
+          <p:nvPr>
+            <p:ph type="body" idx="1"/>
+          </p:nvPr>
+        </p:nvSpPr>
+        <p:spPr/>
+        <p:txBody>
+          <a:bodyPr/>
+          <a:lstStyle/>
+          <a:p>
+            <a:endParaRPr lang="en-US"/>
+          </a:p>
+        </p:txBody>
+      </p:sp>
+    </p:spTree>
+    <p:extLst>
+      <p:ext uri="{BB962C8B-B14F-4D97-AF65-F5344CB8AC3E}">
+        <p14:creationId xmlns:p14="http://schemas.microsoft.com/office/powerpoint/2010/main" val="4207947885"/>
+      </p:ext>
+    </p:extLst>
+  </p:cSld>
+  <p:clrMapOvr>
+    <a:masterClrMapping/>
+  </p:clrMapOvr>
+</p:sld>
+</file>
+
+<file path=ppt/slides/slide61.xml><?xml version="1.0" encoding="utf-8"?>
+<p:sld xmlns:a="http://schemas.openxmlformats.org/drawingml/2006/main" xmlns:r="http://schemas.openxmlformats.org/officeDocument/2006/relationships" xmlns:p="http://schemas.openxmlformats.org/presentationml/2006/main">
+  <p:cSld>
+    <p:spTree>
+      <p:nvGrpSpPr>
+        <p:cNvPr id="1" name=""/>
+        <p:cNvGrpSpPr/>
+        <p:nvPr/>
+      </p:nvGrpSpPr>
+      <p:grpSpPr>
+        <a:xfrm>
+          <a:off x="0" y="0"/>
+          <a:ext cx="0" cy="0"/>
+          <a:chOff x="0" y="0"/>
+          <a:chExt cx="0" cy="0"/>
+        </a:xfrm>
+      </p:grpSpPr>
+      <p:sp>
+        <p:nvSpPr>
+          <p:cNvPr id="2" name="Title 1"/>
+          <p:cNvSpPr>
+            <a:spLocks noGrp="1"/>
+          </p:cNvSpPr>
+          <p:nvPr>
+            <p:ph type="title"/>
+          </p:nvPr>
+        </p:nvSpPr>
+        <p:spPr/>
+        <p:txBody>
+          <a:bodyPr/>
+          <a:lstStyle/>
+          <a:p>
+            <a:r>
+              <a:rPr lang="en-US" dirty="0" smtClean="0"/>
+              <a:t>Passport</a:t>
+            </a:r>
+            <a:endParaRPr lang="en-US" dirty="0"/>
+          </a:p>
+        </p:txBody>
+      </p:sp>
+      <p:sp>
+        <p:nvSpPr>
+          <p:cNvPr id="3" name="Content Placeholder 2"/>
+          <p:cNvSpPr>
+            <a:spLocks noGrp="1"/>
+          </p:cNvSpPr>
+          <p:nvPr>
+            <p:ph idx="1"/>
+          </p:nvPr>
+        </p:nvSpPr>
+        <p:spPr>
+          <a:xfrm>
+            <a:off x="286871" y="1825624"/>
+            <a:ext cx="11734800" cy="4871011"/>
+          </a:xfrm>
+        </p:spPr>
+        <p:txBody>
+          <a:bodyPr>
+            <a:normAutofit lnSpcReduction="10000"/>
+          </a:bodyPr>
+          <a:lstStyle/>
+          <a:p>
+            <a:r>
+              <a:rPr lang="en-US" dirty="0" smtClean="0"/>
+              <a:t>To enable </a:t>
+            </a:r>
+            <a:r>
+              <a:rPr lang="en-US" dirty="0" err="1" smtClean="0"/>
+              <a:t>auth</a:t>
+            </a:r>
+            <a:r>
+              <a:rPr lang="en-US" dirty="0"/>
+              <a:t> </a:t>
+            </a:r>
+            <a:r>
+              <a:rPr lang="en-US" dirty="0" smtClean="0"/>
+              <a:t>in an Express/</a:t>
+            </a:r>
+            <a:r>
+              <a:rPr lang="en-US" dirty="0" err="1" smtClean="0"/>
+              <a:t>NodeJS</a:t>
+            </a:r>
+            <a:r>
+              <a:rPr lang="en-US" dirty="0" smtClean="0"/>
+              <a:t> application, we will use the library called </a:t>
+            </a:r>
+            <a:r>
+              <a:rPr lang="en-US" b="1" dirty="0" smtClean="0"/>
+              <a:t>Passport</a:t>
+            </a:r>
+            <a:r>
+              <a:rPr lang="en-US" dirty="0" smtClean="0"/>
+              <a:t>  </a:t>
+            </a:r>
+          </a:p>
+          <a:p>
+            <a:r>
+              <a:rPr lang="en-US" dirty="0" smtClean="0"/>
+              <a:t>We will use </a:t>
+            </a:r>
+            <a:r>
+              <a:rPr lang="en-US" i="1" dirty="0" smtClean="0"/>
+              <a:t>session-based </a:t>
+            </a:r>
+            <a:r>
+              <a:rPr lang="en-US" i="1" dirty="0" err="1" smtClean="0"/>
+              <a:t>auth</a:t>
+            </a:r>
+            <a:r>
+              <a:rPr lang="en-US" i="1" dirty="0" smtClean="0"/>
+              <a:t> with cookies</a:t>
+            </a:r>
+          </a:p>
+          <a:p>
+            <a:r>
+              <a:rPr lang="en-US" dirty="0" smtClean="0"/>
+              <a:t>We will need to create a REST API to handle </a:t>
+            </a:r>
+            <a:r>
+              <a:rPr lang="en-US" i="1" dirty="0" smtClean="0"/>
+              <a:t>signup</a:t>
+            </a:r>
+            <a:r>
+              <a:rPr lang="en-US" dirty="0" smtClean="0"/>
+              <a:t>, </a:t>
+            </a:r>
+            <a:r>
+              <a:rPr lang="en-US" i="1" dirty="0" smtClean="0"/>
+              <a:t>login</a:t>
+            </a:r>
+            <a:r>
+              <a:rPr lang="en-US" dirty="0" smtClean="0"/>
+              <a:t> and </a:t>
+            </a:r>
+            <a:r>
+              <a:rPr lang="en-US" i="1" dirty="0" smtClean="0"/>
+              <a:t>logout</a:t>
+            </a:r>
+            <a:r>
+              <a:rPr lang="en-US" dirty="0" smtClean="0"/>
+              <a:t> operations</a:t>
+            </a:r>
+          </a:p>
+          <a:p>
+            <a:r>
+              <a:rPr lang="en-US" dirty="0" smtClean="0"/>
+              <a:t>When HTTP requests with valid session cookie, Passport will automatically generate a “</a:t>
+            </a:r>
+            <a:r>
+              <a:rPr lang="en-US" i="1" dirty="0" smtClean="0"/>
+              <a:t>user</a:t>
+            </a:r>
+            <a:r>
+              <a:rPr lang="en-US" dirty="0" smtClean="0"/>
+              <a:t>” object identifying the logged-in user</a:t>
+            </a:r>
+          </a:p>
+          <a:p>
+            <a:r>
+              <a:rPr lang="en-US" dirty="0" smtClean="0"/>
+              <a:t>Note: we will </a:t>
+            </a:r>
+            <a:r>
+              <a:rPr lang="en-US" b="1" dirty="0" smtClean="0"/>
+              <a:t>NOT</a:t>
+            </a:r>
+            <a:r>
+              <a:rPr lang="en-US" dirty="0" smtClean="0"/>
+              <a:t> see how to properly store passwords…</a:t>
+            </a:r>
+            <a:endParaRPr lang="en-US" dirty="0"/>
+          </a:p>
+        </p:txBody>
+      </p:sp>
+    </p:spTree>
+    <p:extLst>
+      <p:ext uri="{BB962C8B-B14F-4D97-AF65-F5344CB8AC3E}">
+        <p14:creationId xmlns:p14="http://schemas.microsoft.com/office/powerpoint/2010/main" val="3775469729"/>
+      </p:ext>
+    </p:extLst>
+  </p:cSld>
+  <p:clrMapOvr>
+    <a:masterClrMapping/>
+  </p:clrMapOvr>
+</p:sld>
+</file>
+
+<file path=ppt/slides/slide62.xml><?xml version="1.0" encoding="utf-8"?>
+<p:sld xmlns:a="http://schemas.openxmlformats.org/drawingml/2006/main" xmlns:r="http://schemas.openxmlformats.org/officeDocument/2006/relationships" xmlns:p="http://schemas.openxmlformats.org/presentationml/2006/main">
+  <p:cSld>
+    <p:spTree>
+      <p:nvGrpSpPr>
+        <p:cNvPr id="1" name=""/>
+        <p:cNvGrpSpPr/>
+        <p:nvPr/>
+      </p:nvGrpSpPr>
+      <p:grpSpPr>
+        <a:xfrm>
+          <a:off x="0" y="0"/>
+          <a:ext cx="0" cy="0"/>
+          <a:chOff x="0" y="0"/>
+          <a:chExt cx="0" cy="0"/>
+        </a:xfrm>
+      </p:grpSpPr>
+      <p:sp>
+        <p:nvSpPr>
+          <p:cNvPr id="2" name="Title 1"/>
+          <p:cNvSpPr>
+            <a:spLocks noGrp="1"/>
+          </p:cNvSpPr>
+          <p:nvPr>
+            <p:ph type="title"/>
+          </p:nvPr>
+        </p:nvSpPr>
+        <p:spPr/>
+        <p:txBody>
+          <a:bodyPr/>
+          <a:lstStyle/>
+          <a:p>
+            <a:r>
+              <a:rPr lang="en-US" dirty="0" err="1" smtClean="0"/>
+              <a:t>Auth</a:t>
+            </a:r>
+            <a:r>
+              <a:rPr lang="en-US" dirty="0" smtClean="0"/>
+              <a:t> in React</a:t>
+            </a:r>
+            <a:endParaRPr lang="en-US" dirty="0"/>
+          </a:p>
+        </p:txBody>
+      </p:sp>
+      <p:sp>
+        <p:nvSpPr>
+          <p:cNvPr id="3" name="Content Placeholder 2"/>
+          <p:cNvSpPr>
+            <a:spLocks noGrp="1"/>
+          </p:cNvSpPr>
+          <p:nvPr>
+            <p:ph idx="1"/>
+          </p:nvPr>
+        </p:nvSpPr>
+        <p:spPr>
+          <a:xfrm>
+            <a:off x="282387" y="1825625"/>
+            <a:ext cx="11743765" cy="4871010"/>
+          </a:xfrm>
+        </p:spPr>
+        <p:txBody>
+          <a:bodyPr/>
+          <a:lstStyle/>
+          <a:p>
+            <a:r>
+              <a:rPr lang="en-US" i="1" dirty="0" smtClean="0"/>
+              <a:t>React</a:t>
+            </a:r>
+            <a:r>
+              <a:rPr lang="en-US" dirty="0" smtClean="0"/>
+              <a:t> has no concept of </a:t>
+            </a:r>
+            <a:r>
+              <a:rPr lang="en-US" dirty="0" err="1" smtClean="0"/>
+              <a:t>auth</a:t>
+            </a:r>
+            <a:endParaRPr lang="en-US" dirty="0" smtClean="0"/>
+          </a:p>
+          <a:p>
+            <a:r>
+              <a:rPr lang="en-US" dirty="0" smtClean="0"/>
+              <a:t>Still, want to render components based on whether logged-in or not</a:t>
+            </a:r>
+          </a:p>
+          <a:p>
+            <a:pPr lvl="1"/>
+            <a:r>
+              <a:rPr lang="en-US" dirty="0" err="1" smtClean="0"/>
+              <a:t>eg</a:t>
+            </a:r>
+            <a:r>
+              <a:rPr lang="en-US" dirty="0" smtClean="0"/>
+              <a:t>, display a “</a:t>
+            </a:r>
+            <a:r>
+              <a:rPr lang="en-US" i="1" dirty="0" smtClean="0"/>
+              <a:t>Login</a:t>
+            </a:r>
+            <a:r>
+              <a:rPr lang="en-US" dirty="0" smtClean="0"/>
+              <a:t>” button if not logged-in, or a “</a:t>
+            </a:r>
+            <a:r>
+              <a:rPr lang="en-US" i="1" dirty="0" smtClean="0"/>
+              <a:t>Logout</a:t>
+            </a:r>
+            <a:r>
+              <a:rPr lang="en-US" dirty="0" smtClean="0"/>
+              <a:t>” otherwise</a:t>
+            </a:r>
+          </a:p>
+          <a:p>
+            <a:r>
+              <a:rPr lang="en-US" dirty="0" smtClean="0"/>
+              <a:t>Whether we are logged in depends if the browser has a valid session cookie</a:t>
+            </a:r>
+          </a:p>
+          <a:p>
+            <a:r>
+              <a:rPr lang="en-US" dirty="0" smtClean="0"/>
+              <a:t>But </a:t>
+            </a:r>
+            <a:r>
+              <a:rPr lang="en-US" i="1" dirty="0" smtClean="0"/>
+              <a:t>React</a:t>
+            </a:r>
+            <a:r>
+              <a:rPr lang="en-US" dirty="0" smtClean="0"/>
+              <a:t> (and JS in general) </a:t>
+            </a:r>
+            <a:r>
+              <a:rPr lang="en-US" b="1" dirty="0" smtClean="0"/>
+              <a:t>CANNOT</a:t>
+            </a:r>
+            <a:r>
+              <a:rPr lang="en-US" dirty="0" smtClean="0"/>
+              <a:t> access a </a:t>
+            </a:r>
+            <a:r>
+              <a:rPr lang="en-US" i="1" dirty="0" err="1" smtClean="0"/>
+              <a:t>HttpOnly</a:t>
+            </a:r>
+            <a:r>
+              <a:rPr lang="en-US" dirty="0" smtClean="0"/>
+              <a:t> cookie</a:t>
+            </a:r>
+          </a:p>
+          <a:p>
+            <a:pPr lvl="1"/>
+            <a:r>
+              <a:rPr lang="en-US" dirty="0" smtClean="0"/>
+              <a:t>and even if it could, would not know if server would still accept such cookie</a:t>
+            </a:r>
+            <a:endParaRPr lang="en-US" dirty="0"/>
+          </a:p>
+        </p:txBody>
+      </p:sp>
+    </p:spTree>
+    <p:extLst>
+      <p:ext uri="{BB962C8B-B14F-4D97-AF65-F5344CB8AC3E}">
+        <p14:creationId xmlns:p14="http://schemas.microsoft.com/office/powerpoint/2010/main" val="897408244"/>
+      </p:ext>
+    </p:extLst>
+  </p:cSld>
+  <p:clrMapOvr>
+    <a:masterClrMapping/>
+  </p:clrMapOvr>
+</p:sld>
+</file>
+
+<file path=ppt/slides/slide63.xml><?xml version="1.0" encoding="utf-8"?>
+<p:sld xmlns:a="http://schemas.openxmlformats.org/drawingml/2006/main" xmlns:r="http://schemas.openxmlformats.org/officeDocument/2006/relationships" xmlns:p="http://schemas.openxmlformats.org/presentationml/2006/main">
+  <p:cSld>
+    <p:spTree>
+      <p:nvGrpSpPr>
+        <p:cNvPr id="1" name=""/>
+        <p:cNvGrpSpPr/>
+        <p:nvPr/>
+      </p:nvGrpSpPr>
+      <p:grpSpPr>
+        <a:xfrm>
+          <a:off x="0" y="0"/>
+          <a:ext cx="0" cy="0"/>
+          <a:chOff x="0" y="0"/>
+          <a:chExt cx="0" cy="0"/>
+        </a:xfrm>
+      </p:grpSpPr>
+      <p:sp>
+        <p:nvSpPr>
+          <p:cNvPr id="2" name="Title 1"/>
+          <p:cNvSpPr>
+            <a:spLocks noGrp="1"/>
+          </p:cNvSpPr>
+          <p:nvPr>
+            <p:ph type="title"/>
+          </p:nvPr>
+        </p:nvSpPr>
+        <p:spPr/>
+        <p:txBody>
+          <a:bodyPr/>
+          <a:lstStyle/>
+          <a:p>
+            <a:r>
+              <a:rPr lang="en-US" dirty="0" smtClean="0"/>
+              <a:t>State for Logged-in</a:t>
+            </a:r>
+            <a:endParaRPr lang="en-US" dirty="0"/>
+          </a:p>
+        </p:txBody>
+      </p:sp>
+      <p:sp>
+        <p:nvSpPr>
+          <p:cNvPr id="3" name="Content Placeholder 2"/>
+          <p:cNvSpPr>
+            <a:spLocks noGrp="1"/>
+          </p:cNvSpPr>
+          <p:nvPr>
+            <p:ph idx="1"/>
+          </p:nvPr>
+        </p:nvSpPr>
+        <p:spPr>
+          <a:xfrm>
+            <a:off x="295835" y="1605990"/>
+            <a:ext cx="11752730" cy="5153398"/>
+          </a:xfrm>
+        </p:spPr>
+        <p:txBody>
+          <a:bodyPr/>
+          <a:lstStyle/>
+          <a:p>
+            <a:r>
+              <a:rPr lang="en-US" dirty="0" smtClean="0"/>
+              <a:t>Could use a variable to represent if user is logged-in</a:t>
+            </a:r>
+          </a:p>
+          <a:p>
+            <a:pPr lvl="1"/>
+            <a:r>
+              <a:rPr lang="en-US" dirty="0" smtClean="0"/>
+              <a:t>with rendering of components based on such variable</a:t>
+            </a:r>
+          </a:p>
+          <a:p>
+            <a:r>
+              <a:rPr lang="en-US" dirty="0" smtClean="0"/>
+              <a:t>At </a:t>
+            </a:r>
+            <a:r>
+              <a:rPr lang="en-US" b="1" dirty="0" smtClean="0"/>
+              <a:t>each</a:t>
+            </a:r>
+            <a:r>
+              <a:rPr lang="en-US" dirty="0" smtClean="0"/>
+              <a:t> HTTP call </a:t>
+            </a:r>
+            <a:r>
+              <a:rPr lang="en-US" dirty="0"/>
+              <a:t>in the whole app </a:t>
+            </a:r>
+            <a:r>
+              <a:rPr lang="en-US" dirty="0" smtClean="0"/>
+              <a:t>requiring </a:t>
+            </a:r>
+            <a:r>
+              <a:rPr lang="en-US" dirty="0" err="1" smtClean="0"/>
+              <a:t>auth</a:t>
+            </a:r>
+            <a:r>
+              <a:rPr lang="en-US" dirty="0" smtClean="0"/>
+              <a:t>, update such variable if needed</a:t>
+            </a:r>
+          </a:p>
+          <a:p>
+            <a:pPr lvl="1"/>
+            <a:r>
+              <a:rPr lang="en-US" dirty="0" err="1" smtClean="0"/>
+              <a:t>eg</a:t>
+            </a:r>
+            <a:r>
+              <a:rPr lang="en-US" dirty="0" smtClean="0"/>
+              <a:t>, mark as logged-out if we get any 401</a:t>
+            </a:r>
+          </a:p>
+          <a:p>
+            <a:r>
+              <a:rPr lang="en-US" i="1" dirty="0" smtClean="0"/>
+              <a:t>React</a:t>
+            </a:r>
+            <a:r>
+              <a:rPr lang="en-US" dirty="0" smtClean="0"/>
+              <a:t> cannot show the current login/logout state, but rather the state at the last HTTP interaction</a:t>
+            </a:r>
+          </a:p>
+          <a:p>
+            <a:pPr lvl="1"/>
+            <a:r>
+              <a:rPr lang="en-US" dirty="0" smtClean="0"/>
+              <a:t>note: even if no direct logout, a cookie can still expire</a:t>
+            </a:r>
+            <a:endParaRPr lang="en-US" dirty="0"/>
+          </a:p>
+        </p:txBody>
+      </p:sp>
+    </p:spTree>
+    <p:extLst>
+      <p:ext uri="{BB962C8B-B14F-4D97-AF65-F5344CB8AC3E}">
+        <p14:creationId xmlns:p14="http://schemas.microsoft.com/office/powerpoint/2010/main" val="3691119644"/>
+      </p:ext>
+    </p:extLst>
+  </p:cSld>
+  <p:clrMapOvr>
+    <a:masterClrMapping/>
+  </p:clrMapOvr>
+</p:sld>
+</file>
+
+<file path=ppt/slides/slide64.xml><?xml version="1.0" encoding="utf-8"?>
+<p:sld xmlns:a="http://schemas.openxmlformats.org/drawingml/2006/main" xmlns:r="http://schemas.openxmlformats.org/officeDocument/2006/relationships" xmlns:p="http://schemas.openxmlformats.org/presentationml/2006/main">
+  <p:cSld>
+    <p:spTree>
+      <p:nvGrpSpPr>
+        <p:cNvPr id="1" name=""/>
+        <p:cNvGrpSpPr/>
+        <p:nvPr/>
+      </p:nvGrpSpPr>
+      <p:grpSpPr>
+        <a:xfrm>
+          <a:off x="0" y="0"/>
+          <a:ext cx="0" cy="0"/>
+          <a:chOff x="0" y="0"/>
+          <a:chExt cx="0" cy="0"/>
+        </a:xfrm>
+      </p:grpSpPr>
+      <p:sp>
+        <p:nvSpPr>
+          <p:cNvPr id="2" name="Title 1"/>
+          <p:cNvSpPr>
+            <a:spLocks noGrp="1"/>
+          </p:cNvSpPr>
+          <p:nvPr>
+            <p:ph type="title"/>
+          </p:nvPr>
+        </p:nvSpPr>
+        <p:spPr>
+          <a:xfrm>
+            <a:off x="838200" y="141008"/>
+            <a:ext cx="10515600" cy="916828"/>
+          </a:xfrm>
+        </p:spPr>
+        <p:txBody>
+          <a:bodyPr>
+            <a:normAutofit fontScale="90000"/>
+          </a:bodyPr>
+          <a:lstStyle/>
+          <a:p>
+            <a:r>
+              <a:rPr lang="en-US" dirty="0" smtClean="0"/>
+              <a:t>Frontend “Security”</a:t>
+            </a:r>
+            <a:endParaRPr lang="en-US" dirty="0"/>
+          </a:p>
+        </p:txBody>
+      </p:sp>
+      <p:sp>
+        <p:nvSpPr>
+          <p:cNvPr id="3" name="Content Placeholder 2"/>
+          <p:cNvSpPr>
+            <a:spLocks noGrp="1"/>
+          </p:cNvSpPr>
+          <p:nvPr>
+            <p:ph idx="1"/>
+          </p:nvPr>
+        </p:nvSpPr>
+        <p:spPr>
+          <a:xfrm>
+            <a:off x="206188" y="1057836"/>
+            <a:ext cx="11779624" cy="1763654"/>
+          </a:xfrm>
+        </p:spPr>
+        <p:txBody>
+          <a:bodyPr>
+            <a:normAutofit fontScale="70000" lnSpcReduction="20000"/>
+          </a:bodyPr>
+          <a:lstStyle/>
+          <a:p>
+            <a:r>
+              <a:rPr lang="en-US" dirty="0" smtClean="0"/>
+              <a:t>In </a:t>
+            </a:r>
+            <a:r>
+              <a:rPr lang="en-US" i="1" dirty="0" smtClean="0"/>
+              <a:t>frontend</a:t>
+            </a:r>
+            <a:r>
+              <a:rPr lang="en-US" dirty="0" smtClean="0"/>
+              <a:t>, choosing what to display based on login status has </a:t>
+            </a:r>
+            <a:r>
+              <a:rPr lang="en-US" b="1" dirty="0" smtClean="0"/>
+              <a:t>no impact on security</a:t>
+            </a:r>
+            <a:r>
+              <a:rPr lang="en-US" dirty="0" smtClean="0"/>
+              <a:t>… it impacts only </a:t>
+            </a:r>
+            <a:r>
+              <a:rPr lang="en-US" i="1" dirty="0" smtClean="0"/>
+              <a:t>usability</a:t>
+            </a:r>
+          </a:p>
+          <a:p>
+            <a:r>
+              <a:rPr lang="en-US" dirty="0"/>
+              <a:t>S</a:t>
+            </a:r>
+            <a:r>
+              <a:rPr lang="en-US" dirty="0" smtClean="0"/>
+              <a:t>ecurity MUST be handled on the </a:t>
+            </a:r>
+            <a:r>
+              <a:rPr lang="en-US" i="1" dirty="0" smtClean="0"/>
+              <a:t>backend… </a:t>
+            </a:r>
+            <a:r>
+              <a:rPr lang="en-US" dirty="0" smtClean="0"/>
+              <a:t>anyone can open a TCP connection and use HTTP to send messages to your </a:t>
+            </a:r>
+            <a:r>
+              <a:rPr lang="en-US" i="1" dirty="0" smtClean="0"/>
+              <a:t>backend</a:t>
+            </a:r>
+            <a:r>
+              <a:rPr lang="en-US" dirty="0" smtClean="0"/>
+              <a:t> without using the GUI!</a:t>
+            </a:r>
+          </a:p>
+          <a:p>
+            <a:r>
+              <a:rPr lang="en-US" dirty="0" smtClean="0"/>
+              <a:t>Each REST endpoint that needs protection has to handle </a:t>
+            </a:r>
+            <a:r>
+              <a:rPr lang="en-US" dirty="0" err="1" smtClean="0"/>
+              <a:t>auth</a:t>
+            </a:r>
+            <a:r>
+              <a:rPr lang="en-US" dirty="0" smtClean="0"/>
+              <a:t> regardless of </a:t>
+            </a:r>
+            <a:r>
+              <a:rPr lang="en-US" i="1" dirty="0" smtClean="0"/>
+              <a:t>frontend</a:t>
+            </a:r>
+            <a:endParaRPr lang="en-US" i="1" dirty="0"/>
+          </a:p>
+        </p:txBody>
+      </p:sp>
+      <p:pic>
+        <p:nvPicPr>
+          <p:cNvPr id="4" name="Picture 4" descr="Related image"/>
+          <p:cNvPicPr>
+            <a:picLocks noChangeAspect="1" noChangeArrowheads="1"/>
+          </p:cNvPicPr>
+          <p:nvPr/>
+        </p:nvPicPr>
+        <p:blipFill>
+          <a:blip r:embed="rId2" cstate="hqprint">
+            <a:extLst>
+              <a:ext uri="{28A0092B-C50C-407E-A947-70E740481C1C}">
+                <a14:useLocalDpi xmlns:a14="http://schemas.microsoft.com/office/drawing/2010/main" val="0"/>
+              </a:ext>
+            </a:extLst>
+          </a:blip>
+          <a:srcRect/>
+          <a:stretch>
+            <a:fillRect/>
+          </a:stretch>
+        </p:blipFill>
+        <p:spPr bwMode="auto">
+          <a:xfrm flipH="1">
+            <a:off x="2576245" y="5320946"/>
+            <a:ext cx="1298574" cy="1298574"/>
+          </a:xfrm>
+          <a:prstGeom prst="rect">
+            <a:avLst/>
+          </a:prstGeom>
+          <a:noFill/>
+          <a:extLst>
+            <a:ext uri="{909E8E84-426E-40DD-AFC4-6F175D3DCCD1}">
+              <a14:hiddenFill xmlns:a14="http://schemas.microsoft.com/office/drawing/2010/main">
+                <a:solidFill>
+                  <a:srgbClr val="FFFFFF"/>
+                </a:solidFill>
+              </a14:hiddenFill>
+            </a:ext>
+          </a:extLst>
+        </p:spPr>
+      </p:pic>
+      <p:pic>
+        <p:nvPicPr>
+          <p:cNvPr id="5" name="Picture 4" descr="Image result for server"/>
+          <p:cNvPicPr>
+            <a:picLocks noChangeAspect="1" noChangeArrowheads="1"/>
+          </p:cNvPicPr>
+          <p:nvPr/>
+        </p:nvPicPr>
+        <p:blipFill>
+          <a:blip r:embed="rId3">
+            <a:extLst>
+              <a:ext uri="{28A0092B-C50C-407E-A947-70E740481C1C}">
+                <a14:useLocalDpi xmlns:a14="http://schemas.microsoft.com/office/drawing/2010/main" val="0"/>
+              </a:ext>
+            </a:extLst>
+          </a:blip>
+          <a:srcRect/>
+          <a:stretch>
+            <a:fillRect/>
+          </a:stretch>
+        </p:blipFill>
+        <p:spPr bwMode="auto">
+          <a:xfrm>
+            <a:off x="8164245" y="5115858"/>
+            <a:ext cx="2270126" cy="1708750"/>
+          </a:xfrm>
+          <a:prstGeom prst="rect">
+            <a:avLst/>
+          </a:prstGeom>
+          <a:noFill/>
+          <a:extLst>
+            <a:ext uri="{909E8E84-426E-40DD-AFC4-6F175D3DCCD1}">
+              <a14:hiddenFill xmlns:a14="http://schemas.microsoft.com/office/drawing/2010/main">
+                <a:solidFill>
+                  <a:srgbClr val="FFFFFF"/>
+                </a:solidFill>
+              </a14:hiddenFill>
+            </a:ext>
+          </a:extLst>
+        </p:spPr>
+      </p:pic>
+      <p:sp>
+        <p:nvSpPr>
+          <p:cNvPr id="6" name="TextBox 5"/>
+          <p:cNvSpPr txBox="1"/>
+          <p:nvPr/>
+        </p:nvSpPr>
+        <p:spPr>
+          <a:xfrm>
+            <a:off x="10526886" y="5798839"/>
+            <a:ext cx="1458926" cy="461665"/>
+          </a:xfrm>
+          <a:prstGeom prst="rect">
+            <a:avLst/>
+          </a:prstGeom>
+          <a:noFill/>
+        </p:spPr>
+        <p:txBody>
+          <a:bodyPr wrap="none" rtlCol="0">
+            <a:spAutoFit/>
+          </a:bodyPr>
+          <a:lstStyle/>
+          <a:p>
+            <a:r>
+              <a:rPr lang="en-US" sz="2400" dirty="0" smtClean="0"/>
+              <a:t>My Server</a:t>
+            </a:r>
+            <a:endParaRPr lang="en-US" sz="2400" dirty="0"/>
+          </a:p>
+        </p:txBody>
+      </p:sp>
+      <p:cxnSp>
+        <p:nvCxnSpPr>
+          <p:cNvPr id="7" name="Straight Arrow Connector 6"/>
+          <p:cNvCxnSpPr>
+            <a:stCxn id="4" idx="1"/>
+            <a:endCxn id="5" idx="1"/>
+          </p:cNvCxnSpPr>
+          <p:nvPr/>
+        </p:nvCxnSpPr>
+        <p:spPr>
+          <a:xfrm>
+            <a:off x="3874819" y="5970233"/>
+            <a:ext cx="4289426" cy="0"/>
+          </a:xfrm>
+          <a:prstGeom prst="straightConnector1">
+            <a:avLst/>
+          </a:prstGeom>
+          <a:ln w="57150">
+            <a:solidFill>
+              <a:schemeClr val="tx1"/>
+            </a:solidFill>
+            <a:tailEnd type="triangle"/>
+          </a:ln>
+        </p:spPr>
+        <p:style>
+          <a:lnRef idx="1">
+            <a:schemeClr val="accent1"/>
+          </a:lnRef>
+          <a:fillRef idx="0">
+            <a:schemeClr val="accent1"/>
+          </a:fillRef>
+          <a:effectRef idx="0">
+            <a:schemeClr val="accent1"/>
+          </a:effectRef>
+          <a:fontRef idx="minor">
+            <a:schemeClr val="tx1"/>
+          </a:fontRef>
+        </p:style>
+      </p:cxnSp>
+      <p:sp>
+        <p:nvSpPr>
+          <p:cNvPr id="8" name="TextBox 7"/>
+          <p:cNvSpPr txBox="1"/>
+          <p:nvPr/>
+        </p:nvSpPr>
+        <p:spPr>
+          <a:xfrm>
+            <a:off x="53788" y="3387330"/>
+            <a:ext cx="2465294" cy="1323439"/>
+          </a:xfrm>
+          <a:prstGeom prst="rect">
+            <a:avLst/>
+          </a:prstGeom>
+          <a:noFill/>
+        </p:spPr>
+        <p:txBody>
+          <a:bodyPr wrap="square" rtlCol="0">
+            <a:spAutoFit/>
+          </a:bodyPr>
+          <a:lstStyle/>
+          <a:p>
+            <a:r>
+              <a:rPr lang="en-US" sz="2000" dirty="0" smtClean="0"/>
+              <a:t>Not logged-in?</a:t>
+            </a:r>
+          </a:p>
+          <a:p>
+            <a:r>
+              <a:rPr lang="en-US" sz="2000" dirty="0" smtClean="0"/>
+              <a:t>No button with AJAX for protected resource</a:t>
+            </a:r>
+            <a:endParaRPr lang="en-US" sz="2000" dirty="0"/>
+          </a:p>
+        </p:txBody>
+      </p:sp>
+      <p:pic>
+        <p:nvPicPr>
+          <p:cNvPr id="9" name="Picture 4" descr="Related image"/>
+          <p:cNvPicPr>
+            <a:picLocks noChangeAspect="1" noChangeArrowheads="1"/>
+          </p:cNvPicPr>
+          <p:nvPr/>
+        </p:nvPicPr>
+        <p:blipFill>
+          <a:blip r:embed="rId2" cstate="hqprint">
+            <a:extLst>
+              <a:ext uri="{28A0092B-C50C-407E-A947-70E740481C1C}">
+                <a14:useLocalDpi xmlns:a14="http://schemas.microsoft.com/office/drawing/2010/main" val="0"/>
+              </a:ext>
+            </a:extLst>
+          </a:blip>
+          <a:srcRect/>
+          <a:stretch>
+            <a:fillRect/>
+          </a:stretch>
+        </p:blipFill>
+        <p:spPr bwMode="auto">
+          <a:xfrm flipH="1">
+            <a:off x="2576245" y="3427037"/>
+            <a:ext cx="1298574" cy="1298574"/>
+          </a:xfrm>
+          <a:prstGeom prst="rect">
+            <a:avLst/>
+          </a:prstGeom>
+          <a:noFill/>
+          <a:extLst>
+            <a:ext uri="{909E8E84-426E-40DD-AFC4-6F175D3DCCD1}">
+              <a14:hiddenFill xmlns:a14="http://schemas.microsoft.com/office/drawing/2010/main">
+                <a:solidFill>
+                  <a:srgbClr val="FFFFFF"/>
+                </a:solidFill>
+              </a14:hiddenFill>
+            </a:ext>
+          </a:extLst>
+        </p:spPr>
+      </p:pic>
+      <p:pic>
+        <p:nvPicPr>
+          <p:cNvPr id="10" name="Picture 9" descr="Image result for server"/>
+          <p:cNvPicPr>
+            <a:picLocks noChangeAspect="1" noChangeArrowheads="1"/>
+          </p:cNvPicPr>
+          <p:nvPr/>
+        </p:nvPicPr>
+        <p:blipFill>
+          <a:blip r:embed="rId3">
+            <a:extLst>
+              <a:ext uri="{28A0092B-C50C-407E-A947-70E740481C1C}">
+                <a14:useLocalDpi xmlns:a14="http://schemas.microsoft.com/office/drawing/2010/main" val="0"/>
+              </a:ext>
+            </a:extLst>
+          </a:blip>
+          <a:srcRect/>
+          <a:stretch>
+            <a:fillRect/>
+          </a:stretch>
+        </p:blipFill>
+        <p:spPr bwMode="auto">
+          <a:xfrm>
+            <a:off x="8164245" y="3221949"/>
+            <a:ext cx="2270126" cy="1708750"/>
+          </a:xfrm>
+          <a:prstGeom prst="rect">
+            <a:avLst/>
+          </a:prstGeom>
+          <a:noFill/>
+          <a:extLst>
+            <a:ext uri="{909E8E84-426E-40DD-AFC4-6F175D3DCCD1}">
+              <a14:hiddenFill xmlns:a14="http://schemas.microsoft.com/office/drawing/2010/main">
+                <a:solidFill>
+                  <a:srgbClr val="FFFFFF"/>
+                </a:solidFill>
+              </a14:hiddenFill>
+            </a:ext>
+          </a:extLst>
+        </p:spPr>
+      </p:pic>
+      <p:sp>
+        <p:nvSpPr>
+          <p:cNvPr id="11" name="TextBox 10"/>
+          <p:cNvSpPr txBox="1"/>
+          <p:nvPr/>
+        </p:nvSpPr>
+        <p:spPr>
+          <a:xfrm>
+            <a:off x="10526886" y="3904930"/>
+            <a:ext cx="1458926" cy="461665"/>
+          </a:xfrm>
+          <a:prstGeom prst="rect">
+            <a:avLst/>
+          </a:prstGeom>
+          <a:noFill/>
+        </p:spPr>
+        <p:txBody>
+          <a:bodyPr wrap="none" rtlCol="0">
+            <a:spAutoFit/>
+          </a:bodyPr>
+          <a:lstStyle/>
+          <a:p>
+            <a:r>
+              <a:rPr lang="en-US" sz="2400" dirty="0" smtClean="0"/>
+              <a:t>My Server</a:t>
+            </a:r>
+            <a:endParaRPr lang="en-US" sz="2400" dirty="0"/>
+          </a:p>
+        </p:txBody>
+      </p:sp>
+      <p:sp>
+        <p:nvSpPr>
+          <p:cNvPr id="12" name="TextBox 11"/>
+          <p:cNvSpPr txBox="1"/>
+          <p:nvPr/>
+        </p:nvSpPr>
+        <p:spPr>
+          <a:xfrm>
+            <a:off x="4054122" y="5489396"/>
+            <a:ext cx="3930820" cy="461665"/>
+          </a:xfrm>
+          <a:prstGeom prst="rect">
+            <a:avLst/>
+          </a:prstGeom>
+          <a:noFill/>
+        </p:spPr>
+        <p:txBody>
+          <a:bodyPr wrap="none" rtlCol="0">
+            <a:spAutoFit/>
+          </a:bodyPr>
+          <a:lstStyle/>
+          <a:p>
+            <a:r>
+              <a:rPr lang="en-US" sz="2400" dirty="0" err="1" smtClean="0"/>
+              <a:t>onClick</a:t>
+            </a:r>
+            <a:r>
+              <a:rPr lang="en-US" sz="2400" dirty="0" smtClean="0"/>
+              <a:t> = POST /</a:t>
+            </a:r>
+            <a:r>
+              <a:rPr lang="en-US" sz="2400" dirty="0" err="1" smtClean="0"/>
+              <a:t>api</a:t>
+            </a:r>
+            <a:r>
+              <a:rPr lang="en-US" sz="2400" dirty="0" smtClean="0"/>
+              <a:t>/protected</a:t>
+            </a:r>
+            <a:endParaRPr lang="en-US" sz="2400" dirty="0"/>
+          </a:p>
+        </p:txBody>
+      </p:sp>
+      <p:sp>
+        <p:nvSpPr>
+          <p:cNvPr id="13" name="TextBox 12"/>
+          <p:cNvSpPr txBox="1"/>
+          <p:nvPr/>
+        </p:nvSpPr>
+        <p:spPr>
+          <a:xfrm>
+            <a:off x="165848" y="5326987"/>
+            <a:ext cx="2263588" cy="1015663"/>
+          </a:xfrm>
+          <a:prstGeom prst="rect">
+            <a:avLst/>
+          </a:prstGeom>
+          <a:noFill/>
+        </p:spPr>
+        <p:txBody>
+          <a:bodyPr wrap="square" rtlCol="0">
+            <a:spAutoFit/>
+          </a:bodyPr>
+          <a:lstStyle/>
+          <a:p>
+            <a:r>
+              <a:rPr lang="en-US" sz="2000" dirty="0"/>
+              <a:t>L</a:t>
+            </a:r>
+            <a:r>
+              <a:rPr lang="en-US" sz="2000" dirty="0" smtClean="0"/>
+              <a:t>ogged-in?</a:t>
+            </a:r>
+          </a:p>
+          <a:p>
+            <a:r>
+              <a:rPr lang="en-US" sz="2000" dirty="0" smtClean="0"/>
+              <a:t>Render button with AJAX </a:t>
+            </a:r>
+            <a:endParaRPr lang="en-US" sz="2000" dirty="0"/>
+          </a:p>
+        </p:txBody>
+      </p:sp>
+    </p:spTree>
+    <p:extLst>
+      <p:ext uri="{BB962C8B-B14F-4D97-AF65-F5344CB8AC3E}">
+        <p14:creationId xmlns:p14="http://schemas.microsoft.com/office/powerpoint/2010/main" val="2623688311"/>
       </p:ext>
     </p:extLst>
   </p:cSld>

--- a/docs/slides/lesson_08.pptx
+++ b/docs/slides/lesson_08.pptx
@@ -344,7 +344,7 @@
           <a:p>
             <a:fld id="{9B5B52BA-3295-0343-9E28-A260A811DD10}" type="datetimeFigureOut">
               <a:rPr lang="en-US" smtClean="0"/>
-              <a:t>19-Feb-19</a:t>
+              <a:t>25-Feb-19</a:t>
             </a:fld>
             <a:endParaRPr lang="en-US"/>
           </a:p>
@@ -1079,7 +1079,7 @@
           <a:p>
             <a:fld id="{04F1D4A2-813C-F741-B481-C92B3A596030}" type="datetimeFigureOut">
               <a:rPr lang="en-US" smtClean="0"/>
-              <a:t>19-Feb-19</a:t>
+              <a:t>25-Feb-19</a:t>
             </a:fld>
             <a:endParaRPr lang="en-US"/>
           </a:p>
@@ -1249,7 +1249,7 @@
           <a:p>
             <a:fld id="{04F1D4A2-813C-F741-B481-C92B3A596030}" type="datetimeFigureOut">
               <a:rPr lang="en-US" smtClean="0"/>
-              <a:t>19-Feb-19</a:t>
+              <a:t>25-Feb-19</a:t>
             </a:fld>
             <a:endParaRPr lang="en-US"/>
           </a:p>
@@ -1429,7 +1429,7 @@
           <a:p>
             <a:fld id="{04F1D4A2-813C-F741-B481-C92B3A596030}" type="datetimeFigureOut">
               <a:rPr lang="en-US" smtClean="0"/>
-              <a:t>19-Feb-19</a:t>
+              <a:t>25-Feb-19</a:t>
             </a:fld>
             <a:endParaRPr lang="en-US"/>
           </a:p>
@@ -1610,7 +1610,7 @@
           <a:p>
             <a:fld id="{04F1D4A2-813C-F741-B481-C92B3A596030}" type="datetimeFigureOut">
               <a:rPr lang="en-US" smtClean="0"/>
-              <a:t>19-Feb-19</a:t>
+              <a:t>25-Feb-19</a:t>
             </a:fld>
             <a:endParaRPr lang="en-US"/>
           </a:p>
@@ -1856,7 +1856,7 @@
           <a:p>
             <a:fld id="{04F1D4A2-813C-F741-B481-C92B3A596030}" type="datetimeFigureOut">
               <a:rPr lang="en-US" smtClean="0"/>
-              <a:t>19-Feb-19</a:t>
+              <a:t>25-Feb-19</a:t>
             </a:fld>
             <a:endParaRPr lang="en-US"/>
           </a:p>
@@ -2088,7 +2088,7 @@
           <a:p>
             <a:fld id="{04F1D4A2-813C-F741-B481-C92B3A596030}" type="datetimeFigureOut">
               <a:rPr lang="en-US" smtClean="0"/>
-              <a:t>19-Feb-19</a:t>
+              <a:t>25-Feb-19</a:t>
             </a:fld>
             <a:endParaRPr lang="en-US"/>
           </a:p>
@@ -2455,7 +2455,7 @@
           <a:p>
             <a:fld id="{04F1D4A2-813C-F741-B481-C92B3A596030}" type="datetimeFigureOut">
               <a:rPr lang="en-US" smtClean="0"/>
-              <a:t>19-Feb-19</a:t>
+              <a:t>25-Feb-19</a:t>
             </a:fld>
             <a:endParaRPr lang="en-US"/>
           </a:p>
@@ -2573,7 +2573,7 @@
           <a:p>
             <a:fld id="{04F1D4A2-813C-F741-B481-C92B3A596030}" type="datetimeFigureOut">
               <a:rPr lang="en-US" smtClean="0"/>
-              <a:t>19-Feb-19</a:t>
+              <a:t>25-Feb-19</a:t>
             </a:fld>
             <a:endParaRPr lang="en-US"/>
           </a:p>
@@ -2668,7 +2668,7 @@
           <a:p>
             <a:fld id="{04F1D4A2-813C-F741-B481-C92B3A596030}" type="datetimeFigureOut">
               <a:rPr lang="en-US" smtClean="0"/>
-              <a:t>19-Feb-19</a:t>
+              <a:t>25-Feb-19</a:t>
             </a:fld>
             <a:endParaRPr lang="en-US"/>
           </a:p>
@@ -2945,7 +2945,7 @@
           <a:p>
             <a:fld id="{04F1D4A2-813C-F741-B481-C92B3A596030}" type="datetimeFigureOut">
               <a:rPr lang="en-US" smtClean="0"/>
-              <a:t>19-Feb-19</a:t>
+              <a:t>25-Feb-19</a:t>
             </a:fld>
             <a:endParaRPr lang="en-US"/>
           </a:p>
@@ -3198,7 +3198,7 @@
           <a:p>
             <a:fld id="{04F1D4A2-813C-F741-B481-C92B3A596030}" type="datetimeFigureOut">
               <a:rPr lang="en-US" smtClean="0"/>
-              <a:t>19-Feb-19</a:t>
+              <a:t>25-Feb-19</a:t>
             </a:fld>
             <a:endParaRPr lang="en-US"/>
           </a:p>
@@ -3411,7 +3411,7 @@
           <a:p>
             <a:fld id="{04F1D4A2-813C-F741-B481-C92B3A596030}" type="datetimeFigureOut">
               <a:rPr lang="en-US" smtClean="0"/>
-              <a:t>19-Feb-19</a:t>
+              <a:t>25-Feb-19</a:t>
             </a:fld>
             <a:endParaRPr lang="en-US"/>
           </a:p>
@@ -3855,11 +3855,7 @@
             </a:br>
             <a:r>
               <a:rPr lang="en-US" sz="6600" dirty="0" smtClean="0"/>
-              <a:t>Lesson </a:t>
-            </a:r>
-            <a:r>
-              <a:rPr lang="en-US" sz="6600" dirty="0" smtClean="0"/>
-              <a:t>08</a:t>
+              <a:t>Lesson 08</a:t>
             </a:r>
             <a:r>
               <a:rPr lang="en-US" sz="6600" dirty="0"/>
@@ -3880,7 +3876,6 @@
               <a:rPr lang="en-US" sz="6600" dirty="0"/>
               <a:t>and CSRF</a:t>
             </a:r>
-            <a:endParaRPr lang="en-US" sz="6600" dirty="0"/>
           </a:p>
         </p:txBody>
       </p:sp>
@@ -4619,19 +4614,7 @@
             <a:pPr lvl="1"/>
             <a:r>
               <a:rPr lang="en-US" sz="3200" dirty="0" smtClean="0"/>
-              <a:t>in </a:t>
-            </a:r>
-            <a:r>
-              <a:rPr lang="en-US" sz="3200" dirty="0" smtClean="0"/>
-              <a:t>SSR, </a:t>
-            </a:r>
-            <a:r>
-              <a:rPr lang="en-US" sz="3200" dirty="0" smtClean="0"/>
-              <a:t>redirect </a:t>
-            </a:r>
-            <a:r>
-              <a:rPr lang="en-US" sz="3200" dirty="0" smtClean="0"/>
-              <a:t>to login page, HTTP status code 3xx</a:t>
+              <a:t>in SSR, redirect to login page, HTTP status code 3xx</a:t>
             </a:r>
           </a:p>
           <a:p>
@@ -4964,11 +4947,7 @@
             </a:r>
             <a:r>
               <a:rPr lang="en-US" dirty="0" smtClean="0"/>
-              <a:t> </a:t>
-            </a:r>
-            <a:r>
-              <a:rPr lang="en-US" dirty="0" smtClean="0"/>
-              <a:t>HTTP/S call </a:t>
+              <a:t> HTTP/S call </a:t>
             </a:r>
           </a:p>
           <a:p>
@@ -5244,11 +5223,7 @@
             </a:r>
             <a:r>
               <a:rPr lang="en-US" dirty="0" smtClean="0"/>
-              <a:t>) </a:t>
-            </a:r>
-            <a:r>
-              <a:rPr lang="en-US" dirty="0" smtClean="0"/>
-              <a:t>at </a:t>
+              <a:t>) at </a:t>
             </a:r>
             <a:r>
               <a:rPr lang="en-US" b="1" dirty="0" smtClean="0"/>
@@ -5256,13 +5231,8 @@
             </a:r>
             <a:r>
               <a:rPr lang="en-US" dirty="0" smtClean="0"/>
-              <a:t> </a:t>
-            </a:r>
-            <a:r>
-              <a:rPr lang="en-US" dirty="0" smtClean="0"/>
-              <a:t>HTTP request</a:t>
-            </a:r>
-            <a:endParaRPr lang="en-US" dirty="0" smtClean="0"/>
+              <a:t> HTTP request</a:t>
+            </a:r>
           </a:p>
           <a:p>
             <a:r>
@@ -5510,11 +5480,7 @@
           <a:p>
             <a:r>
               <a:rPr lang="en-US" dirty="0" smtClean="0"/>
-              <a:t>What </a:t>
-            </a:r>
-            <a:r>
-              <a:rPr lang="en-US" dirty="0" smtClean="0"/>
-              <a:t>if someone intercepts a HTTP in clear, or has direct access to the browser (</a:t>
+              <a:t>What if someone intercepts a HTTP in clear, or has direct access to the browser (</a:t>
             </a:r>
             <a:r>
               <a:rPr lang="en-US" dirty="0" err="1" smtClean="0"/>
@@ -5610,8 +5576,13 @@
           <a:p>
             <a:r>
               <a:rPr lang="en-US" dirty="0" smtClean="0"/>
-              <a:t>Brief revision of HTTPS</a:t>
-            </a:r>
+              <a:t>Brief revision of </a:t>
+            </a:r>
+            <a:r>
+              <a:rPr lang="en-US" dirty="0" smtClean="0"/>
+              <a:t>HTTPS</a:t>
+            </a:r>
+            <a:endParaRPr lang="en-US" dirty="0" smtClean="0"/>
           </a:p>
           <a:p>
             <a:r>
@@ -5637,11 +5608,7 @@
           <a:p>
             <a:r>
               <a:rPr lang="en-US" dirty="0" smtClean="0"/>
-              <a:t>Learn </a:t>
-            </a:r>
-            <a:r>
-              <a:rPr lang="en-US" dirty="0" smtClean="0"/>
-              <a:t>how to </a:t>
+              <a:t>Learn how to </a:t>
             </a:r>
             <a:r>
               <a:rPr lang="en-US" dirty="0"/>
@@ -6137,13 +6104,8 @@
             </a:r>
             <a:r>
               <a:rPr lang="en-US" dirty="0" smtClean="0"/>
-              <a:t> </a:t>
-            </a:r>
-            <a:r>
-              <a:rPr lang="en-US" dirty="0" smtClean="0"/>
-              <a:t>pair</a:t>
-            </a:r>
-            <a:endParaRPr lang="en-US" dirty="0" smtClean="0"/>
+              <a:t> pair</a:t>
+            </a:r>
           </a:p>
         </p:txBody>
       </p:sp>
@@ -6201,11 +6163,7 @@
           <a:p>
             <a:r>
               <a:rPr lang="en-US" dirty="0" smtClean="0"/>
-              <a:t>How to </a:t>
-            </a:r>
-            <a:r>
-              <a:rPr lang="en-US" dirty="0" smtClean="0"/>
-              <a:t>send </a:t>
+              <a:t>How to send </a:t>
             </a:r>
             <a:r>
               <a:rPr lang="en-US" i="1" dirty="0" smtClean="0"/>
@@ -6649,17 +6607,8 @@
             <a:pPr lvl="1"/>
             <a:r>
               <a:rPr lang="en-US" dirty="0" smtClean="0"/>
-              <a:t>This is typical case in HTML </a:t>
-            </a:r>
-            <a:r>
-              <a:rPr lang="en-US" dirty="0" smtClean="0"/>
-              <a:t>forms, and also what we </a:t>
-            </a:r>
-            <a:r>
-              <a:rPr lang="en-US" dirty="0" smtClean="0"/>
-              <a:t>need in SPAs</a:t>
-            </a:r>
-            <a:endParaRPr lang="en-US" dirty="0" smtClean="0"/>
+              <a:t>This is typical case in HTML forms, and also what we need in SPAs</a:t>
+            </a:r>
           </a:p>
           <a:p>
             <a:r>
@@ -6713,7 +6662,6 @@
               <a:rPr lang="en-US" dirty="0" smtClean="0"/>
               <a:t>attacks… more on this later</a:t>
             </a:r>
-            <a:endParaRPr lang="en-US" dirty="0" smtClean="0"/>
           </a:p>
         </p:txBody>
       </p:sp>
@@ -6764,11 +6712,7 @@
           <a:p>
             <a:r>
               <a:rPr lang="en-US" dirty="0" smtClean="0"/>
-              <a:t>Storing </a:t>
-            </a:r>
-            <a:r>
-              <a:rPr lang="en-US" dirty="0" smtClean="0"/>
-              <a:t>Tokens</a:t>
+              <a:t>Storing Tokens</a:t>
             </a:r>
             <a:endParaRPr lang="en-US" dirty="0"/>
           </a:p>
@@ -7213,13 +7157,8 @@
           <a:p>
             <a:r>
               <a:rPr lang="en-US" dirty="0" smtClean="0"/>
-              <a:t>Server: HTTP request with no cookie or invalid/expired cookie, </a:t>
-            </a:r>
-            <a:r>
-              <a:rPr lang="en-US" dirty="0" smtClean="0"/>
-              <a:t>give 401 error message</a:t>
-            </a:r>
-            <a:endParaRPr lang="en-US" dirty="0" smtClean="0"/>
+              <a:t>Server: HTTP request with no cookie or invalid/expired cookie, give 401 error message</a:t>
+            </a:r>
           </a:p>
           <a:p>
             <a:pPr lvl="1"/>
@@ -7424,19 +7363,7 @@
           <a:p>
             <a:r>
               <a:rPr lang="en-US" sz="2400" dirty="0" smtClean="0"/>
-              <a:t>GET  </a:t>
-            </a:r>
-            <a:r>
-              <a:rPr lang="en-US" sz="2400" dirty="0" smtClean="0"/>
-              <a:t>/</a:t>
-            </a:r>
-            <a:r>
-              <a:rPr lang="en-US" sz="2400" dirty="0" smtClean="0"/>
-              <a:t>index</a:t>
-            </a:r>
-            <a:r>
-              <a:rPr lang="en-US" sz="2400" dirty="0" smtClean="0"/>
-              <a:t>.html</a:t>
+              <a:t>GET  /index.html</a:t>
             </a:r>
             <a:endParaRPr lang="en-US" sz="2400" dirty="0"/>
           </a:p>
@@ -7503,11 +7430,7 @@
           <a:p>
             <a:r>
               <a:rPr lang="en-US" sz="2400" dirty="0" smtClean="0"/>
-              <a:t>POST  </a:t>
-            </a:r>
-            <a:r>
-              <a:rPr lang="en-US" sz="2400" dirty="0" smtClean="0"/>
-              <a:t>/</a:t>
+              <a:t>POST  /</a:t>
             </a:r>
             <a:r>
               <a:rPr lang="en-US" sz="2400" dirty="0" err="1" smtClean="0"/>
@@ -7517,7 +7440,6 @@
               <a:rPr lang="en-US" sz="2400" dirty="0" smtClean="0"/>
               <a:t>/login</a:t>
             </a:r>
-            <a:endParaRPr lang="en-US" sz="2400" dirty="0" smtClean="0"/>
           </a:p>
           <a:p>
             <a:r>
@@ -7601,13 +7523,8 @@
           <a:p>
             <a:r>
               <a:rPr lang="en-US" sz="2400" dirty="0" smtClean="0"/>
-              <a:t>HTTP/1.1 </a:t>
-            </a:r>
-            <a:r>
-              <a:rPr lang="en-US" sz="2400" dirty="0" smtClean="0"/>
-              <a:t>204</a:t>
-            </a:r>
-            <a:endParaRPr lang="en-US" sz="2400" dirty="0" smtClean="0"/>
+              <a:t>HTTP/1.1 204</a:t>
+            </a:r>
           </a:p>
           <a:p>
             <a:r>
@@ -7622,7 +7539,6 @@
               <a:rPr lang="en-US" sz="2400" b="1" dirty="0" smtClean="0"/>
               <a:t>123456</a:t>
             </a:r>
-            <a:endParaRPr lang="en-US" sz="2400" b="1" dirty="0" smtClean="0"/>
           </a:p>
         </p:txBody>
       </p:sp>
@@ -7687,11 +7603,7 @@
           <a:p>
             <a:r>
               <a:rPr lang="en-US" sz="2400" dirty="0" smtClean="0"/>
-              <a:t>GET  </a:t>
-            </a:r>
-            <a:r>
-              <a:rPr lang="en-US" sz="2400" dirty="0" smtClean="0"/>
-              <a:t>/</a:t>
+              <a:t>GET  /</a:t>
             </a:r>
             <a:r>
               <a:rPr lang="en-US" sz="2400" dirty="0" err="1" smtClean="0"/>
@@ -7765,15 +7677,7 @@
             <a:pPr algn="ctr"/>
             <a:r>
               <a:rPr lang="en-US" sz="2400" dirty="0" smtClean="0"/>
-              <a:t>Request </a:t>
-            </a:r>
-            <a:r>
-              <a:rPr lang="en-US" sz="2400" dirty="0" smtClean="0"/>
-              <a:t>HTML </a:t>
-            </a:r>
-            <a:r>
-              <a:rPr lang="en-US" sz="2400" dirty="0" smtClean="0"/>
-              <a:t>page</a:t>
+              <a:t>Request HTML page</a:t>
             </a:r>
             <a:endParaRPr lang="en-US" sz="2400" dirty="0"/>
           </a:p>
@@ -7820,11 +7724,7 @@
             <a:pPr algn="ctr"/>
             <a:r>
               <a:rPr lang="en-US" sz="2400" dirty="0" smtClean="0"/>
-              <a:t>Send credentials by </a:t>
-            </a:r>
-            <a:r>
-              <a:rPr lang="en-US" sz="2400" dirty="0" smtClean="0"/>
-              <a:t>AJAX</a:t>
+              <a:t>Send credentials by AJAX</a:t>
             </a:r>
             <a:endParaRPr lang="en-US" sz="2400" dirty="0"/>
           </a:p>
@@ -7875,15 +7775,7 @@
             </a:r>
             <a:r>
               <a:rPr lang="en-US" sz="2400" dirty="0" smtClean="0"/>
-              <a:t>dd </a:t>
-            </a:r>
-            <a:r>
-              <a:rPr lang="en-US" sz="2400" dirty="0" smtClean="0"/>
-              <a:t>cookie header in all following </a:t>
-            </a:r>
-            <a:r>
-              <a:rPr lang="en-US" sz="2400" dirty="0" smtClean="0"/>
-              <a:t>HTTP requests</a:t>
+              <a:t>dd cookie header in all following HTTP requests</a:t>
             </a:r>
             <a:endParaRPr lang="en-US" sz="2400" dirty="0"/>
           </a:p>
@@ -8322,15 +8214,7 @@
             <a:pPr lvl="1"/>
             <a:r>
               <a:rPr lang="en-US" dirty="0" smtClean="0"/>
-              <a:t>You can fabricate a </a:t>
-            </a:r>
-            <a:r>
-              <a:rPr lang="en-US" dirty="0" smtClean="0"/>
-              <a:t>website </a:t>
-            </a:r>
-            <a:r>
-              <a:rPr lang="en-US" dirty="0" smtClean="0"/>
-              <a:t>with JS that reads all cookies, and send them back to you, so that you can use them to access the user’s Google/Facebook/Bank accounts</a:t>
+              <a:t>You can fabricate a website with JS that reads all cookies, and send them back to you, so that you can use them to access the user’s Google/Facebook/Bank accounts</a:t>
             </a:r>
           </a:p>
           <a:p>
@@ -8488,15 +8372,7 @@
             <a:pPr lvl="1"/>
             <a:r>
               <a:rPr lang="en-US" dirty="0" smtClean="0"/>
-              <a:t>This is critical for authentication </a:t>
-            </a:r>
-            <a:r>
-              <a:rPr lang="en-US" dirty="0" smtClean="0"/>
-              <a:t>cookies to avoi</a:t>
-            </a:r>
-            <a:r>
-              <a:rPr lang="en-US" dirty="0" smtClean="0"/>
-              <a:t>d XSS attacks</a:t>
+              <a:t>This is critical for authentication cookies to avoid XSS attacks</a:t>
             </a:r>
             <a:endParaRPr lang="en-US" dirty="0"/>
           </a:p>
@@ -8751,11 +8627,7 @@
             </a:r>
             <a:r>
               <a:rPr lang="en-US" dirty="0" smtClean="0"/>
-              <a:t> </a:t>
-            </a:r>
-            <a:r>
-              <a:rPr lang="en-US" dirty="0" smtClean="0"/>
-              <a:t>“</a:t>
+              <a:t> “</a:t>
             </a:r>
             <a:r>
               <a:rPr lang="en-US" i="1" dirty="0" smtClean="0"/>
@@ -9271,13 +9143,8 @@
           <a:p>
             <a:r>
               <a:rPr lang="en-US" dirty="0" smtClean="0"/>
-              <a:t>Even if an hacker has full access to database, shouldn’t be able to get the </a:t>
-            </a:r>
-            <a:r>
-              <a:rPr lang="en-US" dirty="0" smtClean="0"/>
-              <a:t>passwords</a:t>
-            </a:r>
-            <a:endParaRPr lang="en-US" dirty="0" smtClean="0"/>
+              <a:t>Even if an hacker has full access to database, shouldn’t be able to get the passwords</a:t>
+            </a:r>
           </a:p>
           <a:p>
             <a:pPr lvl="1"/>
@@ -9463,11 +9330,7 @@
           <a:p>
             <a:r>
               <a:rPr lang="en-US" dirty="0" smtClean="0"/>
-              <a:t>HTTP </a:t>
-            </a:r>
-            <a:r>
-              <a:rPr lang="en-US" dirty="0" smtClean="0"/>
-              <a:t>and Cookies</a:t>
+              <a:t>HTTP and Cookies</a:t>
             </a:r>
             <a:endParaRPr lang="en-US" dirty="0"/>
           </a:p>
@@ -9509,11 +9372,7 @@
           <a:p>
             <a:r>
               <a:rPr lang="en-US" dirty="0" smtClean="0"/>
-              <a:t>This applies </a:t>
-            </a:r>
-            <a:r>
-              <a:rPr lang="en-US" dirty="0" smtClean="0"/>
-              <a:t>to </a:t>
+              <a:t>This applies to </a:t>
             </a:r>
             <a:r>
               <a:rPr lang="en-US" b="1" dirty="0" smtClean="0"/>
@@ -9542,17 +9401,12 @@
               <a:rPr lang="en-US" i="1" dirty="0" smtClean="0"/>
               <a:t>&lt;form&gt;</a:t>
             </a:r>
-            <a:endParaRPr lang="en-US" i="1" dirty="0" smtClean="0"/>
           </a:p>
           <a:p>
             <a:pPr lvl="1"/>
             <a:r>
               <a:rPr lang="en-US" dirty="0" smtClean="0"/>
-              <a:t>AJAX </a:t>
-            </a:r>
-            <a:r>
-              <a:rPr lang="en-US" dirty="0" smtClean="0"/>
-              <a:t>requests made with </a:t>
+              <a:t>AJAX requests made with </a:t>
             </a:r>
             <a:r>
               <a:rPr lang="en-US" i="1" dirty="0" err="1" smtClean="0"/>
@@ -9566,7 +9420,6 @@
               <a:rPr lang="en-US" i="1" dirty="0" smtClean="0"/>
               <a:t>fetch()</a:t>
             </a:r>
-            <a:endParaRPr lang="en-US" i="1" dirty="0" smtClean="0"/>
           </a:p>
           <a:p>
             <a:r>
@@ -11744,13 +11597,8 @@
           <a:p>
             <a:r>
               <a:rPr lang="en-US" sz="2400" dirty="0" smtClean="0"/>
-              <a:t>Malicious AJAX </a:t>
-            </a:r>
-            <a:r>
-              <a:rPr lang="en-US" sz="2400" dirty="0" smtClean="0"/>
-              <a:t>GET</a:t>
-            </a:r>
-            <a:endParaRPr lang="en-US" sz="2400" dirty="0" smtClean="0"/>
+              <a:t>Malicious AJAX GET</a:t>
+            </a:r>
           </a:p>
           <a:p>
             <a:r>
@@ -14001,16 +13849,11 @@
               <a:rPr lang="en-US" sz="2000" dirty="0" smtClean="0"/>
               <a:t>/products</a:t>
             </a:r>
-            <a:endParaRPr lang="en-US" sz="2000" dirty="0" smtClean="0"/>
           </a:p>
           <a:p>
             <a:r>
               <a:rPr lang="en-US" sz="2000" dirty="0" smtClean="0"/>
-              <a:t>POST </a:t>
-            </a:r>
-            <a:r>
-              <a:rPr lang="en-US" sz="2000" dirty="0" smtClean="0"/>
-              <a:t>/</a:t>
+              <a:t>POST /</a:t>
             </a:r>
             <a:r>
               <a:rPr lang="en-US" sz="2000" dirty="0" err="1" smtClean="0"/>
@@ -14020,7 +13863,6 @@
               <a:rPr lang="en-US" sz="2000" dirty="0" smtClean="0"/>
               <a:t>/products</a:t>
             </a:r>
-            <a:endParaRPr lang="en-US" sz="2000" dirty="0" smtClean="0"/>
           </a:p>
         </p:txBody>
       </p:sp>
@@ -15632,60 +15474,29 @@
             </a:r>
           </a:p>
           <a:p>
-            <a:pPr lvl="1"/>
-            <a:r>
-              <a:rPr lang="en-US" dirty="0" err="1" smtClean="0"/>
-              <a:t>eg</a:t>
-            </a:r>
-            <a:r>
-              <a:rPr lang="en-US" dirty="0"/>
-              <a:t>,</a:t>
-            </a:r>
-            <a:r>
-              <a:rPr lang="en-US" dirty="0" smtClean="0"/>
-              <a:t> not only using </a:t>
-            </a:r>
-            <a:r>
-              <a:rPr lang="en-US" b="1" dirty="0" smtClean="0"/>
-              <a:t>JWT</a:t>
-            </a:r>
-            <a:r>
-              <a:rPr lang="en-US" dirty="0" smtClean="0"/>
-              <a:t> for sessions (</a:t>
-            </a:r>
-            <a:r>
-              <a:rPr lang="en-US" dirty="0" err="1" smtClean="0"/>
-              <a:t>d’oh</a:t>
-            </a:r>
-            <a:r>
-              <a:rPr lang="en-US" dirty="0" smtClean="0"/>
-              <a:t>! what about logout?), but also not storing them in </a:t>
-            </a:r>
-            <a:r>
-              <a:rPr lang="en-US" i="1" dirty="0" err="1" smtClean="0"/>
-              <a:t>HttpOnly</a:t>
-            </a:r>
-            <a:r>
-              <a:rPr lang="en-US" dirty="0" smtClean="0"/>
-              <a:t> cookies (</a:t>
-            </a:r>
-            <a:r>
-              <a:rPr lang="en-US" b="1" dirty="0" smtClean="0"/>
-              <a:t>OMG</a:t>
-            </a:r>
-            <a:r>
-              <a:rPr lang="en-US" dirty="0" smtClean="0"/>
-              <a:t>!!! ever heard of XSS???)</a:t>
-            </a:r>
-          </a:p>
-          <a:p>
-            <a:r>
-              <a:rPr lang="en-US" dirty="0" smtClean="0"/>
-              <a:t>Recommendation: </a:t>
+            <a:r>
+              <a:rPr lang="en-US" dirty="0" smtClean="0"/>
+              <a:t>Recommendation</a:t>
+            </a:r>
+            <a:r>
+              <a:rPr lang="en-US" dirty="0" smtClean="0"/>
+              <a:t>: </a:t>
             </a:r>
             <a:r>
               <a:rPr lang="en-US" i="1" dirty="0" smtClean="0"/>
-              <a:t>be wary of this issue, and do not trust blindly when reading of security </a:t>
+              <a:t>be wary of this issue, and do not trust blindly when reading </a:t>
+            </a:r>
+            <a:r>
+              <a:rPr lang="en-US" i="1" dirty="0" smtClean="0"/>
+              <a:t>about</a:t>
+            </a:r>
+            <a:r>
+              <a:rPr lang="en-US" i="1" dirty="0" smtClean="0"/>
+              <a:t> </a:t>
+            </a:r>
+            <a:r>
+              <a:rPr lang="en-US" i="1" dirty="0" smtClean="0"/>
+              <a:t>security </a:t>
             </a:r>
             <a:r>
               <a:rPr lang="en-US" dirty="0" smtClean="0"/>

--- a/docs/slides/lesson_08.pptx
+++ b/docs/slides/lesson_08.pptx
@@ -344,7 +344,7 @@
           <a:p>
             <a:fld id="{9B5B52BA-3295-0343-9E28-A260A811DD10}" type="datetimeFigureOut">
               <a:rPr lang="en-US" smtClean="0"/>
-              <a:t>25-Feb-19</a:t>
+              <a:t>3/12/19</a:t>
             </a:fld>
             <a:endParaRPr lang="en-US"/>
           </a:p>
@@ -408,38 +408,37 @@
           <a:p>
             <a:pPr lvl="0"/>
             <a:r>
-              <a:rPr lang="en-US" smtClean="0"/>
+              <a:rPr lang="en-US"/>
               <a:t>Click to edit Master text styles</a:t>
             </a:r>
           </a:p>
           <a:p>
             <a:pPr lvl="1"/>
             <a:r>
-              <a:rPr lang="en-US" smtClean="0"/>
+              <a:rPr lang="en-US"/>
               <a:t>Second level</a:t>
             </a:r>
           </a:p>
           <a:p>
             <a:pPr lvl="2"/>
             <a:r>
-              <a:rPr lang="en-US" smtClean="0"/>
+              <a:rPr lang="en-US"/>
               <a:t>Third level</a:t>
             </a:r>
           </a:p>
           <a:p>
             <a:pPr lvl="3"/>
             <a:r>
-              <a:rPr lang="en-US" smtClean="0"/>
+              <a:rPr lang="en-US"/>
               <a:t>Fourth level</a:t>
             </a:r>
           </a:p>
           <a:p>
             <a:pPr lvl="4"/>
             <a:r>
-              <a:rPr lang="en-US" smtClean="0"/>
+              <a:rPr lang="en-US"/>
               <a:t>Fifth level</a:t>
             </a:r>
-            <a:endParaRPr lang="en-US"/>
           </a:p>
         </p:txBody>
       </p:sp>
@@ -990,10 +989,9 @@
           </a:lstStyle>
           <a:p>
             <a:r>
-              <a:rPr lang="en-US" dirty="0" smtClean="0"/>
+              <a:rPr lang="en-US" dirty="0"/>
               <a:t>Click to edit Master title style</a:t>
             </a:r>
-            <a:endParaRPr lang="en-US" dirty="0"/>
           </a:p>
         </p:txBody>
       </p:sp>
@@ -1055,10 +1053,9 @@
           </a:lstStyle>
           <a:p>
             <a:r>
-              <a:rPr lang="en-US" dirty="0" smtClean="0"/>
+              <a:rPr lang="en-US" dirty="0"/>
               <a:t>Click to edit Master subtitle style</a:t>
             </a:r>
-            <a:endParaRPr lang="en-US" dirty="0"/>
           </a:p>
         </p:txBody>
       </p:sp>
@@ -1079,7 +1076,7 @@
           <a:p>
             <a:fld id="{04F1D4A2-813C-F741-B481-C92B3A596030}" type="datetimeFigureOut">
               <a:rPr lang="en-US" smtClean="0"/>
-              <a:t>25-Feb-19</a:t>
+              <a:t>3/12/19</a:t>
             </a:fld>
             <a:endParaRPr lang="en-US"/>
           </a:p>
@@ -1173,10 +1170,9 @@
           <a:lstStyle/>
           <a:p>
             <a:r>
-              <a:rPr lang="en-US" smtClean="0"/>
+              <a:rPr lang="en-US"/>
               <a:t>Click to edit Master title style</a:t>
             </a:r>
-            <a:endParaRPr lang="en-US"/>
           </a:p>
         </p:txBody>
       </p:sp>
@@ -1197,38 +1193,37 @@
           <a:p>
             <a:pPr lvl="0"/>
             <a:r>
-              <a:rPr lang="en-US" smtClean="0"/>
+              <a:rPr lang="en-US"/>
               <a:t>Click to edit Master text styles</a:t>
             </a:r>
           </a:p>
           <a:p>
             <a:pPr lvl="1"/>
             <a:r>
-              <a:rPr lang="en-US" smtClean="0"/>
+              <a:rPr lang="en-US"/>
               <a:t>Second level</a:t>
             </a:r>
           </a:p>
           <a:p>
             <a:pPr lvl="2"/>
             <a:r>
-              <a:rPr lang="en-US" smtClean="0"/>
+              <a:rPr lang="en-US"/>
               <a:t>Third level</a:t>
             </a:r>
           </a:p>
           <a:p>
             <a:pPr lvl="3"/>
             <a:r>
-              <a:rPr lang="en-US" smtClean="0"/>
+              <a:rPr lang="en-US"/>
               <a:t>Fourth level</a:t>
             </a:r>
           </a:p>
           <a:p>
             <a:pPr lvl="4"/>
             <a:r>
-              <a:rPr lang="en-US" smtClean="0"/>
+              <a:rPr lang="en-US"/>
               <a:t>Fifth level</a:t>
             </a:r>
-            <a:endParaRPr lang="en-US"/>
           </a:p>
         </p:txBody>
       </p:sp>
@@ -1249,7 +1244,7 @@
           <a:p>
             <a:fld id="{04F1D4A2-813C-F741-B481-C92B3A596030}" type="datetimeFigureOut">
               <a:rPr lang="en-US" smtClean="0"/>
-              <a:t>25-Feb-19</a:t>
+              <a:t>3/12/19</a:t>
             </a:fld>
             <a:endParaRPr lang="en-US"/>
           </a:p>
@@ -1348,10 +1343,9 @@
           <a:lstStyle/>
           <a:p>
             <a:r>
-              <a:rPr lang="en-US" smtClean="0"/>
+              <a:rPr lang="en-US"/>
               <a:t>Click to edit Master title style</a:t>
             </a:r>
-            <a:endParaRPr lang="en-US"/>
           </a:p>
         </p:txBody>
       </p:sp>
@@ -1377,38 +1371,37 @@
           <a:p>
             <a:pPr lvl="0"/>
             <a:r>
-              <a:rPr lang="en-US" smtClean="0"/>
+              <a:rPr lang="en-US"/>
               <a:t>Click to edit Master text styles</a:t>
             </a:r>
           </a:p>
           <a:p>
             <a:pPr lvl="1"/>
             <a:r>
-              <a:rPr lang="en-US" smtClean="0"/>
+              <a:rPr lang="en-US"/>
               <a:t>Second level</a:t>
             </a:r>
           </a:p>
           <a:p>
             <a:pPr lvl="2"/>
             <a:r>
-              <a:rPr lang="en-US" smtClean="0"/>
+              <a:rPr lang="en-US"/>
               <a:t>Third level</a:t>
             </a:r>
           </a:p>
           <a:p>
             <a:pPr lvl="3"/>
             <a:r>
-              <a:rPr lang="en-US" smtClean="0"/>
+              <a:rPr lang="en-US"/>
               <a:t>Fourth level</a:t>
             </a:r>
           </a:p>
           <a:p>
             <a:pPr lvl="4"/>
             <a:r>
-              <a:rPr lang="en-US" smtClean="0"/>
+              <a:rPr lang="en-US"/>
               <a:t>Fifth level</a:t>
             </a:r>
-            <a:endParaRPr lang="en-US"/>
           </a:p>
         </p:txBody>
       </p:sp>
@@ -1429,7 +1422,7 @@
           <a:p>
             <a:fld id="{04F1D4A2-813C-F741-B481-C92B3A596030}" type="datetimeFigureOut">
               <a:rPr lang="en-US" smtClean="0"/>
-              <a:t>25-Feb-19</a:t>
+              <a:t>3/12/19</a:t>
             </a:fld>
             <a:endParaRPr lang="en-US"/>
           </a:p>
@@ -1527,10 +1520,9 @@
           </a:lstStyle>
           <a:p>
             <a:r>
-              <a:rPr lang="en-US" dirty="0" smtClean="0"/>
+              <a:rPr lang="en-US" dirty="0"/>
               <a:t>Click to edit Master title style</a:t>
             </a:r>
-            <a:endParaRPr lang="en-US" dirty="0"/>
           </a:p>
         </p:txBody>
       </p:sp>
@@ -1558,38 +1550,37 @@
           <a:p>
             <a:pPr lvl="0"/>
             <a:r>
-              <a:rPr lang="en-US" dirty="0" smtClean="0"/>
+              <a:rPr lang="en-US" dirty="0"/>
               <a:t>Click to edit Master text styles</a:t>
             </a:r>
           </a:p>
           <a:p>
             <a:pPr lvl="1"/>
             <a:r>
-              <a:rPr lang="en-US" dirty="0" smtClean="0"/>
+              <a:rPr lang="en-US" dirty="0"/>
               <a:t>Second level</a:t>
             </a:r>
           </a:p>
           <a:p>
             <a:pPr lvl="2"/>
             <a:r>
-              <a:rPr lang="en-US" dirty="0" smtClean="0"/>
+              <a:rPr lang="en-US" dirty="0"/>
               <a:t>Third level</a:t>
             </a:r>
           </a:p>
           <a:p>
             <a:pPr lvl="3"/>
             <a:r>
-              <a:rPr lang="en-US" dirty="0" smtClean="0"/>
+              <a:rPr lang="en-US" dirty="0"/>
               <a:t>Fourth level</a:t>
             </a:r>
           </a:p>
           <a:p>
             <a:pPr lvl="4"/>
             <a:r>
-              <a:rPr lang="en-US" dirty="0" smtClean="0"/>
+              <a:rPr lang="en-US" dirty="0"/>
               <a:t>Fifth level</a:t>
             </a:r>
-            <a:endParaRPr lang="en-US" dirty="0"/>
           </a:p>
         </p:txBody>
       </p:sp>
@@ -1610,7 +1601,7 @@
           <a:p>
             <a:fld id="{04F1D4A2-813C-F741-B481-C92B3A596030}" type="datetimeFigureOut">
               <a:rPr lang="en-US" smtClean="0"/>
-              <a:t>25-Feb-19</a:t>
+              <a:t>3/12/19</a:t>
             </a:fld>
             <a:endParaRPr lang="en-US"/>
           </a:p>
@@ -1713,10 +1704,9 @@
           </a:lstStyle>
           <a:p>
             <a:r>
-              <a:rPr lang="en-US" smtClean="0"/>
+              <a:rPr lang="en-US"/>
               <a:t>Click to edit Master title style</a:t>
             </a:r>
-            <a:endParaRPr lang="en-US"/>
           </a:p>
         </p:txBody>
       </p:sp>
@@ -1833,7 +1823,7 @@
           <a:p>
             <a:pPr lvl="0"/>
             <a:r>
-              <a:rPr lang="en-US" smtClean="0"/>
+              <a:rPr lang="en-US"/>
               <a:t>Click to edit Master text styles</a:t>
             </a:r>
           </a:p>
@@ -1856,7 +1846,7 @@
           <a:p>
             <a:fld id="{04F1D4A2-813C-F741-B481-C92B3A596030}" type="datetimeFigureOut">
               <a:rPr lang="en-US" smtClean="0"/>
-              <a:t>25-Feb-19</a:t>
+              <a:t>3/12/19</a:t>
             </a:fld>
             <a:endParaRPr lang="en-US"/>
           </a:p>
@@ -1950,10 +1940,9 @@
           <a:lstStyle/>
           <a:p>
             <a:r>
-              <a:rPr lang="en-US" smtClean="0"/>
+              <a:rPr lang="en-US"/>
               <a:t>Click to edit Master title style</a:t>
             </a:r>
-            <a:endParaRPr lang="en-US"/>
           </a:p>
         </p:txBody>
       </p:sp>
@@ -1979,38 +1968,37 @@
           <a:p>
             <a:pPr lvl="0"/>
             <a:r>
-              <a:rPr lang="en-US" smtClean="0"/>
+              <a:rPr lang="en-US"/>
               <a:t>Click to edit Master text styles</a:t>
             </a:r>
           </a:p>
           <a:p>
             <a:pPr lvl="1"/>
             <a:r>
-              <a:rPr lang="en-US" smtClean="0"/>
+              <a:rPr lang="en-US"/>
               <a:t>Second level</a:t>
             </a:r>
           </a:p>
           <a:p>
             <a:pPr lvl="2"/>
             <a:r>
-              <a:rPr lang="en-US" smtClean="0"/>
+              <a:rPr lang="en-US"/>
               <a:t>Third level</a:t>
             </a:r>
           </a:p>
           <a:p>
             <a:pPr lvl="3"/>
             <a:r>
-              <a:rPr lang="en-US" smtClean="0"/>
+              <a:rPr lang="en-US"/>
               <a:t>Fourth level</a:t>
             </a:r>
           </a:p>
           <a:p>
             <a:pPr lvl="4"/>
             <a:r>
-              <a:rPr lang="en-US" smtClean="0"/>
+              <a:rPr lang="en-US"/>
               <a:t>Fifth level</a:t>
             </a:r>
-            <a:endParaRPr lang="en-US"/>
           </a:p>
         </p:txBody>
       </p:sp>
@@ -2036,38 +2024,37 @@
           <a:p>
             <a:pPr lvl="0"/>
             <a:r>
-              <a:rPr lang="en-US" smtClean="0"/>
+              <a:rPr lang="en-US"/>
               <a:t>Click to edit Master text styles</a:t>
             </a:r>
           </a:p>
           <a:p>
             <a:pPr lvl="1"/>
             <a:r>
-              <a:rPr lang="en-US" smtClean="0"/>
+              <a:rPr lang="en-US"/>
               <a:t>Second level</a:t>
             </a:r>
           </a:p>
           <a:p>
             <a:pPr lvl="2"/>
             <a:r>
-              <a:rPr lang="en-US" smtClean="0"/>
+              <a:rPr lang="en-US"/>
               <a:t>Third level</a:t>
             </a:r>
           </a:p>
           <a:p>
             <a:pPr lvl="3"/>
             <a:r>
-              <a:rPr lang="en-US" smtClean="0"/>
+              <a:rPr lang="en-US"/>
               <a:t>Fourth level</a:t>
             </a:r>
           </a:p>
           <a:p>
             <a:pPr lvl="4"/>
             <a:r>
-              <a:rPr lang="en-US" smtClean="0"/>
+              <a:rPr lang="en-US"/>
               <a:t>Fifth level</a:t>
             </a:r>
-            <a:endParaRPr lang="en-US"/>
           </a:p>
         </p:txBody>
       </p:sp>
@@ -2088,7 +2075,7 @@
           <a:p>
             <a:fld id="{04F1D4A2-813C-F741-B481-C92B3A596030}" type="datetimeFigureOut">
               <a:rPr lang="en-US" smtClean="0"/>
-              <a:t>25-Feb-19</a:t>
+              <a:t>3/12/19</a:t>
             </a:fld>
             <a:endParaRPr lang="en-US"/>
           </a:p>
@@ -2187,10 +2174,9 @@
           <a:lstStyle/>
           <a:p>
             <a:r>
-              <a:rPr lang="en-US" smtClean="0"/>
+              <a:rPr lang="en-US"/>
               <a:t>Click to edit Master title style</a:t>
             </a:r>
-            <a:endParaRPr lang="en-US"/>
           </a:p>
         </p:txBody>
       </p:sp>
@@ -2253,7 +2239,7 @@
           <a:p>
             <a:pPr lvl="0"/>
             <a:r>
-              <a:rPr lang="en-US" smtClean="0"/>
+              <a:rPr lang="en-US"/>
               <a:t>Click to edit Master text styles</a:t>
             </a:r>
           </a:p>
@@ -2281,38 +2267,37 @@
           <a:p>
             <a:pPr lvl="0"/>
             <a:r>
-              <a:rPr lang="en-US" smtClean="0"/>
+              <a:rPr lang="en-US"/>
               <a:t>Click to edit Master text styles</a:t>
             </a:r>
           </a:p>
           <a:p>
             <a:pPr lvl="1"/>
             <a:r>
-              <a:rPr lang="en-US" smtClean="0"/>
+              <a:rPr lang="en-US"/>
               <a:t>Second level</a:t>
             </a:r>
           </a:p>
           <a:p>
             <a:pPr lvl="2"/>
             <a:r>
-              <a:rPr lang="en-US" smtClean="0"/>
+              <a:rPr lang="en-US"/>
               <a:t>Third level</a:t>
             </a:r>
           </a:p>
           <a:p>
             <a:pPr lvl="3"/>
             <a:r>
-              <a:rPr lang="en-US" smtClean="0"/>
+              <a:rPr lang="en-US"/>
               <a:t>Fourth level</a:t>
             </a:r>
           </a:p>
           <a:p>
             <a:pPr lvl="4"/>
             <a:r>
-              <a:rPr lang="en-US" smtClean="0"/>
+              <a:rPr lang="en-US"/>
               <a:t>Fifth level</a:t>
             </a:r>
-            <a:endParaRPr lang="en-US"/>
           </a:p>
         </p:txBody>
       </p:sp>
@@ -2375,7 +2360,7 @@
           <a:p>
             <a:pPr lvl="0"/>
             <a:r>
-              <a:rPr lang="en-US" smtClean="0"/>
+              <a:rPr lang="en-US"/>
               <a:t>Click to edit Master text styles</a:t>
             </a:r>
           </a:p>
@@ -2403,38 +2388,37 @@
           <a:p>
             <a:pPr lvl="0"/>
             <a:r>
-              <a:rPr lang="en-US" smtClean="0"/>
+              <a:rPr lang="en-US"/>
               <a:t>Click to edit Master text styles</a:t>
             </a:r>
           </a:p>
           <a:p>
             <a:pPr lvl="1"/>
             <a:r>
-              <a:rPr lang="en-US" smtClean="0"/>
+              <a:rPr lang="en-US"/>
               <a:t>Second level</a:t>
             </a:r>
           </a:p>
           <a:p>
             <a:pPr lvl="2"/>
             <a:r>
-              <a:rPr lang="en-US" smtClean="0"/>
+              <a:rPr lang="en-US"/>
               <a:t>Third level</a:t>
             </a:r>
           </a:p>
           <a:p>
             <a:pPr lvl="3"/>
             <a:r>
-              <a:rPr lang="en-US" smtClean="0"/>
+              <a:rPr lang="en-US"/>
               <a:t>Fourth level</a:t>
             </a:r>
           </a:p>
           <a:p>
             <a:pPr lvl="4"/>
             <a:r>
-              <a:rPr lang="en-US" smtClean="0"/>
+              <a:rPr lang="en-US"/>
               <a:t>Fifth level</a:t>
             </a:r>
-            <a:endParaRPr lang="en-US"/>
           </a:p>
         </p:txBody>
       </p:sp>
@@ -2455,7 +2439,7 @@
           <a:p>
             <a:fld id="{04F1D4A2-813C-F741-B481-C92B3A596030}" type="datetimeFigureOut">
               <a:rPr lang="en-US" smtClean="0"/>
-              <a:t>25-Feb-19</a:t>
+              <a:t>3/12/19</a:t>
             </a:fld>
             <a:endParaRPr lang="en-US"/>
           </a:p>
@@ -2549,10 +2533,9 @@
           <a:lstStyle/>
           <a:p>
             <a:r>
-              <a:rPr lang="en-US" smtClean="0"/>
+              <a:rPr lang="en-US"/>
               <a:t>Click to edit Master title style</a:t>
             </a:r>
-            <a:endParaRPr lang="en-US"/>
           </a:p>
         </p:txBody>
       </p:sp>
@@ -2573,7 +2556,7 @@
           <a:p>
             <a:fld id="{04F1D4A2-813C-F741-B481-C92B3A596030}" type="datetimeFigureOut">
               <a:rPr lang="en-US" smtClean="0"/>
-              <a:t>25-Feb-19</a:t>
+              <a:t>3/12/19</a:t>
             </a:fld>
             <a:endParaRPr lang="en-US"/>
           </a:p>
@@ -2668,7 +2651,7 @@
           <a:p>
             <a:fld id="{04F1D4A2-813C-F741-B481-C92B3A596030}" type="datetimeFigureOut">
               <a:rPr lang="en-US" smtClean="0"/>
-              <a:t>25-Feb-19</a:t>
+              <a:t>3/12/19</a:t>
             </a:fld>
             <a:endParaRPr lang="en-US"/>
           </a:p>
@@ -2771,10 +2754,9 @@
           </a:lstStyle>
           <a:p>
             <a:r>
-              <a:rPr lang="en-US" smtClean="0"/>
+              <a:rPr lang="en-US"/>
               <a:t>Click to edit Master title style</a:t>
             </a:r>
-            <a:endParaRPr lang="en-US"/>
           </a:p>
         </p:txBody>
       </p:sp>
@@ -2828,38 +2810,37 @@
           <a:p>
             <a:pPr lvl="0"/>
             <a:r>
-              <a:rPr lang="en-US" smtClean="0"/>
+              <a:rPr lang="en-US"/>
               <a:t>Click to edit Master text styles</a:t>
             </a:r>
           </a:p>
           <a:p>
             <a:pPr lvl="1"/>
             <a:r>
-              <a:rPr lang="en-US" smtClean="0"/>
+              <a:rPr lang="en-US"/>
               <a:t>Second level</a:t>
             </a:r>
           </a:p>
           <a:p>
             <a:pPr lvl="2"/>
             <a:r>
-              <a:rPr lang="en-US" smtClean="0"/>
+              <a:rPr lang="en-US"/>
               <a:t>Third level</a:t>
             </a:r>
           </a:p>
           <a:p>
             <a:pPr lvl="3"/>
             <a:r>
-              <a:rPr lang="en-US" smtClean="0"/>
+              <a:rPr lang="en-US"/>
               <a:t>Fourth level</a:t>
             </a:r>
           </a:p>
           <a:p>
             <a:pPr lvl="4"/>
             <a:r>
-              <a:rPr lang="en-US" smtClean="0"/>
+              <a:rPr lang="en-US"/>
               <a:t>Fifth level</a:t>
             </a:r>
-            <a:endParaRPr lang="en-US"/>
           </a:p>
         </p:txBody>
       </p:sp>
@@ -2922,7 +2903,7 @@
           <a:p>
             <a:pPr lvl="0"/>
             <a:r>
-              <a:rPr lang="en-US" smtClean="0"/>
+              <a:rPr lang="en-US"/>
               <a:t>Click to edit Master text styles</a:t>
             </a:r>
           </a:p>
@@ -2945,7 +2926,7 @@
           <a:p>
             <a:fld id="{04F1D4A2-813C-F741-B481-C92B3A596030}" type="datetimeFigureOut">
               <a:rPr lang="en-US" smtClean="0"/>
-              <a:t>25-Feb-19</a:t>
+              <a:t>3/12/19</a:t>
             </a:fld>
             <a:endParaRPr lang="en-US"/>
           </a:p>
@@ -3048,10 +3029,9 @@
           </a:lstStyle>
           <a:p>
             <a:r>
-              <a:rPr lang="en-US" smtClean="0"/>
+              <a:rPr lang="en-US"/>
               <a:t>Click to edit Master title style</a:t>
             </a:r>
-            <a:endParaRPr lang="en-US"/>
           </a:p>
         </p:txBody>
       </p:sp>
@@ -3175,7 +3155,7 @@
           <a:p>
             <a:pPr lvl="0"/>
             <a:r>
-              <a:rPr lang="en-US" smtClean="0"/>
+              <a:rPr lang="en-US"/>
               <a:t>Click to edit Master text styles</a:t>
             </a:r>
           </a:p>
@@ -3198,7 +3178,7 @@
           <a:p>
             <a:fld id="{04F1D4A2-813C-F741-B481-C92B3A596030}" type="datetimeFigureOut">
               <a:rPr lang="en-US" smtClean="0"/>
-              <a:t>25-Feb-19</a:t>
+              <a:t>3/12/19</a:t>
             </a:fld>
             <a:endParaRPr lang="en-US"/>
           </a:p>
@@ -3307,10 +3287,9 @@
           <a:lstStyle/>
           <a:p>
             <a:r>
-              <a:rPr lang="en-US" dirty="0" smtClean="0"/>
+              <a:rPr lang="en-US" dirty="0"/>
               <a:t>Click to edit Master title style</a:t>
             </a:r>
-            <a:endParaRPr lang="en-US" dirty="0"/>
           </a:p>
         </p:txBody>
       </p:sp>
@@ -3341,38 +3320,37 @@
           <a:p>
             <a:pPr lvl="0"/>
             <a:r>
-              <a:rPr lang="en-US" smtClean="0"/>
+              <a:rPr lang="en-US"/>
               <a:t>Click to edit Master text styles</a:t>
             </a:r>
           </a:p>
           <a:p>
             <a:pPr lvl="1"/>
             <a:r>
-              <a:rPr lang="en-US" smtClean="0"/>
+              <a:rPr lang="en-US"/>
               <a:t>Second level</a:t>
             </a:r>
           </a:p>
           <a:p>
             <a:pPr lvl="2"/>
             <a:r>
-              <a:rPr lang="en-US" smtClean="0"/>
+              <a:rPr lang="en-US"/>
               <a:t>Third level</a:t>
             </a:r>
           </a:p>
           <a:p>
             <a:pPr lvl="3"/>
             <a:r>
-              <a:rPr lang="en-US" smtClean="0"/>
+              <a:rPr lang="en-US"/>
               <a:t>Fourth level</a:t>
             </a:r>
           </a:p>
           <a:p>
             <a:pPr lvl="4"/>
             <a:r>
-              <a:rPr lang="en-US" smtClean="0"/>
+              <a:rPr lang="en-US"/>
               <a:t>Fifth level</a:t>
             </a:r>
-            <a:endParaRPr lang="en-US"/>
           </a:p>
         </p:txBody>
       </p:sp>
@@ -3411,7 +3389,7 @@
           <a:p>
             <a:fld id="{04F1D4A2-813C-F741-B481-C92B3A596030}" type="datetimeFigureOut">
               <a:rPr lang="en-US" smtClean="0"/>
-              <a:t>25-Feb-19</a:t>
+              <a:t>3/12/19</a:t>
             </a:fld>
             <a:endParaRPr lang="en-US"/>
           </a:p>
@@ -3840,41 +3818,25 @@
           <a:p>
             <a:pPr algn="l"/>
             <a:r>
-              <a:rPr lang="en-US" sz="6600" dirty="0" smtClean="0"/>
+              <a:rPr lang="en-US" sz="6600" dirty="0"/>
               <a:t>Web Development and API Design</a:t>
             </a:r>
             <a:br>
-              <a:rPr lang="en-US" sz="6600" dirty="0" smtClean="0"/>
+              <a:rPr lang="en-US" sz="6600" dirty="0"/>
             </a:br>
-            <a:r>
-              <a:rPr lang="en-US" sz="6600" dirty="0" smtClean="0"/>
-              <a:t/>
-            </a:r>
             <a:br>
-              <a:rPr lang="en-US" sz="6600" dirty="0" smtClean="0"/>
+              <a:rPr lang="en-US" sz="6600" dirty="0"/>
             </a:br>
             <a:r>
-              <a:rPr lang="en-US" sz="6600" dirty="0" smtClean="0"/>
-              <a:t>Lesson 08</a:t>
-            </a:r>
-            <a:r>
               <a:rPr lang="en-US" sz="6600" dirty="0"/>
-              <a:t>: </a:t>
-            </a:r>
-            <a:r>
-              <a:rPr lang="en-US" sz="6600" dirty="0" smtClean="0"/>
-              <a:t/>
+              <a:t>Lesson 08: </a:t>
             </a:r>
             <a:br>
-              <a:rPr lang="en-US" sz="6600" dirty="0" smtClean="0"/>
+              <a:rPr lang="en-US" sz="6600" dirty="0"/>
             </a:br>
             <a:r>
-              <a:rPr lang="en-US" sz="6600" dirty="0" smtClean="0"/>
-              <a:t>Authentication </a:t>
-            </a:r>
-            <a:r>
               <a:rPr lang="en-US" sz="6600" dirty="0"/>
-              <a:t>and CSRF</a:t>
+              <a:t>Authentication and CSRF</a:t>
             </a:r>
           </a:p>
         </p:txBody>
@@ -3904,17 +3866,13 @@
             <a:pPr algn="r"/>
             <a:r>
               <a:rPr lang="en-US" dirty="0"/>
-              <a:t>P</a:t>
-            </a:r>
-            <a:r>
-              <a:rPr lang="en-US" dirty="0" smtClean="0"/>
-              <a:t>rof. Andrea </a:t>
-            </a:r>
-            <a:r>
-              <a:rPr lang="en-US" dirty="0" err="1" smtClean="0"/>
+              <a:t>Prof. Andrea </a:t>
+            </a:r>
+            <a:r>
+              <a:rPr lang="en-US" dirty="0" err="1"/>
               <a:t>Arcuri</a:t>
             </a:r>
-            <a:endParaRPr lang="en-US" dirty="0" smtClean="0"/>
+            <a:endParaRPr lang="en-US" dirty="0"/>
           </a:p>
         </p:txBody>
       </p:sp>
@@ -3988,7 +3946,7 @@
               <a:buNone/>
               <a:tabLst/>
             </a:pPr>
-            <a:endParaRPr kumimoji="0" lang="en-US" altLang="en-US" sz="1800" b="0" i="0" u="none" strike="noStrike" cap="none" normalizeH="0" baseline="0" dirty="0" smtClean="0">
+            <a:endParaRPr kumimoji="0" lang="en-US" altLang="en-US" sz="1800" b="0" i="0" u="none" strike="noStrike" cap="none" normalizeH="0" baseline="0" dirty="0">
               <a:ln>
                 <a:noFill/>
               </a:ln>
@@ -4047,26 +4005,9 @@
           <a:lstStyle/>
           <a:p>
             <a:r>
-              <a:rPr lang="en-US" dirty="0" smtClean="0"/>
-              <a:t>If </a:t>
-            </a:r>
-            <a:r>
-              <a:rPr lang="en-US" dirty="0"/>
-              <a:t>C</a:t>
-            </a:r>
-            <a:r>
-              <a:rPr lang="en-US" dirty="0" smtClean="0"/>
-              <a:t>ertification </a:t>
-            </a:r>
-            <a:r>
-              <a:rPr lang="en-US" dirty="0"/>
-              <a:t>F</a:t>
-            </a:r>
-            <a:r>
-              <a:rPr lang="en-US" dirty="0" smtClean="0"/>
-              <a:t>ails</a:t>
-            </a:r>
-            <a:endParaRPr lang="en-US" dirty="0"/>
+              <a:rPr lang="en-US" dirty="0"/>
+              <a:t>If Certification Fails</a:t>
+            </a:r>
           </a:p>
         </p:txBody>
       </p:sp>
@@ -4093,76 +4034,76 @@
           <a:lstStyle/>
           <a:p>
             <a:r>
-              <a:rPr lang="en-US" dirty="0" smtClean="0"/>
+              <a:rPr lang="en-US" dirty="0"/>
               <a:t>2 main possibilities</a:t>
             </a:r>
           </a:p>
           <a:p>
             <a:r>
-              <a:rPr lang="en-US" dirty="0" smtClean="0"/>
+              <a:rPr lang="en-US" dirty="0"/>
               <a:t>1) Expired certificate: developers have not renewed their certificates with the CA </a:t>
             </a:r>
           </a:p>
           <a:p>
             <a:r>
-              <a:rPr lang="en-US" dirty="0" smtClean="0"/>
+              <a:rPr lang="en-US" dirty="0"/>
               <a:t>2) Man-in-the-middle attack</a:t>
             </a:r>
           </a:p>
           <a:p>
             <a:pPr lvl="1"/>
             <a:r>
-              <a:rPr lang="en-US" dirty="0" smtClean="0"/>
+              <a:rPr lang="en-US" dirty="0"/>
               <a:t>Trying to pretend to be the web app you want to connect to, so can steal your login/password, </a:t>
             </a:r>
             <a:r>
-              <a:rPr lang="en-US" dirty="0" err="1" smtClean="0"/>
+              <a:rPr lang="en-US" dirty="0" err="1"/>
               <a:t>eg</a:t>
             </a:r>
             <a:r>
-              <a:rPr lang="en-US" dirty="0" smtClean="0"/>
+              <a:rPr lang="en-US" dirty="0"/>
               <a:t> by serving a fake login page that is equal to the original one</a:t>
             </a:r>
           </a:p>
           <a:p>
             <a:pPr lvl="1"/>
             <a:r>
-              <a:rPr lang="en-US" dirty="0" smtClean="0"/>
+              <a:rPr lang="en-US" dirty="0"/>
               <a:t>Easy way to do such attack? Use a router, have an open </a:t>
             </a:r>
             <a:r>
-              <a:rPr lang="en-US" dirty="0" err="1" smtClean="0"/>
+              <a:rPr lang="en-US" dirty="0" err="1"/>
               <a:t>WiFi</a:t>
             </a:r>
             <a:r>
-              <a:rPr lang="en-US" dirty="0" smtClean="0"/>
+              <a:rPr lang="en-US" dirty="0"/>
               <a:t> called “Free </a:t>
             </a:r>
             <a:r>
-              <a:rPr lang="en-US" dirty="0" err="1" smtClean="0"/>
+              <a:rPr lang="en-US" dirty="0" err="1"/>
               <a:t>WiFi</a:t>
             </a:r>
             <a:r>
-              <a:rPr lang="en-US" dirty="0" smtClean="0"/>
+              <a:rPr lang="en-US" dirty="0"/>
               <a:t>”, go close to a bar/restaurant, and wait for people to connect to it, give them fake pages with fake certificates, and wait for those people to click “Proceed” when browser complains about certificate is invalid  </a:t>
             </a:r>
           </a:p>
           <a:p>
             <a:pPr lvl="1"/>
             <a:r>
-              <a:rPr lang="en-US" b="1" dirty="0" smtClean="0"/>
+              <a:rPr lang="en-US" b="1" dirty="0"/>
               <a:t>NEVER PRESS “PROCEED” WITH INVALID CERTIFICATE ON UNTRUSTED NETWORK!!! </a:t>
             </a:r>
             <a:r>
-              <a:rPr lang="en-US" dirty="0" smtClean="0"/>
+              <a:rPr lang="en-US" dirty="0"/>
               <a:t>And if you really have to, do not provide any sensitive information, </a:t>
             </a:r>
             <a:r>
-              <a:rPr lang="en-US" dirty="0" err="1" smtClean="0"/>
+              <a:rPr lang="en-US" dirty="0" err="1"/>
               <a:t>eg</a:t>
             </a:r>
             <a:r>
-              <a:rPr lang="en-US" dirty="0" smtClean="0"/>
+              <a:rPr lang="en-US" dirty="0"/>
               <a:t> passwords, although it would be still a problem with cookies…</a:t>
             </a:r>
             <a:endParaRPr lang="en-US" b="1" dirty="0"/>
@@ -4215,10 +4156,9 @@
           <a:lstStyle/>
           <a:p>
             <a:r>
-              <a:rPr lang="en-US" dirty="0" smtClean="0"/>
+              <a:rPr lang="en-US" dirty="0"/>
               <a:t>HTTPS in This Course</a:t>
             </a:r>
-            <a:endParaRPr lang="en-US" dirty="0"/>
           </a:p>
         </p:txBody>
       </p:sp>
@@ -4243,50 +4183,49 @@
           <a:lstStyle/>
           <a:p>
             <a:r>
-              <a:rPr lang="en-US" dirty="0" smtClean="0"/>
+              <a:rPr lang="en-US" dirty="0"/>
               <a:t>When building and testing apps locally, we will use HTTP</a:t>
             </a:r>
           </a:p>
           <a:p>
             <a:pPr lvl="1"/>
             <a:r>
-              <a:rPr lang="en-US" dirty="0" smtClean="0"/>
+              <a:rPr lang="en-US" dirty="0"/>
               <a:t>dealing with HTTP</a:t>
             </a:r>
             <a:r>
-              <a:rPr lang="en-US" b="1" dirty="0" smtClean="0"/>
+              <a:rPr lang="en-US" b="1" dirty="0"/>
               <a:t>S</a:t>
             </a:r>
             <a:r>
-              <a:rPr lang="en-US" dirty="0" smtClean="0"/>
+              <a:rPr lang="en-US" dirty="0"/>
               <a:t> would add a lot of complications</a:t>
             </a:r>
           </a:p>
           <a:p>
             <a:r>
-              <a:rPr lang="en-US" dirty="0" smtClean="0"/>
+              <a:rPr lang="en-US" dirty="0"/>
               <a:t>But, when we will deploy apps in the “</a:t>
             </a:r>
             <a:r>
-              <a:rPr lang="en-US" i="1" dirty="0" smtClean="0"/>
+              <a:rPr lang="en-US" i="1" dirty="0"/>
               <a:t>cloud</a:t>
             </a:r>
             <a:r>
-              <a:rPr lang="en-US" dirty="0" smtClean="0"/>
+              <a:rPr lang="en-US" dirty="0"/>
               <a:t>”, those will be behind gateways using HTTP</a:t>
             </a:r>
             <a:r>
-              <a:rPr lang="en-US" b="1" dirty="0" smtClean="0"/>
+              <a:rPr lang="en-US" b="1" dirty="0"/>
               <a:t>S</a:t>
             </a:r>
           </a:p>
           <a:p>
             <a:pPr lvl="1"/>
             <a:r>
-              <a:rPr lang="en-US" dirty="0" smtClean="0"/>
+              <a:rPr lang="en-US" dirty="0"/>
               <a:t>we will not need to do anything special to handle it</a:t>
             </a:r>
-            <a:endParaRPr lang="en-US" dirty="0"/>
           </a:p>
         </p:txBody>
       </p:sp>
@@ -4336,10 +4275,9 @@
           <a:lstStyle/>
           <a:p>
             <a:r>
-              <a:rPr lang="en-US" dirty="0" smtClean="0"/>
+              <a:rPr lang="en-US" dirty="0"/>
               <a:t>Login</a:t>
             </a:r>
-            <a:endParaRPr lang="en-US" dirty="0"/>
           </a:p>
         </p:txBody>
       </p:sp>
@@ -4408,10 +4346,9 @@
           <a:lstStyle/>
           <a:p>
             <a:r>
-              <a:rPr lang="en-US" dirty="0" smtClean="0"/>
+              <a:rPr lang="en-US" dirty="0"/>
               <a:t>Authentication/Authorization</a:t>
             </a:r>
-            <a:endParaRPr lang="en-US" dirty="0"/>
           </a:p>
         </p:txBody>
       </p:sp>
@@ -4438,18 +4375,18 @@
           <a:lstStyle/>
           <a:p>
             <a:r>
-              <a:rPr lang="en-US" b="1" dirty="0" smtClean="0"/>
+              <a:rPr lang="en-US" b="1" dirty="0"/>
               <a:t>Authentication</a:t>
             </a:r>
             <a:r>
-              <a:rPr lang="en-US" dirty="0" smtClean="0"/>
+              <a:rPr lang="en-US" dirty="0"/>
               <a:t>: </a:t>
             </a:r>
           </a:p>
           <a:p>
             <a:pPr lvl="1"/>
             <a:r>
-              <a:rPr lang="en-US" dirty="0" smtClean="0"/>
+              <a:rPr lang="en-US" dirty="0"/>
               <a:t>do I know who a user X is? </a:t>
             </a:r>
           </a:p>
@@ -4457,34 +4394,30 @@
             <a:pPr lvl="1"/>
             <a:r>
               <a:rPr lang="en-US" dirty="0"/>
-              <a:t>h</a:t>
-            </a:r>
-            <a:r>
-              <a:rPr lang="en-US" dirty="0" smtClean="0"/>
-              <a:t>ow to distinguish X from a different user Y?</a:t>
-            </a:r>
-          </a:p>
-          <a:p>
-            <a:r>
-              <a:rPr lang="en-US" b="1" dirty="0" smtClean="0"/>
+              <a:t>how to distinguish X from a different user Y?</a:t>
+            </a:r>
+          </a:p>
+          <a:p>
+            <a:r>
+              <a:rPr lang="en-US" b="1" dirty="0"/>
               <a:t>Authorization</a:t>
             </a:r>
             <a:r>
-              <a:rPr lang="en-US" dirty="0" smtClean="0"/>
+              <a:rPr lang="en-US" dirty="0"/>
               <a:t>: </a:t>
             </a:r>
           </a:p>
           <a:p>
             <a:pPr lvl="1"/>
             <a:r>
-              <a:rPr lang="en-US" dirty="0" smtClean="0"/>
+              <a:rPr lang="en-US" dirty="0"/>
               <a:t>once I know that the current user is X, what is X allowed to do?</a:t>
             </a:r>
           </a:p>
           <a:p>
             <a:pPr lvl="1"/>
             <a:r>
-              <a:rPr lang="en-US" dirty="0" smtClean="0"/>
+              <a:rPr lang="en-US" dirty="0"/>
               <a:t>can s/he delete data? </a:t>
             </a:r>
           </a:p>
@@ -4492,34 +4425,29 @@
             <a:pPr lvl="1"/>
             <a:r>
               <a:rPr lang="en-US" dirty="0"/>
-              <a:t>c</a:t>
-            </a:r>
-            <a:r>
-              <a:rPr lang="en-US" dirty="0" smtClean="0"/>
-              <a:t>an s/he see data of other users?</a:t>
+              <a:t>can s/he see data of other users?</a:t>
             </a:r>
           </a:p>
           <a:p>
             <a:pPr lvl="1"/>
             <a:r>
-              <a:rPr lang="en-US" dirty="0" smtClean="0"/>
+              <a:rPr lang="en-US" dirty="0"/>
               <a:t>etc. </a:t>
             </a:r>
           </a:p>
           <a:p>
             <a:r>
-              <a:rPr lang="en-US" dirty="0" smtClean="0"/>
+              <a:rPr lang="en-US" dirty="0"/>
               <a:t>Of course, they only make sense with encryption (</a:t>
             </a:r>
             <a:r>
-              <a:rPr lang="en-US" dirty="0" err="1" smtClean="0"/>
+              <a:rPr lang="en-US" dirty="0" err="1"/>
               <a:t>eg</a:t>
             </a:r>
             <a:r>
-              <a:rPr lang="en-US" dirty="0" smtClean="0"/>
+              <a:rPr lang="en-US" dirty="0"/>
               <a:t> HTTPS), so no one can decode and tamper with the messages…</a:t>
             </a:r>
-            <a:endParaRPr lang="en-US" dirty="0"/>
           </a:p>
         </p:txBody>
       </p:sp>
@@ -4576,10 +4504,9 @@
           <a:lstStyle/>
           <a:p>
             <a:r>
-              <a:rPr lang="en-US" dirty="0" smtClean="0"/>
+              <a:rPr lang="en-US" dirty="0"/>
               <a:t>Authentication/Authorization failures</a:t>
             </a:r>
-            <a:endParaRPr lang="en-US" dirty="0"/>
           </a:p>
         </p:txBody>
       </p:sp>
@@ -4606,57 +4533,49 @@
           <a:lstStyle/>
           <a:p>
             <a:r>
-              <a:rPr lang="en-US" sz="4000" dirty="0" smtClean="0"/>
+              <a:rPr lang="en-US" sz="4000" dirty="0"/>
               <a:t>If not authenticated, server can:</a:t>
             </a:r>
           </a:p>
           <a:p>
             <a:pPr lvl="1"/>
             <a:r>
-              <a:rPr lang="en-US" sz="3200" dirty="0" smtClean="0"/>
+              <a:rPr lang="en-US" sz="3200" dirty="0"/>
               <a:t>in SSR, redirect to login page, HTTP status code 3xx</a:t>
             </a:r>
           </a:p>
           <a:p>
             <a:pPr lvl="1"/>
             <a:r>
-              <a:rPr lang="en-US" sz="3200" dirty="0" smtClean="0"/>
-              <a:t>error page, </a:t>
-            </a:r>
-            <a:r>
               <a:rPr lang="en-US" sz="3200" dirty="0"/>
-              <a:t>HTTP status </a:t>
-            </a:r>
-            <a:r>
-              <a:rPr lang="en-US" sz="3200" dirty="0" smtClean="0"/>
-              <a:t>401 </a:t>
-            </a:r>
-            <a:r>
-              <a:rPr lang="en-US" sz="3200" i="1" dirty="0" smtClean="0"/>
+              <a:t>error page, HTTP status 401 </a:t>
+            </a:r>
+            <a:r>
+              <a:rPr lang="en-US" sz="3200" i="1" dirty="0"/>
               <a:t>Unauthorized</a:t>
             </a:r>
           </a:p>
           <a:p>
             <a:r>
-              <a:rPr lang="en-US" sz="4000" dirty="0" smtClean="0"/>
+              <a:rPr lang="en-US" sz="4000" dirty="0"/>
               <a:t>If authenticated but not authorized</a:t>
             </a:r>
           </a:p>
           <a:p>
             <a:pPr lvl="1"/>
             <a:r>
-              <a:rPr lang="en-US" sz="3200" dirty="0" err="1" smtClean="0"/>
+              <a:rPr lang="en-US" sz="3200" dirty="0" err="1"/>
               <a:t>eg</a:t>
             </a:r>
             <a:r>
-              <a:rPr lang="en-US" sz="3200" dirty="0" smtClean="0"/>
+              <a:rPr lang="en-US" sz="3200" dirty="0"/>
               <a:t> user X tries to access data of Y</a:t>
             </a:r>
           </a:p>
           <a:p>
             <a:pPr lvl="1"/>
             <a:r>
-              <a:rPr lang="en-US" sz="3200" dirty="0" smtClean="0"/>
+              <a:rPr lang="en-US" sz="3200" dirty="0"/>
               <a:t>3xx redirection</a:t>
             </a:r>
           </a:p>
@@ -4664,17 +4583,12 @@
             <a:pPr lvl="1"/>
             <a:r>
               <a:rPr lang="en-US" sz="3200" dirty="0"/>
-              <a:t>HTTP status </a:t>
-            </a:r>
-            <a:r>
-              <a:rPr lang="en-US" sz="3200" dirty="0" smtClean="0"/>
-              <a:t>403 </a:t>
+              <a:t>HTTP status 403 </a:t>
             </a:r>
             <a:r>
               <a:rPr lang="en-US" sz="3200" i="1" dirty="0"/>
               <a:t>Forbidden</a:t>
             </a:r>
-            <a:endParaRPr lang="en-US" sz="3200" i="1" dirty="0" smtClean="0"/>
           </a:p>
           <a:p>
             <a:pPr lvl="1"/>
@@ -4728,10 +4642,9 @@
           <a:lstStyle/>
           <a:p>
             <a:r>
-              <a:rPr lang="en-US" dirty="0" smtClean="0"/>
+              <a:rPr lang="en-US" dirty="0"/>
               <a:t>Blacklisting vs Whitelisting</a:t>
             </a:r>
-            <a:endParaRPr lang="en-US" dirty="0"/>
           </a:p>
         </p:txBody>
       </p:sp>
@@ -4758,71 +4671,71 @@
           <a:lstStyle/>
           <a:p>
             <a:r>
-              <a:rPr lang="en-US" dirty="0" smtClean="0"/>
+              <a:rPr lang="en-US" dirty="0"/>
               <a:t>Authorization is done on the server, and will depend on the language/framework</a:t>
             </a:r>
           </a:p>
           <a:p>
             <a:pPr lvl="1"/>
             <a:r>
-              <a:rPr lang="en-US" dirty="0" smtClean="0"/>
+              <a:rPr lang="en-US" dirty="0"/>
               <a:t>JEE, Spring, PHP, </a:t>
             </a:r>
             <a:r>
-              <a:rPr lang="en-US" dirty="0" err="1" smtClean="0"/>
+              <a:rPr lang="en-US" dirty="0" err="1"/>
               <a:t>.Net</a:t>
             </a:r>
             <a:r>
-              <a:rPr lang="en-US" dirty="0" smtClean="0"/>
+              <a:rPr lang="en-US" dirty="0"/>
               <a:t>, </a:t>
             </a:r>
             <a:r>
-              <a:rPr lang="en-US" dirty="0" err="1" smtClean="0"/>
+              <a:rPr lang="en-US" dirty="0" err="1"/>
               <a:t>NodeJS</a:t>
             </a:r>
             <a:r>
-              <a:rPr lang="en-US" dirty="0" smtClean="0"/>
+              <a:rPr lang="en-US" dirty="0"/>
               <a:t>, etc.</a:t>
             </a:r>
           </a:p>
           <a:p>
             <a:pPr lvl="1"/>
             <a:r>
-              <a:rPr lang="en-US" dirty="0" smtClean="0"/>
+              <a:rPr lang="en-US" dirty="0"/>
               <a:t>user will just get either a 3xx or 403 response</a:t>
             </a:r>
           </a:p>
           <a:p>
             <a:r>
-              <a:rPr lang="en-US" i="1" dirty="0" smtClean="0"/>
+              <a:rPr lang="en-US" i="1" dirty="0"/>
               <a:t>Blacklisting</a:t>
             </a:r>
             <a:r>
-              <a:rPr lang="en-US" dirty="0" smtClean="0"/>
+              <a:rPr lang="en-US" dirty="0"/>
               <a:t>: everything is allowed by default. What is not allowed for a given user/group has to be explicitly stated</a:t>
             </a:r>
           </a:p>
           <a:p>
             <a:pPr lvl="1"/>
             <a:r>
-              <a:rPr lang="en-US" dirty="0" smtClean="0"/>
+              <a:rPr lang="en-US" dirty="0"/>
               <a:t>Usually not a good idea, as easy to forget to blacklist some critical operation</a:t>
             </a:r>
           </a:p>
           <a:p>
             <a:r>
-              <a:rPr lang="en-US" i="1" dirty="0" smtClean="0"/>
+              <a:rPr lang="en-US" i="1" dirty="0"/>
               <a:t>Whitelisting</a:t>
             </a:r>
             <a:r>
-              <a:rPr lang="en-US" dirty="0" smtClean="0"/>
+              <a:rPr lang="en-US" dirty="0"/>
               <a:t>: nothing is allowed by default. What is allowed has to be explicitly stated</a:t>
             </a:r>
           </a:p>
           <a:p>
             <a:pPr lvl="1"/>
             <a:r>
-              <a:rPr lang="en-US" dirty="0" smtClean="0"/>
+              <a:rPr lang="en-US" dirty="0"/>
               <a:t>“forgetting to allow something” (reduced functionality) is much, much better than “forgetting to forbid something” (security problem)</a:t>
             </a:r>
           </a:p>
@@ -4877,10 +4790,9 @@
           <a:lstStyle/>
           <a:p>
             <a:r>
-              <a:rPr lang="en-US" dirty="0" smtClean="0"/>
+              <a:rPr lang="en-US" dirty="0"/>
               <a:t>Authentication: first steps</a:t>
             </a:r>
-            <a:endParaRPr lang="en-US" dirty="0"/>
           </a:p>
         </p:txBody>
       </p:sp>
@@ -4907,71 +4819,70 @@
           <a:lstStyle/>
           <a:p>
             <a:r>
-              <a:rPr lang="en-US" dirty="0" smtClean="0"/>
+              <a:rPr lang="en-US" dirty="0"/>
               <a:t>Server does not know who the user is</a:t>
             </a:r>
           </a:p>
           <a:p>
             <a:r>
-              <a:rPr lang="en-US" dirty="0" smtClean="0"/>
+              <a:rPr lang="en-US" dirty="0"/>
               <a:t>Server only sees incoming HTTP/S messages</a:t>
             </a:r>
           </a:p>
           <a:p>
             <a:pPr lvl="1"/>
             <a:r>
-              <a:rPr lang="en-US" dirty="0" smtClean="0"/>
+              <a:rPr lang="en-US" dirty="0"/>
               <a:t>not necessarily from a browser… user can do direct TCP connections from scripts </a:t>
             </a:r>
           </a:p>
           <a:p>
             <a:r>
-              <a:rPr lang="en-US" dirty="0" smtClean="0"/>
+              <a:rPr lang="en-US" dirty="0"/>
               <a:t>HTTP/S is stateless</a:t>
             </a:r>
           </a:p>
           <a:p>
             <a:r>
-              <a:rPr lang="en-US" dirty="0" smtClean="0"/>
+              <a:rPr lang="en-US" dirty="0"/>
               <a:t>Need a way to tell that sequence of HTTP/S calls come from same user</a:t>
             </a:r>
           </a:p>
           <a:p>
             <a:r>
-              <a:rPr lang="en-US" dirty="0" smtClean="0"/>
+              <a:rPr lang="en-US" dirty="0"/>
               <a:t>User has to send information of who s/he is at </a:t>
             </a:r>
             <a:r>
-              <a:rPr lang="en-US" b="1" dirty="0" smtClean="0"/>
+              <a:rPr lang="en-US" b="1" dirty="0"/>
               <a:t>each</a:t>
             </a:r>
             <a:r>
-              <a:rPr lang="en-US" dirty="0" smtClean="0"/>
+              <a:rPr lang="en-US" dirty="0"/>
               <a:t> HTTP/S call </a:t>
             </a:r>
           </a:p>
           <a:p>
             <a:r>
-              <a:rPr lang="en-US" dirty="0" smtClean="0"/>
+              <a:rPr lang="en-US" dirty="0"/>
               <a:t>But users can </a:t>
             </a:r>
             <a:r>
-              <a:rPr lang="en-US" b="1" dirty="0" smtClean="0"/>
+              <a:rPr lang="en-US" b="1" dirty="0"/>
               <a:t>lie</a:t>
             </a:r>
             <a:r>
-              <a:rPr lang="en-US" dirty="0" smtClean="0"/>
+              <a:rPr lang="en-US" dirty="0"/>
               <a:t>… (</a:t>
             </a:r>
             <a:r>
-              <a:rPr lang="en-US" dirty="0" err="1" smtClean="0"/>
+              <a:rPr lang="en-US" dirty="0" err="1"/>
               <a:t>eg</a:t>
             </a:r>
             <a:r>
-              <a:rPr lang="en-US" dirty="0" smtClean="0"/>
+              <a:rPr lang="en-US" dirty="0"/>
               <a:t>, hackers)</a:t>
             </a:r>
-            <a:endParaRPr lang="en-US" dirty="0"/>
           </a:p>
         </p:txBody>
       </p:sp>
@@ -5021,10 +4932,9 @@
           <a:lstStyle/>
           <a:p>
             <a:r>
-              <a:rPr lang="en-US" dirty="0" smtClean="0"/>
+              <a:rPr lang="en-US" dirty="0"/>
               <a:t>Ids and Passwords</a:t>
             </a:r>
-            <a:endParaRPr lang="en-US" dirty="0"/>
           </a:p>
         </p:txBody>
       </p:sp>
@@ -5049,34 +4959,34 @@
           <a:lstStyle/>
           <a:p>
             <a:r>
-              <a:rPr lang="en-US" dirty="0" smtClean="0"/>
+              <a:rPr lang="en-US" dirty="0"/>
               <a:t>A user will be registered with a </a:t>
             </a:r>
             <a:r>
-              <a:rPr lang="en-US" i="1" dirty="0" smtClean="0"/>
+              <a:rPr lang="en-US" i="1" dirty="0"/>
               <a:t>unique</a:t>
             </a:r>
             <a:r>
-              <a:rPr lang="en-US" dirty="0" smtClean="0"/>
+              <a:rPr lang="en-US" dirty="0"/>
               <a:t> id</a:t>
             </a:r>
           </a:p>
           <a:p>
             <a:r>
-              <a:rPr lang="en-US" dirty="0" smtClean="0"/>
+              <a:rPr lang="en-US" dirty="0"/>
               <a:t>Need also secret password to login </a:t>
             </a:r>
           </a:p>
           <a:p>
             <a:pPr lvl="1"/>
             <a:r>
-              <a:rPr lang="en-US" dirty="0" smtClean="0"/>
+              <a:rPr lang="en-US" dirty="0"/>
               <a:t>Otherwise anyone could login with the ids of other users…</a:t>
             </a:r>
           </a:p>
           <a:p>
             <a:r>
-              <a:rPr lang="en-US" dirty="0" smtClean="0"/>
+              <a:rPr lang="en-US" dirty="0"/>
               <a:t>HTTP/S does not prevent attempts to login to accounts of other users</a:t>
             </a:r>
           </a:p>
@@ -5158,19 +5068,15 @@
           <a:lstStyle/>
           <a:p>
             <a:r>
-              <a:rPr lang="en-US" dirty="0" smtClean="0"/>
+              <a:rPr lang="en-US" dirty="0"/>
               <a:t>Sending </a:t>
             </a:r>
             <a:r>
               <a:rPr lang="en-US" i="1" dirty="0"/>
-              <a:t>i</a:t>
-            </a:r>
-            <a:r>
-              <a:rPr lang="en-US" i="1" dirty="0" smtClean="0"/>
-              <a:t>d/</a:t>
-            </a:r>
-            <a:r>
-              <a:rPr lang="en-US" i="1" dirty="0" err="1" smtClean="0"/>
+              <a:t>id/</a:t>
+            </a:r>
+            <a:r>
+              <a:rPr lang="en-US" i="1" dirty="0" err="1"/>
               <a:t>pwd</a:t>
             </a:r>
             <a:endParaRPr lang="en-US" i="1" dirty="0"/>
@@ -5198,127 +5104,119 @@
           <a:lstStyle/>
           <a:p>
             <a:r>
-              <a:rPr lang="en-US" dirty="0" smtClean="0"/>
+              <a:rPr lang="en-US" dirty="0"/>
               <a:t>Need to send </a:t>
             </a:r>
             <a:r>
-              <a:rPr lang="en-US" dirty="0" err="1" smtClean="0"/>
+              <a:rPr lang="en-US" dirty="0" err="1"/>
               <a:t>userId</a:t>
             </a:r>
             <a:r>
-              <a:rPr lang="en-US" dirty="0" smtClean="0"/>
+              <a:rPr lang="en-US" dirty="0"/>
               <a:t> (</a:t>
             </a:r>
             <a:r>
-              <a:rPr lang="en-US" i="1" dirty="0" smtClean="0"/>
+              <a:rPr lang="en-US" i="1" dirty="0"/>
               <a:t>id</a:t>
             </a:r>
             <a:r>
-              <a:rPr lang="en-US" dirty="0" smtClean="0"/>
+              <a:rPr lang="en-US" dirty="0"/>
               <a:t>) and password (</a:t>
             </a:r>
             <a:r>
-              <a:rPr lang="en-US" i="1" dirty="0" err="1" smtClean="0"/>
+              <a:rPr lang="en-US" i="1" dirty="0" err="1"/>
               <a:t>pwd</a:t>
             </a:r>
             <a:r>
-              <a:rPr lang="en-US" dirty="0" smtClean="0"/>
+              <a:rPr lang="en-US" dirty="0"/>
               <a:t>) at </a:t>
             </a:r>
             <a:r>
-              <a:rPr lang="en-US" b="1" dirty="0" smtClean="0"/>
+              <a:rPr lang="en-US" b="1" dirty="0"/>
               <a:t>EACH</a:t>
             </a:r>
             <a:r>
-              <a:rPr lang="en-US" dirty="0" smtClean="0"/>
+              <a:rPr lang="en-US" dirty="0"/>
               <a:t> HTTP request</a:t>
             </a:r>
           </a:p>
           <a:p>
             <a:r>
-              <a:rPr lang="en-US" dirty="0" smtClean="0"/>
-              <a:t>Can put </a:t>
-            </a:r>
-            <a:r>
-              <a:rPr lang="en-US" dirty="0"/>
-              <a:t>them inside the HTTP header </a:t>
-            </a:r>
-            <a:r>
-              <a:rPr lang="en-US" i="1" dirty="0" smtClean="0"/>
+              <a:rPr lang="en-US" dirty="0"/>
+              <a:t>Can put them inside the HTTP header </a:t>
+            </a:r>
+            <a:r>
+              <a:rPr lang="en-US" i="1" dirty="0"/>
               <a:t>Authorization</a:t>
             </a:r>
           </a:p>
           <a:p>
             <a:r>
-              <a:rPr lang="en-US" dirty="0" smtClean="0"/>
+              <a:rPr lang="en-US" dirty="0"/>
               <a:t>Can be different formats to specify how </a:t>
             </a:r>
             <a:r>
-              <a:rPr lang="en-US" i="1" dirty="0" smtClean="0"/>
+              <a:rPr lang="en-US" i="1" dirty="0"/>
               <a:t>id/</a:t>
             </a:r>
             <a:r>
-              <a:rPr lang="en-US" i="1" dirty="0" err="1" smtClean="0"/>
+              <a:rPr lang="en-US" i="1" dirty="0" err="1"/>
               <a:t>pwd</a:t>
             </a:r>
             <a:r>
-              <a:rPr lang="en-US" dirty="0" smtClean="0"/>
+              <a:rPr lang="en-US" dirty="0"/>
               <a:t> should be encoded</a:t>
             </a:r>
           </a:p>
           <a:p>
             <a:r>
-              <a:rPr lang="en-US" i="1" dirty="0" smtClean="0"/>
+              <a:rPr lang="en-US" i="1" dirty="0"/>
               <a:t>Basic</a:t>
             </a:r>
             <a:r>
-              <a:rPr lang="en-US" dirty="0" smtClean="0"/>
+              <a:rPr lang="en-US" dirty="0"/>
               <a:t> (RFC-7617):  string “</a:t>
             </a:r>
             <a:r>
-              <a:rPr lang="en-US" i="1" dirty="0" err="1" smtClean="0"/>
+              <a:rPr lang="en-US" i="1" dirty="0" err="1"/>
               <a:t>id:pwd</a:t>
             </a:r>
             <a:r>
-              <a:rPr lang="en-US" dirty="0" smtClean="0"/>
+              <a:rPr lang="en-US" dirty="0"/>
               <a:t>” in Base64 encoding  </a:t>
             </a:r>
           </a:p>
           <a:p>
             <a:r>
-              <a:rPr lang="en-US" dirty="0" smtClean="0"/>
+              <a:rPr lang="en-US" dirty="0"/>
               <a:t>Ex </a:t>
             </a:r>
             <a:r>
-              <a:rPr lang="en-US" i="1" dirty="0" smtClean="0"/>
+              <a:rPr lang="en-US" i="1" dirty="0"/>
               <a:t>id=test</a:t>
             </a:r>
             <a:r>
-              <a:rPr lang="en-US" dirty="0" smtClean="0"/>
+              <a:rPr lang="en-US" dirty="0"/>
               <a:t> and </a:t>
             </a:r>
             <a:r>
-              <a:rPr lang="en-US" i="1" dirty="0" err="1" smtClean="0"/>
+              <a:rPr lang="en-US" i="1" dirty="0" err="1"/>
               <a:t>pwd</a:t>
             </a:r>
             <a:r>
-              <a:rPr lang="en-US" i="1" dirty="0" smtClean="0"/>
+              <a:rPr lang="en-US" i="1" dirty="0"/>
               <a:t>=123£</a:t>
             </a:r>
             <a:r>
               <a:rPr lang="en-US" dirty="0"/>
-              <a:t>, then </a:t>
-            </a:r>
-            <a:r>
-              <a:rPr lang="en-US" dirty="0" smtClean="0"/>
-              <a:t>header on </a:t>
-            </a:r>
-            <a:r>
-              <a:rPr lang="en-US" b="1" dirty="0" smtClean="0"/>
+              <a:t>, then header on </a:t>
+            </a:r>
+            <a:r>
+              <a:rPr lang="en-US" b="1" dirty="0"/>
               <a:t>EACH</a:t>
             </a:r>
             <a:r>
-              <a:rPr lang="en-US" dirty="0" smtClean="0"/>
+              <a:rPr lang="en-US" dirty="0"/>
               <a:t> request:</a:t>
             </a:r>
           </a:p>
@@ -5328,19 +5226,11 @@
             </a:pPr>
             <a:r>
               <a:rPr lang="en-US" dirty="0"/>
-              <a:t> </a:t>
-            </a:r>
-            <a:r>
-              <a:rPr lang="en-US" dirty="0" smtClean="0"/>
-              <a:t>  </a:t>
-            </a:r>
-            <a:r>
-              <a:rPr lang="en-US" i="1" dirty="0" smtClean="0"/>
-              <a:t>Authorization</a:t>
+              <a:t>   </a:t>
             </a:r>
             <a:r>
               <a:rPr lang="en-US" i="1" dirty="0"/>
-              <a:t>: Basic </a:t>
+              <a:t>Authorization: Basic </a:t>
             </a:r>
             <a:r>
               <a:rPr lang="en-US" i="1" dirty="0" err="1"/>
@@ -5399,10 +5289,9 @@
           <a:lstStyle/>
           <a:p>
             <a:r>
-              <a:rPr lang="en-US" dirty="0" smtClean="0"/>
+              <a:rPr lang="en-US" dirty="0"/>
               <a:t>Problems</a:t>
             </a:r>
-            <a:endParaRPr lang="en-US" dirty="0"/>
           </a:p>
         </p:txBody>
       </p:sp>
@@ -5429,75 +5318,74 @@
           <a:lstStyle/>
           <a:p>
             <a:r>
-              <a:rPr lang="en-US" dirty="0" smtClean="0"/>
+              <a:rPr lang="en-US" dirty="0"/>
               <a:t>Base64 is NOT encrypted… it is just a mapping from bits into printable ASCII codes </a:t>
             </a:r>
           </a:p>
           <a:p>
             <a:r>
-              <a:rPr lang="en-US" dirty="0" smtClean="0"/>
+              <a:rPr lang="en-US" dirty="0"/>
               <a:t>When sending </a:t>
             </a:r>
             <a:r>
-              <a:rPr lang="en-US" i="1" dirty="0" smtClean="0"/>
+              <a:rPr lang="en-US" i="1" dirty="0"/>
               <a:t>id/</a:t>
             </a:r>
             <a:r>
-              <a:rPr lang="en-US" i="1" dirty="0" err="1" smtClean="0"/>
+              <a:rPr lang="en-US" i="1" dirty="0" err="1"/>
               <a:t>pwd</a:t>
             </a:r>
             <a:r>
-              <a:rPr lang="en-US" dirty="0" smtClean="0"/>
+              <a:rPr lang="en-US" dirty="0"/>
               <a:t>, must use HTTP</a:t>
             </a:r>
             <a:r>
-              <a:rPr lang="en-US" b="1" dirty="0" smtClean="0"/>
+              <a:rPr lang="en-US" b="1" dirty="0"/>
               <a:t>S</a:t>
             </a:r>
           </a:p>
           <a:p>
             <a:pPr lvl="1"/>
             <a:r>
-              <a:rPr lang="en-US" dirty="0" smtClean="0"/>
+              <a:rPr lang="en-US" dirty="0"/>
               <a:t>otherwise, anyone on the network can read them</a:t>
             </a:r>
           </a:p>
           <a:p>
             <a:pPr lvl="1"/>
             <a:r>
-              <a:rPr lang="en-US" dirty="0" smtClean="0"/>
+              <a:rPr lang="en-US" dirty="0"/>
               <a:t>anyway, always use HTTP</a:t>
             </a:r>
             <a:r>
-              <a:rPr lang="en-US" b="1" dirty="0" smtClean="0"/>
+              <a:rPr lang="en-US" b="1" dirty="0"/>
               <a:t>S</a:t>
             </a:r>
             <a:r>
-              <a:rPr lang="en-US" dirty="0" smtClean="0"/>
+              <a:rPr lang="en-US" dirty="0"/>
               <a:t> instead of HTTP…</a:t>
             </a:r>
           </a:p>
           <a:p>
             <a:r>
-              <a:rPr lang="en-US" dirty="0" smtClean="0"/>
+              <a:rPr lang="en-US" dirty="0"/>
               <a:t>What if someone intercepts a HTTP in clear, or has direct access to the browser (</a:t>
             </a:r>
             <a:r>
-              <a:rPr lang="en-US" dirty="0" err="1" smtClean="0"/>
+              <a:rPr lang="en-US" dirty="0" err="1"/>
               <a:t>eg</a:t>
             </a:r>
             <a:r>
-              <a:rPr lang="en-US" dirty="0" smtClean="0"/>
+              <a:rPr lang="en-US" dirty="0"/>
               <a:t>, via a malware)? </a:t>
             </a:r>
           </a:p>
           <a:p>
             <a:pPr lvl="1"/>
             <a:r>
-              <a:rPr lang="en-US" dirty="0" smtClean="0"/>
+              <a:rPr lang="en-US" dirty="0"/>
               <a:t>s/he will get the password</a:t>
             </a:r>
-            <a:endParaRPr lang="en-US" dirty="0"/>
           </a:p>
         </p:txBody>
       </p:sp>
@@ -5547,10 +5435,9 @@
           <a:lstStyle/>
           <a:p>
             <a:r>
-              <a:rPr lang="en-US" dirty="0" smtClean="0"/>
+              <a:rPr lang="en-US" dirty="0"/>
               <a:t>Goals</a:t>
             </a:r>
-            <a:endParaRPr lang="en-US" dirty="0"/>
           </a:p>
         </p:txBody>
       </p:sp>
@@ -5575,18 +5462,13 @@
           <a:lstStyle/>
           <a:p>
             <a:r>
-              <a:rPr lang="en-US" dirty="0" smtClean="0"/>
-              <a:t>Brief revision of </a:t>
-            </a:r>
-            <a:r>
-              <a:rPr lang="en-US" dirty="0" smtClean="0"/>
-              <a:t>HTTPS</a:t>
-            </a:r>
-            <a:endParaRPr lang="en-US" dirty="0" smtClean="0"/>
-          </a:p>
-          <a:p>
-            <a:r>
-              <a:rPr lang="en-US" dirty="0" smtClean="0"/>
+              <a:rPr lang="en-US" dirty="0"/>
+              <a:t>Brief revision of HTTPS</a:t>
+            </a:r>
+          </a:p>
+          <a:p>
+            <a:r>
+              <a:rPr lang="en-US" dirty="0"/>
               <a:t>Revision of how session-based authentication with cookies work</a:t>
             </a:r>
           </a:p>
@@ -5603,35 +5485,26 @@
               <a:rPr lang="en-US" dirty="0"/>
               <a:t> (CSRF) </a:t>
             </a:r>
-            <a:endParaRPr lang="en-US" dirty="0" smtClean="0"/>
-          </a:p>
-          <a:p>
-            <a:r>
-              <a:rPr lang="en-US" dirty="0" smtClean="0"/>
-              <a:t>Learn how to </a:t>
-            </a:r>
-            <a:r>
-              <a:rPr lang="en-US" dirty="0"/>
-              <a:t>a</a:t>
-            </a:r>
-            <a:r>
-              <a:rPr lang="en-US" dirty="0" smtClean="0"/>
-              <a:t>dd </a:t>
-            </a:r>
-            <a:r>
-              <a:rPr lang="en-US" dirty="0" err="1" smtClean="0"/>
+          </a:p>
+          <a:p>
+            <a:r>
+              <a:rPr lang="en-US" dirty="0"/>
+              <a:t>Learn how to add </a:t>
+            </a:r>
+            <a:r>
+              <a:rPr lang="en-US" dirty="0" err="1"/>
               <a:t>auth</a:t>
             </a:r>
             <a:r>
-              <a:rPr lang="en-US" dirty="0" smtClean="0"/>
+              <a:rPr lang="en-US" dirty="0"/>
               <a:t> to a </a:t>
             </a:r>
             <a:r>
-              <a:rPr lang="en-US" dirty="0" err="1" smtClean="0"/>
+              <a:rPr lang="en-US" dirty="0" err="1"/>
               <a:t>NodeJS</a:t>
             </a:r>
             <a:r>
-              <a:rPr lang="en-US" dirty="0" smtClean="0"/>
+              <a:rPr lang="en-US" dirty="0"/>
               <a:t>/React application</a:t>
             </a:r>
           </a:p>
@@ -5689,10 +5562,9 @@
           <a:lstStyle/>
           <a:p>
             <a:r>
-              <a:rPr lang="en-US" dirty="0" smtClean="0"/>
+              <a:rPr lang="en-US" dirty="0"/>
               <a:t>Authentication Token</a:t>
             </a:r>
-            <a:endParaRPr lang="en-US" dirty="0"/>
           </a:p>
         </p:txBody>
       </p:sp>
@@ -5717,119 +5589,115 @@
           <a:lstStyle/>
           <a:p>
             <a:r>
-              <a:rPr lang="en-US" dirty="0" smtClean="0"/>
+              <a:rPr lang="en-US" dirty="0"/>
               <a:t>“Login” with </a:t>
             </a:r>
             <a:r>
-              <a:rPr lang="en-US" i="1" dirty="0" smtClean="0"/>
+              <a:rPr lang="en-US" i="1" dirty="0"/>
               <a:t>id/</a:t>
             </a:r>
             <a:r>
-              <a:rPr lang="en-US" i="1" dirty="0" err="1" smtClean="0"/>
+              <a:rPr lang="en-US" i="1" dirty="0" err="1"/>
               <a:t>pwd</a:t>
             </a:r>
             <a:r>
-              <a:rPr lang="en-US" i="1" dirty="0" smtClean="0"/>
+              <a:rPr lang="en-US" i="1" dirty="0"/>
               <a:t> </a:t>
             </a:r>
             <a:r>
-              <a:rPr lang="en-US" dirty="0" smtClean="0"/>
+              <a:rPr lang="en-US" dirty="0"/>
               <a:t>only </a:t>
             </a:r>
             <a:r>
-              <a:rPr lang="en-US" b="1" dirty="0" smtClean="0"/>
+              <a:rPr lang="en-US" b="1" dirty="0"/>
               <a:t>once</a:t>
             </a:r>
             <a:r>
-              <a:rPr lang="en-US" dirty="0" smtClean="0"/>
+              <a:rPr lang="en-US" dirty="0"/>
               <a:t> </a:t>
             </a:r>
           </a:p>
           <a:p>
             <a:r>
-              <a:rPr lang="en-US" dirty="0" smtClean="0"/>
+              <a:rPr lang="en-US" dirty="0"/>
               <a:t>Server will return a </a:t>
             </a:r>
             <a:r>
-              <a:rPr lang="en-US" i="1" dirty="0" smtClean="0"/>
+              <a:rPr lang="en-US" i="1" dirty="0"/>
               <a:t>token</a:t>
             </a:r>
             <a:r>
-              <a:rPr lang="en-US" dirty="0" smtClean="0"/>
+              <a:rPr lang="en-US" dirty="0"/>
               <a:t> associated with that user </a:t>
             </a:r>
             <a:r>
-              <a:rPr lang="en-US" i="1" dirty="0" smtClean="0"/>
+              <a:rPr lang="en-US" i="1" dirty="0"/>
               <a:t>id, </a:t>
             </a:r>
             <a:r>
-              <a:rPr lang="en-US" dirty="0" smtClean="0"/>
+              <a:rPr lang="en-US" dirty="0"/>
               <a:t>stating s/he authenticated (assuming </a:t>
             </a:r>
             <a:r>
-              <a:rPr lang="en-US" i="1" dirty="0" err="1" smtClean="0"/>
+              <a:rPr lang="en-US" i="1" dirty="0" err="1"/>
               <a:t>pwd</a:t>
             </a:r>
             <a:r>
-              <a:rPr lang="en-US" dirty="0" smtClean="0"/>
+              <a:rPr lang="en-US" dirty="0"/>
               <a:t> was correct)</a:t>
             </a:r>
           </a:p>
           <a:p>
             <a:r>
-              <a:rPr lang="en-US" dirty="0" smtClean="0"/>
-              <a:t>From now on, instead of sending </a:t>
+              <a:rPr lang="en-US" dirty="0"/>
+              <a:t>From now on, instead of sending  </a:t>
+            </a:r>
+            <a:r>
+              <a:rPr lang="en-US" i="1" dirty="0"/>
+              <a:t>id/</a:t>
+            </a:r>
+            <a:r>
+              <a:rPr lang="en-US" i="1" dirty="0" err="1"/>
+              <a:t>pwd</a:t>
+            </a:r>
+            <a:r>
+              <a:rPr lang="en-US" i="1" dirty="0"/>
+              <a:t>, </a:t>
+            </a:r>
+            <a:r>
+              <a:rPr lang="en-US" dirty="0"/>
+              <a:t>rather send the </a:t>
+            </a:r>
+            <a:r>
+              <a:rPr lang="en-US" i="1" dirty="0"/>
+              <a:t>token</a:t>
             </a:r>
             <a:r>
               <a:rPr lang="en-US" dirty="0"/>
               <a:t> </a:t>
             </a:r>
-            <a:r>
-              <a:rPr lang="en-US" i="1" dirty="0" smtClean="0"/>
+          </a:p>
+          <a:p>
+            <a:r>
+              <a:rPr lang="en-US" dirty="0"/>
+              <a:t>Token will be valid only for a certain amount of time, after that, need to get new one via </a:t>
+            </a:r>
+            <a:r>
+              <a:rPr lang="en-US" i="1" dirty="0"/>
               <a:t>id/</a:t>
             </a:r>
             <a:r>
-              <a:rPr lang="en-US" i="1" dirty="0" err="1" smtClean="0"/>
+              <a:rPr lang="en-US" i="1" dirty="0" err="1"/>
               <a:t>pwd</a:t>
             </a:r>
-            <a:r>
-              <a:rPr lang="en-US" i="1" dirty="0" smtClean="0"/>
-              <a:t>, </a:t>
-            </a:r>
-            <a:r>
-              <a:rPr lang="en-US" dirty="0" smtClean="0"/>
-              <a:t>rather send the </a:t>
-            </a:r>
-            <a:r>
-              <a:rPr lang="en-US" i="1" dirty="0" smtClean="0"/>
-              <a:t>token</a:t>
-            </a:r>
-            <a:r>
-              <a:rPr lang="en-US" dirty="0" smtClean="0"/>
-              <a:t> </a:t>
-            </a:r>
-          </a:p>
-          <a:p>
-            <a:r>
-              <a:rPr lang="en-US" dirty="0" smtClean="0"/>
-              <a:t>Token will be valid only for a certain amount of time, after that, need to get new one via </a:t>
-            </a:r>
-            <a:r>
-              <a:rPr lang="en-US" i="1" dirty="0" smtClean="0"/>
-              <a:t>id/</a:t>
-            </a:r>
-            <a:r>
-              <a:rPr lang="en-US" i="1" dirty="0" err="1" smtClean="0"/>
-              <a:t>pwd</a:t>
-            </a:r>
-            <a:endParaRPr lang="en-US" i="1" dirty="0" smtClean="0"/>
-          </a:p>
-          <a:p>
-            <a:r>
-              <a:rPr lang="en-US" i="1" dirty="0" smtClean="0"/>
+            <a:endParaRPr lang="en-US" i="1" dirty="0"/>
+          </a:p>
+          <a:p>
+            <a:r>
+              <a:rPr lang="en-US" i="1" dirty="0"/>
               <a:t>Benefits???</a:t>
             </a:r>
-            <a:endParaRPr lang="en-US" dirty="0" smtClean="0"/>
+            <a:endParaRPr lang="en-US" dirty="0"/>
           </a:p>
         </p:txBody>
       </p:sp>
@@ -5879,10 +5747,9 @@
           <a:lstStyle/>
           <a:p>
             <a:r>
-              <a:rPr lang="en-US" dirty="0" smtClean="0"/>
+              <a:rPr lang="en-US" dirty="0"/>
               <a:t>Stolen Token</a:t>
             </a:r>
-            <a:endParaRPr lang="en-US" dirty="0"/>
           </a:p>
         </p:txBody>
       </p:sp>
@@ -5907,73 +5774,72 @@
           <a:lstStyle/>
           <a:p>
             <a:r>
-              <a:rPr lang="en-US" dirty="0" smtClean="0"/>
+              <a:rPr lang="en-US" dirty="0"/>
               <a:t>If token is stolen, hacker can use it only for a </a:t>
             </a:r>
             <a:r>
-              <a:rPr lang="en-US" i="1" dirty="0" smtClean="0"/>
+              <a:rPr lang="en-US" i="1" dirty="0"/>
               <a:t>limited</a:t>
             </a:r>
             <a:r>
-              <a:rPr lang="en-US" dirty="0" smtClean="0"/>
+              <a:rPr lang="en-US" dirty="0"/>
               <a:t> amount of time, until it expires</a:t>
             </a:r>
           </a:p>
           <a:p>
             <a:r>
-              <a:rPr lang="en-US" dirty="0" smtClean="0"/>
+              <a:rPr lang="en-US" dirty="0"/>
               <a:t>If user does </a:t>
             </a:r>
             <a:r>
-              <a:rPr lang="en-US" b="1" dirty="0" smtClean="0"/>
+              <a:rPr lang="en-US" b="1" dirty="0"/>
               <a:t>logout</a:t>
             </a:r>
             <a:r>
-              <a:rPr lang="en-US" dirty="0" smtClean="0"/>
+              <a:rPr lang="en-US" dirty="0"/>
               <a:t>, then token becomes invalid, and server will reject any further HTTP request with such token</a:t>
             </a:r>
           </a:p>
           <a:p>
             <a:pPr lvl="1"/>
             <a:r>
-              <a:rPr lang="en-US" dirty="0" smtClean="0"/>
+              <a:rPr lang="en-US" dirty="0"/>
               <a:t>so, even if hacker has the token, it will become </a:t>
             </a:r>
             <a:r>
-              <a:rPr lang="en-US" i="1" dirty="0" smtClean="0"/>
+              <a:rPr lang="en-US" i="1" dirty="0"/>
               <a:t>useless</a:t>
             </a:r>
             <a:r>
-              <a:rPr lang="en-US" dirty="0" smtClean="0"/>
+              <a:rPr lang="en-US" dirty="0"/>
               <a:t> for him/her</a:t>
             </a:r>
           </a:p>
           <a:p>
             <a:r>
-              <a:rPr lang="en-US" i="1" dirty="0" smtClean="0"/>
+              <a:rPr lang="en-US" i="1" dirty="0"/>
               <a:t>Critical</a:t>
             </a:r>
             <a:r>
-              <a:rPr lang="en-US" dirty="0" smtClean="0"/>
+              <a:rPr lang="en-US" dirty="0"/>
               <a:t> operations like changing password or transfer money could require a new login with </a:t>
             </a:r>
             <a:r>
-              <a:rPr lang="en-US" i="1" dirty="0" smtClean="0"/>
+              <a:rPr lang="en-US" i="1" dirty="0"/>
               <a:t>id/</a:t>
             </a:r>
             <a:r>
-              <a:rPr lang="en-US" i="1" dirty="0" err="1" smtClean="0"/>
+              <a:rPr lang="en-US" i="1" dirty="0" err="1"/>
               <a:t>pwd</a:t>
             </a:r>
-            <a:endParaRPr lang="en-US" i="1" dirty="0" smtClean="0"/>
+            <a:endParaRPr lang="en-US" i="1" dirty="0"/>
           </a:p>
           <a:p>
             <a:pPr lvl="1"/>
             <a:r>
-              <a:rPr lang="en-US" dirty="0" smtClean="0"/>
+              <a:rPr lang="en-US" dirty="0"/>
               <a:t>and so hacker with stolen token cannot use it</a:t>
             </a:r>
-            <a:endParaRPr lang="en-US" dirty="0"/>
           </a:p>
         </p:txBody>
       </p:sp>
@@ -6023,10 +5889,9 @@
           <a:lstStyle/>
           <a:p>
             <a:r>
-              <a:rPr lang="en-US" dirty="0" smtClean="0"/>
+              <a:rPr lang="en-US" dirty="0"/>
               <a:t>Creating a Token</a:t>
             </a:r>
-            <a:endParaRPr lang="en-US" dirty="0"/>
           </a:p>
         </p:txBody>
       </p:sp>
@@ -6053,57 +5918,53 @@
           <a:lstStyle/>
           <a:p>
             <a:r>
-              <a:rPr lang="en-US" dirty="0" smtClean="0"/>
+              <a:rPr lang="en-US" dirty="0"/>
               <a:t>Server could be instructed to create a token when receiving a HTTP request with header “</a:t>
             </a:r>
             <a:r>
               <a:rPr lang="en-US" i="1" dirty="0"/>
-              <a:t>Authorization: Basic </a:t>
-            </a:r>
-            <a:r>
-              <a:rPr lang="en-US" i="1" dirty="0" smtClean="0"/>
-              <a:t>…</a:t>
-            </a:r>
-            <a:r>
-              <a:rPr lang="en-US" dirty="0" smtClean="0"/>
+              <a:t>Authorization: Basic …</a:t>
+            </a:r>
+            <a:r>
+              <a:rPr lang="en-US" dirty="0"/>
               <a:t>”</a:t>
             </a:r>
           </a:p>
           <a:p>
             <a:r>
-              <a:rPr lang="en-US" dirty="0" smtClean="0"/>
+              <a:rPr lang="en-US" dirty="0"/>
               <a:t>This could be on any endpoint…</a:t>
             </a:r>
           </a:p>
           <a:p>
             <a:r>
-              <a:rPr lang="en-US" dirty="0" smtClean="0"/>
+              <a:rPr lang="en-US" dirty="0"/>
               <a:t>… and/or could have a specific endpoint, e.g. “</a:t>
             </a:r>
             <a:r>
-              <a:rPr lang="en-US" i="1" dirty="0" smtClean="0"/>
+              <a:rPr lang="en-US" i="1" dirty="0"/>
               <a:t>/login</a:t>
             </a:r>
             <a:r>
-              <a:rPr lang="en-US" dirty="0" smtClean="0"/>
+              <a:rPr lang="en-US" dirty="0"/>
               <a:t>”</a:t>
             </a:r>
           </a:p>
           <a:p>
             <a:r>
-              <a:rPr lang="en-US" dirty="0" smtClean="0"/>
+              <a:rPr lang="en-US" dirty="0"/>
               <a:t>But, in that case, I could choose how I want to send the </a:t>
             </a:r>
             <a:r>
-              <a:rPr lang="en-US" i="1" dirty="0" smtClean="0"/>
+              <a:rPr lang="en-US" i="1" dirty="0"/>
               <a:t>id/</a:t>
             </a:r>
             <a:r>
-              <a:rPr lang="en-US" i="1" dirty="0" err="1" smtClean="0"/>
+              <a:rPr lang="en-US" i="1" dirty="0" err="1"/>
               <a:t>pwd</a:t>
             </a:r>
             <a:r>
-              <a:rPr lang="en-US" dirty="0" smtClean="0"/>
+              <a:rPr lang="en-US" dirty="0"/>
               <a:t> pair</a:t>
             </a:r>
           </a:p>
@@ -6162,22 +6023,21 @@
           <a:lstStyle/>
           <a:p>
             <a:r>
-              <a:rPr lang="en-US" dirty="0" smtClean="0"/>
+              <a:rPr lang="en-US" dirty="0"/>
               <a:t>How to send </a:t>
             </a:r>
             <a:r>
-              <a:rPr lang="en-US" i="1" dirty="0" smtClean="0"/>
+              <a:rPr lang="en-US" i="1" dirty="0"/>
               <a:t>id/</a:t>
             </a:r>
             <a:r>
-              <a:rPr lang="en-US" i="1" dirty="0" err="1" smtClean="0"/>
+              <a:rPr lang="en-US" i="1" dirty="0" err="1"/>
               <a:t>pwd</a:t>
             </a:r>
             <a:r>
-              <a:rPr lang="en-US" dirty="0" smtClean="0"/>
+              <a:rPr lang="en-US" dirty="0"/>
               <a:t> to create a token?</a:t>
             </a:r>
-            <a:endParaRPr lang="en-US" dirty="0"/>
           </a:p>
         </p:txBody>
       </p:sp>
@@ -6204,89 +6064,89 @@
           <a:lstStyle/>
           <a:p>
             <a:r>
-              <a:rPr lang="en-US" dirty="0" smtClean="0"/>
+              <a:rPr lang="en-US" dirty="0"/>
               <a:t>When talking about security and what to implement on the server, think about HTTP/S messages, </a:t>
             </a:r>
             <a:r>
-              <a:rPr lang="en-US" i="1" dirty="0" smtClean="0"/>
+              <a:rPr lang="en-US" i="1" dirty="0"/>
               <a:t>not necessarily coming from browsers</a:t>
             </a:r>
             <a:r>
-              <a:rPr lang="en-US" dirty="0" smtClean="0"/>
+              <a:rPr lang="en-US" dirty="0"/>
               <a:t>.</a:t>
             </a:r>
           </a:p>
           <a:p>
             <a:r>
-              <a:rPr lang="en-US" dirty="0" smtClean="0"/>
+              <a:rPr lang="en-US" dirty="0"/>
               <a:t>Could have endpoint to get </a:t>
             </a:r>
             <a:r>
-              <a:rPr lang="en-US" i="1" dirty="0" smtClean="0"/>
+              <a:rPr lang="en-US" i="1" dirty="0"/>
               <a:t>token </a:t>
             </a:r>
             <a:r>
-              <a:rPr lang="en-US" dirty="0" smtClean="0"/>
+              <a:rPr lang="en-US" dirty="0"/>
               <a:t>from server given </a:t>
             </a:r>
             <a:r>
-              <a:rPr lang="en-US" dirty="0" err="1" smtClean="0"/>
+              <a:rPr lang="en-US" dirty="0" err="1"/>
               <a:t>userId</a:t>
             </a:r>
             <a:r>
-              <a:rPr lang="en-US" dirty="0" smtClean="0"/>
+              <a:rPr lang="en-US" dirty="0"/>
               <a:t>/password</a:t>
             </a:r>
           </a:p>
           <a:p>
             <a:pPr lvl="1"/>
             <a:r>
-              <a:rPr lang="en-US" dirty="0" smtClean="0"/>
+              <a:rPr lang="en-US" dirty="0"/>
               <a:t>Use such token on each following request as parameter</a:t>
             </a:r>
           </a:p>
           <a:p>
             <a:r>
-              <a:rPr lang="en-US" dirty="0" smtClean="0"/>
+              <a:rPr lang="en-US" dirty="0"/>
               <a:t>GET /</a:t>
             </a:r>
             <a:r>
-              <a:rPr lang="en-US" dirty="0" err="1" smtClean="0"/>
+              <a:rPr lang="en-US" dirty="0" err="1"/>
               <a:t>login?</a:t>
             </a:r>
             <a:r>
-              <a:rPr lang="en-US" b="1" dirty="0" err="1" smtClean="0"/>
+              <a:rPr lang="en-US" b="1" dirty="0" err="1"/>
               <a:t>userId</a:t>
             </a:r>
             <a:r>
-              <a:rPr lang="en-US" b="1" dirty="0" smtClean="0"/>
+              <a:rPr lang="en-US" b="1" dirty="0"/>
               <a:t>=</a:t>
             </a:r>
             <a:r>
-              <a:rPr lang="en-US" b="1" dirty="0" err="1" smtClean="0"/>
+              <a:rPr lang="en-US" b="1" dirty="0" err="1"/>
               <a:t>x</a:t>
             </a:r>
             <a:r>
-              <a:rPr lang="en-US" dirty="0" err="1" smtClean="0"/>
+              <a:rPr lang="en-US" dirty="0" err="1"/>
               <a:t>&amp;</a:t>
             </a:r>
             <a:r>
-              <a:rPr lang="en-US" b="1" dirty="0" err="1" smtClean="0"/>
+              <a:rPr lang="en-US" b="1" dirty="0" err="1"/>
               <a:t>password</a:t>
             </a:r>
             <a:r>
-              <a:rPr lang="en-US" b="1" dirty="0" smtClean="0"/>
+              <a:rPr lang="en-US" b="1" dirty="0"/>
               <a:t>=y</a:t>
             </a:r>
           </a:p>
           <a:p>
             <a:pPr lvl="1"/>
             <a:r>
-              <a:rPr lang="en-US" dirty="0" err="1" smtClean="0"/>
+              <a:rPr lang="en-US" dirty="0" err="1"/>
               <a:t>userId</a:t>
             </a:r>
             <a:r>
-              <a:rPr lang="en-US" dirty="0" smtClean="0"/>
+              <a:rPr lang="en-US" dirty="0"/>
               <a:t>/password as URL parameters to the /login endpoint</a:t>
             </a:r>
           </a:p>
@@ -6294,38 +6154,33 @@
             <a:pPr lvl="1"/>
             <a:r>
               <a:rPr lang="en-US" dirty="0"/>
-              <a:t>g</a:t>
-            </a:r>
-            <a:r>
-              <a:rPr lang="en-US" dirty="0" smtClean="0"/>
-              <a:t>et back new token Z associated to this user, as HTTP/S response body, no HTML page</a:t>
-            </a:r>
-          </a:p>
-          <a:p>
-            <a:r>
-              <a:rPr lang="en-US" dirty="0" smtClean="0"/>
+              <a:t>get back new token Z associated to this user, as HTTP/S response body, no HTML page</a:t>
+            </a:r>
+          </a:p>
+          <a:p>
+            <a:r>
+              <a:rPr lang="en-US" dirty="0"/>
               <a:t>GET /</a:t>
             </a:r>
             <a:r>
-              <a:rPr lang="en-US" dirty="0" err="1" smtClean="0"/>
+              <a:rPr lang="en-US" dirty="0" err="1"/>
               <a:t>somePageIWantToBrowse</a:t>
             </a:r>
             <a:r>
-              <a:rPr lang="en-US" b="1" dirty="0" err="1" smtClean="0"/>
+              <a:rPr lang="en-US" b="1" dirty="0" err="1"/>
               <a:t>?token</a:t>
             </a:r>
             <a:r>
-              <a:rPr lang="en-US" b="1" dirty="0" smtClean="0"/>
+              <a:rPr lang="en-US" b="1" dirty="0"/>
               <a:t>=z</a:t>
             </a:r>
           </a:p>
           <a:p>
             <a:pPr lvl="1"/>
             <a:r>
-              <a:rPr lang="en-US" dirty="0" smtClean="0"/>
+              <a:rPr lang="en-US" dirty="0"/>
               <a:t>pass “token=z” parameter to each HTTP/S request</a:t>
             </a:r>
-            <a:endParaRPr lang="en-US" dirty="0"/>
           </a:p>
         </p:txBody>
       </p:sp>
@@ -6375,10 +6230,9 @@
           <a:lstStyle/>
           <a:p>
             <a:r>
-              <a:rPr lang="en-US" dirty="0" smtClean="0"/>
+              <a:rPr lang="en-US" dirty="0"/>
               <a:t>Awful Solution</a:t>
             </a:r>
-            <a:endParaRPr lang="en-US" dirty="0"/>
           </a:p>
         </p:txBody>
       </p:sp>
@@ -6405,95 +6259,95 @@
           <a:lstStyle/>
           <a:p>
             <a:r>
-              <a:rPr lang="en-US" dirty="0" smtClean="0"/>
+              <a:rPr lang="en-US" dirty="0"/>
               <a:t>That solution would work, but…</a:t>
             </a:r>
           </a:p>
           <a:p>
             <a:r>
-              <a:rPr lang="en-US" dirty="0" smtClean="0"/>
+              <a:rPr lang="en-US" dirty="0"/>
               <a:t>“</a:t>
             </a:r>
             <a:r>
-              <a:rPr lang="en-US" i="1" dirty="0" smtClean="0"/>
+              <a:rPr lang="en-US" i="1" dirty="0"/>
               <a:t>/</a:t>
             </a:r>
             <a:r>
-              <a:rPr lang="en-US" i="1" dirty="0" err="1" smtClean="0"/>
+              <a:rPr lang="en-US" i="1" dirty="0" err="1"/>
               <a:t>login?userId</a:t>
             </a:r>
             <a:r>
-              <a:rPr lang="en-US" i="1" dirty="0" smtClean="0"/>
+              <a:rPr lang="en-US" i="1" dirty="0"/>
               <a:t>=</a:t>
             </a:r>
             <a:r>
-              <a:rPr lang="en-US" i="1" dirty="0" err="1" smtClean="0"/>
+              <a:rPr lang="en-US" i="1" dirty="0" err="1"/>
               <a:t>x&amp;password</a:t>
             </a:r>
             <a:r>
-              <a:rPr lang="en-US" i="1" dirty="0" smtClean="0"/>
+              <a:rPr lang="en-US" i="1" dirty="0"/>
               <a:t>=y</a:t>
             </a:r>
             <a:r>
-              <a:rPr lang="en-US" dirty="0" smtClean="0"/>
+              <a:rPr lang="en-US" dirty="0"/>
               <a:t>” would be </a:t>
             </a:r>
             <a:r>
-              <a:rPr lang="en-US" i="1" dirty="0" smtClean="0"/>
+              <a:rPr lang="en-US" i="1" dirty="0"/>
               <a:t>cached</a:t>
             </a:r>
             <a:r>
-              <a:rPr lang="en-US" dirty="0" smtClean="0"/>
+              <a:rPr lang="en-US" dirty="0"/>
               <a:t> in your browser history, even after you logout</a:t>
             </a:r>
           </a:p>
           <a:p>
             <a:r>
-              <a:rPr lang="en-US" dirty="0" smtClean="0"/>
+              <a:rPr lang="en-US" dirty="0"/>
               <a:t>How to handle the adding of “</a:t>
             </a:r>
             <a:r>
-              <a:rPr lang="en-US" i="1" dirty="0" smtClean="0"/>
+              <a:rPr lang="en-US" i="1" dirty="0"/>
               <a:t>?token=z</a:t>
             </a:r>
             <a:r>
-              <a:rPr lang="en-US" dirty="0" smtClean="0"/>
+              <a:rPr lang="en-US" dirty="0"/>
               <a:t>” to all your </a:t>
             </a:r>
             <a:r>
-              <a:rPr lang="en-US" i="1" dirty="0" smtClean="0"/>
+              <a:rPr lang="en-US" i="1" dirty="0"/>
               <a:t>&lt;a&gt; </a:t>
             </a:r>
             <a:r>
-              <a:rPr lang="en-US" dirty="0" smtClean="0"/>
+              <a:rPr lang="en-US" dirty="0"/>
               <a:t>tags in the HTML pages?</a:t>
             </a:r>
           </a:p>
           <a:p>
             <a:pPr lvl="1"/>
             <a:r>
-              <a:rPr lang="en-US" dirty="0" smtClean="0"/>
+              <a:rPr lang="en-US" dirty="0"/>
               <a:t>doable, but quite cumbersome</a:t>
             </a:r>
           </a:p>
           <a:p>
             <a:r>
-              <a:rPr lang="en-US" dirty="0" smtClean="0"/>
+              <a:rPr lang="en-US" dirty="0"/>
               <a:t>How to handle browser bookmarks?</a:t>
             </a:r>
           </a:p>
           <a:p>
             <a:pPr lvl="1"/>
             <a:r>
-              <a:rPr lang="en-US" dirty="0" smtClean="0"/>
+              <a:rPr lang="en-US" dirty="0"/>
               <a:t>tokens would be there, and made the links useless once they expire, </a:t>
             </a:r>
             <a:r>
-              <a:rPr lang="en-US" dirty="0" err="1" smtClean="0"/>
+              <a:rPr lang="en-US" dirty="0" err="1"/>
               <a:t>eg</a:t>
             </a:r>
             <a:r>
-              <a:rPr lang="en-US" dirty="0" smtClean="0"/>
+              <a:rPr lang="en-US" dirty="0"/>
               <a:t> after a logout </a:t>
             </a:r>
           </a:p>
@@ -6548,10 +6402,9 @@
           <a:lstStyle/>
           <a:p>
             <a:r>
-              <a:rPr lang="en-US" dirty="0" smtClean="0"/>
+              <a:rPr lang="en-US" dirty="0"/>
               <a:t>Login with POST</a:t>
             </a:r>
-            <a:endParaRPr lang="en-US" dirty="0"/>
           </a:p>
         </p:txBody>
       </p:sp>
@@ -6578,35 +6431,35 @@
           <a:lstStyle/>
           <a:p>
             <a:r>
-              <a:rPr lang="en-US" dirty="0" smtClean="0"/>
+              <a:rPr lang="en-US" dirty="0"/>
               <a:t>User ids and passwords should </a:t>
             </a:r>
             <a:r>
-              <a:rPr lang="en-US" i="1" dirty="0" smtClean="0"/>
+              <a:rPr lang="en-US" i="1" dirty="0"/>
               <a:t>never</a:t>
             </a:r>
             <a:r>
-              <a:rPr lang="en-US" dirty="0" smtClean="0"/>
+              <a:rPr lang="en-US" dirty="0"/>
               <a:t> be sent with a GET</a:t>
             </a:r>
           </a:p>
           <a:p>
             <a:pPr lvl="1"/>
             <a:r>
-              <a:rPr lang="en-US" dirty="0" smtClean="0"/>
+              <a:rPr lang="en-US" dirty="0"/>
               <a:t>GET specs do not allow body in the requests</a:t>
             </a:r>
           </a:p>
           <a:p>
             <a:r>
-              <a:rPr lang="en-US" dirty="0" smtClean="0"/>
+              <a:rPr lang="en-US" dirty="0"/>
               <a:t>Should be in HTTP body of a POST</a:t>
             </a:r>
           </a:p>
           <a:p>
             <a:pPr lvl="1"/>
             <a:r>
-              <a:rPr lang="en-US" dirty="0" smtClean="0"/>
+              <a:rPr lang="en-US" dirty="0"/>
               <a:t>This is typical case in HTML forms, and also what we need in SPAs</a:t>
             </a:r>
           </a:p>
@@ -6656,11 +6509,7 @@
             </a:r>
             <a:r>
               <a:rPr lang="en-US" dirty="0"/>
-              <a:t> to help protecting from CSRF </a:t>
-            </a:r>
-            <a:r>
-              <a:rPr lang="en-US" dirty="0" smtClean="0"/>
-              <a:t>attacks… more on this later</a:t>
+              <a:t> to help protecting from CSRF attacks… more on this later</a:t>
             </a:r>
           </a:p>
         </p:txBody>
@@ -6711,10 +6560,9 @@
           <a:lstStyle/>
           <a:p>
             <a:r>
-              <a:rPr lang="en-US" dirty="0" smtClean="0"/>
+              <a:rPr lang="en-US" dirty="0"/>
               <a:t>Storing Tokens</a:t>
             </a:r>
-            <a:endParaRPr lang="en-US" dirty="0"/>
           </a:p>
         </p:txBody>
       </p:sp>
@@ -6741,100 +6589,100 @@
           <a:lstStyle/>
           <a:p>
             <a:r>
-              <a:rPr lang="en-US" dirty="0" smtClean="0"/>
+              <a:rPr lang="en-US" dirty="0"/>
               <a:t>Browser needs to store authentication </a:t>
             </a:r>
             <a:r>
-              <a:rPr lang="en-US" i="1" dirty="0" smtClean="0"/>
+              <a:rPr lang="en-US" i="1" dirty="0"/>
               <a:t>tokens</a:t>
             </a:r>
             <a:r>
-              <a:rPr lang="en-US" dirty="0" smtClean="0"/>
+              <a:rPr lang="en-US" dirty="0"/>
               <a:t> somewhere</a:t>
             </a:r>
           </a:p>
           <a:p>
             <a:r>
-              <a:rPr lang="en-US" dirty="0" smtClean="0"/>
+              <a:rPr lang="en-US" dirty="0"/>
               <a:t>Tokens need to be added at each HTTP request</a:t>
             </a:r>
           </a:p>
           <a:p>
             <a:r>
-              <a:rPr lang="en-US" i="1" dirty="0" smtClean="0"/>
+              <a:rPr lang="en-US" i="1" dirty="0"/>
               <a:t>Best</a:t>
             </a:r>
             <a:r>
-              <a:rPr lang="en-US" dirty="0" smtClean="0"/>
+              <a:rPr lang="en-US" dirty="0"/>
               <a:t> way to store tokens is HTTP </a:t>
             </a:r>
             <a:r>
-              <a:rPr lang="en-US" b="1" dirty="0" smtClean="0"/>
+              <a:rPr lang="en-US" b="1" dirty="0"/>
               <a:t>Cookies</a:t>
             </a:r>
             <a:r>
-              <a:rPr lang="en-US" dirty="0" smtClean="0"/>
+              <a:rPr lang="en-US" dirty="0"/>
               <a:t> marked with </a:t>
-            </a:r>
-            <a:r>
-              <a:rPr lang="en-US" i="1" dirty="0" err="1" smtClean="0"/>
-              <a:t>HttpOnly</a:t>
-            </a:r>
-            <a:endParaRPr lang="en-US" i="1" dirty="0" smtClean="0"/>
-          </a:p>
-          <a:p>
-            <a:pPr lvl="1"/>
-            <a:r>
-              <a:rPr lang="en-US" dirty="0" smtClean="0"/>
-              <a:t>automatically added on each HTTP request</a:t>
-            </a:r>
-          </a:p>
-          <a:p>
-            <a:pPr lvl="1"/>
-            <a:r>
-              <a:rPr lang="en-US" dirty="0" smtClean="0"/>
-              <a:t>cannot be read by JavaScript</a:t>
-            </a:r>
-          </a:p>
-          <a:p>
-            <a:r>
-              <a:rPr lang="en-US" dirty="0" smtClean="0"/>
-              <a:t>If you do </a:t>
-            </a:r>
-            <a:r>
-              <a:rPr lang="en-US" i="1" dirty="0" smtClean="0"/>
-              <a:t>not</a:t>
-            </a:r>
-            <a:r>
-              <a:rPr lang="en-US" dirty="0" smtClean="0"/>
-              <a:t> store authentication tokens in </a:t>
             </a:r>
             <a:r>
               <a:rPr lang="en-US" i="1" dirty="0" err="1"/>
               <a:t>HttpOnly</a:t>
             </a:r>
+            <a:endParaRPr lang="en-US" i="1" dirty="0"/>
+          </a:p>
+          <a:p>
+            <a:pPr lvl="1"/>
+            <a:r>
+              <a:rPr lang="en-US" dirty="0"/>
+              <a:t>automatically added on each HTTP request</a:t>
+            </a:r>
+          </a:p>
+          <a:p>
+            <a:pPr lvl="1"/>
+            <a:r>
+              <a:rPr lang="en-US" dirty="0"/>
+              <a:t>cannot be read by JavaScript</a:t>
+            </a:r>
+          </a:p>
+          <a:p>
+            <a:r>
+              <a:rPr lang="en-US" dirty="0"/>
+              <a:t>If you do </a:t>
+            </a:r>
+            <a:r>
+              <a:rPr lang="en-US" i="1" dirty="0"/>
+              <a:t>not</a:t>
+            </a:r>
+            <a:r>
+              <a:rPr lang="en-US" dirty="0"/>
+              <a:t> store authentication tokens in </a:t>
+            </a:r>
+            <a:r>
+              <a:rPr lang="en-US" i="1" dirty="0" err="1"/>
+              <a:t>HttpOnly</a:t>
+            </a:r>
             <a:r>
               <a:rPr lang="en-US" i="1" dirty="0"/>
               <a:t> </a:t>
             </a:r>
             <a:r>
-              <a:rPr lang="en-US" dirty="0" smtClean="0"/>
+              <a:rPr lang="en-US" dirty="0"/>
               <a:t>cookies, you are </a:t>
             </a:r>
             <a:r>
-              <a:rPr lang="en-US" i="1" dirty="0" smtClean="0"/>
+              <a:rPr lang="en-US" i="1" dirty="0"/>
               <a:t>more</a:t>
             </a:r>
             <a:r>
-              <a:rPr lang="en-US" dirty="0" smtClean="0"/>
+              <a:rPr lang="en-US" dirty="0"/>
               <a:t> vulnerable to </a:t>
             </a:r>
             <a:r>
-              <a:rPr lang="en-US" b="1" dirty="0" smtClean="0"/>
+              <a:rPr lang="en-US" b="1" dirty="0"/>
               <a:t>XSS</a:t>
             </a:r>
             <a:r>
-              <a:rPr lang="en-US" dirty="0" smtClean="0"/>
+              <a:rPr lang="en-US" dirty="0"/>
               <a:t> attacks!!!</a:t>
             </a:r>
           </a:p>
@@ -6842,36 +6690,31 @@
             <a:pPr lvl="1"/>
             <a:r>
               <a:rPr lang="en-US" dirty="0"/>
-              <a:t>C</a:t>
-            </a:r>
-            <a:r>
-              <a:rPr lang="en-US" dirty="0" smtClean="0"/>
-              <a:t>omplex story… even with cookies, still vulnerable to XSS, but it would stop as soon as you close the browser… without cookies, token could be sent to malicious server via AJAX, and attacks continue from there</a:t>
+              <a:t>Complex story… even with cookies, still vulnerable to XSS, but it would stop as soon as you close the browser… without cookies, token could be sent to malicious server via AJAX, and attacks continue from there</a:t>
             </a:r>
           </a:p>
           <a:p>
             <a:pPr lvl="1"/>
             <a:r>
-              <a:rPr lang="en-US" dirty="0" smtClean="0"/>
+              <a:rPr lang="en-US" dirty="0"/>
               <a:t>Note: this is a </a:t>
             </a:r>
             <a:r>
-              <a:rPr lang="en-US" b="1" dirty="0" smtClean="0"/>
+              <a:rPr lang="en-US" b="1" dirty="0"/>
               <a:t>huge</a:t>
             </a:r>
             <a:r>
-              <a:rPr lang="en-US" dirty="0" smtClean="0"/>
+              <a:rPr lang="en-US" dirty="0"/>
               <a:t> problem if you make the mistake of using JWT with no </a:t>
             </a:r>
             <a:r>
-              <a:rPr lang="en-US" dirty="0" err="1" smtClean="0"/>
+              <a:rPr lang="en-US" dirty="0" err="1"/>
               <a:t>stateful</a:t>
             </a:r>
             <a:r>
-              <a:rPr lang="en-US" dirty="0" smtClean="0"/>
+              <a:rPr lang="en-US" dirty="0"/>
               <a:t> whitelist/blacklist logout…</a:t>
             </a:r>
-            <a:endParaRPr lang="en-US" dirty="0"/>
           </a:p>
         </p:txBody>
       </p:sp>
@@ -6921,10 +6764,9 @@
           <a:lstStyle/>
           <a:p>
             <a:r>
-              <a:rPr lang="en-US" dirty="0" smtClean="0"/>
+              <a:rPr lang="en-US" dirty="0"/>
               <a:t>Cookies</a:t>
             </a:r>
-            <a:endParaRPr lang="en-US" dirty="0"/>
           </a:p>
         </p:txBody>
       </p:sp>
@@ -6970,15 +6812,7 @@
             </a:r>
             <a:r>
               <a:rPr lang="en-US" dirty="0"/>
-              <a:t>: special </a:t>
-            </a:r>
-            <a:r>
-              <a:rPr lang="en-US" dirty="0" smtClean="0"/>
-              <a:t>HTTP header </a:t>
-            </a:r>
-            <a:r>
-              <a:rPr lang="en-US" dirty="0"/>
-              <a:t>that will be used to identify the user</a:t>
+              <a:t>: special HTTP header that will be used to identify the user</a:t>
             </a:r>
           </a:p>
           <a:p>
@@ -7044,10 +6878,9 @@
           <a:lstStyle/>
           <a:p>
             <a:r>
-              <a:rPr lang="en-US" dirty="0" smtClean="0"/>
+              <a:rPr lang="en-US" dirty="0"/>
               <a:t>Login with Cookies</a:t>
             </a:r>
-            <a:endParaRPr lang="en-US" dirty="0"/>
           </a:p>
         </p:txBody>
       </p:sp>
@@ -7074,89 +6907,88 @@
           <a:lstStyle/>
           <a:p>
             <a:r>
-              <a:rPr lang="en-US" dirty="0" smtClean="0"/>
+              <a:rPr lang="en-US" dirty="0"/>
               <a:t>Browser:  POST /login</a:t>
             </a:r>
           </a:p>
           <a:p>
             <a:pPr lvl="1"/>
             <a:r>
-              <a:rPr lang="en-US" dirty="0" smtClean="0"/>
+              <a:rPr lang="en-US" dirty="0"/>
               <a:t>Username X and password as HTTP body</a:t>
             </a:r>
           </a:p>
           <a:p>
             <a:r>
-              <a:rPr lang="en-US" dirty="0" smtClean="0"/>
+              <a:rPr lang="en-US" dirty="0"/>
               <a:t>Server: if login is successful, respond to the POST with a “</a:t>
             </a:r>
             <a:r>
-              <a:rPr lang="en-US" i="1" dirty="0" smtClean="0"/>
+              <a:rPr lang="en-US" i="1" dirty="0"/>
               <a:t>Set-Cookie</a:t>
             </a:r>
             <a:r>
-              <a:rPr lang="en-US" dirty="0" smtClean="0"/>
+              <a:rPr lang="en-US" dirty="0"/>
               <a:t>” header, with some </a:t>
             </a:r>
             <a:r>
-              <a:rPr lang="en-US" i="1" dirty="0" smtClean="0"/>
+              <a:rPr lang="en-US" i="1" dirty="0"/>
               <a:t>unique </a:t>
             </a:r>
             <a:r>
-              <a:rPr lang="en-US" dirty="0" smtClean="0"/>
+              <a:rPr lang="en-US" dirty="0"/>
               <a:t>and </a:t>
             </a:r>
             <a:r>
-              <a:rPr lang="en-US" i="1" dirty="0" smtClean="0"/>
+              <a:rPr lang="en-US" i="1" dirty="0"/>
               <a:t>non-predictable</a:t>
             </a:r>
             <a:r>
-              <a:rPr lang="en-US" dirty="0" smtClean="0"/>
+              <a:rPr lang="en-US" dirty="0"/>
               <a:t> identifier Y</a:t>
             </a:r>
           </a:p>
           <a:p>
             <a:pPr lvl="1"/>
             <a:r>
-              <a:rPr lang="en-US" dirty="0" smtClean="0"/>
+              <a:rPr lang="en-US" dirty="0"/>
               <a:t>Server needs to remember that cookie Y is associated with user X</a:t>
             </a:r>
           </a:p>
           <a:p>
             <a:pPr lvl="1"/>
             <a:r>
-              <a:rPr lang="en-US" i="1" dirty="0" smtClean="0"/>
+              <a:rPr lang="en-US" i="1" dirty="0"/>
               <a:t>Set-Cookie: &lt;cookie-name&gt;=&lt;cookie-value&gt;</a:t>
             </a:r>
           </a:p>
           <a:p>
             <a:r>
-              <a:rPr lang="en-US" dirty="0" smtClean="0"/>
+              <a:rPr lang="en-US" dirty="0"/>
               <a:t>Browser: from now on, each following HTTP request will have “</a:t>
             </a:r>
             <a:r>
-              <a:rPr lang="en-US" i="1" dirty="0" smtClean="0"/>
+              <a:rPr lang="en-US" i="1" dirty="0"/>
               <a:t>Cookie:</a:t>
             </a:r>
             <a:r>
-              <a:rPr lang="en-US" dirty="0" smtClean="0"/>
+              <a:rPr lang="en-US" dirty="0"/>
               <a:t> Y” in the headers</a:t>
             </a:r>
           </a:p>
           <a:p>
             <a:r>
-              <a:rPr lang="en-US" i="1" dirty="0" smtClean="0"/>
+              <a:rPr lang="en-US" i="1" dirty="0"/>
               <a:t>Logout</a:t>
             </a:r>
             <a:r>
-              <a:rPr lang="en-US" dirty="0" smtClean="0"/>
+              <a:rPr lang="en-US" dirty="0"/>
               <a:t>: remove association between cookie Y and user X on server. </a:t>
             </a:r>
-            <a:endParaRPr lang="en-US" dirty="0"/>
-          </a:p>
-          <a:p>
-            <a:r>
-              <a:rPr lang="en-US" dirty="0" smtClean="0"/>
+          </a:p>
+          <a:p>
+            <a:r>
+              <a:rPr lang="en-US" dirty="0"/>
               <a:t>Server: HTTP request with no cookie or invalid/expired cookie, give 401 error message</a:t>
             </a:r>
           </a:p>
@@ -7362,10 +7194,9 @@
           <a:lstStyle/>
           <a:p>
             <a:r>
-              <a:rPr lang="en-US" sz="2400" dirty="0" smtClean="0"/>
+              <a:rPr lang="en-US" sz="2400" dirty="0"/>
               <a:t>GET  /index.html</a:t>
             </a:r>
-            <a:endParaRPr lang="en-US" sz="2400" dirty="0"/>
           </a:p>
         </p:txBody>
       </p:sp>
@@ -7429,36 +7260,35 @@
           <a:lstStyle/>
           <a:p>
             <a:r>
-              <a:rPr lang="en-US" sz="2400" dirty="0" smtClean="0"/>
+              <a:rPr lang="en-US" sz="2400" dirty="0"/>
               <a:t>POST  /</a:t>
             </a:r>
             <a:r>
-              <a:rPr lang="en-US" sz="2400" dirty="0" err="1" smtClean="0"/>
+              <a:rPr lang="en-US" sz="2400" dirty="0" err="1"/>
               <a:t>api</a:t>
             </a:r>
             <a:r>
-              <a:rPr lang="en-US" sz="2400" dirty="0" smtClean="0"/>
+              <a:rPr lang="en-US" sz="2400" dirty="0"/>
               <a:t>/login</a:t>
             </a:r>
           </a:p>
           <a:p>
             <a:r>
-              <a:rPr lang="en-US" sz="2400" dirty="0" err="1" smtClean="0"/>
+              <a:rPr lang="en-US" sz="2400" dirty="0" err="1"/>
               <a:t>userId</a:t>
             </a:r>
             <a:r>
-              <a:rPr lang="en-US" sz="2400" dirty="0" smtClean="0"/>
+              <a:rPr lang="en-US" sz="2400" dirty="0"/>
               <a:t>=</a:t>
             </a:r>
             <a:r>
-              <a:rPr lang="en-US" sz="2400" dirty="0" err="1" smtClean="0"/>
+              <a:rPr lang="en-US" sz="2400" dirty="0" err="1"/>
               <a:t>foo&amp;password</a:t>
             </a:r>
             <a:r>
-              <a:rPr lang="en-US" sz="2400" dirty="0" smtClean="0"/>
+              <a:rPr lang="en-US" sz="2400" dirty="0"/>
               <a:t>=bar</a:t>
             </a:r>
-            <a:endParaRPr lang="en-US" sz="2400" dirty="0"/>
           </a:p>
         </p:txBody>
       </p:sp>
@@ -7522,21 +7352,21 @@
           <a:lstStyle/>
           <a:p>
             <a:r>
-              <a:rPr lang="en-US" sz="2400" dirty="0" smtClean="0"/>
+              <a:rPr lang="en-US" sz="2400" dirty="0"/>
               <a:t>HTTP/1.1 204</a:t>
             </a:r>
           </a:p>
           <a:p>
             <a:r>
-              <a:rPr lang="en-US" sz="2400" i="1" dirty="0" smtClean="0"/>
+              <a:rPr lang="en-US" sz="2400" i="1" dirty="0"/>
               <a:t>Set-cookie</a:t>
             </a:r>
             <a:r>
-              <a:rPr lang="en-US" sz="2400" dirty="0" smtClean="0"/>
+              <a:rPr lang="en-US" sz="2400" dirty="0"/>
               <a:t>: </a:t>
             </a:r>
             <a:r>
-              <a:rPr lang="en-US" sz="2400" b="1" dirty="0" smtClean="0"/>
+              <a:rPr lang="en-US" sz="2400" b="1" dirty="0"/>
               <a:t>123456</a:t>
             </a:r>
           </a:p>
@@ -7602,37 +7432,36 @@
           <a:lstStyle/>
           <a:p>
             <a:r>
-              <a:rPr lang="en-US" sz="2400" dirty="0" smtClean="0"/>
+              <a:rPr lang="en-US" sz="2400" dirty="0"/>
               <a:t>GET  /</a:t>
             </a:r>
             <a:r>
-              <a:rPr lang="en-US" sz="2400" dirty="0" err="1" smtClean="0"/>
+              <a:rPr lang="en-US" sz="2400" dirty="0" err="1"/>
               <a:t>api</a:t>
             </a:r>
             <a:r>
-              <a:rPr lang="en-US" sz="2400" dirty="0" smtClean="0"/>
+              <a:rPr lang="en-US" sz="2400" dirty="0"/>
               <a:t>/</a:t>
             </a:r>
             <a:r>
-              <a:rPr lang="en-US" sz="2400" dirty="0" err="1" smtClean="0"/>
+              <a:rPr lang="en-US" sz="2400" dirty="0" err="1"/>
               <a:t>someData</a:t>
             </a:r>
-            <a:endParaRPr lang="en-US" sz="2400" dirty="0" smtClean="0"/>
-          </a:p>
-          <a:p>
-            <a:r>
-              <a:rPr lang="en-US" sz="2400" i="1" dirty="0" smtClean="0"/>
+            <a:endParaRPr lang="en-US" sz="2400" dirty="0"/>
+          </a:p>
+          <a:p>
+            <a:r>
+              <a:rPr lang="en-US" sz="2400" i="1" dirty="0"/>
               <a:t>Cookie</a:t>
             </a:r>
             <a:r>
-              <a:rPr lang="en-US" sz="2400" dirty="0" smtClean="0"/>
+              <a:rPr lang="en-US" sz="2400" dirty="0"/>
               <a:t>: </a:t>
             </a:r>
             <a:r>
-              <a:rPr lang="en-US" sz="2400" b="1" dirty="0" smtClean="0"/>
+              <a:rPr lang="en-US" sz="2400" b="1" dirty="0"/>
               <a:t>123456</a:t>
             </a:r>
-            <a:endParaRPr lang="en-US" sz="2400" b="1" dirty="0"/>
           </a:p>
         </p:txBody>
       </p:sp>
@@ -7676,10 +7505,9 @@
           <a:p>
             <a:pPr algn="ctr"/>
             <a:r>
-              <a:rPr lang="en-US" sz="2400" dirty="0" smtClean="0"/>
+              <a:rPr lang="en-US" sz="2400" dirty="0"/>
               <a:t>Request HTML page</a:t>
             </a:r>
-            <a:endParaRPr lang="en-US" sz="2400" dirty="0"/>
           </a:p>
         </p:txBody>
       </p:sp>
@@ -7723,10 +7551,9 @@
           <a:p>
             <a:pPr algn="ctr"/>
             <a:r>
-              <a:rPr lang="en-US" sz="2400" dirty="0" smtClean="0"/>
+              <a:rPr lang="en-US" sz="2400" dirty="0"/>
               <a:t>Send credentials by AJAX</a:t>
             </a:r>
-            <a:endParaRPr lang="en-US" sz="2400" dirty="0"/>
           </a:p>
         </p:txBody>
       </p:sp>
@@ -7771,13 +7598,8 @@
             <a:pPr algn="ctr"/>
             <a:r>
               <a:rPr lang="en-US" sz="2400" dirty="0"/>
-              <a:t>A</a:t>
-            </a:r>
-            <a:r>
-              <a:rPr lang="en-US" sz="2400" dirty="0" smtClean="0"/>
-              <a:t>dd cookie header in all following HTTP requests</a:t>
-            </a:r>
-            <a:endParaRPr lang="en-US" sz="2400" dirty="0"/>
+              <a:t>Add cookie header in all following HTTP requests</a:t>
+            </a:r>
           </a:p>
         </p:txBody>
       </p:sp>
@@ -7821,10 +7643,9 @@
           <a:p>
             <a:pPr algn="ctr"/>
             <a:r>
-              <a:rPr lang="en-US" sz="2400" dirty="0" smtClean="0"/>
+              <a:rPr lang="en-US" sz="2400" dirty="0"/>
               <a:t>Validate the credentials. If correct, create a session, identified by a cookie id</a:t>
             </a:r>
-            <a:endParaRPr lang="en-US" sz="2400" dirty="0"/>
           </a:p>
         </p:txBody>
       </p:sp>
@@ -7874,14 +7695,13 @@
           <a:lstStyle/>
           <a:p>
             <a:r>
-              <a:rPr lang="en-US" dirty="0" smtClean="0"/>
+              <a:rPr lang="en-US" dirty="0"/>
               <a:t>HTTP</a:t>
             </a:r>
             <a:r>
-              <a:rPr lang="en-US" b="1" dirty="0" smtClean="0"/>
+              <a:rPr lang="en-US" b="1" dirty="0"/>
               <a:t>S</a:t>
             </a:r>
-            <a:endParaRPr lang="en-US" b="1" dirty="0"/>
           </a:p>
         </p:txBody>
       </p:sp>
@@ -7950,10 +7770,9 @@
           <a:lstStyle/>
           <a:p>
             <a:r>
-              <a:rPr lang="en-US" dirty="0" smtClean="0"/>
+              <a:rPr lang="en-US" dirty="0"/>
               <a:t>Cookies and Sessions</a:t>
             </a:r>
-            <a:endParaRPr lang="en-US" dirty="0"/>
           </a:p>
         </p:txBody>
       </p:sp>
@@ -7980,22 +7799,22 @@
           <a:lstStyle/>
           <a:p>
             <a:r>
-              <a:rPr lang="en-US" dirty="0" smtClean="0"/>
+              <a:rPr lang="en-US" dirty="0"/>
               <a:t>Servers would usually send a “</a:t>
             </a:r>
             <a:r>
-              <a:rPr lang="en-US" i="1" dirty="0" smtClean="0"/>
+              <a:rPr lang="en-US" i="1" dirty="0"/>
               <a:t>Set-Cookie</a:t>
             </a:r>
             <a:r>
-              <a:rPr lang="en-US" dirty="0" smtClean="0"/>
+              <a:rPr lang="en-US" dirty="0"/>
               <a:t>” regardless of login</a:t>
             </a:r>
           </a:p>
           <a:p>
             <a:pPr lvl="1"/>
             <a:r>
-              <a:rPr lang="en-US" dirty="0" smtClean="0"/>
+              <a:rPr lang="en-US" dirty="0"/>
               <a:t>want to know if requests are coming from same user, regardless if s/he is registered/authenticated</a:t>
             </a:r>
           </a:p>
@@ -8003,61 +7822,57 @@
             <a:pPr lvl="1"/>
             <a:r>
               <a:rPr lang="en-US" dirty="0" err="1"/>
-              <a:t>i</a:t>
-            </a:r>
-            <a:r>
-              <a:rPr lang="en-US" dirty="0" err="1" smtClean="0"/>
-              <a:t>e</a:t>
-            </a:r>
-            <a:r>
-              <a:rPr lang="en-US" dirty="0" smtClean="0"/>
+              <a:t>ie</a:t>
+            </a:r>
+            <a:r>
+              <a:rPr lang="en-US" dirty="0"/>
               <a:t> cookies used to define “</a:t>
             </a:r>
             <a:r>
-              <a:rPr lang="en-US" i="1" dirty="0" smtClean="0"/>
+              <a:rPr lang="en-US" i="1" dirty="0"/>
               <a:t>sessions</a:t>
             </a:r>
             <a:r>
-              <a:rPr lang="en-US" dirty="0" smtClean="0"/>
+              <a:rPr lang="en-US" dirty="0"/>
               <a:t>”</a:t>
             </a:r>
           </a:p>
           <a:p>
             <a:r>
-              <a:rPr lang="en-US" dirty="0" smtClean="0"/>
+              <a:rPr lang="en-US" dirty="0"/>
               <a:t>After login could create a new session (</a:t>
             </a:r>
             <a:r>
-              <a:rPr lang="en-US" dirty="0" err="1" smtClean="0"/>
+              <a:rPr lang="en-US" dirty="0" err="1"/>
               <a:t>ie</a:t>
             </a:r>
             <a:r>
-              <a:rPr lang="en-US" dirty="0" smtClean="0"/>
+              <a:rPr lang="en-US" dirty="0"/>
               <a:t>, invalidate old cookie and create a new one) or use the existing session cookie (</a:t>
             </a:r>
             <a:r>
-              <a:rPr lang="en-US" dirty="0" err="1" smtClean="0"/>
+              <a:rPr lang="en-US" dirty="0" err="1"/>
               <a:t>eg</a:t>
             </a:r>
             <a:r>
-              <a:rPr lang="en-US" dirty="0" smtClean="0"/>
+              <a:rPr lang="en-US" dirty="0"/>
               <a:t>, the one set by the server when login page was retrieved with the first GET)</a:t>
             </a:r>
           </a:p>
           <a:p>
             <a:r>
-              <a:rPr lang="en-US" dirty="0" smtClean="0"/>
+              <a:rPr lang="en-US" dirty="0"/>
               <a:t>Problem with re-using session cookies: make sure all the pages were served with HTTPS and not HTTP</a:t>
             </a:r>
           </a:p>
           <a:p>
             <a:pPr lvl="1"/>
             <a:r>
-              <a:rPr lang="en-US" dirty="0" err="1" smtClean="0"/>
+              <a:rPr lang="en-US" dirty="0" err="1"/>
               <a:t>Ie</a:t>
             </a:r>
             <a:r>
-              <a:rPr lang="en-US" dirty="0" smtClean="0"/>
+              <a:rPr lang="en-US" dirty="0"/>
               <a:t>, use HTTPS for all pages, even the login one</a:t>
             </a:r>
           </a:p>
@@ -8065,13 +7880,8 @@
             <a:pPr lvl="1"/>
             <a:r>
               <a:rPr lang="en-US" dirty="0"/>
-              <a:t>d</a:t>
-            </a:r>
-            <a:r>
-              <a:rPr lang="en-US" dirty="0" smtClean="0"/>
-              <a:t>o not use HTTP and then switch to HTTPS once login is done </a:t>
-            </a:r>
-            <a:endParaRPr lang="en-US" dirty="0"/>
+              <a:t>do not use HTTP and then switch to HTTPS once login is done </a:t>
+            </a:r>
           </a:p>
         </p:txBody>
       </p:sp>
@@ -8121,10 +7931,9 @@
           <a:lstStyle/>
           <a:p>
             <a:r>
-              <a:rPr lang="en-US" dirty="0" smtClean="0"/>
+              <a:rPr lang="en-US" dirty="0"/>
               <a:t>Handling Cookies</a:t>
             </a:r>
-            <a:endParaRPr lang="en-US" dirty="0"/>
           </a:p>
         </p:txBody>
       </p:sp>
@@ -8146,24 +7955,24 @@
         </p:spPr>
         <p:txBody>
           <a:bodyPr>
-            <a:normAutofit fontScale="85000" lnSpcReduction="10000"/>
+            <a:normAutofit fontScale="85000" lnSpcReduction="20000"/>
           </a:bodyPr>
           <a:lstStyle/>
           <a:p>
             <a:r>
-              <a:rPr lang="en-US" dirty="0" smtClean="0"/>
+              <a:rPr lang="en-US" dirty="0"/>
               <a:t>The browser will store cookie values locally</a:t>
             </a:r>
           </a:p>
           <a:p>
             <a:r>
-              <a:rPr lang="en-US" dirty="0" smtClean="0"/>
+              <a:rPr lang="en-US" dirty="0"/>
               <a:t>At each HTTP/S request, it will send the cookies in the HTTP headers</a:t>
             </a:r>
           </a:p>
           <a:p>
             <a:r>
-              <a:rPr lang="en-US" dirty="0" smtClean="0"/>
+              <a:rPr lang="en-US" dirty="0"/>
               <a:t>Cookies are sent only to same server who asked to set them</a:t>
             </a:r>
           </a:p>
@@ -8171,49 +7980,53 @@
             <a:pPr lvl="1"/>
             <a:r>
               <a:rPr lang="en-US" dirty="0" err="1"/>
-              <a:t>e</a:t>
-            </a:r>
-            <a:r>
-              <a:rPr lang="en-US" dirty="0" err="1" smtClean="0"/>
-              <a:t>g</a:t>
-            </a:r>
-            <a:r>
-              <a:rPr lang="en-US" dirty="0" smtClean="0"/>
+              <a:t>eg</a:t>
+            </a:r>
+            <a:r>
+              <a:rPr lang="en-US" dirty="0"/>
               <a:t>, cookies set from “</a:t>
             </a:r>
             <a:r>
-              <a:rPr lang="en-US" i="1" dirty="0" smtClean="0"/>
+              <a:rPr lang="en-US" i="1" dirty="0"/>
               <a:t>foo.com</a:t>
             </a:r>
             <a:r>
-              <a:rPr lang="en-US" dirty="0" smtClean="0"/>
+              <a:rPr lang="en-US" dirty="0"/>
               <a:t>” are not going to be sent when I do GET requests to “</a:t>
             </a:r>
             <a:r>
-              <a:rPr lang="en-US" i="1" dirty="0" smtClean="0"/>
+              <a:rPr lang="en-US" i="1" dirty="0"/>
               <a:t>bar.org</a:t>
             </a:r>
             <a:r>
-              <a:rPr lang="en-US" dirty="0" smtClean="0"/>
+              <a:rPr lang="en-US" dirty="0"/>
               <a:t>”</a:t>
             </a:r>
           </a:p>
           <a:p>
             <a:r>
-              <a:rPr lang="en-US" dirty="0" smtClean="0"/>
-              <a:t>JavaScript can read those cookie values on the browser</a:t>
-            </a:r>
-          </a:p>
-          <a:p>
-            <a:r>
-              <a:rPr lang="en-US" dirty="0" smtClean="0"/>
+              <a:rPr lang="en-US" dirty="0"/>
+              <a:t>If not protected with </a:t>
+            </a:r>
+            <a:r>
+              <a:rPr lang="en-US" i="1" dirty="0" err="1"/>
+              <a:t>HttpOnly</a:t>
+            </a:r>
+            <a:r>
+              <a:rPr lang="en-US" dirty="0"/>
+              <a:t>, JavaScript can read those cookie values on the browser</a:t>
+            </a:r>
+          </a:p>
+          <a:p>
+            <a:r>
+              <a:rPr lang="en-US" dirty="0"/>
               <a:t>What is the problem with it?</a:t>
             </a:r>
           </a:p>
           <a:p>
             <a:pPr lvl="1"/>
             <a:r>
-              <a:rPr lang="en-US" dirty="0" smtClean="0"/>
+              <a:rPr lang="en-US" dirty="0"/>
               <a:t>You can fabricate a website with JS that reads all cookies, and send them back to you, so that you can use them to access the user’s Google/Facebook/Bank accounts</a:t>
             </a:r>
           </a:p>
@@ -8229,10 +8042,9 @@
               <a:rPr lang="en-US" dirty="0"/>
               <a:t>usually up to 4K bytes per domain can be stored in a browser </a:t>
             </a:r>
-            <a:endParaRPr lang="en-US" dirty="0" smtClean="0"/>
-          </a:p>
-          <a:p>
-            <a:endParaRPr lang="en-US" dirty="0" smtClean="0"/>
+          </a:p>
+          <a:p>
+            <a:endParaRPr lang="en-US" dirty="0"/>
           </a:p>
           <a:p>
             <a:pPr marL="0" indent="0">
@@ -8288,11 +8100,11 @@
           <a:lstStyle/>
           <a:p>
             <a:r>
-              <a:rPr lang="en-US" dirty="0" smtClean="0"/>
+              <a:rPr lang="en-US" dirty="0"/>
               <a:t>Expires / Secure / </a:t>
             </a:r>
             <a:r>
-              <a:rPr lang="en-US" dirty="0" err="1" smtClean="0"/>
+              <a:rPr lang="en-US" dirty="0" err="1"/>
               <a:t>HttpOnly</a:t>
             </a:r>
             <a:endParaRPr lang="en-US" dirty="0"/>
@@ -8322,59 +8134,58 @@
           <a:lstStyle/>
           <a:p>
             <a:r>
-              <a:rPr lang="en-US" b="1" dirty="0" smtClean="0"/>
+              <a:rPr lang="en-US" b="1" dirty="0"/>
               <a:t>Set-Cookie: &lt;name&gt;=&lt;value&gt;; Expires=&lt;date&gt;; Secure; </a:t>
             </a:r>
             <a:r>
-              <a:rPr lang="en-US" b="1" dirty="0" err="1" smtClean="0"/>
+              <a:rPr lang="en-US" b="1" dirty="0" err="1"/>
               <a:t>HttpOnly</a:t>
             </a:r>
-            <a:endParaRPr lang="en-US" b="1" dirty="0" smtClean="0"/>
-          </a:p>
-          <a:p>
-            <a:r>
-              <a:rPr lang="en-US" i="1" dirty="0" smtClean="0"/>
+            <a:endParaRPr lang="en-US" b="1" dirty="0"/>
+          </a:p>
+          <a:p>
+            <a:r>
+              <a:rPr lang="en-US" i="1" dirty="0"/>
               <a:t>Expires</a:t>
             </a:r>
             <a:r>
-              <a:rPr lang="en-US" dirty="0" smtClean="0"/>
+              <a:rPr lang="en-US" dirty="0"/>
               <a:t>: for how long the cookie should be stored</a:t>
             </a:r>
           </a:p>
           <a:p>
             <a:r>
-              <a:rPr lang="en-US" i="1" dirty="0" smtClean="0"/>
+              <a:rPr lang="en-US" i="1" dirty="0"/>
               <a:t>Secure</a:t>
             </a:r>
             <a:r>
-              <a:rPr lang="en-US" dirty="0" smtClean="0"/>
+              <a:rPr lang="en-US" dirty="0"/>
               <a:t>: browser should send the cookie only over HTTPS, and NEVER on HTTP</a:t>
             </a:r>
           </a:p>
           <a:p>
             <a:pPr lvl="1"/>
             <a:r>
-              <a:rPr lang="en-US" dirty="0" smtClean="0"/>
+              <a:rPr lang="en-US" dirty="0"/>
               <a:t>There are kinds of attacks to trick a page to make a HTTP toward the same server instead of HTTPS, and so could read authentication cookies in plain text on the network</a:t>
             </a:r>
           </a:p>
           <a:p>
             <a:r>
-              <a:rPr lang="en-US" i="1" dirty="0" err="1" smtClean="0"/>
+              <a:rPr lang="en-US" i="1" dirty="0" err="1"/>
               <a:t>HttpOnly</a:t>
             </a:r>
             <a:r>
-              <a:rPr lang="en-US" dirty="0" smtClean="0"/>
+              <a:rPr lang="en-US" dirty="0"/>
               <a:t>: do not allow JS in the browser to read such cookie</a:t>
             </a:r>
           </a:p>
           <a:p>
             <a:pPr lvl="1"/>
             <a:r>
-              <a:rPr lang="en-US" dirty="0" smtClean="0"/>
+              <a:rPr lang="en-US" dirty="0"/>
               <a:t>This is critical for authentication cookies to avoid XSS attacks</a:t>
             </a:r>
-            <a:endParaRPr lang="en-US" dirty="0"/>
           </a:p>
         </p:txBody>
       </p:sp>
@@ -8431,10 +8242,9 @@
           <a:lstStyle/>
           <a:p>
             <a:r>
-              <a:rPr lang="en-US" dirty="0" smtClean="0"/>
+              <a:rPr lang="en-US" dirty="0"/>
               <a:t>Cookie Tracking</a:t>
             </a:r>
-            <a:endParaRPr lang="en-US" dirty="0"/>
           </a:p>
         </p:txBody>
       </p:sp>
@@ -8461,38 +8271,37 @@
           <a:lstStyle/>
           <a:p>
             <a:r>
-              <a:rPr lang="en-US" dirty="0" smtClean="0"/>
+              <a:rPr lang="en-US" dirty="0"/>
               <a:t>Besides session/login cookies that have an expiration date, server can setup further cookies (</a:t>
             </a:r>
             <a:r>
-              <a:rPr lang="en-US" dirty="0" err="1" smtClean="0"/>
+              <a:rPr lang="en-US" dirty="0" err="1"/>
               <a:t>ie</a:t>
             </a:r>
             <a:r>
-              <a:rPr lang="en-US" dirty="0" smtClean="0"/>
+              <a:rPr lang="en-US" dirty="0"/>
               <a:t> </a:t>
             </a:r>
             <a:r>
-              <a:rPr lang="en-US" i="1" dirty="0" smtClean="0"/>
+              <a:rPr lang="en-US" i="1" dirty="0"/>
               <a:t>Set-Cookie</a:t>
             </a:r>
             <a:r>
-              <a:rPr lang="en-US" dirty="0" smtClean="0"/>
+              <a:rPr lang="en-US" dirty="0"/>
               <a:t> header)</a:t>
             </a:r>
           </a:p>
           <a:p>
             <a:r>
-              <a:rPr lang="en-US" dirty="0" smtClean="0"/>
+              <a:rPr lang="en-US" dirty="0"/>
               <a:t>There are special laws regarding handling of cookies </a:t>
             </a:r>
           </a:p>
           <a:p>
             <a:r>
-              <a:rPr lang="en-US" dirty="0" smtClean="0"/>
+              <a:rPr lang="en-US" dirty="0"/>
               <a:t>Why? Tracking and privacy concerns…</a:t>
             </a:r>
-            <a:endParaRPr lang="en-US" dirty="0"/>
           </a:p>
         </p:txBody>
       </p:sp>
@@ -8566,10 +8375,9 @@
           <a:lstStyle/>
           <a:p>
             <a:r>
-              <a:rPr lang="en-US" dirty="0" smtClean="0"/>
+              <a:rPr lang="en-US" dirty="0"/>
               <a:t>Tracking</a:t>
             </a:r>
-            <a:endParaRPr lang="en-US" dirty="0"/>
           </a:p>
         </p:txBody>
       </p:sp>
@@ -8596,14 +8404,14 @@
           <a:lstStyle/>
           <a:p>
             <a:r>
-              <a:rPr lang="en-US" dirty="0" smtClean="0"/>
+              <a:rPr lang="en-US" dirty="0"/>
               <a:t>Many sites might rely on resources provided by other sites</a:t>
             </a:r>
           </a:p>
           <a:p>
             <a:pPr lvl="1"/>
             <a:r>
-              <a:rPr lang="en-US" dirty="0" smtClean="0"/>
+              <a:rPr lang="en-US" dirty="0"/>
               <a:t>Images, JavaScript files, CSS files, etc.</a:t>
             </a:r>
           </a:p>
@@ -8611,122 +8419,117 @@
             <a:pPr lvl="1"/>
             <a:r>
               <a:rPr lang="en-US" dirty="0" err="1"/>
-              <a:t>e</a:t>
-            </a:r>
-            <a:r>
-              <a:rPr lang="en-US" dirty="0" err="1" smtClean="0"/>
-              <a:t>g</a:t>
-            </a:r>
-            <a:r>
-              <a:rPr lang="en-US" dirty="0" smtClean="0"/>
+              <a:t>eg</a:t>
+            </a:r>
+            <a:r>
+              <a:rPr lang="en-US" dirty="0"/>
               <a:t>, </a:t>
             </a:r>
             <a:r>
-              <a:rPr lang="en-US" dirty="0" err="1" smtClean="0"/>
+              <a:rPr lang="en-US" dirty="0" err="1"/>
               <a:t>FaceBook</a:t>
             </a:r>
             <a:r>
-              <a:rPr lang="en-US" dirty="0" smtClean="0"/>
+              <a:rPr lang="en-US" dirty="0"/>
               <a:t> “</a:t>
             </a:r>
             <a:r>
-              <a:rPr lang="en-US" i="1" dirty="0" smtClean="0"/>
+              <a:rPr lang="en-US" i="1" dirty="0"/>
               <a:t>Like</a:t>
             </a:r>
             <a:r>
-              <a:rPr lang="en-US" dirty="0" smtClean="0"/>
+              <a:rPr lang="en-US" dirty="0"/>
               <a:t>” button</a:t>
             </a:r>
           </a:p>
           <a:p>
             <a:r>
-              <a:rPr lang="en-US" dirty="0" smtClean="0"/>
+              <a:rPr lang="en-US" dirty="0"/>
               <a:t>When you download a HTML page from domain X (</a:t>
             </a:r>
             <a:r>
-              <a:rPr lang="en-US" dirty="0" err="1" smtClean="0"/>
+              <a:rPr lang="en-US" dirty="0" err="1"/>
               <a:t>eg</a:t>
             </a:r>
             <a:r>
-              <a:rPr lang="en-US" dirty="0" smtClean="0"/>
+              <a:rPr lang="en-US" dirty="0"/>
               <a:t> </a:t>
             </a:r>
             <a:r>
-              <a:rPr lang="en-US" i="1" dirty="0" smtClean="0"/>
+              <a:rPr lang="en-US" i="1" dirty="0"/>
               <a:t>finn.no</a:t>
             </a:r>
             <a:r>
-              <a:rPr lang="en-US" dirty="0" smtClean="0"/>
+              <a:rPr lang="en-US" dirty="0"/>
               <a:t>) which uses a resource from Y (</a:t>
             </a:r>
             <a:r>
-              <a:rPr lang="en-US" dirty="0" err="1" smtClean="0"/>
+              <a:rPr lang="en-US" dirty="0" err="1"/>
               <a:t>eg</a:t>
             </a:r>
             <a:r>
-              <a:rPr lang="en-US" dirty="0" smtClean="0"/>
+              <a:rPr lang="en-US" dirty="0"/>
               <a:t>, </a:t>
             </a:r>
             <a:r>
-              <a:rPr lang="en-US" i="1" dirty="0" smtClean="0"/>
+              <a:rPr lang="en-US" i="1" dirty="0"/>
               <a:t>facebook.com</a:t>
             </a:r>
             <a:r>
-              <a:rPr lang="en-US" dirty="0" smtClean="0"/>
+              <a:rPr lang="en-US" dirty="0"/>
               <a:t>), the HTTP GET request for Y will include previous cookies from Y</a:t>
             </a:r>
           </a:p>
           <a:p>
             <a:r>
-              <a:rPr lang="en-US" dirty="0" smtClean="0"/>
+              <a:rPr lang="en-US" dirty="0"/>
               <a:t>So, even if you are logged out from Facebook, FB can know which pages you visit (as long as they do use FB resources), as can have permanent cookies stored on your browser and not related to a current session on FB</a:t>
             </a:r>
           </a:p>
           <a:p>
             <a:r>
-              <a:rPr lang="en-US" dirty="0" smtClean="0"/>
+              <a:rPr lang="en-US" dirty="0"/>
               <a:t>Even worse, FB can track your browser even if you have never used FB!!! </a:t>
             </a:r>
           </a:p>
           <a:p>
             <a:r>
-              <a:rPr lang="en-US" dirty="0" smtClean="0"/>
+              <a:rPr lang="en-US" dirty="0"/>
               <a:t>This happens by simply opening the page from X, no need to click anything!!!</a:t>
             </a:r>
           </a:p>
           <a:p>
             <a:r>
-              <a:rPr lang="en-US" i="1" dirty="0" err="1" smtClean="0"/>
+              <a:rPr lang="en-US" i="1" dirty="0" err="1"/>
               <a:t>referer</a:t>
             </a:r>
             <a:r>
-              <a:rPr lang="en-US" dirty="0" smtClean="0"/>
+              <a:rPr lang="en-US" dirty="0"/>
               <a:t> HTTP header: domain origin of request to Y from page not from Y</a:t>
             </a:r>
           </a:p>
           <a:p>
             <a:pPr lvl="1"/>
             <a:r>
-              <a:rPr lang="en-US" dirty="0" err="1" smtClean="0"/>
+              <a:rPr lang="en-US" dirty="0" err="1"/>
               <a:t>Eg</a:t>
             </a:r>
             <a:r>
-              <a:rPr lang="en-US" dirty="0" smtClean="0"/>
+              <a:rPr lang="en-US" dirty="0"/>
               <a:t>, “</a:t>
             </a:r>
             <a:r>
-              <a:rPr lang="en-US" i="1" dirty="0" err="1" smtClean="0"/>
+              <a:rPr lang="en-US" i="1" dirty="0" err="1"/>
               <a:t>Referer</a:t>
             </a:r>
             <a:r>
-              <a:rPr lang="en-US" i="1" dirty="0" smtClean="0"/>
+              <a:rPr lang="en-US" i="1" dirty="0"/>
               <a:t>: X</a:t>
             </a:r>
             <a:r>
-              <a:rPr lang="en-US" dirty="0" smtClean="0"/>
+              <a:rPr lang="en-US" dirty="0"/>
               <a:t>” is added when page loaded from X ask for resource in Y </a:t>
             </a:r>
-            <a:endParaRPr lang="en-US" dirty="0"/>
           </a:p>
         </p:txBody>
       </p:sp>
@@ -8887,10 +8690,9 @@
           <a:lstStyle/>
           <a:p>
             <a:r>
-              <a:rPr lang="en-US" dirty="0" smtClean="0"/>
+              <a:rPr lang="en-US" dirty="0"/>
               <a:t>Note: this was in 2017, might have been removed/changed by now on Finn</a:t>
             </a:r>
-            <a:endParaRPr lang="en-US" dirty="0"/>
           </a:p>
         </p:txBody>
       </p:sp>
@@ -8940,10 +8742,9 @@
           <a:lstStyle/>
           <a:p>
             <a:r>
-              <a:rPr lang="en-US" dirty="0" smtClean="0"/>
+              <a:rPr lang="en-US" dirty="0"/>
               <a:t>Passwords</a:t>
             </a:r>
-            <a:endParaRPr lang="en-US" dirty="0"/>
           </a:p>
         </p:txBody>
       </p:sp>
@@ -8970,53 +8771,52 @@
           <a:lstStyle/>
           <a:p>
             <a:r>
-              <a:rPr lang="en-US" dirty="0" smtClean="0"/>
+              <a:rPr lang="en-US" dirty="0"/>
               <a:t>Needed to verify identity of a user</a:t>
             </a:r>
           </a:p>
           <a:p>
             <a:r>
-              <a:rPr lang="en-US" dirty="0" smtClean="0"/>
+              <a:rPr lang="en-US" dirty="0"/>
               <a:t>Not too short or simple, otherwise too easy to crack with brute-force</a:t>
             </a:r>
           </a:p>
           <a:p>
             <a:r>
-              <a:rPr lang="en-US" i="1" dirty="0" smtClean="0"/>
+              <a:rPr lang="en-US" i="1" dirty="0"/>
               <a:t>Security</a:t>
             </a:r>
             <a:r>
-              <a:rPr lang="en-US" dirty="0" smtClean="0"/>
+              <a:rPr lang="en-US" dirty="0"/>
               <a:t> vs </a:t>
             </a:r>
             <a:r>
-              <a:rPr lang="en-US" i="1" dirty="0" smtClean="0"/>
+              <a:rPr lang="en-US" i="1" dirty="0"/>
               <a:t>Usability: </a:t>
             </a:r>
             <a:r>
-              <a:rPr lang="en-US" dirty="0" smtClean="0"/>
+              <a:rPr lang="en-US" dirty="0"/>
               <a:t>hard to get a good balance</a:t>
             </a:r>
           </a:p>
           <a:p>
             <a:pPr lvl="1"/>
             <a:r>
-              <a:rPr lang="en-US" dirty="0" err="1" smtClean="0"/>
+              <a:rPr lang="en-US" dirty="0" err="1"/>
               <a:t>eg</a:t>
             </a:r>
             <a:r>
-              <a:rPr lang="en-US" dirty="0" smtClean="0"/>
+              <a:rPr lang="en-US" dirty="0"/>
               <a:t>, ideally would have different passwords for each different site, and change them often, </a:t>
             </a:r>
             <a:r>
-              <a:rPr lang="en-US" dirty="0" err="1" smtClean="0"/>
+              <a:rPr lang="en-US" dirty="0" err="1"/>
               <a:t>eg</a:t>
             </a:r>
             <a:r>
-              <a:rPr lang="en-US" dirty="0" smtClean="0"/>
+              <a:rPr lang="en-US" dirty="0"/>
               <a:t> every week… but who the heck is going to do that???</a:t>
             </a:r>
-            <a:endParaRPr lang="en-US" dirty="0"/>
           </a:p>
         </p:txBody>
       </p:sp>
@@ -9090,10 +8890,9 @@
           <a:lstStyle/>
           <a:p>
             <a:r>
-              <a:rPr lang="en-US" dirty="0" smtClean="0"/>
+              <a:rPr lang="en-US" dirty="0"/>
               <a:t>Password Storage</a:t>
             </a:r>
-            <a:endParaRPr lang="en-US" dirty="0"/>
           </a:p>
         </p:txBody>
       </p:sp>
@@ -9120,85 +8919,84 @@
           <a:lstStyle/>
           <a:p>
             <a:r>
-              <a:rPr lang="en-US" dirty="0" smtClean="0"/>
+              <a:rPr lang="en-US" dirty="0"/>
               <a:t>When creating new user, need to save password somewhere, usually a database</a:t>
             </a:r>
           </a:p>
           <a:p>
             <a:r>
-              <a:rPr lang="en-US" b="1" dirty="0" smtClean="0"/>
+              <a:rPr lang="en-US" b="1" dirty="0"/>
               <a:t>NEVER SAVE A PASSWORD IN PLAIN TEXT</a:t>
             </a:r>
           </a:p>
           <a:p>
             <a:r>
-              <a:rPr lang="en-US" dirty="0" smtClean="0"/>
+              <a:rPr lang="en-US" dirty="0"/>
               <a:t>Passwords need to be </a:t>
             </a:r>
             <a:r>
-              <a:rPr lang="en-US" i="1" dirty="0" smtClean="0"/>
+              <a:rPr lang="en-US" i="1" dirty="0"/>
               <a:t>hashed</a:t>
             </a:r>
           </a:p>
           <a:p>
             <a:r>
-              <a:rPr lang="en-US" dirty="0" smtClean="0"/>
+              <a:rPr lang="en-US" dirty="0"/>
               <a:t>Even if an hacker has full access to database, shouldn’t be able to get the passwords</a:t>
             </a:r>
           </a:p>
           <a:p>
             <a:pPr lvl="1"/>
             <a:r>
-              <a:rPr lang="en-US" dirty="0" smtClean="0"/>
+              <a:rPr lang="en-US" dirty="0"/>
               <a:t>Typical case is a successful SQL Injection attack</a:t>
             </a:r>
           </a:p>
           <a:p>
             <a:pPr lvl="1"/>
             <a:r>
-              <a:rPr lang="en-US" dirty="0" smtClean="0"/>
+              <a:rPr lang="en-US" dirty="0"/>
               <a:t>But many more cases: </a:t>
             </a:r>
             <a:r>
-              <a:rPr lang="en-US" dirty="0" err="1" smtClean="0"/>
+              <a:rPr lang="en-US" dirty="0" err="1"/>
               <a:t>eg</a:t>
             </a:r>
             <a:r>
-              <a:rPr lang="en-US" dirty="0" smtClean="0"/>
+              <a:rPr lang="en-US" dirty="0"/>
               <a:t> disgruntled employee, recovery from broken thrown away hard-drive, etc.</a:t>
             </a:r>
           </a:p>
           <a:p>
             <a:r>
-              <a:rPr lang="en-US" dirty="0" smtClean="0"/>
+              <a:rPr lang="en-US" dirty="0"/>
               <a:t>Besides being able to impersonate a user, hacker can try the same password on other sites (Amazon/Facebook/</a:t>
             </a:r>
             <a:r>
-              <a:rPr lang="en-US" dirty="0" err="1" smtClean="0"/>
+              <a:rPr lang="en-US" dirty="0" err="1"/>
               <a:t>etc</a:t>
             </a:r>
             <a:r>
-              <a:rPr lang="en-US" dirty="0" smtClean="0"/>
+              <a:rPr lang="en-US" dirty="0"/>
               <a:t>)</a:t>
             </a:r>
           </a:p>
           <a:p>
             <a:r>
-              <a:rPr lang="en-US" b="1" dirty="0" smtClean="0"/>
+              <a:rPr lang="en-US" b="1" dirty="0"/>
               <a:t>WARNING</a:t>
             </a:r>
             <a:r>
-              <a:rPr lang="en-US" dirty="0" smtClean="0"/>
+              <a:rPr lang="en-US" dirty="0"/>
               <a:t>: in this course, we will not deal with hashing and proper storage of passwords</a:t>
             </a:r>
-            <a:endParaRPr lang="en-US" dirty="0"/>
           </a:p>
           <a:p>
             <a:pPr marL="457200" lvl="1" indent="0">
               <a:buNone/>
             </a:pPr>
             <a:r>
-              <a:rPr lang="en-US" dirty="0" smtClean="0"/>
+              <a:rPr lang="en-US" dirty="0"/>
               <a:t> </a:t>
             </a:r>
           </a:p>
@@ -9254,13 +9052,8 @@
           <a:p>
             <a:r>
               <a:rPr lang="en-US" dirty="0"/>
-              <a:t>CSRF </a:t>
-            </a:r>
-            <a:r>
-              <a:rPr lang="en-US" dirty="0" smtClean="0"/>
-              <a:t>and CORS</a:t>
-            </a:r>
-            <a:endParaRPr lang="en-US" dirty="0"/>
+              <a:t>CSRF and CORS</a:t>
+            </a:r>
           </a:p>
         </p:txBody>
       </p:sp>
@@ -9329,10 +9122,9 @@
           <a:lstStyle/>
           <a:p>
             <a:r>
-              <a:rPr lang="en-US" dirty="0" smtClean="0"/>
+              <a:rPr lang="en-US" dirty="0"/>
               <a:t>HTTP and Cookies</a:t>
             </a:r>
-            <a:endParaRPr lang="en-US" dirty="0"/>
           </a:p>
         </p:txBody>
       </p:sp>
@@ -9357,87 +9149,86 @@
           <a:lstStyle/>
           <a:p>
             <a:r>
-              <a:rPr lang="en-US" dirty="0" smtClean="0"/>
+              <a:rPr lang="en-US" dirty="0"/>
               <a:t>When browser requests resource for “</a:t>
             </a:r>
             <a:r>
-              <a:rPr lang="en-US" i="1" dirty="0" smtClean="0"/>
+              <a:rPr lang="en-US" i="1" dirty="0"/>
               <a:t>foo.com</a:t>
             </a:r>
             <a:r>
-              <a:rPr lang="en-US" dirty="0" smtClean="0"/>
+              <a:rPr lang="en-US" dirty="0"/>
               <a:t>”, all cookies set by that domain are sent in the headers, session ones included</a:t>
             </a:r>
           </a:p>
           <a:p>
             <a:r>
-              <a:rPr lang="en-US" dirty="0" smtClean="0"/>
+              <a:rPr lang="en-US" dirty="0"/>
               <a:t>This applies to </a:t>
             </a:r>
             <a:r>
-              <a:rPr lang="en-US" b="1" dirty="0" smtClean="0"/>
+              <a:rPr lang="en-US" b="1" dirty="0"/>
               <a:t>all</a:t>
             </a:r>
             <a:r>
-              <a:rPr lang="en-US" dirty="0" smtClean="0"/>
+              <a:rPr lang="en-US" dirty="0"/>
               <a:t> HTTP calls</a:t>
             </a:r>
           </a:p>
           <a:p>
             <a:pPr lvl="1"/>
             <a:r>
-              <a:rPr lang="en-US" dirty="0" smtClean="0"/>
+              <a:rPr lang="en-US" dirty="0"/>
               <a:t>HTML </a:t>
             </a:r>
             <a:r>
-              <a:rPr lang="en-US" i="1" dirty="0" smtClean="0"/>
+              <a:rPr lang="en-US" i="1" dirty="0"/>
               <a:t>&lt;a&gt;</a:t>
             </a:r>
             <a:r>
-              <a:rPr lang="en-US" dirty="0" smtClean="0"/>
+              <a:rPr lang="en-US" dirty="0"/>
               <a:t> and </a:t>
             </a:r>
             <a:r>
-              <a:rPr lang="en-US" i="1" dirty="0" smtClean="0"/>
+              <a:rPr lang="en-US" i="1" dirty="0"/>
               <a:t>&lt;form&gt;</a:t>
             </a:r>
           </a:p>
           <a:p>
             <a:pPr lvl="1"/>
             <a:r>
-              <a:rPr lang="en-US" dirty="0" smtClean="0"/>
+              <a:rPr lang="en-US" dirty="0"/>
               <a:t>AJAX requests made with </a:t>
             </a:r>
             <a:r>
-              <a:rPr lang="en-US" i="1" dirty="0" err="1" smtClean="0"/>
+              <a:rPr lang="en-US" i="1" dirty="0" err="1"/>
               <a:t>XMLHttpRequest</a:t>
             </a:r>
             <a:r>
-              <a:rPr lang="en-US" dirty="0" smtClean="0"/>
+              <a:rPr lang="en-US" dirty="0"/>
               <a:t> and </a:t>
             </a:r>
             <a:r>
-              <a:rPr lang="en-US" i="1" dirty="0" smtClean="0"/>
+              <a:rPr lang="en-US" i="1" dirty="0"/>
               <a:t>fetch()</a:t>
             </a:r>
           </a:p>
           <a:p>
             <a:r>
-              <a:rPr lang="en-US" i="1" dirty="0" smtClean="0"/>
+              <a:rPr lang="en-US" i="1" dirty="0"/>
               <a:t>Do you see the problem here?</a:t>
             </a:r>
           </a:p>
           <a:p>
             <a:pPr lvl="1"/>
             <a:r>
-              <a:rPr lang="en-US" i="1" dirty="0" smtClean="0"/>
+              <a:rPr lang="en-US" i="1" dirty="0"/>
               <a:t>Cross-Site Request Forgery</a:t>
             </a:r>
             <a:r>
-              <a:rPr lang="en-US" dirty="0" smtClean="0"/>
+              <a:rPr lang="en-US" dirty="0"/>
               <a:t> (CSRF) attack</a:t>
             </a:r>
-            <a:endParaRPr lang="en-US" dirty="0"/>
           </a:p>
         </p:txBody>
       </p:sp>
@@ -9492,10 +9283,9 @@
           <a:lstStyle/>
           <a:p>
             <a:r>
-              <a:rPr lang="en-US" dirty="0" smtClean="0"/>
+              <a:rPr lang="en-US" dirty="0"/>
               <a:t>HTTP is Not Secure</a:t>
             </a:r>
-            <a:endParaRPr lang="en-US" dirty="0"/>
           </a:p>
         </p:txBody>
       </p:sp>
@@ -9522,59 +9312,55 @@
           <a:lstStyle/>
           <a:p>
             <a:r>
-              <a:rPr lang="en-US" dirty="0" smtClean="0"/>
+              <a:rPr lang="en-US" dirty="0"/>
               <a:t>Messages in HTTP are not secure, because not encrypted</a:t>
             </a:r>
           </a:p>
           <a:p>
             <a:r>
-              <a:rPr lang="en-US" dirty="0" smtClean="0"/>
+              <a:rPr lang="en-US" dirty="0"/>
               <a:t>HTTPS extends HTTP by using encryption on all messages</a:t>
             </a:r>
           </a:p>
           <a:p>
             <a:r>
-              <a:rPr lang="en-US" dirty="0" smtClean="0"/>
+              <a:rPr lang="en-US" dirty="0"/>
               <a:t>Important to do for </a:t>
             </a:r>
             <a:r>
-              <a:rPr lang="en-US" i="1" dirty="0" smtClean="0"/>
+              <a:rPr lang="en-US" i="1" dirty="0"/>
               <a:t>ALL</a:t>
             </a:r>
             <a:r>
-              <a:rPr lang="en-US" dirty="0" smtClean="0"/>
+              <a:rPr lang="en-US" dirty="0"/>
               <a:t> kinds of communications, even if not critical</a:t>
             </a:r>
           </a:p>
           <a:p>
             <a:pPr lvl="1"/>
             <a:r>
-              <a:rPr lang="en-US" dirty="0" smtClean="0"/>
+              <a:rPr lang="en-US" dirty="0"/>
               <a:t>Not just for authentication (login) in banks or other internet services </a:t>
             </a:r>
           </a:p>
           <a:p>
             <a:r>
-              <a:rPr lang="en-US" dirty="0" smtClean="0"/>
+              <a:rPr lang="en-US" dirty="0"/>
               <a:t>Example, ISPs (</a:t>
             </a:r>
             <a:r>
-              <a:rPr lang="en-US" dirty="0" err="1" smtClean="0"/>
+              <a:rPr lang="en-US" dirty="0" err="1"/>
               <a:t>eg</a:t>
             </a:r>
             <a:r>
               <a:rPr lang="en-US" dirty="0"/>
-              <a:t> </a:t>
-            </a:r>
-            <a:r>
-              <a:rPr lang="en-US" dirty="0" smtClean="0"/>
-              <a:t>Comcast) can inject ads in web pages </a:t>
+              <a:t> Comcast) can inject ads in web pages </a:t>
             </a:r>
           </a:p>
           <a:p>
             <a:pPr lvl="1"/>
             <a:r>
-              <a:rPr lang="en-US" dirty="0" smtClean="0"/>
+              <a:rPr lang="en-US" dirty="0"/>
               <a:t>ISP -&gt; Internet Service Provider</a:t>
             </a:r>
           </a:p>
@@ -9755,28 +9541,27 @@
           <a:lstStyle/>
           <a:p>
             <a:r>
-              <a:rPr lang="en-US" sz="2400" dirty="0" smtClean="0"/>
+              <a:rPr lang="en-US" sz="2400" dirty="0"/>
               <a:t>Login to dnb.no</a:t>
             </a:r>
           </a:p>
           <a:p>
             <a:r>
-              <a:rPr lang="en-US" sz="2400" i="1" dirty="0" smtClean="0"/>
+              <a:rPr lang="en-US" sz="2400" i="1" dirty="0"/>
               <a:t>Set-cookie</a:t>
             </a:r>
             <a:r>
-              <a:rPr lang="en-US" sz="2400" dirty="0" smtClean="0"/>
+              <a:rPr lang="en-US" sz="2400" dirty="0"/>
               <a:t>: </a:t>
             </a:r>
             <a:r>
-              <a:rPr lang="en-US" sz="2400" b="1" dirty="0" err="1" smtClean="0"/>
+              <a:rPr lang="en-US" sz="2400" b="1" dirty="0" err="1"/>
               <a:t>dnb</a:t>
             </a:r>
             <a:r>
-              <a:rPr lang="en-US" sz="2400" b="1" dirty="0" smtClean="0"/>
+              <a:rPr lang="en-US" sz="2400" b="1" dirty="0"/>
               <a:t>=123</a:t>
             </a:r>
-            <a:endParaRPr lang="en-US" sz="2400" b="1" dirty="0"/>
           </a:p>
         </p:txBody>
       </p:sp>
@@ -9922,34 +9707,33 @@
           <a:lstStyle/>
           <a:p>
             <a:r>
-              <a:rPr lang="en-US" sz="2400" dirty="0" smtClean="0"/>
+              <a:rPr lang="en-US" sz="2400" dirty="0"/>
               <a:t>Malicious AJAX POST</a:t>
             </a:r>
           </a:p>
           <a:p>
             <a:r>
-              <a:rPr lang="en-US" sz="2400" i="1" dirty="0" smtClean="0"/>
+              <a:rPr lang="en-US" sz="2400" i="1" dirty="0"/>
               <a:t>Cookie</a:t>
             </a:r>
             <a:r>
-              <a:rPr lang="en-US" sz="2400" dirty="0" smtClean="0"/>
+              <a:rPr lang="en-US" sz="2400" dirty="0"/>
               <a:t>: </a:t>
             </a:r>
             <a:r>
-              <a:rPr lang="en-US" sz="2400" b="1" dirty="0" err="1" smtClean="0"/>
+              <a:rPr lang="en-US" sz="2400" b="1" dirty="0" err="1"/>
               <a:t>dnb</a:t>
             </a:r>
             <a:r>
-              <a:rPr lang="en-US" sz="2400" b="1" dirty="0" smtClean="0"/>
+              <a:rPr lang="en-US" sz="2400" b="1" dirty="0"/>
               <a:t>=123</a:t>
             </a:r>
           </a:p>
           <a:p>
             <a:r>
-              <a:rPr lang="en-US" sz="2400" dirty="0" smtClean="0"/>
+              <a:rPr lang="en-US" sz="2400" dirty="0"/>
               <a:t>Transfer all money to Eve</a:t>
             </a:r>
-            <a:endParaRPr lang="en-US" sz="2400" dirty="0"/>
           </a:p>
         </p:txBody>
       </p:sp>
@@ -10014,10 +9798,9 @@
           <a:lstStyle/>
           <a:p>
             <a:r>
-              <a:rPr lang="en-US" sz="2400" dirty="0" smtClean="0"/>
+              <a:rPr lang="en-US" sz="2400" dirty="0"/>
               <a:t>Visit malicious site, with malicious JavaScript automatically run on page load</a:t>
             </a:r>
-            <a:endParaRPr lang="en-US" sz="2400" dirty="0"/>
           </a:p>
         </p:txBody>
       </p:sp>
@@ -10044,7 +9827,7 @@
           <a:lstStyle/>
           <a:p>
             <a:r>
-              <a:rPr lang="en-US" sz="2400" dirty="0" smtClean="0"/>
+              <a:rPr lang="en-US" sz="2400" dirty="0"/>
               <a:t>www.dnb.no</a:t>
             </a:r>
           </a:p>
@@ -10073,7 +9856,7 @@
           <a:lstStyle/>
           <a:p>
             <a:r>
-              <a:rPr lang="en-US" sz="2400" dirty="0" smtClean="0"/>
+              <a:rPr lang="en-US" sz="2400" dirty="0"/>
               <a:t>www.evil.no</a:t>
             </a:r>
           </a:p>
@@ -10102,10 +9885,9 @@
           <a:lstStyle/>
           <a:p>
             <a:r>
-              <a:rPr lang="en-US" sz="2400" dirty="0" smtClean="0"/>
+              <a:rPr lang="en-US" sz="2400" dirty="0"/>
               <a:t>Example of CSRF attack</a:t>
             </a:r>
-            <a:endParaRPr lang="en-US" sz="2400" dirty="0"/>
           </a:p>
         </p:txBody>
       </p:sp>
@@ -10191,7 +9973,7 @@
           <a:lstStyle/>
           <a:p>
             <a:r>
-              <a:rPr lang="en-US" dirty="0" smtClean="0"/>
+              <a:rPr lang="en-US" dirty="0"/>
               <a:t>By default, JS downloaded from site X cannot  do AJAX calls to another domain Y</a:t>
             </a:r>
           </a:p>
@@ -10235,46 +10017,45 @@
           </a:p>
           <a:p>
             <a:r>
-              <a:rPr lang="en-US" dirty="0" smtClean="0"/>
+              <a:rPr lang="en-US" dirty="0"/>
               <a:t>When trying to do such a HTTP call, a browser will first </a:t>
             </a:r>
             <a:r>
-              <a:rPr lang="en-US" b="1" dirty="0" smtClean="0"/>
+              <a:rPr lang="en-US" b="1" dirty="0"/>
               <a:t>preflight</a:t>
             </a:r>
             <a:r>
-              <a:rPr lang="en-US" dirty="0" smtClean="0"/>
+              <a:rPr lang="en-US" dirty="0"/>
               <a:t> it with an OPTIONS HTTP call</a:t>
             </a:r>
           </a:p>
           <a:p>
             <a:pPr lvl="1"/>
             <a:r>
-              <a:rPr lang="en-US" dirty="0" smtClean="0"/>
+              <a:rPr lang="en-US" dirty="0"/>
               <a:t>this will ask if the original HTTP call can be done to the server Y</a:t>
             </a:r>
           </a:p>
           <a:p>
             <a:pPr lvl="1"/>
             <a:r>
-              <a:rPr lang="en-US" dirty="0" smtClean="0"/>
+              <a:rPr lang="en-US" dirty="0"/>
               <a:t>Y will answer telling the browser whether to do or not the HTTP call</a:t>
             </a:r>
           </a:p>
           <a:p>
             <a:pPr lvl="1"/>
             <a:r>
-              <a:rPr lang="en-US" dirty="0" smtClean="0"/>
+              <a:rPr lang="en-US" dirty="0"/>
               <a:t>if Y said it was OK, then browser will do the original HTTP call</a:t>
             </a:r>
           </a:p>
           <a:p>
             <a:pPr lvl="1"/>
             <a:r>
-              <a:rPr lang="en-US" dirty="0" smtClean="0"/>
+              <a:rPr lang="en-US" dirty="0"/>
               <a:t>so, up to 2 HTTP calls </a:t>
             </a:r>
-            <a:endParaRPr lang="en-US" dirty="0"/>
           </a:p>
         </p:txBody>
       </p:sp>
@@ -10326,10 +10107,9 @@
           <a:lstStyle/>
           <a:p>
             <a:r>
-              <a:rPr lang="en-US" dirty="0" smtClean="0"/>
+              <a:rPr lang="en-US" dirty="0"/>
               <a:t>Separated Frontend and Backend</a:t>
             </a:r>
-            <a:endParaRPr lang="en-US" dirty="0"/>
           </a:p>
         </p:txBody>
       </p:sp>
@@ -10356,46 +10136,45 @@
           <a:lstStyle/>
           <a:p>
             <a:r>
-              <a:rPr lang="en-US" dirty="0" smtClean="0"/>
+              <a:rPr lang="en-US" dirty="0"/>
               <a:t>Recall example of book app, where frontend was served from </a:t>
             </a:r>
             <a:r>
-              <a:rPr lang="en-US" i="1" dirty="0" smtClean="0"/>
+              <a:rPr lang="en-US" i="1" dirty="0"/>
               <a:t>localhost:808</a:t>
             </a:r>
             <a:r>
-              <a:rPr lang="en-US" b="1" i="1" dirty="0" smtClean="0"/>
+              <a:rPr lang="en-US" b="1" i="1" dirty="0"/>
               <a:t>0</a:t>
             </a:r>
             <a:r>
-              <a:rPr lang="en-US" dirty="0" smtClean="0"/>
+              <a:rPr lang="en-US" dirty="0"/>
               <a:t>, whereas REST API for backend was on </a:t>
             </a:r>
             <a:r>
-              <a:rPr lang="en-US" i="1" dirty="0" smtClean="0"/>
+              <a:rPr lang="en-US" i="1" dirty="0"/>
               <a:t>localhost:808</a:t>
             </a:r>
             <a:r>
-              <a:rPr lang="en-US" b="1" i="1" dirty="0" smtClean="0"/>
+              <a:rPr lang="en-US" b="1" i="1" dirty="0"/>
               <a:t>1</a:t>
             </a:r>
           </a:p>
           <a:p>
             <a:r>
-              <a:rPr lang="en-US" dirty="0" smtClean="0"/>
+              <a:rPr lang="en-US" dirty="0"/>
               <a:t>At that time we HAD to handle CORS on the backend</a:t>
             </a:r>
           </a:p>
           <a:p>
             <a:r>
-              <a:rPr lang="en-US" dirty="0" err="1" smtClean="0"/>
+              <a:rPr lang="en-US" dirty="0" err="1"/>
               <a:t>Eg</a:t>
             </a:r>
             <a:r>
-              <a:rPr lang="en-US" dirty="0" smtClean="0"/>
+              <a:rPr lang="en-US" dirty="0"/>
               <a:t>, what happens when we want to do a PUT to modify the state of a book?</a:t>
             </a:r>
-            <a:endParaRPr lang="en-US" dirty="0"/>
           </a:p>
         </p:txBody>
       </p:sp>
@@ -10479,10 +10258,9 @@
               <a:buNone/>
             </a:pPr>
             <a:r>
-              <a:rPr lang="en-US" dirty="0" smtClean="0"/>
+              <a:rPr lang="en-US" dirty="0"/>
               <a:t>Browser first does an OPTIONS to check if allowed to do the PUT</a:t>
             </a:r>
-            <a:endParaRPr lang="en-US" dirty="0"/>
           </a:p>
         </p:txBody>
       </p:sp>
@@ -10603,10 +10381,9 @@
           <a:lstStyle/>
           <a:p>
             <a:r>
-              <a:rPr lang="en-US" dirty="0" smtClean="0"/>
+              <a:rPr lang="en-US" dirty="0"/>
               <a:t>OPTIONS Request Headers</a:t>
             </a:r>
-            <a:endParaRPr lang="en-US" dirty="0"/>
           </a:p>
         </p:txBody>
       </p:sp>
@@ -10633,91 +10410,91 @@
           <a:lstStyle/>
           <a:p>
             <a:r>
-              <a:rPr lang="en-US" b="1" dirty="0" smtClean="0"/>
+              <a:rPr lang="en-US" b="1" dirty="0"/>
               <a:t>Access-Control-Request-Method</a:t>
             </a:r>
             <a:r>
-              <a:rPr lang="en-US" dirty="0" smtClean="0"/>
+              <a:rPr lang="en-US" dirty="0"/>
               <a:t>: which HTTP method we want to use </a:t>
             </a:r>
           </a:p>
           <a:p>
             <a:pPr lvl="1"/>
             <a:r>
-              <a:rPr lang="en-US" dirty="0" err="1" smtClean="0"/>
+              <a:rPr lang="en-US" dirty="0" err="1"/>
               <a:t>eg</a:t>
             </a:r>
             <a:r>
-              <a:rPr lang="en-US" dirty="0" smtClean="0"/>
+              <a:rPr lang="en-US" dirty="0"/>
               <a:t>, PUT in the previous example</a:t>
             </a:r>
           </a:p>
           <a:p>
             <a:r>
-              <a:rPr lang="en-US" b="1" dirty="0" smtClean="0"/>
+              <a:rPr lang="en-US" b="1" dirty="0"/>
               <a:t>Access-Control-Request-Headers</a:t>
             </a:r>
             <a:r>
-              <a:rPr lang="en-US" dirty="0" smtClean="0"/>
+              <a:rPr lang="en-US" dirty="0"/>
               <a:t>: any custom header we want to use </a:t>
             </a:r>
           </a:p>
           <a:p>
             <a:pPr lvl="1"/>
             <a:r>
-              <a:rPr lang="en-US" dirty="0" err="1" smtClean="0"/>
+              <a:rPr lang="en-US" dirty="0" err="1"/>
               <a:t>eg</a:t>
             </a:r>
             <a:r>
-              <a:rPr lang="en-US" dirty="0" smtClean="0"/>
+              <a:rPr lang="en-US" dirty="0"/>
               <a:t>, in our PUT, we want to specify that the payload is in JSON</a:t>
             </a:r>
           </a:p>
           <a:p>
             <a:r>
-              <a:rPr lang="en-US" b="1" dirty="0" smtClean="0"/>
+              <a:rPr lang="en-US" b="1" dirty="0"/>
               <a:t>Origin</a:t>
             </a:r>
             <a:r>
-              <a:rPr lang="en-US" dirty="0" smtClean="0"/>
+              <a:rPr lang="en-US" dirty="0"/>
               <a:t>: specify from where the JS making the AJAX call was downloaded</a:t>
             </a:r>
           </a:p>
           <a:p>
             <a:pPr lvl="1"/>
             <a:r>
-              <a:rPr lang="en-US" dirty="0" smtClean="0"/>
+              <a:rPr lang="en-US" dirty="0"/>
               <a:t>automatically added when making OPTIONS CORS calls</a:t>
             </a:r>
           </a:p>
           <a:p>
             <a:pPr lvl="1"/>
             <a:r>
-              <a:rPr lang="en-US" dirty="0" smtClean="0"/>
+              <a:rPr lang="en-US" dirty="0"/>
               <a:t>server will check this field</a:t>
             </a:r>
           </a:p>
           <a:p>
             <a:pPr lvl="1"/>
             <a:r>
-              <a:rPr lang="en-US" dirty="0" smtClean="0"/>
+              <a:rPr lang="en-US" dirty="0"/>
               <a:t>set by browser, cannot modify it with JS</a:t>
             </a:r>
           </a:p>
           <a:p>
             <a:r>
-              <a:rPr lang="en-US" b="1" dirty="0" err="1" smtClean="0"/>
+              <a:rPr lang="en-US" b="1" dirty="0" err="1"/>
               <a:t>Referer</a:t>
             </a:r>
             <a:r>
-              <a:rPr lang="en-US" dirty="0" smtClean="0"/>
+              <a:rPr lang="en-US" dirty="0"/>
               <a:t>: like Origin, but containing full path</a:t>
             </a:r>
           </a:p>
           <a:p>
             <a:pPr lvl="1"/>
             <a:r>
-              <a:rPr lang="en-US" dirty="0" smtClean="0"/>
+              <a:rPr lang="en-US" dirty="0"/>
               <a:t>used also outside of CORS, but could be blocked for privacy reasons</a:t>
             </a:r>
           </a:p>
@@ -10804,10 +10581,9 @@
           <a:lstStyle/>
           <a:p>
             <a:r>
-              <a:rPr lang="en-US" dirty="0" smtClean="0"/>
+              <a:rPr lang="en-US" dirty="0"/>
               <a:t>OPTIONS Response Headers</a:t>
             </a:r>
-            <a:endParaRPr lang="en-US" dirty="0"/>
           </a:p>
         </p:txBody>
       </p:sp>
@@ -10832,63 +10608,57 @@
           <a:lstStyle/>
           <a:p>
             <a:r>
-              <a:rPr lang="en-US" dirty="0" smtClean="0"/>
+              <a:rPr lang="en-US" dirty="0"/>
               <a:t>Tell the browser what is allowed on that endpoint</a:t>
             </a:r>
           </a:p>
           <a:p>
             <a:pPr lvl="1"/>
             <a:r>
-              <a:rPr lang="en-US" dirty="0" err="1" smtClean="0"/>
+              <a:rPr lang="en-US" dirty="0" err="1"/>
               <a:t>eg</a:t>
             </a:r>
             <a:r>
-              <a:rPr lang="en-US" dirty="0" smtClean="0"/>
-              <a:t> which HTTP methods can be </a:t>
-            </a:r>
-            <a:r>
-              <a:rPr lang="en-US" dirty="0"/>
-              <a:t>called using </a:t>
+              <a:rPr lang="en-US" dirty="0"/>
+              <a:t> which HTTP methods can be called using </a:t>
             </a:r>
             <a:r>
               <a:rPr lang="en-US" b="1" dirty="0"/>
               <a:t>Access-Control-Allow-Methods</a:t>
             </a:r>
-            <a:endParaRPr lang="en-US" b="1" dirty="0" smtClean="0"/>
-          </a:p>
-          <a:p>
-            <a:r>
-              <a:rPr lang="en-US" dirty="0" smtClean="0"/>
+          </a:p>
+          <a:p>
+            <a:r>
+              <a:rPr lang="en-US" dirty="0"/>
               <a:t>By default, most servers will not allow cross-site requests</a:t>
             </a:r>
           </a:p>
           <a:p>
             <a:r>
-              <a:rPr lang="en-US" dirty="0" smtClean="0"/>
+              <a:rPr lang="en-US" dirty="0"/>
               <a:t>If needed, you have to setup the server to add such CORS allowing headers</a:t>
             </a:r>
           </a:p>
           <a:p>
             <a:r>
-              <a:rPr lang="en-US" dirty="0" smtClean="0"/>
+              <a:rPr lang="en-US" dirty="0"/>
               <a:t>This can be based on the </a:t>
             </a:r>
             <a:r>
-              <a:rPr lang="en-US" b="1" dirty="0" smtClean="0"/>
+              <a:rPr lang="en-US" b="1" dirty="0"/>
               <a:t>Origin</a:t>
             </a:r>
           </a:p>
           <a:p>
             <a:pPr lvl="1"/>
             <a:r>
-              <a:rPr lang="en-US" dirty="0" err="1" smtClean="0"/>
+              <a:rPr lang="en-US" dirty="0" err="1"/>
               <a:t>eg</a:t>
             </a:r>
             <a:r>
-              <a:rPr lang="en-US" dirty="0" smtClean="0"/>
+              <a:rPr lang="en-US" dirty="0"/>
               <a:t>, different origins might be allowed different rights</a:t>
             </a:r>
-            <a:endParaRPr lang="en-US" dirty="0"/>
           </a:p>
         </p:txBody>
       </p:sp>
@@ -10972,10 +10742,9 @@
               <a:buNone/>
             </a:pPr>
             <a:r>
-              <a:rPr lang="en-US" dirty="0" smtClean="0"/>
+              <a:rPr lang="en-US" dirty="0"/>
               <a:t>Browser will make the PUT request only if in the response of OPTIONS the server said it is OK</a:t>
             </a:r>
-            <a:endParaRPr lang="en-US" dirty="0"/>
           </a:p>
         </p:txBody>
       </p:sp>
@@ -11089,10 +10858,9 @@
           <a:lstStyle/>
           <a:p>
             <a:r>
-              <a:rPr lang="en-US" dirty="0" smtClean="0"/>
+              <a:rPr lang="en-US" dirty="0"/>
               <a:t>OPTIONS No-Preflight</a:t>
             </a:r>
-            <a:endParaRPr lang="en-US" dirty="0"/>
           </a:p>
         </p:txBody>
       </p:sp>
@@ -11117,61 +10885,61 @@
           <a:lstStyle/>
           <a:p>
             <a:r>
-              <a:rPr lang="en-US" dirty="0" smtClean="0"/>
+              <a:rPr lang="en-US" dirty="0"/>
               <a:t>Browser does </a:t>
             </a:r>
             <a:r>
-              <a:rPr lang="en-US" b="1" dirty="0" smtClean="0"/>
+              <a:rPr lang="en-US" b="1" dirty="0"/>
               <a:t>not</a:t>
             </a:r>
             <a:r>
-              <a:rPr lang="en-US" dirty="0" smtClean="0"/>
+              <a:rPr lang="en-US" dirty="0"/>
               <a:t> preflight </a:t>
             </a:r>
             <a:r>
-              <a:rPr lang="en-US" i="1" dirty="0" smtClean="0"/>
+              <a:rPr lang="en-US" i="1" dirty="0"/>
               <a:t>all</a:t>
             </a:r>
             <a:r>
-              <a:rPr lang="en-US" dirty="0" smtClean="0"/>
+              <a:rPr lang="en-US" dirty="0"/>
               <a:t> HTTP requests</a:t>
             </a:r>
           </a:p>
           <a:p>
             <a:r>
-              <a:rPr lang="en-US" i="1" dirty="0" smtClean="0"/>
+              <a:rPr lang="en-US" i="1" dirty="0"/>
               <a:t>Exceptions</a:t>
             </a:r>
             <a:r>
-              <a:rPr lang="en-US" dirty="0" smtClean="0"/>
+              <a:rPr lang="en-US" dirty="0"/>
               <a:t>: </a:t>
             </a:r>
             <a:r>
-              <a:rPr lang="en-US" b="1" dirty="0" smtClean="0"/>
+              <a:rPr lang="en-US" b="1" dirty="0"/>
               <a:t>GET</a:t>
             </a:r>
             <a:r>
-              <a:rPr lang="en-US" dirty="0" smtClean="0"/>
+              <a:rPr lang="en-US" dirty="0"/>
               <a:t>, </a:t>
             </a:r>
             <a:r>
-              <a:rPr lang="en-US" b="1" dirty="0" smtClean="0"/>
+              <a:rPr lang="en-US" b="1" dirty="0"/>
               <a:t>HEAD</a:t>
             </a:r>
             <a:r>
-              <a:rPr lang="en-US" dirty="0" smtClean="0"/>
+              <a:rPr lang="en-US" dirty="0"/>
               <a:t> and </a:t>
             </a:r>
             <a:r>
-              <a:rPr lang="en-US" b="1" dirty="0" smtClean="0"/>
+              <a:rPr lang="en-US" b="1" dirty="0"/>
               <a:t>POST</a:t>
             </a:r>
             <a:r>
-              <a:rPr lang="en-US" dirty="0" smtClean="0"/>
+              <a:rPr lang="en-US" dirty="0"/>
               <a:t> with specific </a:t>
             </a:r>
             <a:r>
-              <a:rPr lang="en-US" b="1" dirty="0" smtClean="0"/>
+              <a:rPr lang="en-US" b="1" dirty="0"/>
               <a:t>content-type</a:t>
             </a:r>
           </a:p>
@@ -11200,30 +10968,28 @@
               <a:rPr lang="en-US" b="1" dirty="0"/>
               <a:t>text/plain</a:t>
             </a:r>
-            <a:endParaRPr lang="en-US" b="1" dirty="0" smtClean="0"/>
-          </a:p>
-          <a:p>
-            <a:r>
-              <a:rPr lang="en-US" dirty="0" smtClean="0"/>
+          </a:p>
+          <a:p>
+            <a:r>
+              <a:rPr lang="en-US" dirty="0"/>
               <a:t>Note: this is for “</a:t>
             </a:r>
             <a:r>
-              <a:rPr lang="en-US" i="1" dirty="0" smtClean="0"/>
+              <a:rPr lang="en-US" i="1" dirty="0"/>
               <a:t>historical</a:t>
             </a:r>
             <a:r>
-              <a:rPr lang="en-US" dirty="0" smtClean="0"/>
+              <a:rPr lang="en-US" dirty="0"/>
               <a:t>” reasons, but if not handled properly, it is a </a:t>
             </a:r>
             <a:r>
-              <a:rPr lang="en-US" b="1" dirty="0" smtClean="0"/>
+              <a:rPr lang="en-US" b="1" dirty="0"/>
               <a:t>SECURITY HOLE</a:t>
             </a:r>
             <a:r>
-              <a:rPr lang="en-US" dirty="0" smtClean="0"/>
+              <a:rPr lang="en-US" dirty="0"/>
               <a:t> </a:t>
             </a:r>
-            <a:endParaRPr lang="en-US" dirty="0"/>
           </a:p>
         </p:txBody>
       </p:sp>
@@ -11280,10 +11046,9 @@
           <a:lstStyle/>
           <a:p>
             <a:r>
-              <a:rPr lang="en-US" dirty="0" smtClean="0"/>
+              <a:rPr lang="en-US" dirty="0"/>
               <a:t>No-Preflight GET</a:t>
             </a:r>
-            <a:endParaRPr lang="en-US" dirty="0"/>
           </a:p>
         </p:txBody>
       </p:sp>
@@ -11429,28 +11194,27 @@
           <a:lstStyle/>
           <a:p>
             <a:r>
-              <a:rPr lang="en-US" sz="2400" dirty="0" smtClean="0"/>
+              <a:rPr lang="en-US" sz="2400" dirty="0"/>
               <a:t>Login to dnb.no</a:t>
             </a:r>
           </a:p>
           <a:p>
             <a:r>
-              <a:rPr lang="en-US" sz="2400" i="1" dirty="0" smtClean="0"/>
+              <a:rPr lang="en-US" sz="2400" i="1" dirty="0"/>
               <a:t>Set-cookie</a:t>
             </a:r>
             <a:r>
-              <a:rPr lang="en-US" sz="2400" dirty="0" smtClean="0"/>
+              <a:rPr lang="en-US" sz="2400" dirty="0"/>
               <a:t>: </a:t>
             </a:r>
             <a:r>
-              <a:rPr lang="en-US" sz="2400" b="1" dirty="0" err="1" smtClean="0"/>
+              <a:rPr lang="en-US" sz="2400" b="1" dirty="0" err="1"/>
               <a:t>dnb</a:t>
             </a:r>
             <a:r>
-              <a:rPr lang="en-US" sz="2400" b="1" dirty="0" smtClean="0"/>
+              <a:rPr lang="en-US" sz="2400" b="1" dirty="0"/>
               <a:t>=123</a:t>
             </a:r>
-            <a:endParaRPr lang="en-US" sz="2400" b="1" dirty="0"/>
           </a:p>
         </p:txBody>
       </p:sp>
@@ -11596,34 +11360,33 @@
           <a:lstStyle/>
           <a:p>
             <a:r>
-              <a:rPr lang="en-US" sz="2400" dirty="0" smtClean="0"/>
+              <a:rPr lang="en-US" sz="2400" dirty="0"/>
               <a:t>Malicious AJAX GET</a:t>
             </a:r>
           </a:p>
           <a:p>
             <a:r>
-              <a:rPr lang="en-US" sz="2400" i="1" dirty="0" smtClean="0"/>
+              <a:rPr lang="en-US" sz="2400" i="1" dirty="0"/>
               <a:t>Cookie</a:t>
             </a:r>
             <a:r>
-              <a:rPr lang="en-US" sz="2400" dirty="0" smtClean="0"/>
+              <a:rPr lang="en-US" sz="2400" dirty="0"/>
               <a:t>: </a:t>
             </a:r>
             <a:r>
-              <a:rPr lang="en-US" sz="2400" b="1" dirty="0" err="1" smtClean="0"/>
+              <a:rPr lang="en-US" sz="2400" b="1" dirty="0" err="1"/>
               <a:t>dnb</a:t>
             </a:r>
             <a:r>
-              <a:rPr lang="en-US" sz="2400" b="1" dirty="0" smtClean="0"/>
+              <a:rPr lang="en-US" sz="2400" b="1" dirty="0"/>
               <a:t>=123</a:t>
             </a:r>
           </a:p>
           <a:p>
             <a:r>
-              <a:rPr lang="en-US" sz="2400" dirty="0" smtClean="0"/>
+              <a:rPr lang="en-US" sz="2400" dirty="0"/>
               <a:t>Obtain sensitive info, like account balance</a:t>
             </a:r>
-            <a:endParaRPr lang="en-US" sz="2400" dirty="0"/>
           </a:p>
         </p:txBody>
       </p:sp>
@@ -11688,10 +11451,9 @@
           <a:lstStyle/>
           <a:p>
             <a:r>
-              <a:rPr lang="en-US" sz="2400" dirty="0" smtClean="0"/>
+              <a:rPr lang="en-US" sz="2400" dirty="0"/>
               <a:t>Visit malicious site, with malicious JavaScript automatically run on page load</a:t>
             </a:r>
-            <a:endParaRPr lang="en-US" sz="2400" dirty="0"/>
           </a:p>
         </p:txBody>
       </p:sp>
@@ -11718,7 +11480,7 @@
           <a:lstStyle/>
           <a:p>
             <a:r>
-              <a:rPr lang="en-US" sz="2400" dirty="0" smtClean="0"/>
+              <a:rPr lang="en-US" sz="2400" dirty="0"/>
               <a:t>www.dnb.no</a:t>
             </a:r>
           </a:p>
@@ -11747,7 +11509,7 @@
           <a:lstStyle/>
           <a:p>
             <a:r>
-              <a:rPr lang="en-US" sz="2400" dirty="0" smtClean="0"/>
+              <a:rPr lang="en-US" sz="2400" dirty="0"/>
               <a:t>www.evil.no</a:t>
             </a:r>
           </a:p>
@@ -11776,10 +11538,9 @@
           <a:lstStyle/>
           <a:p>
             <a:r>
-              <a:rPr lang="en-US" sz="2400" dirty="0" smtClean="0"/>
+              <a:rPr lang="en-US" sz="2400" dirty="0"/>
               <a:t>Can steal sensitive information</a:t>
             </a:r>
-            <a:endParaRPr lang="en-US" sz="2400" dirty="0"/>
           </a:p>
         </p:txBody>
       </p:sp>
@@ -11829,10 +11590,9 @@
           <a:lstStyle/>
           <a:p>
             <a:r>
-              <a:rPr lang="en-US" dirty="0" smtClean="0"/>
+              <a:rPr lang="en-US" dirty="0"/>
               <a:t>CORS and GET</a:t>
             </a:r>
-            <a:endParaRPr lang="en-US" dirty="0"/>
           </a:p>
         </p:txBody>
       </p:sp>
@@ -11859,65 +11619,60 @@
           <a:lstStyle/>
           <a:p>
             <a:r>
-              <a:rPr lang="en-US" dirty="0" smtClean="0"/>
+              <a:rPr lang="en-US" dirty="0"/>
               <a:t>Although GET requests are not </a:t>
             </a:r>
             <a:r>
-              <a:rPr lang="en-US" dirty="0" err="1" smtClean="0"/>
+              <a:rPr lang="en-US" dirty="0" err="1"/>
               <a:t>preflighted</a:t>
             </a:r>
             <a:r>
-              <a:rPr lang="en-US" dirty="0" smtClean="0"/>
+              <a:rPr lang="en-US" dirty="0"/>
               <a:t> with OPTIONS, </a:t>
             </a:r>
             <a:r>
-              <a:rPr lang="en-US" b="1" dirty="0" smtClean="0"/>
+              <a:rPr lang="en-US" b="1" dirty="0"/>
               <a:t>they can still be secure</a:t>
             </a:r>
           </a:p>
           <a:p>
             <a:r>
-              <a:rPr lang="en-US" dirty="0" smtClean="0"/>
-              <a:t>Server can respond </a:t>
-            </a:r>
-            <a:r>
-              <a:rPr lang="en-US" dirty="0"/>
-              <a:t>with </a:t>
-            </a:r>
-            <a:r>
-              <a:rPr lang="en-US" b="1" dirty="0" smtClean="0"/>
+              <a:rPr lang="en-US" dirty="0"/>
+              <a:t>Server can respond with </a:t>
+            </a:r>
+            <a:r>
+              <a:rPr lang="en-US" b="1" dirty="0"/>
               <a:t>Access-Control-Allow-Origin</a:t>
             </a:r>
             <a:r>
-              <a:rPr lang="en-US" dirty="0" smtClean="0"/>
+              <a:rPr lang="en-US" dirty="0"/>
               <a:t> on any request, including GET, and not just OPTIONS</a:t>
             </a:r>
           </a:p>
           <a:p>
             <a:r>
-              <a:rPr lang="en-US" dirty="0" smtClean="0"/>
+              <a:rPr lang="en-US" dirty="0"/>
               <a:t>If such header does not match the origin, then the browser </a:t>
             </a:r>
             <a:r>
-              <a:rPr lang="en-US" b="1" dirty="0" smtClean="0"/>
+              <a:rPr lang="en-US" b="1" dirty="0"/>
               <a:t>will delete the content of the response</a:t>
             </a:r>
             <a:r>
-              <a:rPr lang="en-US" dirty="0" smtClean="0"/>
+              <a:rPr lang="en-US" dirty="0"/>
               <a:t>, including for example the status code! </a:t>
             </a:r>
           </a:p>
           <a:p>
             <a:pPr lvl="1"/>
             <a:r>
-              <a:rPr lang="en-US" dirty="0" err="1" smtClean="0"/>
+              <a:rPr lang="en-US" dirty="0" err="1"/>
               <a:t>Ie</a:t>
             </a:r>
             <a:r>
-              <a:rPr lang="en-US" dirty="0" smtClean="0"/>
+              <a:rPr lang="en-US" dirty="0"/>
               <a:t>, HTTP GET will still be made, but JS will not be able to read response</a:t>
             </a:r>
-            <a:endParaRPr lang="en-US" dirty="0"/>
           </a:p>
           <a:p>
             <a:endParaRPr lang="en-US" dirty="0"/>
@@ -11977,24 +11732,23 @@
           <a:lstStyle/>
           <a:p>
             <a:r>
-              <a:rPr lang="en-US" dirty="0" smtClean="0"/>
+              <a:rPr lang="en-US" dirty="0"/>
               <a:t>What would be the point of encrypting pages of a newspaper?</a:t>
             </a:r>
           </a:p>
           <a:p>
             <a:r>
-              <a:rPr lang="en-US" dirty="0" smtClean="0"/>
+              <a:rPr lang="en-US" dirty="0"/>
               <a:t>If not encrypted (</a:t>
             </a:r>
             <a:r>
-              <a:rPr lang="en-US" dirty="0" err="1" smtClean="0"/>
+              <a:rPr lang="en-US" dirty="0" err="1"/>
               <a:t>ie</a:t>
             </a:r>
             <a:r>
-              <a:rPr lang="en-US" dirty="0" smtClean="0"/>
+              <a:rPr lang="en-US" dirty="0"/>
               <a:t> HTTP instead of HTTPS) anyone between you and the target server can alter the payload of the messages…</a:t>
             </a:r>
-            <a:endParaRPr lang="en-US" dirty="0"/>
           </a:p>
         </p:txBody>
       </p:sp>
@@ -12401,10 +12155,9 @@
           <a:lstStyle/>
           <a:p>
             <a:r>
-              <a:rPr lang="en-US" dirty="0" smtClean="0"/>
+              <a:rPr lang="en-US" dirty="0"/>
               <a:t>Modified HTML</a:t>
             </a:r>
-            <a:endParaRPr lang="en-US" dirty="0"/>
           </a:p>
         </p:txBody>
       </p:sp>
@@ -12431,11 +12184,11 @@
           <a:lstStyle/>
           <a:p>
             <a:r>
-              <a:rPr lang="en-US" dirty="0" smtClean="0"/>
+              <a:rPr lang="en-US" dirty="0"/>
               <a:t>Home </a:t>
             </a:r>
             <a:r>
-              <a:rPr lang="en-US" dirty="0" err="1" smtClean="0"/>
+              <a:rPr lang="en-US" dirty="0" err="1"/>
               <a:t>WiFi</a:t>
             </a:r>
             <a:endParaRPr lang="en-US" dirty="0"/>
@@ -12465,10 +12218,9 @@
           <a:lstStyle/>
           <a:p>
             <a:r>
-              <a:rPr lang="en-US" dirty="0" smtClean="0"/>
+              <a:rPr lang="en-US" dirty="0"/>
               <a:t>Your ISP</a:t>
             </a:r>
-            <a:endParaRPr lang="en-US" dirty="0"/>
           </a:p>
         </p:txBody>
       </p:sp>
@@ -12495,10 +12247,9 @@
           <a:lstStyle/>
           <a:p>
             <a:r>
-              <a:rPr lang="en-US" dirty="0" smtClean="0"/>
+              <a:rPr lang="en-US" dirty="0"/>
               <a:t>Vg.no</a:t>
             </a:r>
-            <a:endParaRPr lang="en-US" dirty="0"/>
           </a:p>
         </p:txBody>
       </p:sp>
@@ -12525,10 +12276,9 @@
           <a:lstStyle/>
           <a:p>
             <a:r>
-              <a:rPr lang="en-US" dirty="0" smtClean="0"/>
+              <a:rPr lang="en-US" dirty="0"/>
               <a:t>HTTP: GET vg.no</a:t>
             </a:r>
-            <a:endParaRPr lang="en-US" dirty="0"/>
           </a:p>
         </p:txBody>
       </p:sp>
@@ -12555,10 +12305,9 @@
           <a:lstStyle/>
           <a:p>
             <a:r>
-              <a:rPr lang="en-US" dirty="0" smtClean="0"/>
+              <a:rPr lang="en-US" dirty="0"/>
               <a:t>HTML of vg.no</a:t>
             </a:r>
-            <a:endParaRPr lang="en-US" dirty="0"/>
           </a:p>
         </p:txBody>
       </p:sp>
@@ -12585,15 +12334,15 @@
           <a:lstStyle/>
           <a:p>
             <a:r>
-              <a:rPr lang="en-US" dirty="0" smtClean="0"/>
+              <a:rPr lang="en-US" dirty="0"/>
               <a:t>Modify the HTML payload content of the HTTP response, </a:t>
             </a:r>
             <a:r>
-              <a:rPr lang="en-US" dirty="0" err="1" smtClean="0"/>
+              <a:rPr lang="en-US" dirty="0" err="1"/>
               <a:t>eg</a:t>
             </a:r>
             <a:r>
-              <a:rPr lang="en-US" dirty="0" smtClean="0"/>
+              <a:rPr lang="en-US" dirty="0"/>
               <a:t>, by injecting ads</a:t>
             </a:r>
           </a:p>
@@ -12622,10 +12371,9 @@
           <a:lstStyle/>
           <a:p>
             <a:r>
-              <a:rPr lang="en-US" dirty="0" smtClean="0"/>
+              <a:rPr lang="en-US" dirty="0"/>
               <a:t>Your Computer</a:t>
             </a:r>
-            <a:endParaRPr lang="en-US" dirty="0"/>
           </a:p>
         </p:txBody>
       </p:sp>
@@ -12860,18 +12608,17 @@
               <a:buNone/>
             </a:pPr>
             <a:r>
-              <a:rPr lang="en-US" dirty="0" smtClean="0"/>
+              <a:rPr lang="en-US" dirty="0"/>
               <a:t>Even if HTTP call is successfully executed, it does not mean JS is allowed to read the response, as it depends if </a:t>
             </a:r>
             <a:r>
-              <a:rPr lang="en-US" b="1" dirty="0" smtClean="0"/>
+              <a:rPr lang="en-US" b="1" dirty="0"/>
               <a:t>Origin</a:t>
             </a:r>
             <a:r>
-              <a:rPr lang="en-US" dirty="0" smtClean="0"/>
+              <a:rPr lang="en-US" dirty="0"/>
               <a:t> is valid</a:t>
             </a:r>
-            <a:endParaRPr lang="en-US" dirty="0"/>
           </a:p>
         </p:txBody>
       </p:sp>
@@ -12985,10 +12732,9 @@
           <a:lstStyle/>
           <a:p>
             <a:r>
-              <a:rPr lang="en-US" dirty="0" smtClean="0"/>
+              <a:rPr lang="en-US" dirty="0"/>
               <a:t>GET and Side-Effects</a:t>
             </a:r>
-            <a:endParaRPr lang="en-US" dirty="0"/>
           </a:p>
         </p:txBody>
       </p:sp>
@@ -13013,92 +12759,91 @@
           <a:lstStyle/>
           <a:p>
             <a:r>
-              <a:rPr lang="en-US" dirty="0" smtClean="0"/>
+              <a:rPr lang="en-US" dirty="0"/>
               <a:t>GET requests are not </a:t>
             </a:r>
             <a:r>
-              <a:rPr lang="en-US" dirty="0" err="1" smtClean="0"/>
+              <a:rPr lang="en-US" dirty="0" err="1"/>
               <a:t>preflighted</a:t>
             </a:r>
             <a:r>
-              <a:rPr lang="en-US" dirty="0" smtClean="0"/>
+              <a:rPr lang="en-US" dirty="0"/>
               <a:t> with OPTIONS</a:t>
             </a:r>
           </a:p>
           <a:p>
             <a:r>
-              <a:rPr lang="en-US" dirty="0" smtClean="0"/>
+              <a:rPr lang="en-US" dirty="0"/>
               <a:t>If CORS not matching </a:t>
             </a:r>
             <a:r>
-              <a:rPr lang="en-US" b="1" dirty="0" smtClean="0"/>
+              <a:rPr lang="en-US" b="1" dirty="0"/>
               <a:t>Origin</a:t>
             </a:r>
             <a:r>
-              <a:rPr lang="en-US" dirty="0" smtClean="0"/>
+              <a:rPr lang="en-US" dirty="0"/>
               <a:t>, JS not allowed to read response</a:t>
             </a:r>
           </a:p>
           <a:p>
             <a:pPr lvl="1"/>
             <a:r>
-              <a:rPr lang="en-US" dirty="0" smtClean="0"/>
+              <a:rPr lang="en-US" dirty="0"/>
               <a:t>so, no information leak</a:t>
             </a:r>
           </a:p>
           <a:p>
             <a:r>
-              <a:rPr lang="en-US" dirty="0" smtClean="0"/>
+              <a:rPr lang="en-US" dirty="0"/>
               <a:t>But, the GET request is still made!</a:t>
             </a:r>
           </a:p>
           <a:p>
             <a:r>
-              <a:rPr lang="en-US" i="1" dirty="0" smtClean="0"/>
+              <a:rPr lang="en-US" i="1" dirty="0"/>
               <a:t>If side-effects on server, those will still happen regardless of CORS protection!</a:t>
             </a:r>
           </a:p>
           <a:p>
             <a:pPr lvl="1"/>
             <a:r>
-              <a:rPr lang="en-US" dirty="0" err="1" smtClean="0"/>
+              <a:rPr lang="en-US" dirty="0" err="1"/>
               <a:t>eg</a:t>
             </a:r>
             <a:r>
-              <a:rPr lang="en-US" dirty="0" smtClean="0"/>
+              <a:rPr lang="en-US" dirty="0"/>
               <a:t>, creation/deletion of resources, like  “</a:t>
             </a:r>
             <a:r>
-              <a:rPr lang="en-US" i="1" dirty="0" smtClean="0"/>
+              <a:rPr lang="en-US" i="1" dirty="0"/>
               <a:t>GET /</a:t>
             </a:r>
             <a:r>
-              <a:rPr lang="en-US" i="1" dirty="0" err="1" smtClean="0"/>
+              <a:rPr lang="en-US" i="1" dirty="0" err="1"/>
               <a:t>api</a:t>
             </a:r>
             <a:r>
-              <a:rPr lang="en-US" i="1" dirty="0" smtClean="0"/>
+              <a:rPr lang="en-US" i="1" dirty="0"/>
               <a:t>/</a:t>
             </a:r>
             <a:r>
-              <a:rPr lang="en-US" i="1" dirty="0" err="1" smtClean="0"/>
+              <a:rPr lang="en-US" i="1" dirty="0" err="1"/>
               <a:t>data?action</a:t>
             </a:r>
             <a:r>
-              <a:rPr lang="en-US" i="1" dirty="0" smtClean="0"/>
+              <a:rPr lang="en-US" i="1" dirty="0"/>
               <a:t>=delete</a:t>
             </a:r>
             <a:r>
-              <a:rPr lang="en-US" dirty="0" smtClean="0"/>
+              <a:rPr lang="en-US" dirty="0"/>
               <a:t>”</a:t>
             </a:r>
           </a:p>
           <a:p>
             <a:r>
-              <a:rPr lang="en-US" b="1" dirty="0" smtClean="0"/>
+              <a:rPr lang="en-US" b="1" dirty="0"/>
               <a:t>It is PARAMAOUNT to follow HTTP specs, and have GET requests be side-effect free!!!</a:t>
             </a:r>
-            <a:endParaRPr lang="en-US" b="1" dirty="0"/>
           </a:p>
         </p:txBody>
       </p:sp>
@@ -13148,18 +12893,17 @@
           <a:lstStyle/>
           <a:p>
             <a:r>
-              <a:rPr lang="en-US" dirty="0" smtClean="0"/>
+              <a:rPr lang="en-US" dirty="0"/>
               <a:t>No-</a:t>
             </a:r>
             <a:r>
-              <a:rPr lang="en-US" dirty="0" err="1" smtClean="0"/>
+              <a:rPr lang="en-US" dirty="0" err="1"/>
               <a:t>Preflighted</a:t>
             </a:r>
             <a:r>
-              <a:rPr lang="en-US" dirty="0" smtClean="0"/>
+              <a:rPr lang="en-US" dirty="0"/>
               <a:t> POST</a:t>
             </a:r>
-            <a:endParaRPr lang="en-US" dirty="0"/>
           </a:p>
         </p:txBody>
       </p:sp>
@@ -13186,7 +12930,7 @@
           <a:lstStyle/>
           <a:p>
             <a:r>
-              <a:rPr lang="en-US" dirty="0" smtClean="0"/>
+              <a:rPr lang="en-US" dirty="0"/>
               <a:t>This happens for following content-type:</a:t>
             </a:r>
           </a:p>
@@ -13218,37 +12962,37 @@
           </a:p>
           <a:p>
             <a:r>
-              <a:rPr lang="en-US" i="1" dirty="0" smtClean="0"/>
+              <a:rPr lang="en-US" i="1" dirty="0"/>
               <a:t>In SPAs, if you stick with JSON APIs, you will be “usually” fine</a:t>
             </a:r>
           </a:p>
           <a:p>
             <a:r>
-              <a:rPr lang="en-US" dirty="0" smtClean="0"/>
+              <a:rPr lang="en-US" dirty="0"/>
               <a:t>Issues when dealing with traditional Server-Sider-Rendering frameworks, as HTML </a:t>
             </a:r>
             <a:r>
-              <a:rPr lang="en-US" i="1" dirty="0" smtClean="0"/>
+              <a:rPr lang="en-US" i="1" dirty="0"/>
               <a:t>&lt;form&gt;</a:t>
             </a:r>
             <a:r>
-              <a:rPr lang="en-US" dirty="0" smtClean="0"/>
+              <a:rPr lang="en-US" dirty="0"/>
               <a:t> requests are not </a:t>
             </a:r>
             <a:r>
-              <a:rPr lang="en-US" dirty="0" err="1" smtClean="0"/>
+              <a:rPr lang="en-US" dirty="0" err="1"/>
               <a:t>preflighted</a:t>
             </a:r>
-            <a:endParaRPr lang="en-US" dirty="0" smtClean="0"/>
+            <a:endParaRPr lang="en-US" dirty="0"/>
           </a:p>
           <a:p>
             <a:pPr lvl="1"/>
             <a:r>
-              <a:rPr lang="en-US" dirty="0" err="1" smtClean="0"/>
+              <a:rPr lang="en-US" dirty="0" err="1"/>
               <a:t>ie</a:t>
             </a:r>
             <a:r>
-              <a:rPr lang="en-US" dirty="0" smtClean="0"/>
+              <a:rPr lang="en-US" dirty="0"/>
               <a:t>, as typically using </a:t>
             </a:r>
             <a:r>
@@ -13263,33 +13007,32 @@
           </a:p>
           <a:p>
             <a:r>
-              <a:rPr lang="en-US" dirty="0" smtClean="0"/>
+              <a:rPr lang="en-US" dirty="0"/>
               <a:t>Solution: </a:t>
             </a:r>
             <a:r>
-              <a:rPr lang="en-US" b="1" dirty="0" smtClean="0"/>
+              <a:rPr lang="en-US" b="1" dirty="0"/>
               <a:t>CSRF Tokens</a:t>
             </a:r>
             <a:r>
-              <a:rPr lang="en-US" dirty="0" smtClean="0"/>
+              <a:rPr lang="en-US" dirty="0"/>
               <a:t>, but we will not need them in this course</a:t>
             </a:r>
           </a:p>
           <a:p>
             <a:pPr lvl="1"/>
             <a:r>
-              <a:rPr lang="en-US" dirty="0" smtClean="0"/>
+              <a:rPr lang="en-US" dirty="0"/>
               <a:t>also the </a:t>
             </a:r>
             <a:r>
-              <a:rPr lang="en-US" b="1" dirty="0" err="1" smtClean="0"/>
+              <a:rPr lang="en-US" b="1" dirty="0" err="1"/>
               <a:t>SameSite</a:t>
             </a:r>
             <a:r>
-              <a:rPr lang="en-US" dirty="0" smtClean="0"/>
+              <a:rPr lang="en-US" dirty="0"/>
               <a:t> set-cookie option can help here</a:t>
             </a:r>
-            <a:endParaRPr lang="en-US" dirty="0"/>
           </a:p>
         </p:txBody>
       </p:sp>
@@ -13339,10 +13082,9 @@
           <a:lstStyle/>
           <a:p>
             <a:r>
-              <a:rPr lang="en-US" dirty="0" smtClean="0"/>
+              <a:rPr lang="en-US" dirty="0"/>
               <a:t>Performance</a:t>
             </a:r>
-            <a:endParaRPr lang="en-US" dirty="0"/>
           </a:p>
         </p:txBody>
       </p:sp>
@@ -13367,43 +13109,39 @@
           <a:lstStyle/>
           <a:p>
             <a:r>
-              <a:rPr lang="en-US" dirty="0" err="1" smtClean="0"/>
+              <a:rPr lang="en-US" dirty="0" err="1"/>
               <a:t>Preflighting</a:t>
             </a:r>
             <a:r>
-              <a:rPr lang="en-US" dirty="0" smtClean="0"/>
+              <a:rPr lang="en-US" dirty="0"/>
               <a:t> is not free, as doubling number of HTTP calls</a:t>
             </a:r>
           </a:p>
           <a:p>
             <a:r>
-              <a:rPr lang="en-US" dirty="0" smtClean="0"/>
+              <a:rPr lang="en-US" dirty="0"/>
               <a:t>Caching can be used to save some requests, but problem persists</a:t>
             </a:r>
           </a:p>
           <a:p>
             <a:r>
-              <a:rPr lang="en-US" dirty="0" smtClean="0"/>
+              <a:rPr lang="en-US" dirty="0"/>
               <a:t>Note: do </a:t>
             </a:r>
             <a:r>
-              <a:rPr lang="en-US" b="1" dirty="0" smtClean="0"/>
+              <a:rPr lang="en-US" b="1" dirty="0"/>
               <a:t>NOT</a:t>
             </a:r>
             <a:r>
-              <a:rPr lang="en-US" dirty="0" smtClean="0"/>
-              <a:t> have the brilliant idea to pass JSON data with </a:t>
-            </a:r>
-            <a:r>
-              <a:rPr lang="en-US" dirty="0"/>
-              <a:t>content-type </a:t>
-            </a:r>
-            <a:r>
-              <a:rPr lang="en-US" b="1" dirty="0" smtClean="0"/>
+              <a:rPr lang="en-US" dirty="0"/>
+              <a:t> have the brilliant idea to pass JSON data with content-type </a:t>
+            </a:r>
+            <a:r>
+              <a:rPr lang="en-US" b="1" dirty="0"/>
               <a:t>text/plain</a:t>
             </a:r>
             <a:r>
-              <a:rPr lang="en-US" dirty="0" smtClean="0"/>
+              <a:rPr lang="en-US" dirty="0"/>
               <a:t>… you will “speed up” performance by bypassing CORS preflight requests, but then making site completely vulnerable to CSRF!!!</a:t>
             </a:r>
             <a:endParaRPr lang="en-US" b="1" dirty="0"/>
@@ -13466,42 +13204,42 @@
           <a:lstStyle/>
           <a:p>
             <a:r>
-              <a:rPr lang="en-US" dirty="0" smtClean="0"/>
+              <a:rPr lang="en-US" dirty="0"/>
               <a:t>If </a:t>
             </a:r>
             <a:r>
-              <a:rPr lang="en-US" i="1" dirty="0" smtClean="0"/>
+              <a:rPr lang="en-US" i="1" dirty="0"/>
               <a:t>frontend</a:t>
             </a:r>
             <a:r>
-              <a:rPr lang="en-US" dirty="0" smtClean="0"/>
+              <a:rPr lang="en-US" dirty="0"/>
               <a:t> and </a:t>
             </a:r>
             <a:r>
-              <a:rPr lang="en-US" i="1" dirty="0" smtClean="0"/>
+              <a:rPr lang="en-US" i="1" dirty="0"/>
               <a:t>backend</a:t>
             </a:r>
             <a:r>
-              <a:rPr lang="en-US" dirty="0" smtClean="0"/>
+              <a:rPr lang="en-US" dirty="0"/>
               <a:t> servers are separated, you must enable CORS headers on the </a:t>
             </a:r>
             <a:r>
-              <a:rPr lang="en-US" i="1" dirty="0" smtClean="0"/>
+              <a:rPr lang="en-US" i="1" dirty="0"/>
               <a:t>backend </a:t>
             </a:r>
             <a:r>
-              <a:rPr lang="en-US" dirty="0" smtClean="0"/>
+              <a:rPr lang="en-US" dirty="0"/>
               <a:t>responses</a:t>
             </a:r>
-            <a:endParaRPr lang="en-US" i="1" dirty="0" smtClean="0"/>
-          </a:p>
-          <a:p>
-            <a:r>
-              <a:rPr lang="en-US" dirty="0" smtClean="0"/>
+            <a:endParaRPr lang="en-US" i="1" dirty="0"/>
+          </a:p>
+          <a:p>
+            <a:r>
+              <a:rPr lang="en-US" dirty="0"/>
               <a:t>Still performance issues with </a:t>
             </a:r>
             <a:r>
-              <a:rPr lang="en-US" dirty="0" err="1" smtClean="0"/>
+              <a:rPr lang="en-US" dirty="0" err="1"/>
               <a:t>preflighting</a:t>
             </a:r>
             <a:endParaRPr lang="en-US" dirty="0"/>
@@ -13654,10 +13392,9 @@
           <a:lstStyle/>
           <a:p>
             <a:r>
-              <a:rPr lang="en-US" sz="2400" dirty="0" smtClean="0"/>
+              <a:rPr lang="en-US" sz="2400" dirty="0"/>
               <a:t>localhost:8080</a:t>
             </a:r>
-            <a:endParaRPr lang="en-US" sz="2400" dirty="0"/>
           </a:p>
         </p:txBody>
       </p:sp>
@@ -13684,10 +13421,9 @@
           <a:lstStyle/>
           <a:p>
             <a:r>
-              <a:rPr lang="en-US" sz="2400" dirty="0" smtClean="0"/>
+              <a:rPr lang="en-US" sz="2400" dirty="0"/>
               <a:t>localhost:8081</a:t>
             </a:r>
-            <a:endParaRPr lang="en-US" sz="2400" dirty="0"/>
           </a:p>
         </p:txBody>
       </p:sp>
@@ -13792,22 +13528,21 @@
           <a:lstStyle/>
           <a:p>
             <a:r>
-              <a:rPr lang="en-US" sz="2000" dirty="0" smtClean="0"/>
+              <a:rPr lang="en-US" sz="2000" dirty="0"/>
               <a:t>GET /</a:t>
             </a:r>
           </a:p>
           <a:p>
             <a:r>
-              <a:rPr lang="en-US" sz="2000" dirty="0" smtClean="0"/>
+              <a:rPr lang="en-US" sz="2000" dirty="0"/>
               <a:t>GET /style.css</a:t>
             </a:r>
           </a:p>
           <a:p>
             <a:r>
-              <a:rPr lang="en-US" sz="2000" dirty="0" smtClean="0"/>
+              <a:rPr lang="en-US" sz="2000" dirty="0"/>
               <a:t>GET /bundle.js</a:t>
             </a:r>
-            <a:endParaRPr lang="en-US" sz="2000" dirty="0"/>
           </a:p>
         </p:txBody>
       </p:sp>
@@ -13842,25 +13577,25 @@
               <a:t> /</a:t>
             </a:r>
             <a:r>
-              <a:rPr lang="en-US" sz="2000" dirty="0" err="1" smtClean="0"/>
+              <a:rPr lang="en-US" sz="2000" dirty="0" err="1"/>
               <a:t>api</a:t>
             </a:r>
             <a:r>
-              <a:rPr lang="en-US" sz="2000" dirty="0" smtClean="0"/>
+              <a:rPr lang="en-US" sz="2000" dirty="0"/>
               <a:t>/products</a:t>
             </a:r>
           </a:p>
           <a:p>
             <a:r>
-              <a:rPr lang="en-US" sz="2000" dirty="0" smtClean="0"/>
+              <a:rPr lang="en-US" sz="2000" dirty="0"/>
               <a:t>POST /</a:t>
             </a:r>
             <a:r>
-              <a:rPr lang="en-US" sz="2000" dirty="0" err="1" smtClean="0"/>
+              <a:rPr lang="en-US" sz="2000" dirty="0" err="1"/>
               <a:t>api</a:t>
             </a:r>
             <a:r>
-              <a:rPr lang="en-US" sz="2000" dirty="0" smtClean="0"/>
+              <a:rPr lang="en-US" sz="2000" dirty="0"/>
               <a:t>/products</a:t>
             </a:r>
           </a:p>
@@ -14040,24 +13775,23 @@
           <a:lstStyle/>
           <a:p>
             <a:r>
-              <a:rPr lang="en-US" dirty="0" smtClean="0"/>
+              <a:rPr lang="en-US" dirty="0"/>
               <a:t>If everything coming from same </a:t>
             </a:r>
             <a:r>
-              <a:rPr lang="en-US" b="1" dirty="0" smtClean="0"/>
+              <a:rPr lang="en-US" b="1" dirty="0"/>
               <a:t>Origin</a:t>
             </a:r>
             <a:r>
-              <a:rPr lang="en-US" dirty="0" smtClean="0"/>
+              <a:rPr lang="en-US" dirty="0"/>
               <a:t>, then do not enable CORS headers on server, and you should have no problems with CSRF</a:t>
             </a:r>
           </a:p>
           <a:p>
             <a:r>
-              <a:rPr lang="en-US" dirty="0" smtClean="0"/>
+              <a:rPr lang="en-US" dirty="0"/>
               <a:t>Note: could also be different servers behind a single gateway</a:t>
             </a:r>
-            <a:endParaRPr lang="en-US" dirty="0"/>
           </a:p>
         </p:txBody>
       </p:sp>
@@ -14166,10 +13900,9 @@
           <a:lstStyle/>
           <a:p>
             <a:r>
-              <a:rPr lang="en-US" sz="2400" dirty="0" smtClean="0"/>
+              <a:rPr lang="en-US" sz="2400" dirty="0"/>
               <a:t>localhost:8080</a:t>
             </a:r>
-            <a:endParaRPr lang="en-US" sz="2400" dirty="0"/>
           </a:p>
         </p:txBody>
       </p:sp>
@@ -14235,64 +13968,63 @@
           <a:lstStyle/>
           <a:p>
             <a:r>
-              <a:rPr lang="en-US" sz="2000" dirty="0" smtClean="0"/>
+              <a:rPr lang="en-US" sz="2000" dirty="0"/>
               <a:t>GET /</a:t>
             </a:r>
           </a:p>
           <a:p>
             <a:r>
-              <a:rPr lang="en-US" sz="2000" dirty="0" smtClean="0"/>
+              <a:rPr lang="en-US" sz="2000" dirty="0"/>
               <a:t>GET /style.css</a:t>
             </a:r>
           </a:p>
           <a:p>
             <a:r>
-              <a:rPr lang="en-US" sz="2000" dirty="0" smtClean="0"/>
+              <a:rPr lang="en-US" sz="2000" dirty="0"/>
               <a:t>GET /bundle.js</a:t>
             </a:r>
           </a:p>
           <a:p>
             <a:r>
-              <a:rPr lang="en-US" sz="2000" dirty="0" smtClean="0"/>
+              <a:rPr lang="en-US" sz="2000" dirty="0"/>
               <a:t>GET /</a:t>
             </a:r>
             <a:r>
-              <a:rPr lang="en-US" sz="2000" dirty="0" err="1" smtClean="0"/>
+              <a:rPr lang="en-US" sz="2000" dirty="0" err="1"/>
               <a:t>api</a:t>
             </a:r>
             <a:r>
-              <a:rPr lang="en-US" sz="2000" dirty="0" smtClean="0"/>
+              <a:rPr lang="en-US" sz="2000" dirty="0"/>
               <a:t>/products</a:t>
             </a:r>
           </a:p>
           <a:p>
             <a:r>
-              <a:rPr lang="en-US" sz="2000" dirty="0" smtClean="0"/>
+              <a:rPr lang="en-US" sz="2000" dirty="0"/>
               <a:t>POST /</a:t>
             </a:r>
             <a:r>
-              <a:rPr lang="en-US" sz="2000" dirty="0" err="1" smtClean="0"/>
+              <a:rPr lang="en-US" sz="2000" dirty="0" err="1"/>
               <a:t>api</a:t>
             </a:r>
             <a:r>
-              <a:rPr lang="en-US" sz="2000" dirty="0" smtClean="0"/>
+              <a:rPr lang="en-US" sz="2000" dirty="0"/>
               <a:t>/products</a:t>
             </a:r>
           </a:p>
           <a:p>
             <a:r>
-              <a:rPr lang="en-US" sz="2000" dirty="0" smtClean="0"/>
+              <a:rPr lang="en-US" sz="2000" dirty="0"/>
               <a:t>DELETE /</a:t>
             </a:r>
             <a:r>
-              <a:rPr lang="en-US" sz="2000" dirty="0" err="1" smtClean="0"/>
+              <a:rPr lang="en-US" sz="2000" dirty="0" err="1"/>
               <a:t>api</a:t>
             </a:r>
             <a:r>
-              <a:rPr lang="en-US" sz="2000" dirty="0" smtClean="0"/>
+              <a:rPr lang="en-US" sz="2000" dirty="0"/>
               <a:t>/products/42</a:t>
             </a:r>
-            <a:endParaRPr lang="en-US" sz="2000" dirty="0"/>
           </a:p>
         </p:txBody>
       </p:sp>
@@ -14428,10 +14160,9 @@
           <a:lstStyle/>
           <a:p>
             <a:r>
-              <a:rPr lang="en-US" dirty="0" smtClean="0"/>
+              <a:rPr lang="en-US" dirty="0"/>
               <a:t>Third-Party APIs</a:t>
             </a:r>
-            <a:endParaRPr lang="en-US" dirty="0"/>
           </a:p>
         </p:txBody>
       </p:sp>
@@ -14458,16 +14189,15 @@
           <a:lstStyle/>
           <a:p>
             <a:r>
-              <a:rPr lang="en-US" dirty="0" smtClean="0"/>
+              <a:rPr lang="en-US" dirty="0"/>
               <a:t>Still have to enable CORS in those remote servers, if want to contact them directly from JS</a:t>
             </a:r>
           </a:p>
           <a:p>
             <a:r>
-              <a:rPr lang="en-US" dirty="0" smtClean="0"/>
+              <a:rPr lang="en-US" dirty="0"/>
               <a:t>But what if I cannot change those settings, or want to avoid preflight requests?</a:t>
             </a:r>
-            <a:endParaRPr lang="en-US" dirty="0"/>
           </a:p>
         </p:txBody>
       </p:sp>
@@ -14617,10 +14347,9 @@
           <a:lstStyle/>
           <a:p>
             <a:r>
-              <a:rPr lang="en-US" sz="2400" dirty="0" smtClean="0"/>
+              <a:rPr lang="en-US" sz="2400" dirty="0"/>
               <a:t>Third-Party Server X</a:t>
             </a:r>
-            <a:endParaRPr lang="en-US" sz="2400" dirty="0"/>
           </a:p>
         </p:txBody>
       </p:sp>
@@ -14647,10 +14376,9 @@
           <a:lstStyle/>
           <a:p>
             <a:r>
-              <a:rPr lang="en-US" sz="2400" dirty="0" smtClean="0"/>
+              <a:rPr lang="en-US" sz="2400" dirty="0"/>
               <a:t>My Server</a:t>
             </a:r>
-            <a:endParaRPr lang="en-US" sz="2400" dirty="0"/>
           </a:p>
         </p:txBody>
       </p:sp>
@@ -14783,10 +14511,9 @@
           <a:lstStyle/>
           <a:p>
             <a:r>
-              <a:rPr lang="en-US" dirty="0" smtClean="0"/>
+              <a:rPr lang="en-US" dirty="0"/>
               <a:t>Proxy Requests</a:t>
             </a:r>
-            <a:endParaRPr lang="en-US" dirty="0"/>
           </a:p>
         </p:txBody>
       </p:sp>
@@ -14813,35 +14540,26 @@
           <a:lstStyle/>
           <a:p>
             <a:r>
-              <a:rPr lang="en-US" dirty="0" smtClean="0"/>
-              <a:t>Option: do </a:t>
-            </a:r>
-            <a:r>
-              <a:rPr lang="en-US" dirty="0"/>
-              <a:t>not call a Third-Party Server </a:t>
-            </a:r>
-            <a:r>
-              <a:rPr lang="en-US" dirty="0" smtClean="0"/>
-              <a:t>X directly from JS, but via your own server</a:t>
+              <a:rPr lang="en-US" dirty="0"/>
+              <a:t>Option: do not call a Third-Party Server X directly from JS, but via your own server</a:t>
             </a:r>
           </a:p>
           <a:p>
             <a:pPr lvl="1"/>
             <a:r>
-              <a:rPr lang="en-US" dirty="0" err="1" smtClean="0"/>
+              <a:rPr lang="en-US" dirty="0" err="1"/>
               <a:t>Eg</a:t>
             </a:r>
             <a:r>
-              <a:rPr lang="en-US" dirty="0" smtClean="0"/>
+              <a:rPr lang="en-US" dirty="0"/>
               <a:t>, have a REST API that calls X</a:t>
             </a:r>
           </a:p>
           <a:p>
             <a:r>
-              <a:rPr lang="en-US" dirty="0" smtClean="0"/>
+              <a:rPr lang="en-US" dirty="0"/>
               <a:t>CORS only applies to browsers, and not to your server apps!</a:t>
             </a:r>
-            <a:endParaRPr lang="en-US" dirty="0"/>
           </a:p>
           <a:p>
             <a:pPr marL="0" indent="0">
@@ -14997,10 +14715,9 @@
           <a:lstStyle/>
           <a:p>
             <a:r>
-              <a:rPr lang="en-US" sz="2400" dirty="0" smtClean="0"/>
+              <a:rPr lang="en-US" sz="2400" dirty="0"/>
               <a:t>Third-Party Server X</a:t>
             </a:r>
-            <a:endParaRPr lang="en-US" sz="2400" dirty="0"/>
           </a:p>
         </p:txBody>
       </p:sp>
@@ -15027,10 +14744,9 @@
           <a:lstStyle/>
           <a:p>
             <a:r>
-              <a:rPr lang="en-US" sz="2400" dirty="0" smtClean="0"/>
+              <a:rPr lang="en-US" sz="2400" dirty="0"/>
               <a:t>My Server</a:t>
             </a:r>
-            <a:endParaRPr lang="en-US" sz="2400" dirty="0"/>
           </a:p>
         </p:txBody>
       </p:sp>
@@ -15135,18 +14851,17 @@
           <a:lstStyle/>
           <a:p>
             <a:r>
-              <a:rPr lang="en-US" sz="2400" dirty="0" smtClean="0"/>
+              <a:rPr lang="en-US" sz="2400" dirty="0"/>
               <a:t>POST /</a:t>
             </a:r>
             <a:r>
-              <a:rPr lang="en-US" sz="2400" dirty="0" err="1" smtClean="0"/>
+              <a:rPr lang="en-US" sz="2400" dirty="0" err="1"/>
               <a:t>myserver</a:t>
             </a:r>
             <a:r>
-              <a:rPr lang="en-US" sz="2400" dirty="0" smtClean="0"/>
+              <a:rPr lang="en-US" sz="2400" dirty="0"/>
               <a:t>/foo</a:t>
             </a:r>
-            <a:endParaRPr lang="en-US" sz="2400" dirty="0"/>
           </a:p>
         </p:txBody>
       </p:sp>
@@ -15173,10 +14888,9 @@
           <a:lstStyle/>
           <a:p>
             <a:r>
-              <a:rPr lang="en-US" sz="2400" dirty="0" smtClean="0"/>
+              <a:rPr lang="en-US" sz="2400" dirty="0"/>
               <a:t>POST /x/foo</a:t>
             </a:r>
-            <a:endParaRPr lang="en-US" sz="2400" dirty="0"/>
           </a:p>
         </p:txBody>
       </p:sp>
@@ -15226,10 +14940,9 @@
           <a:lstStyle/>
           <a:p>
             <a:r>
-              <a:rPr lang="en-US" dirty="0" smtClean="0"/>
+              <a:rPr lang="en-US" dirty="0"/>
               <a:t>Disabling CORS</a:t>
             </a:r>
-            <a:endParaRPr lang="en-US" dirty="0"/>
           </a:p>
         </p:txBody>
       </p:sp>
@@ -15256,130 +14969,105 @@
           <a:lstStyle/>
           <a:p>
             <a:r>
-              <a:rPr lang="en-US" dirty="0" smtClean="0"/>
-              <a:t>People that do not understand CORS can be tempted to disable it </a:t>
-            </a:r>
-            <a:r>
-              <a:rPr lang="en-US" dirty="0"/>
-              <a:t>by setting </a:t>
-            </a:r>
-            <a:r>
-              <a:rPr lang="en-US" dirty="0" smtClean="0"/>
-              <a:t>“</a:t>
-            </a:r>
-            <a:r>
-              <a:rPr lang="en-US" b="1" dirty="0" smtClean="0"/>
-              <a:t>Access-Control-Allow-Origin</a:t>
+              <a:rPr lang="en-US" dirty="0"/>
+              <a:t>People that do not understand CORS can be tempted to disable it by setting “</a:t>
             </a:r>
             <a:r>
               <a:rPr lang="en-US" b="1" dirty="0"/>
-              <a:t>: </a:t>
-            </a:r>
-            <a:r>
-              <a:rPr lang="en-US" b="1" dirty="0" smtClean="0"/>
+              <a:t>Access-Control-Allow-Origin: *</a:t>
+            </a:r>
+            <a:r>
+              <a:rPr lang="en-US" dirty="0"/>
+              <a:t>” in their servers</a:t>
+            </a:r>
+          </a:p>
+          <a:p>
+            <a:pPr lvl="1"/>
+            <a:r>
+              <a:rPr lang="en-US" dirty="0" err="1"/>
+              <a:t>ie</a:t>
+            </a:r>
+            <a:r>
+              <a:rPr lang="en-US" dirty="0"/>
+              <a:t>, “</a:t>
+            </a:r>
+            <a:r>
+              <a:rPr lang="en-US" b="1" dirty="0"/>
               <a:t>*</a:t>
             </a:r>
             <a:r>
-              <a:rPr lang="en-US" dirty="0" smtClean="0"/>
-              <a:t>” in their servers</a:t>
+              <a:rPr lang="en-US" dirty="0"/>
+              <a:t>” means all origins are valid</a:t>
+            </a:r>
+          </a:p>
+          <a:p>
+            <a:r>
+              <a:rPr lang="en-US" dirty="0"/>
+              <a:t>This “</a:t>
+            </a:r>
+            <a:r>
+              <a:rPr lang="en-US" i="1" dirty="0"/>
+              <a:t>could</a:t>
+            </a:r>
+            <a:r>
+              <a:rPr lang="en-US" dirty="0"/>
+              <a:t>” be fine for read-only services with no sensitive data</a:t>
+            </a:r>
+          </a:p>
+          <a:p>
+            <a:r>
+              <a:rPr lang="en-US" dirty="0"/>
+              <a:t>What if need to do </a:t>
+            </a:r>
+            <a:r>
+              <a:rPr lang="en-US" i="1" dirty="0"/>
+              <a:t>authenticated</a:t>
+            </a:r>
+            <a:r>
+              <a:rPr lang="en-US" dirty="0"/>
+              <a:t> requests with cookies?</a:t>
+            </a:r>
+          </a:p>
+          <a:p>
+            <a:r>
+              <a:rPr lang="en-US" dirty="0"/>
+              <a:t>Some browsers have “</a:t>
+            </a:r>
+            <a:r>
+              <a:rPr lang="en-US" i="1" dirty="0"/>
+              <a:t>idiot-proof</a:t>
+            </a:r>
+            <a:r>
+              <a:rPr lang="en-US" dirty="0"/>
+              <a:t>” mechanisms that block authenticated requests to servers responding with “</a:t>
+            </a:r>
+            <a:r>
+              <a:rPr lang="en-US" b="1" dirty="0"/>
+              <a:t>Access-Control-Allow-Origin: *</a:t>
+            </a:r>
+            <a:r>
+              <a:rPr lang="en-US" dirty="0"/>
+              <a:t>”</a:t>
             </a:r>
           </a:p>
           <a:p>
             <a:pPr lvl="1"/>
             <a:r>
-              <a:rPr lang="en-US" dirty="0" err="1" smtClean="0"/>
+              <a:rPr lang="en-US" dirty="0" err="1"/>
               <a:t>ie</a:t>
             </a:r>
             <a:r>
-              <a:rPr lang="en-US" dirty="0" smtClean="0"/>
-              <a:t>, “</a:t>
-            </a:r>
-            <a:r>
-              <a:rPr lang="en-US" b="1" dirty="0" smtClean="0"/>
-              <a:t>*</a:t>
-            </a:r>
-            <a:r>
-              <a:rPr lang="en-US" dirty="0" smtClean="0"/>
-              <a:t>” means all origins are valid</a:t>
-            </a:r>
-          </a:p>
-          <a:p>
-            <a:r>
-              <a:rPr lang="en-US" dirty="0" smtClean="0"/>
-              <a:t>This “</a:t>
-            </a:r>
-            <a:r>
-              <a:rPr lang="en-US" i="1" dirty="0" smtClean="0"/>
-              <a:t>could</a:t>
-            </a:r>
-            <a:r>
-              <a:rPr lang="en-US" dirty="0" smtClean="0"/>
-              <a:t>” be fine for read-only services with no sensitive data</a:t>
-            </a:r>
-          </a:p>
-          <a:p>
-            <a:r>
-              <a:rPr lang="en-US" dirty="0" smtClean="0"/>
-              <a:t>What if need to do </a:t>
-            </a:r>
-            <a:r>
-              <a:rPr lang="en-US" i="1" dirty="0" smtClean="0"/>
-              <a:t>authenticated</a:t>
-            </a:r>
-            <a:r>
-              <a:rPr lang="en-US" dirty="0" smtClean="0"/>
-              <a:t> requests with cookies?</a:t>
-            </a:r>
-          </a:p>
-          <a:p>
-            <a:r>
-              <a:rPr lang="en-US" dirty="0" smtClean="0"/>
-              <a:t>Some browsers have “</a:t>
-            </a:r>
-            <a:r>
-              <a:rPr lang="en-US" i="1" dirty="0" smtClean="0"/>
-              <a:t>idiot-proof</a:t>
-            </a:r>
-            <a:r>
-              <a:rPr lang="en-US" dirty="0" smtClean="0"/>
-              <a:t>” mechanisms that block authenticated requests to servers responding with </a:t>
-            </a:r>
-            <a:r>
-              <a:rPr lang="en-US" dirty="0"/>
-              <a:t>“</a:t>
-            </a:r>
-            <a:r>
-              <a:rPr lang="en-US" b="1" dirty="0"/>
-              <a:t>Access-Control-Allow-Origin: </a:t>
-            </a:r>
-            <a:r>
-              <a:rPr lang="en-US" b="1" dirty="0" smtClean="0"/>
-              <a:t>*</a:t>
-            </a:r>
-            <a:r>
-              <a:rPr lang="en-US" dirty="0" smtClean="0"/>
-              <a:t>”</a:t>
-            </a:r>
-          </a:p>
-          <a:p>
-            <a:pPr lvl="1"/>
-            <a:r>
-              <a:rPr lang="en-US" dirty="0" err="1" smtClean="0"/>
-              <a:t>ie</a:t>
-            </a:r>
-            <a:r>
-              <a:rPr lang="en-US" dirty="0" smtClean="0"/>
+              <a:rPr lang="en-US" dirty="0"/>
               <a:t>, it would be pointless to have an </a:t>
             </a:r>
             <a:r>
-              <a:rPr lang="en-US" dirty="0" err="1" smtClean="0"/>
+              <a:rPr lang="en-US" dirty="0" err="1"/>
               <a:t>auth</a:t>
             </a:r>
             <a:r>
-              <a:rPr lang="en-US" dirty="0" smtClean="0"/>
+              <a:rPr lang="en-US" dirty="0"/>
               <a:t> system if then you disable CORS protection…</a:t>
             </a:r>
-            <a:endParaRPr lang="en-US" dirty="0"/>
           </a:p>
         </p:txBody>
       </p:sp>
@@ -15429,10 +15117,9 @@
           <a:lstStyle/>
           <a:p>
             <a:r>
-              <a:rPr lang="en-US" dirty="0" smtClean="0"/>
+              <a:rPr lang="en-US" dirty="0"/>
               <a:t>Blog Posts and Tutorials</a:t>
             </a:r>
-            <a:endParaRPr lang="en-US" dirty="0"/>
           </a:p>
         </p:txBody>
       </p:sp>
@@ -15457,60 +15144,43 @@
           <a:lstStyle/>
           <a:p>
             <a:r>
-              <a:rPr lang="en-US" dirty="0" smtClean="0"/>
+              <a:rPr lang="en-US" dirty="0"/>
               <a:t>Security is a very complex topic</a:t>
             </a:r>
           </a:p>
           <a:p>
             <a:r>
-              <a:rPr lang="en-US" dirty="0" smtClean="0"/>
+              <a:rPr lang="en-US" dirty="0"/>
               <a:t>Unfortunately, many universities do not cover it, or only superficially</a:t>
             </a:r>
           </a:p>
           <a:p>
             <a:r>
-              <a:rPr lang="en-US" dirty="0" smtClean="0"/>
+              <a:rPr lang="en-US" dirty="0"/>
               <a:t>Result: plenty of resources online written by people with no clue of what they are talking about</a:t>
             </a:r>
           </a:p>
           <a:p>
             <a:r>
-              <a:rPr lang="en-US" dirty="0" smtClean="0"/>
-              <a:t>Recommendation</a:t>
-            </a:r>
-            <a:r>
-              <a:rPr lang="en-US" dirty="0" smtClean="0"/>
-              <a:t>: </a:t>
-            </a:r>
-            <a:r>
-              <a:rPr lang="en-US" i="1" dirty="0" smtClean="0"/>
-              <a:t>be wary of this issue, and do not trust blindly when reading </a:t>
-            </a:r>
-            <a:r>
-              <a:rPr lang="en-US" i="1" dirty="0" smtClean="0"/>
-              <a:t>about</a:t>
-            </a:r>
-            <a:r>
-              <a:rPr lang="en-US" i="1" dirty="0" smtClean="0"/>
-              <a:t> </a:t>
-            </a:r>
-            <a:r>
-              <a:rPr lang="en-US" i="1" dirty="0" smtClean="0"/>
-              <a:t>security </a:t>
-            </a:r>
-            <a:r>
-              <a:rPr lang="en-US" dirty="0" smtClean="0"/>
+              <a:rPr lang="en-US" dirty="0"/>
+              <a:t>Recommendation: </a:t>
+            </a:r>
+            <a:r>
+              <a:rPr lang="en-US" i="1" dirty="0"/>
+              <a:t>be wary of this issue, and do not trust blindly when reading about security </a:t>
+            </a:r>
+            <a:r>
+              <a:rPr lang="en-US" dirty="0"/>
               <a:t>(</a:t>
             </a:r>
             <a:r>
-              <a:rPr lang="en-US" b="1" dirty="0" smtClean="0"/>
+              <a:rPr lang="en-US" b="1" dirty="0"/>
               <a:t>including these slides…</a:t>
             </a:r>
             <a:r>
-              <a:rPr lang="en-US" dirty="0" smtClean="0"/>
+              <a:rPr lang="en-US" dirty="0"/>
               <a:t>)</a:t>
             </a:r>
-            <a:endParaRPr lang="en-US" dirty="0"/>
           </a:p>
         </p:txBody>
       </p:sp>
@@ -15560,10 +15230,9 @@
           <a:lstStyle/>
           <a:p>
             <a:r>
-              <a:rPr lang="en-US" dirty="0" smtClean="0"/>
+              <a:rPr lang="en-US" dirty="0"/>
               <a:t>TLS/SSL Digital Certificates</a:t>
             </a:r>
-            <a:endParaRPr lang="en-US" dirty="0"/>
           </a:p>
         </p:txBody>
       </p:sp>
@@ -15590,18 +15259,14 @@
           <a:lstStyle/>
           <a:p>
             <a:r>
-              <a:rPr lang="en-US" dirty="0" smtClean="0"/>
+              <a:rPr lang="en-US" dirty="0"/>
               <a:t>When using HTTPS to a server, first download a digital certificate </a:t>
             </a:r>
           </a:p>
           <a:p>
             <a:r>
               <a:rPr lang="en-US" dirty="0"/>
-              <a:t>D</a:t>
-            </a:r>
-            <a:r>
-              <a:rPr lang="en-US" dirty="0" smtClean="0"/>
-              <a:t>igital Certificate (DC) contains: </a:t>
+              <a:t>Digital Certificate (DC) contains: </a:t>
             </a:r>
           </a:p>
           <a:p>
@@ -15610,27 +15275,23 @@
               <a:buAutoNum type="arabicPeriod"/>
             </a:pPr>
             <a:r>
-              <a:rPr lang="en-US" dirty="0" smtClean="0"/>
+              <a:rPr lang="en-US" dirty="0"/>
               <a:t>domain name (</a:t>
             </a:r>
             <a:r>
-              <a:rPr lang="en-US" dirty="0" err="1" smtClean="0"/>
+              <a:rPr lang="en-US" dirty="0" err="1"/>
               <a:t>eg</a:t>
             </a:r>
             <a:r>
               <a:rPr lang="en-US" dirty="0"/>
-              <a:t>,</a:t>
-            </a:r>
-            <a:r>
-              <a:rPr lang="en-US" dirty="0" smtClean="0"/>
-              <a:t> </a:t>
-            </a:r>
-            <a:r>
-              <a:rPr lang="en-US" i="1" dirty="0" smtClean="0"/>
+              <a:t>, </a:t>
+            </a:r>
+            <a:r>
+              <a:rPr lang="en-US" i="1" dirty="0"/>
               <a:t>www.facebook.com</a:t>
             </a:r>
             <a:r>
-              <a:rPr lang="en-US" dirty="0" smtClean="0"/>
+              <a:rPr lang="en-US" dirty="0"/>
               <a:t>)</a:t>
             </a:r>
           </a:p>
@@ -15640,16 +15301,8 @@
               <a:buAutoNum type="arabicPeriod"/>
             </a:pPr>
             <a:r>
-              <a:rPr lang="en-US" dirty="0" smtClean="0"/>
-              <a:t>trusted </a:t>
-            </a:r>
-            <a:r>
-              <a:rPr lang="en-US" dirty="0"/>
-              <a:t>certificate authority (CA</a:t>
-            </a:r>
-            <a:r>
-              <a:rPr lang="en-US" dirty="0" smtClean="0"/>
-              <a:t>) </a:t>
+              <a:rPr lang="en-US" dirty="0"/>
+              <a:t>trusted certificate authority (CA) </a:t>
             </a:r>
           </a:p>
           <a:p>
@@ -15658,55 +15311,46 @@
               <a:buAutoNum type="arabicPeriod"/>
             </a:pPr>
             <a:r>
-              <a:rPr lang="en-US" dirty="0" smtClean="0"/>
+              <a:rPr lang="en-US" dirty="0"/>
               <a:t>server's </a:t>
             </a:r>
             <a:r>
-              <a:rPr lang="en-US" i="1" dirty="0" smtClean="0"/>
-              <a:t>public </a:t>
-            </a:r>
-            <a:r>
               <a:rPr lang="en-US" i="1" dirty="0"/>
-              <a:t>encryption </a:t>
-            </a:r>
-            <a:r>
-              <a:rPr lang="en-US" i="1" dirty="0" smtClean="0"/>
-              <a:t>key</a:t>
-            </a:r>
-            <a:r>
-              <a:rPr lang="en-US" dirty="0" smtClean="0"/>
+              <a:t>public encryption key</a:t>
+            </a:r>
+            <a:r>
+              <a:rPr lang="en-US" dirty="0"/>
               <a:t>, </a:t>
             </a:r>
             <a:r>
-              <a:rPr lang="en-US" dirty="0" err="1" smtClean="0"/>
+              <a:rPr lang="en-US" dirty="0" err="1"/>
               <a:t>ie</a:t>
             </a:r>
             <a:r>
-              <a:rPr lang="en-US" dirty="0" smtClean="0"/>
+              <a:rPr lang="en-US" dirty="0"/>
               <a:t> RSA algorithm</a:t>
             </a:r>
-            <a:endParaRPr lang="en-US" i="1" dirty="0" smtClean="0"/>
-          </a:p>
-          <a:p>
-            <a:r>
-              <a:rPr lang="en-US" dirty="0" smtClean="0"/>
+            <a:endParaRPr lang="en-US" i="1" dirty="0"/>
+          </a:p>
+          <a:p>
+            <a:r>
+              <a:rPr lang="en-US" dirty="0"/>
               <a:t>Certificates have expiration time</a:t>
             </a:r>
           </a:p>
           <a:p>
             <a:r>
-              <a:rPr lang="en-US" dirty="0" smtClean="0"/>
+              <a:rPr lang="en-US" dirty="0"/>
               <a:t>The certificates themselves are signed, with the OS having public keys to check their integrity , </a:t>
             </a:r>
             <a:r>
-              <a:rPr lang="en-US" dirty="0" err="1" smtClean="0"/>
+              <a:rPr lang="en-US" dirty="0" err="1"/>
               <a:t>ie</a:t>
             </a:r>
             <a:r>
-              <a:rPr lang="en-US" dirty="0" smtClean="0"/>
+              <a:rPr lang="en-US" dirty="0"/>
               <a:t> they are signed with the private keys of the CA</a:t>
             </a:r>
-            <a:endParaRPr lang="en-US" dirty="0"/>
           </a:p>
         </p:txBody>
       </p:sp>
@@ -15756,11 +15400,11 @@
           <a:lstStyle/>
           <a:p>
             <a:r>
-              <a:rPr lang="en-US" dirty="0" smtClean="0"/>
+              <a:rPr lang="en-US" dirty="0"/>
               <a:t>Security in React and </a:t>
             </a:r>
             <a:r>
-              <a:rPr lang="en-US" dirty="0" err="1" smtClean="0"/>
+              <a:rPr lang="en-US" dirty="0" err="1"/>
               <a:t>NodeJS</a:t>
             </a:r>
             <a:endParaRPr lang="en-US" dirty="0"/>
@@ -15832,10 +15476,9 @@
           <a:lstStyle/>
           <a:p>
             <a:r>
-              <a:rPr lang="en-US" dirty="0" smtClean="0"/>
+              <a:rPr lang="en-US" dirty="0"/>
               <a:t>Passport</a:t>
             </a:r>
-            <a:endParaRPr lang="en-US" dirty="0"/>
           </a:p>
         </p:txBody>
       </p:sp>
@@ -15862,114 +15505,109 @@
           <a:lstStyle/>
           <a:p>
             <a:r>
-              <a:rPr lang="en-US" dirty="0" smtClean="0"/>
+              <a:rPr lang="en-US" dirty="0"/>
               <a:t>To enable </a:t>
             </a:r>
             <a:r>
-              <a:rPr lang="en-US" dirty="0" err="1" smtClean="0"/>
+              <a:rPr lang="en-US" dirty="0" err="1"/>
               <a:t>auth</a:t>
             </a:r>
             <a:r>
               <a:rPr lang="en-US" dirty="0"/>
-              <a:t> </a:t>
-            </a:r>
-            <a:r>
-              <a:rPr lang="en-US" dirty="0" smtClean="0"/>
-              <a:t>in an Express/</a:t>
-            </a:r>
-            <a:r>
-              <a:rPr lang="en-US" dirty="0" err="1" smtClean="0"/>
+              <a:t> in an Express/</a:t>
+            </a:r>
+            <a:r>
+              <a:rPr lang="en-US" dirty="0" err="1"/>
               <a:t>NodeJS</a:t>
             </a:r>
             <a:r>
-              <a:rPr lang="en-US" dirty="0" smtClean="0"/>
+              <a:rPr lang="en-US" dirty="0"/>
               <a:t> application, we will use the library called </a:t>
             </a:r>
             <a:r>
-              <a:rPr lang="en-US" b="1" dirty="0" smtClean="0"/>
+              <a:rPr lang="en-US" b="1" dirty="0"/>
               <a:t>Passport</a:t>
             </a:r>
             <a:r>
-              <a:rPr lang="en-US" dirty="0" smtClean="0"/>
+              <a:rPr lang="en-US" dirty="0"/>
               <a:t>  </a:t>
             </a:r>
           </a:p>
           <a:p>
             <a:r>
-              <a:rPr lang="en-US" dirty="0" smtClean="0"/>
+              <a:rPr lang="en-US" dirty="0"/>
               <a:t>We will use </a:t>
             </a:r>
             <a:r>
-              <a:rPr lang="en-US" i="1" dirty="0" smtClean="0"/>
+              <a:rPr lang="en-US" i="1" dirty="0"/>
               <a:t>session-based </a:t>
             </a:r>
             <a:r>
-              <a:rPr lang="en-US" i="1" dirty="0" err="1" smtClean="0"/>
+              <a:rPr lang="en-US" i="1" dirty="0" err="1"/>
               <a:t>auth</a:t>
             </a:r>
             <a:r>
-              <a:rPr lang="en-US" i="1" dirty="0" smtClean="0"/>
+              <a:rPr lang="en-US" i="1" dirty="0"/>
               <a:t> with cookies</a:t>
             </a:r>
           </a:p>
           <a:p>
             <a:r>
-              <a:rPr lang="en-US" dirty="0" smtClean="0"/>
+              <a:rPr lang="en-US" dirty="0"/>
               <a:t>We will need to create a REST API to handle </a:t>
             </a:r>
             <a:r>
-              <a:rPr lang="en-US" i="1" dirty="0" smtClean="0"/>
+              <a:rPr lang="en-US" i="1" dirty="0"/>
               <a:t>signup</a:t>
             </a:r>
             <a:r>
-              <a:rPr lang="en-US" dirty="0" smtClean="0"/>
+              <a:rPr lang="en-US" dirty="0"/>
               <a:t>, </a:t>
             </a:r>
             <a:r>
-              <a:rPr lang="en-US" i="1" dirty="0" smtClean="0"/>
+              <a:rPr lang="en-US" i="1" dirty="0"/>
               <a:t>login</a:t>
             </a:r>
             <a:r>
-              <a:rPr lang="en-US" dirty="0" smtClean="0"/>
+              <a:rPr lang="en-US" dirty="0"/>
               <a:t> and </a:t>
             </a:r>
             <a:r>
-              <a:rPr lang="en-US" i="1" dirty="0" smtClean="0"/>
+              <a:rPr lang="en-US" i="1" dirty="0"/>
               <a:t>logout</a:t>
             </a:r>
             <a:r>
-              <a:rPr lang="en-US" dirty="0" smtClean="0"/>
+              <a:rPr lang="en-US" dirty="0"/>
               <a:t> operations</a:t>
             </a:r>
           </a:p>
           <a:p>
             <a:r>
-              <a:rPr lang="en-US" dirty="0" smtClean="0"/>
+              <a:rPr lang="en-US" dirty="0"/>
               <a:t>When HTTP requests with valid session cookie, Passport will automatically generate a “</a:t>
             </a:r>
             <a:r>
-              <a:rPr lang="en-US" i="1" dirty="0" smtClean="0"/>
+              <a:rPr lang="en-US" i="1" dirty="0"/>
               <a:t>user</a:t>
             </a:r>
             <a:r>
-              <a:rPr lang="en-US" dirty="0" smtClean="0"/>
+              <a:rPr lang="en-US" dirty="0"/>
               <a:t>” object identifying the logged-in user</a:t>
             </a:r>
           </a:p>
           <a:p>
             <a:r>
-              <a:rPr lang="en-US" dirty="0" smtClean="0"/>
+              <a:rPr lang="en-US" dirty="0"/>
               <a:t>Note: we will </a:t>
             </a:r>
             <a:r>
-              <a:rPr lang="en-US" b="1" dirty="0" smtClean="0"/>
+              <a:rPr lang="en-US" b="1" dirty="0"/>
               <a:t>NOT</a:t>
             </a:r>
             <a:r>
-              <a:rPr lang="en-US" dirty="0" smtClean="0"/>
+              <a:rPr lang="en-US" dirty="0"/>
               <a:t> see how to properly store passwords…</a:t>
             </a:r>
-            <a:endParaRPr lang="en-US" dirty="0"/>
           </a:p>
         </p:txBody>
       </p:sp>
@@ -16019,14 +15657,13 @@
           <a:lstStyle/>
           <a:p>
             <a:r>
-              <a:rPr lang="en-US" dirty="0" err="1" smtClean="0"/>
+              <a:rPr lang="en-US" dirty="0" err="1"/>
               <a:t>Auth</a:t>
             </a:r>
             <a:r>
-              <a:rPr lang="en-US" dirty="0" smtClean="0"/>
+              <a:rPr lang="en-US" dirty="0"/>
               <a:t> in React</a:t>
             </a:r>
-            <a:endParaRPr lang="en-US" dirty="0"/>
           </a:p>
         </p:txBody>
       </p:sp>
@@ -16051,95 +15688,94 @@
           <a:lstStyle/>
           <a:p>
             <a:r>
-              <a:rPr lang="en-US" i="1" dirty="0" smtClean="0"/>
+              <a:rPr lang="en-US" i="1" dirty="0"/>
               <a:t>React</a:t>
             </a:r>
             <a:r>
-              <a:rPr lang="en-US" dirty="0" smtClean="0"/>
+              <a:rPr lang="en-US" dirty="0"/>
               <a:t> has no concept of </a:t>
             </a:r>
             <a:r>
-              <a:rPr lang="en-US" dirty="0" err="1" smtClean="0"/>
+              <a:rPr lang="en-US" dirty="0" err="1"/>
               <a:t>auth</a:t>
             </a:r>
-            <a:endParaRPr lang="en-US" dirty="0" smtClean="0"/>
-          </a:p>
-          <a:p>
-            <a:r>
-              <a:rPr lang="en-US" dirty="0" smtClean="0"/>
+            <a:endParaRPr lang="en-US" dirty="0"/>
+          </a:p>
+          <a:p>
+            <a:r>
+              <a:rPr lang="en-US" dirty="0"/>
               <a:t>Still, want to render components based on whether logged-in or not</a:t>
             </a:r>
           </a:p>
           <a:p>
             <a:pPr lvl="1"/>
             <a:r>
-              <a:rPr lang="en-US" dirty="0" err="1" smtClean="0"/>
+              <a:rPr lang="en-US" dirty="0" err="1"/>
               <a:t>eg</a:t>
             </a:r>
             <a:r>
-              <a:rPr lang="en-US" dirty="0" smtClean="0"/>
+              <a:rPr lang="en-US" dirty="0"/>
               <a:t>, display a “</a:t>
             </a:r>
             <a:r>
-              <a:rPr lang="en-US" i="1" dirty="0" smtClean="0"/>
+              <a:rPr lang="en-US" i="1" dirty="0"/>
               <a:t>Login</a:t>
             </a:r>
             <a:r>
-              <a:rPr lang="en-US" dirty="0" smtClean="0"/>
+              <a:rPr lang="en-US" dirty="0"/>
               <a:t>” button if not logged-in, or a “</a:t>
             </a:r>
             <a:r>
-              <a:rPr lang="en-US" i="1" dirty="0" smtClean="0"/>
+              <a:rPr lang="en-US" i="1" dirty="0"/>
               <a:t>Logout</a:t>
             </a:r>
             <a:r>
-              <a:rPr lang="en-US" dirty="0" smtClean="0"/>
+              <a:rPr lang="en-US" dirty="0"/>
               <a:t>” otherwise</a:t>
             </a:r>
           </a:p>
           <a:p>
             <a:r>
-              <a:rPr lang="en-US" dirty="0" smtClean="0"/>
+              <a:rPr lang="en-US" dirty="0"/>
               <a:t>Whether we are logged in depends if the browser has a valid session cookie</a:t>
             </a:r>
           </a:p>
           <a:p>
             <a:r>
-              <a:rPr lang="en-US" dirty="0" smtClean="0"/>
+              <a:rPr lang="en-US" dirty="0"/>
               <a:t>But </a:t>
             </a:r>
             <a:r>
-              <a:rPr lang="en-US" i="1" dirty="0" smtClean="0"/>
+              <a:rPr lang="en-US" i="1" dirty="0"/>
               <a:t>React</a:t>
             </a:r>
             <a:r>
-              <a:rPr lang="en-US" dirty="0" smtClean="0"/>
+              <a:rPr lang="en-US" dirty="0"/>
               <a:t> (and JS in general) </a:t>
             </a:r>
             <a:r>
-              <a:rPr lang="en-US" b="1" dirty="0" smtClean="0"/>
+              <a:rPr lang="en-US" b="1" dirty="0"/>
               <a:t>CANNOT</a:t>
             </a:r>
             <a:r>
-              <a:rPr lang="en-US" dirty="0" smtClean="0"/>
+              <a:rPr lang="en-US" dirty="0"/>
               <a:t> access a </a:t>
             </a:r>
             <a:r>
-              <a:rPr lang="en-US" i="1" dirty="0" err="1" smtClean="0"/>
+              <a:rPr lang="en-US" i="1" dirty="0" err="1"/>
               <a:t>HttpOnly</a:t>
             </a:r>
             <a:r>
-              <a:rPr lang="en-US" dirty="0" smtClean="0"/>
+              <a:rPr lang="en-US" dirty="0"/>
               <a:t> cookie</a:t>
             </a:r>
           </a:p>
           <a:p>
             <a:pPr lvl="1"/>
             <a:r>
-              <a:rPr lang="en-US" dirty="0" smtClean="0"/>
+              <a:rPr lang="en-US" dirty="0"/>
               <a:t>and even if it could, would not know if server would still accept such cookie</a:t>
             </a:r>
-            <a:endParaRPr lang="en-US" dirty="0"/>
           </a:p>
         </p:txBody>
       </p:sp>
@@ -16189,10 +15825,9 @@
           <a:lstStyle/>
           <a:p>
             <a:r>
-              <a:rPr lang="en-US" dirty="0" smtClean="0"/>
+              <a:rPr lang="en-US" dirty="0"/>
               <a:t>State for Logged-in</a:t>
             </a:r>
-            <a:endParaRPr lang="en-US" dirty="0"/>
           </a:p>
         </p:txBody>
       </p:sp>
@@ -16217,75 +15852,66 @@
           <a:lstStyle/>
           <a:p>
             <a:r>
-              <a:rPr lang="en-US" dirty="0" smtClean="0"/>
+              <a:rPr lang="en-US" dirty="0"/>
               <a:t>Could use a variable to represent if user is logged-in</a:t>
             </a:r>
           </a:p>
           <a:p>
             <a:pPr lvl="1"/>
             <a:r>
-              <a:rPr lang="en-US" dirty="0" smtClean="0"/>
+              <a:rPr lang="en-US" dirty="0"/>
               <a:t>with rendering of components based on such variable</a:t>
             </a:r>
           </a:p>
           <a:p>
             <a:r>
-              <a:rPr lang="en-US" dirty="0" smtClean="0"/>
+              <a:rPr lang="en-US" dirty="0"/>
               <a:t>At </a:t>
             </a:r>
             <a:r>
-              <a:rPr lang="en-US" b="1" dirty="0" smtClean="0"/>
+              <a:rPr lang="en-US" b="1" dirty="0"/>
               <a:t>each</a:t>
             </a:r>
             <a:r>
-              <a:rPr lang="en-US" dirty="0" smtClean="0"/>
-              <a:t> HTTP call </a:t>
-            </a:r>
-            <a:r>
-              <a:rPr lang="en-US" dirty="0"/>
-              <a:t>in the whole app </a:t>
-            </a:r>
-            <a:r>
-              <a:rPr lang="en-US" dirty="0" smtClean="0"/>
-              <a:t>requiring </a:t>
-            </a:r>
-            <a:r>
-              <a:rPr lang="en-US" dirty="0" err="1" smtClean="0"/>
+              <a:rPr lang="en-US" dirty="0"/>
+              <a:t> HTTP call in the whole app requiring </a:t>
+            </a:r>
+            <a:r>
+              <a:rPr lang="en-US" dirty="0" err="1"/>
               <a:t>auth</a:t>
             </a:r>
             <a:r>
-              <a:rPr lang="en-US" dirty="0" smtClean="0"/>
+              <a:rPr lang="en-US" dirty="0"/>
               <a:t>, update such variable if needed</a:t>
             </a:r>
           </a:p>
           <a:p>
             <a:pPr lvl="1"/>
             <a:r>
-              <a:rPr lang="en-US" dirty="0" err="1" smtClean="0"/>
+              <a:rPr lang="en-US" dirty="0" err="1"/>
               <a:t>eg</a:t>
             </a:r>
             <a:r>
-              <a:rPr lang="en-US" dirty="0" smtClean="0"/>
+              <a:rPr lang="en-US" dirty="0"/>
               <a:t>, mark as logged-out if we get any 401</a:t>
             </a:r>
           </a:p>
           <a:p>
             <a:r>
-              <a:rPr lang="en-US" i="1" dirty="0" smtClean="0"/>
+              <a:rPr lang="en-US" i="1" dirty="0"/>
               <a:t>React</a:t>
             </a:r>
             <a:r>
-              <a:rPr lang="en-US" dirty="0" smtClean="0"/>
+              <a:rPr lang="en-US" dirty="0"/>
               <a:t> cannot show the current login/logout state, but rather the state at the last HTTP interaction</a:t>
             </a:r>
           </a:p>
           <a:p>
             <a:pPr lvl="1"/>
             <a:r>
-              <a:rPr lang="en-US" dirty="0" smtClean="0"/>
+              <a:rPr lang="en-US" dirty="0"/>
               <a:t>note: even if no direct logout, a cookie can still expire</a:t>
             </a:r>
-            <a:endParaRPr lang="en-US" dirty="0"/>
           </a:p>
         </p:txBody>
       </p:sp>
@@ -16342,10 +15968,9 @@
           <a:lstStyle/>
           <a:p>
             <a:r>
-              <a:rPr lang="en-US" dirty="0" smtClean="0"/>
+              <a:rPr lang="en-US" dirty="0"/>
               <a:t>Frontend “Security”</a:t>
             </a:r>
-            <a:endParaRPr lang="en-US" dirty="0"/>
           </a:p>
         </p:txBody>
       </p:sp>
@@ -16372,74 +15997,69 @@
           <a:lstStyle/>
           <a:p>
             <a:r>
-              <a:rPr lang="en-US" dirty="0" smtClean="0"/>
+              <a:rPr lang="en-US" dirty="0"/>
               <a:t>In </a:t>
             </a:r>
             <a:r>
-              <a:rPr lang="en-US" i="1" dirty="0" smtClean="0"/>
+              <a:rPr lang="en-US" i="1" dirty="0"/>
               <a:t>frontend</a:t>
             </a:r>
             <a:r>
-              <a:rPr lang="en-US" dirty="0" smtClean="0"/>
+              <a:rPr lang="en-US" dirty="0"/>
               <a:t>, choosing what to display based on login status has </a:t>
             </a:r>
             <a:r>
-              <a:rPr lang="en-US" b="1" dirty="0" smtClean="0"/>
+              <a:rPr lang="en-US" b="1" dirty="0"/>
               <a:t>no impact on security</a:t>
             </a:r>
             <a:r>
-              <a:rPr lang="en-US" dirty="0" smtClean="0"/>
+              <a:rPr lang="en-US" dirty="0"/>
               <a:t>… it impacts only </a:t>
             </a:r>
             <a:r>
-              <a:rPr lang="en-US" i="1" dirty="0" smtClean="0"/>
+              <a:rPr lang="en-US" i="1" dirty="0"/>
               <a:t>usability</a:t>
             </a:r>
           </a:p>
           <a:p>
             <a:r>
               <a:rPr lang="en-US" dirty="0"/>
-              <a:t>S</a:t>
-            </a:r>
-            <a:r>
-              <a:rPr lang="en-US" dirty="0" smtClean="0"/>
-              <a:t>ecurity MUST be handled on the </a:t>
-            </a:r>
-            <a:r>
-              <a:rPr lang="en-US" i="1" dirty="0" smtClean="0"/>
+              <a:t>Security MUST be handled on the </a:t>
+            </a:r>
+            <a:r>
+              <a:rPr lang="en-US" i="1" dirty="0"/>
               <a:t>backend… </a:t>
             </a:r>
             <a:r>
-              <a:rPr lang="en-US" dirty="0" smtClean="0"/>
+              <a:rPr lang="en-US" dirty="0"/>
               <a:t>anyone can open a TCP connection and use HTTP to send messages to your </a:t>
             </a:r>
             <a:r>
-              <a:rPr lang="en-US" i="1" dirty="0" smtClean="0"/>
+              <a:rPr lang="en-US" i="1" dirty="0"/>
               <a:t>backend</a:t>
             </a:r>
             <a:r>
-              <a:rPr lang="en-US" dirty="0" smtClean="0"/>
+              <a:rPr lang="en-US" dirty="0"/>
               <a:t> without using the GUI!</a:t>
             </a:r>
           </a:p>
           <a:p>
             <a:r>
-              <a:rPr lang="en-US" dirty="0" smtClean="0"/>
+              <a:rPr lang="en-US" dirty="0"/>
               <a:t>Each REST endpoint that needs protection has to handle </a:t>
             </a:r>
             <a:r>
-              <a:rPr lang="en-US" dirty="0" err="1" smtClean="0"/>
+              <a:rPr lang="en-US" dirty="0" err="1"/>
               <a:t>auth</a:t>
             </a:r>
             <a:r>
-              <a:rPr lang="en-US" dirty="0" smtClean="0"/>
+              <a:rPr lang="en-US" dirty="0"/>
               <a:t> regardless of </a:t>
             </a:r>
             <a:r>
-              <a:rPr lang="en-US" i="1" dirty="0" smtClean="0"/>
+              <a:rPr lang="en-US" i="1" dirty="0"/>
               <a:t>frontend</a:t>
             </a:r>
-            <a:endParaRPr lang="en-US" i="1" dirty="0"/>
           </a:p>
         </p:txBody>
       </p:sp>
@@ -16548,10 +16168,9 @@
           <a:lstStyle/>
           <a:p>
             <a:r>
-              <a:rPr lang="en-US" sz="2400" dirty="0" smtClean="0"/>
+              <a:rPr lang="en-US" sz="2400" dirty="0"/>
               <a:t>My Server</a:t>
             </a:r>
-            <a:endParaRPr lang="en-US" sz="2400" dirty="0"/>
           </a:p>
         </p:txBody>
       </p:sp>
@@ -16617,16 +16236,15 @@
           <a:lstStyle/>
           <a:p>
             <a:r>
-              <a:rPr lang="en-US" sz="2000" dirty="0" smtClean="0"/>
+              <a:rPr lang="en-US" sz="2000" dirty="0"/>
               <a:t>Not logged-in?</a:t>
             </a:r>
           </a:p>
           <a:p>
             <a:r>
-              <a:rPr lang="en-US" sz="2000" dirty="0" smtClean="0"/>
+              <a:rPr lang="en-US" sz="2000" dirty="0"/>
               <a:t>No button with AJAX for protected resource</a:t>
             </a:r>
-            <a:endParaRPr lang="en-US" sz="2000" dirty="0"/>
           </a:p>
         </p:txBody>
       </p:sp>
@@ -16735,10 +16353,9 @@
           <a:lstStyle/>
           <a:p>
             <a:r>
-              <a:rPr lang="en-US" sz="2400" dirty="0" smtClean="0"/>
+              <a:rPr lang="en-US" sz="2400" dirty="0"/>
               <a:t>My Server</a:t>
             </a:r>
-            <a:endParaRPr lang="en-US" sz="2400" dirty="0"/>
           </a:p>
         </p:txBody>
       </p:sp>
@@ -16765,22 +16382,21 @@
           <a:lstStyle/>
           <a:p>
             <a:r>
-              <a:rPr lang="en-US" sz="2400" dirty="0" err="1" smtClean="0"/>
+              <a:rPr lang="en-US" sz="2400" dirty="0" err="1"/>
               <a:t>onClick</a:t>
             </a:r>
             <a:r>
-              <a:rPr lang="en-US" sz="2400" dirty="0" smtClean="0"/>
+              <a:rPr lang="en-US" sz="2400" dirty="0"/>
               <a:t> = POST /</a:t>
             </a:r>
             <a:r>
-              <a:rPr lang="en-US" sz="2400" dirty="0" err="1" smtClean="0"/>
+              <a:rPr lang="en-US" sz="2400" dirty="0" err="1"/>
               <a:t>api</a:t>
             </a:r>
             <a:r>
-              <a:rPr lang="en-US" sz="2400" dirty="0" smtClean="0"/>
+              <a:rPr lang="en-US" sz="2400" dirty="0"/>
               <a:t>/protected</a:t>
             </a:r>
-            <a:endParaRPr lang="en-US" sz="2400" dirty="0"/>
           </a:p>
         </p:txBody>
       </p:sp>
@@ -16808,19 +16424,14 @@
           <a:p>
             <a:r>
               <a:rPr lang="en-US" sz="2000" dirty="0"/>
-              <a:t>L</a:t>
-            </a:r>
-            <a:r>
-              <a:rPr lang="en-US" sz="2000" dirty="0" smtClean="0"/>
-              <a:t>ogged-in?</a:t>
-            </a:r>
-          </a:p>
-          <a:p>
-            <a:r>
-              <a:rPr lang="en-US" sz="2000" dirty="0" smtClean="0"/>
+              <a:t>Logged-in?</a:t>
+            </a:r>
+          </a:p>
+          <a:p>
+            <a:r>
+              <a:rPr lang="en-US" sz="2000" dirty="0"/>
               <a:t>Render button with AJAX </a:t>
             </a:r>
-            <a:endParaRPr lang="en-US" sz="2000" dirty="0"/>
           </a:p>
         </p:txBody>
       </p:sp>
@@ -16870,10 +16481,9 @@
           <a:lstStyle/>
           <a:p>
             <a:r>
-              <a:rPr lang="en-US" dirty="0" smtClean="0"/>
+              <a:rPr lang="en-US" dirty="0"/>
               <a:t>Cont.</a:t>
             </a:r>
-            <a:endParaRPr lang="en-US" dirty="0"/>
           </a:p>
         </p:txBody>
       </p:sp>
@@ -16898,40 +16508,39 @@
           <a:lstStyle/>
           <a:p>
             <a:r>
-              <a:rPr lang="en-US" dirty="0" smtClean="0"/>
+              <a:rPr lang="en-US" dirty="0"/>
               <a:t>Eve would not be able to forge a DC for </a:t>
             </a:r>
             <a:r>
-              <a:rPr lang="en-US" i="1" dirty="0" smtClean="0"/>
+              <a:rPr lang="en-US" i="1" dirty="0"/>
               <a:t>www.facebook.com</a:t>
             </a:r>
             <a:r>
-              <a:rPr lang="en-US" dirty="0" smtClean="0"/>
+              <a:rPr lang="en-US" dirty="0"/>
               <a:t> (</a:t>
             </a:r>
             <a:r>
-              <a:rPr lang="en-US" dirty="0" err="1" smtClean="0"/>
+              <a:rPr lang="en-US" dirty="0" err="1"/>
               <a:t>eg</a:t>
             </a:r>
             <a:r>
-              <a:rPr lang="en-US" dirty="0" smtClean="0"/>
+              <a:rPr lang="en-US" dirty="0"/>
               <a:t> needed for her phishing attacks), because she would need to sign it with the private key of a CA</a:t>
             </a:r>
           </a:p>
           <a:p>
             <a:r>
-              <a:rPr lang="en-US" dirty="0" smtClean="0"/>
+              <a:rPr lang="en-US" dirty="0"/>
               <a:t>Note: this is secure only as long as one can </a:t>
             </a:r>
             <a:r>
-              <a:rPr lang="en-US" i="1" dirty="0" smtClean="0"/>
+              <a:rPr lang="en-US" i="1" dirty="0"/>
               <a:t>trust </a:t>
             </a:r>
             <a:r>
-              <a:rPr lang="en-US" dirty="0" smtClean="0"/>
+              <a:rPr lang="en-US" dirty="0"/>
               <a:t>the CAs, but some of those have been compromised in the past…  </a:t>
             </a:r>
-            <a:endParaRPr lang="en-US" dirty="0"/>
           </a:p>
         </p:txBody>
       </p:sp>
@@ -17107,21 +16716,8 @@
           <a:p>
             <a:r>
               <a:rPr lang="en-US" sz="3200" dirty="0"/>
-              <a:t>What if </a:t>
-            </a:r>
-            <a:r>
-              <a:rPr lang="en-US" sz="3200" dirty="0" smtClean="0"/>
-              <a:t>browser detects </a:t>
-            </a:r>
-            <a:r>
-              <a:rPr lang="en-US" sz="3200" dirty="0"/>
-              <a:t>that the certificate is invalid</a:t>
-            </a:r>
-            <a:r>
-              <a:rPr lang="en-US" sz="3200" dirty="0" smtClean="0"/>
-              <a:t>?  </a:t>
-            </a:r>
-            <a:endParaRPr lang="en-US" sz="3200" dirty="0"/>
+              <a:t>What if browser detects that the certificate is invalid?  </a:t>
+            </a:r>
           </a:p>
         </p:txBody>
       </p:sp>

--- a/docs/slides/lesson_08.pptx
+++ b/docs/slides/lesson_08.pptx
@@ -5,11 +5,20 @@
     <p:sldMasterId id="2147483648" r:id="rId1"/>
   </p:sldMasterIdLst>
   <p:notesMasterIdLst>
-    <p:notesMasterId r:id="rId4"/>
+    <p:notesMasterId r:id="rId13"/>
   </p:notesMasterIdLst>
   <p:sldIdLst>
     <p:sldId id="256" r:id="rId2"/>
     <p:sldId id="257" r:id="rId3"/>
+    <p:sldId id="258" r:id="rId4"/>
+    <p:sldId id="259" r:id="rId5"/>
+    <p:sldId id="261" r:id="rId6"/>
+    <p:sldId id="260" r:id="rId7"/>
+    <p:sldId id="262" r:id="rId8"/>
+    <p:sldId id="263" r:id="rId9"/>
+    <p:sldId id="264" r:id="rId10"/>
+    <p:sldId id="265" r:id="rId11"/>
+    <p:sldId id="266" r:id="rId12"/>
   </p:sldIdLst>
   <p:sldSz cx="12192000" cy="6858000"/>
   <p:notesSz cx="6858000" cy="9144000"/>
@@ -115,6 +124,15 @@
           <p14:sldIdLst>
             <p14:sldId id="256"/>
             <p14:sldId id="257"/>
+            <p14:sldId id="258"/>
+            <p14:sldId id="259"/>
+            <p14:sldId id="261"/>
+            <p14:sldId id="260"/>
+            <p14:sldId id="262"/>
+            <p14:sldId id="263"/>
+            <p14:sldId id="264"/>
+            <p14:sldId id="265"/>
+            <p14:sldId id="266"/>
           </p14:sldIdLst>
         </p14:section>
       </p14:sectionLst>
@@ -220,7 +238,7 @@
           <a:p>
             <a:fld id="{9B5B52BA-3295-0343-9E28-A260A811DD10}" type="datetimeFigureOut">
               <a:rPr lang="en-US" smtClean="0"/>
-              <a:t>1/1/2021</a:t>
+              <a:t>3/2/2021</a:t>
             </a:fld>
             <a:endParaRPr lang="en-US"/>
           </a:p>
@@ -571,6 +589,90 @@
 </p:notes>
 </file>
 
+<file path=ppt/notesSlides/notesSlide2.xml><?xml version="1.0" encoding="utf-8"?>
+<p:notes xmlns:a="http://schemas.openxmlformats.org/drawingml/2006/main" xmlns:r="http://schemas.openxmlformats.org/officeDocument/2006/relationships" xmlns:p="http://schemas.openxmlformats.org/presentationml/2006/main">
+  <p:cSld>
+    <p:spTree>
+      <p:nvGrpSpPr>
+        <p:cNvPr id="1" name=""/>
+        <p:cNvGrpSpPr/>
+        <p:nvPr/>
+      </p:nvGrpSpPr>
+      <p:grpSpPr>
+        <a:xfrm>
+          <a:off x="0" y="0"/>
+          <a:ext cx="0" cy="0"/>
+          <a:chOff x="0" y="0"/>
+          <a:chExt cx="0" cy="0"/>
+        </a:xfrm>
+      </p:grpSpPr>
+      <p:sp>
+        <p:nvSpPr>
+          <p:cNvPr id="2" name="Slide Image Placeholder 1"/>
+          <p:cNvSpPr>
+            <a:spLocks noGrp="1" noRot="1" noChangeAspect="1"/>
+          </p:cNvSpPr>
+          <p:nvPr>
+            <p:ph type="sldImg"/>
+          </p:nvPr>
+        </p:nvSpPr>
+        <p:spPr/>
+      </p:sp>
+      <p:sp>
+        <p:nvSpPr>
+          <p:cNvPr id="3" name="Notes Placeholder 2"/>
+          <p:cNvSpPr>
+            <a:spLocks noGrp="1"/>
+          </p:cNvSpPr>
+          <p:nvPr>
+            <p:ph type="body" idx="1"/>
+          </p:nvPr>
+        </p:nvSpPr>
+        <p:spPr/>
+        <p:txBody>
+          <a:bodyPr/>
+          <a:lstStyle/>
+          <a:p>
+            <a:endParaRPr lang="en-US" dirty="0"/>
+          </a:p>
+        </p:txBody>
+      </p:sp>
+      <p:sp>
+        <p:nvSpPr>
+          <p:cNvPr id="4" name="Slide Number Placeholder 3"/>
+          <p:cNvSpPr>
+            <a:spLocks noGrp="1"/>
+          </p:cNvSpPr>
+          <p:nvPr>
+            <p:ph type="sldNum" sz="quarter" idx="5"/>
+          </p:nvPr>
+        </p:nvSpPr>
+        <p:spPr/>
+        <p:txBody>
+          <a:bodyPr/>
+          <a:lstStyle/>
+          <a:p>
+            <a:fld id="{D6FB5A5B-CC88-B64A-8F56-0DBE0ACA83DE}" type="slidenum">
+              <a:rPr lang="en-US" smtClean="0"/>
+              <a:t>6</a:t>
+            </a:fld>
+            <a:endParaRPr lang="en-US"/>
+          </a:p>
+        </p:txBody>
+      </p:sp>
+    </p:spTree>
+    <p:extLst>
+      <p:ext uri="{BB962C8B-B14F-4D97-AF65-F5344CB8AC3E}">
+        <p14:creationId xmlns:p14="http://schemas.microsoft.com/office/powerpoint/2010/main" val="1005858518"/>
+      </p:ext>
+    </p:extLst>
+  </p:cSld>
+  <p:clrMapOvr>
+    <a:masterClrMapping/>
+  </p:clrMapOvr>
+</p:notes>
+</file>
+
 <file path=ppt/slideLayouts/slideLayout1.xml><?xml version="1.0" encoding="utf-8"?>
 <p:sldLayout xmlns:a="http://schemas.openxmlformats.org/drawingml/2006/main" xmlns:r="http://schemas.openxmlformats.org/officeDocument/2006/relationships" xmlns:p="http://schemas.openxmlformats.org/presentationml/2006/main" type="title" preserve="1">
   <p:cSld name="Title Slide">
@@ -700,7 +802,7 @@
           <a:p>
             <a:fld id="{04F1D4A2-813C-F741-B481-C92B3A596030}" type="datetimeFigureOut">
               <a:rPr lang="en-US" smtClean="0"/>
-              <a:t>1/1/2021</a:t>
+              <a:t>3/2/2021</a:t>
             </a:fld>
             <a:endParaRPr lang="en-US"/>
           </a:p>
@@ -868,7 +970,7 @@
           <a:p>
             <a:fld id="{04F1D4A2-813C-F741-B481-C92B3A596030}" type="datetimeFigureOut">
               <a:rPr lang="en-US" smtClean="0"/>
-              <a:t>1/1/2021</a:t>
+              <a:t>3/2/2021</a:t>
             </a:fld>
             <a:endParaRPr lang="en-US"/>
           </a:p>
@@ -1046,7 +1148,7 @@
           <a:p>
             <a:fld id="{04F1D4A2-813C-F741-B481-C92B3A596030}" type="datetimeFigureOut">
               <a:rPr lang="en-US" smtClean="0"/>
-              <a:t>1/1/2021</a:t>
+              <a:t>3/2/2021</a:t>
             </a:fld>
             <a:endParaRPr lang="en-US"/>
           </a:p>
@@ -1225,7 +1327,7 @@
           <a:p>
             <a:fld id="{04F1D4A2-813C-F741-B481-C92B3A596030}" type="datetimeFigureOut">
               <a:rPr lang="en-US" smtClean="0"/>
-              <a:t>1/1/2021</a:t>
+              <a:t>3/2/2021</a:t>
             </a:fld>
             <a:endParaRPr lang="en-US"/>
           </a:p>
@@ -1470,7 +1572,7 @@
           <a:p>
             <a:fld id="{04F1D4A2-813C-F741-B481-C92B3A596030}" type="datetimeFigureOut">
               <a:rPr lang="en-US" smtClean="0"/>
-              <a:t>1/1/2021</a:t>
+              <a:t>3/2/2021</a:t>
             </a:fld>
             <a:endParaRPr lang="en-US"/>
           </a:p>
@@ -1699,7 +1801,7 @@
           <a:p>
             <a:fld id="{04F1D4A2-813C-F741-B481-C92B3A596030}" type="datetimeFigureOut">
               <a:rPr lang="en-US" smtClean="0"/>
-              <a:t>1/1/2021</a:t>
+              <a:t>3/2/2021</a:t>
             </a:fld>
             <a:endParaRPr lang="en-US"/>
           </a:p>
@@ -2063,7 +2165,7 @@
           <a:p>
             <a:fld id="{04F1D4A2-813C-F741-B481-C92B3A596030}" type="datetimeFigureOut">
               <a:rPr lang="en-US" smtClean="0"/>
-              <a:t>1/1/2021</a:t>
+              <a:t>3/2/2021</a:t>
             </a:fld>
             <a:endParaRPr lang="en-US"/>
           </a:p>
@@ -2180,7 +2282,7 @@
           <a:p>
             <a:fld id="{04F1D4A2-813C-F741-B481-C92B3A596030}" type="datetimeFigureOut">
               <a:rPr lang="en-US" smtClean="0"/>
-              <a:t>1/1/2021</a:t>
+              <a:t>3/2/2021</a:t>
             </a:fld>
             <a:endParaRPr lang="en-US"/>
           </a:p>
@@ -2275,7 +2377,7 @@
           <a:p>
             <a:fld id="{04F1D4A2-813C-F741-B481-C92B3A596030}" type="datetimeFigureOut">
               <a:rPr lang="en-US" smtClean="0"/>
-              <a:t>1/1/2021</a:t>
+              <a:t>3/2/2021</a:t>
             </a:fld>
             <a:endParaRPr lang="en-US"/>
           </a:p>
@@ -2550,7 +2652,7 @@
           <a:p>
             <a:fld id="{04F1D4A2-813C-F741-B481-C92B3A596030}" type="datetimeFigureOut">
               <a:rPr lang="en-US" smtClean="0"/>
-              <a:t>1/1/2021</a:t>
+              <a:t>3/2/2021</a:t>
             </a:fld>
             <a:endParaRPr lang="en-US"/>
           </a:p>
@@ -2802,7 +2904,7 @@
           <a:p>
             <a:fld id="{04F1D4A2-813C-F741-B481-C92B3A596030}" type="datetimeFigureOut">
               <a:rPr lang="en-US" smtClean="0"/>
-              <a:t>1/1/2021</a:t>
+              <a:t>3/2/2021</a:t>
             </a:fld>
             <a:endParaRPr lang="en-US"/>
           </a:p>
@@ -3013,7 +3115,7 @@
           <a:p>
             <a:fld id="{04F1D4A2-813C-F741-B481-C92B3A596030}" type="datetimeFigureOut">
               <a:rPr lang="en-US" smtClean="0"/>
-              <a:t>1/1/2021</a:t>
+              <a:t>3/2/2021</a:t>
             </a:fld>
             <a:endParaRPr lang="en-US"/>
           </a:p>
@@ -3596,6 +3698,325 @@
 </p:sld>
 </file>
 
+<file path=ppt/slides/slide10.xml><?xml version="1.0" encoding="utf-8"?>
+<p:sld xmlns:a="http://schemas.openxmlformats.org/drawingml/2006/main" xmlns:r="http://schemas.openxmlformats.org/officeDocument/2006/relationships" xmlns:p="http://schemas.openxmlformats.org/presentationml/2006/main">
+  <p:cSld>
+    <p:spTree>
+      <p:nvGrpSpPr>
+        <p:cNvPr id="1" name=""/>
+        <p:cNvGrpSpPr/>
+        <p:nvPr/>
+      </p:nvGrpSpPr>
+      <p:grpSpPr>
+        <a:xfrm>
+          <a:off x="0" y="0"/>
+          <a:ext cx="0" cy="0"/>
+          <a:chOff x="0" y="0"/>
+          <a:chExt cx="0" cy="0"/>
+        </a:xfrm>
+      </p:grpSpPr>
+      <p:sp>
+        <p:nvSpPr>
+          <p:cNvPr id="2" name="Title 1">
+            <a:extLst>
+              <a:ext uri="{FF2B5EF4-FFF2-40B4-BE49-F238E27FC236}">
+                <a16:creationId xmlns:a16="http://schemas.microsoft.com/office/drawing/2014/main" id="{659ECBEA-1E2D-4783-84DA-1EFEAC50F1AA}"/>
+              </a:ext>
+            </a:extLst>
+          </p:cNvPr>
+          <p:cNvSpPr>
+            <a:spLocks noGrp="1"/>
+          </p:cNvSpPr>
+          <p:nvPr>
+            <p:ph type="title"/>
+          </p:nvPr>
+        </p:nvSpPr>
+        <p:spPr/>
+        <p:txBody>
+          <a:bodyPr/>
+          <a:lstStyle/>
+          <a:p>
+            <a:r>
+              <a:rPr lang="en-US" dirty="0"/>
+              <a:t>HTTP Library</a:t>
+            </a:r>
+          </a:p>
+        </p:txBody>
+      </p:sp>
+      <p:sp>
+        <p:nvSpPr>
+          <p:cNvPr id="3" name="Content Placeholder 2">
+            <a:extLst>
+              <a:ext uri="{FF2B5EF4-FFF2-40B4-BE49-F238E27FC236}">
+                <a16:creationId xmlns:a16="http://schemas.microsoft.com/office/drawing/2014/main" id="{4C216C80-D915-451D-8130-A1EA7D94C076}"/>
+              </a:ext>
+            </a:extLst>
+          </p:cNvPr>
+          <p:cNvSpPr>
+            <a:spLocks noGrp="1"/>
+          </p:cNvSpPr>
+          <p:nvPr>
+            <p:ph idx="1"/>
+          </p:nvPr>
+        </p:nvSpPr>
+        <p:spPr>
+          <a:xfrm>
+            <a:off x="136689" y="1825624"/>
+            <a:ext cx="11939047" cy="4867407"/>
+          </a:xfrm>
+        </p:spPr>
+        <p:txBody>
+          <a:bodyPr/>
+          <a:lstStyle/>
+          <a:p>
+            <a:r>
+              <a:rPr lang="en-US" dirty="0"/>
+              <a:t>Going to use </a:t>
+            </a:r>
+            <a:r>
+              <a:rPr lang="en-US" i="1" dirty="0" err="1"/>
+              <a:t>SuperTest</a:t>
+            </a:r>
+            <a:r>
+              <a:rPr lang="en-US" dirty="0"/>
+              <a:t> library to make HTTP calls from the tests</a:t>
+            </a:r>
+          </a:p>
+          <a:p>
+            <a:pPr lvl="1"/>
+            <a:r>
+              <a:rPr lang="en-US" dirty="0"/>
+              <a:t>also used to start server on an ephemeral port</a:t>
+            </a:r>
+          </a:p>
+          <a:p>
+            <a:r>
+              <a:rPr lang="en-US" dirty="0"/>
+              <a:t>Challenge: server and tests are running on the </a:t>
+            </a:r>
+            <a:r>
+              <a:rPr lang="en-US" b="1" dirty="0"/>
+              <a:t>_same_</a:t>
+            </a:r>
+            <a:r>
+              <a:rPr lang="en-US" dirty="0"/>
+              <a:t> thread in </a:t>
+            </a:r>
+            <a:r>
+              <a:rPr lang="en-US" i="1" dirty="0"/>
+              <a:t>NodeJS</a:t>
+            </a:r>
+            <a:r>
+              <a:rPr lang="en-US" dirty="0"/>
+              <a:t>, so need to make proper use of </a:t>
+            </a:r>
+            <a:r>
+              <a:rPr lang="en-US" i="1" dirty="0"/>
+              <a:t>async/await</a:t>
+            </a:r>
+          </a:p>
+        </p:txBody>
+      </p:sp>
+    </p:spTree>
+    <p:extLst>
+      <p:ext uri="{BB962C8B-B14F-4D97-AF65-F5344CB8AC3E}">
+        <p14:creationId xmlns:p14="http://schemas.microsoft.com/office/powerpoint/2010/main" val="3288617363"/>
+      </p:ext>
+    </p:extLst>
+  </p:cSld>
+  <p:clrMapOvr>
+    <a:masterClrMapping/>
+  </p:clrMapOvr>
+</p:sld>
+</file>
+
+<file path=ppt/slides/slide11.xml><?xml version="1.0" encoding="utf-8"?>
+<p:sld xmlns:a="http://schemas.openxmlformats.org/drawingml/2006/main" xmlns:r="http://schemas.openxmlformats.org/officeDocument/2006/relationships" xmlns:p="http://schemas.openxmlformats.org/presentationml/2006/main">
+  <p:cSld>
+    <p:spTree>
+      <p:nvGrpSpPr>
+        <p:cNvPr id="1" name=""/>
+        <p:cNvGrpSpPr/>
+        <p:nvPr/>
+      </p:nvGrpSpPr>
+      <p:grpSpPr>
+        <a:xfrm>
+          <a:off x="0" y="0"/>
+          <a:ext cx="0" cy="0"/>
+          <a:chOff x="0" y="0"/>
+          <a:chExt cx="0" cy="0"/>
+        </a:xfrm>
+      </p:grpSpPr>
+      <p:sp>
+        <p:nvSpPr>
+          <p:cNvPr id="2" name="Title 1">
+            <a:extLst>
+              <a:ext uri="{FF2B5EF4-FFF2-40B4-BE49-F238E27FC236}">
+                <a16:creationId xmlns:a16="http://schemas.microsoft.com/office/drawing/2014/main" id="{70773511-58F7-4E1F-80E5-B795120EBC81}"/>
+              </a:ext>
+            </a:extLst>
+          </p:cNvPr>
+          <p:cNvSpPr>
+            <a:spLocks noGrp="1"/>
+          </p:cNvSpPr>
+          <p:nvPr>
+            <p:ph type="title"/>
+          </p:nvPr>
+        </p:nvSpPr>
+        <p:spPr/>
+        <p:txBody>
+          <a:bodyPr/>
+          <a:lstStyle/>
+          <a:p>
+            <a:r>
+              <a:rPr lang="en-US" dirty="0"/>
+              <a:t>Testing Frontend</a:t>
+            </a:r>
+          </a:p>
+        </p:txBody>
+      </p:sp>
+      <p:sp>
+        <p:nvSpPr>
+          <p:cNvPr id="3" name="Content Placeholder 2">
+            <a:extLst>
+              <a:ext uri="{FF2B5EF4-FFF2-40B4-BE49-F238E27FC236}">
+                <a16:creationId xmlns:a16="http://schemas.microsoft.com/office/drawing/2014/main" id="{AED39879-E6A0-45C2-931D-342C9991A3FD}"/>
+              </a:ext>
+            </a:extLst>
+          </p:cNvPr>
+          <p:cNvSpPr>
+            <a:spLocks noGrp="1"/>
+          </p:cNvSpPr>
+          <p:nvPr>
+            <p:ph idx="1"/>
+          </p:nvPr>
+        </p:nvSpPr>
+        <p:spPr>
+          <a:xfrm>
+            <a:off x="109181" y="1825625"/>
+            <a:ext cx="11955439" cy="4925468"/>
+          </a:xfrm>
+        </p:spPr>
+        <p:txBody>
+          <a:bodyPr/>
+          <a:lstStyle/>
+          <a:p>
+            <a:r>
+              <a:rPr lang="en-US" dirty="0"/>
+              <a:t>When writing tests for </a:t>
+            </a:r>
+            <a:r>
+              <a:rPr lang="en-US" i="1" dirty="0"/>
+              <a:t>React</a:t>
+            </a:r>
+            <a:r>
+              <a:rPr lang="en-US" dirty="0"/>
+              <a:t> components, they will fail when executing “</a:t>
+            </a:r>
+            <a:r>
+              <a:rPr lang="en-US" i="1" dirty="0"/>
+              <a:t>fetch()</a:t>
+            </a:r>
+            <a:r>
+              <a:rPr lang="en-US" dirty="0"/>
+              <a:t>”</a:t>
+            </a:r>
+          </a:p>
+          <a:p>
+            <a:r>
+              <a:rPr lang="en-US" i="1" dirty="0"/>
+              <a:t>fetch()</a:t>
+            </a:r>
+            <a:r>
+              <a:rPr lang="en-US" dirty="0"/>
+              <a:t> is a function in the browser, does not exist in </a:t>
+            </a:r>
+            <a:r>
+              <a:rPr lang="en-US" i="1" dirty="0"/>
+              <a:t>NodeJS</a:t>
+            </a:r>
+          </a:p>
+          <a:p>
+            <a:r>
+              <a:rPr lang="en-US" dirty="0"/>
+              <a:t>Can “</a:t>
+            </a:r>
+            <a:r>
+              <a:rPr lang="en-US" i="1" dirty="0"/>
+              <a:t>stub</a:t>
+            </a:r>
+            <a:r>
+              <a:rPr lang="en-US" dirty="0"/>
+              <a:t>” it away (similarly as we did with </a:t>
+            </a:r>
+            <a:r>
+              <a:rPr lang="en-US" i="1" dirty="0"/>
+              <a:t>alert()</a:t>
+            </a:r>
+            <a:r>
+              <a:rPr lang="en-US" dirty="0"/>
+              <a:t>)</a:t>
+            </a:r>
+          </a:p>
+          <a:p>
+            <a:pPr lvl="1"/>
+            <a:r>
+              <a:rPr lang="en-US" dirty="0" err="1"/>
+              <a:t>ie</a:t>
+            </a:r>
+            <a:r>
+              <a:rPr lang="en-US" dirty="0"/>
+              <a:t>, in the tests, create a custom function “</a:t>
+            </a:r>
+            <a:r>
+              <a:rPr lang="en-US" i="1" dirty="0"/>
+              <a:t>fetch()</a:t>
+            </a:r>
+            <a:r>
+              <a:rPr lang="en-US" dirty="0"/>
+              <a:t>” registered in the global scope</a:t>
+            </a:r>
+          </a:p>
+          <a:p>
+            <a:r>
+              <a:rPr lang="en-US" dirty="0"/>
+              <a:t>Advanced option: start the server, and, in the stubbed </a:t>
+            </a:r>
+            <a:r>
+              <a:rPr lang="en-US" i="1" dirty="0"/>
+              <a:t>fetch()</a:t>
+            </a:r>
+            <a:r>
+              <a:rPr lang="en-US" dirty="0"/>
+              <a:t>, do call </a:t>
+            </a:r>
+            <a:r>
+              <a:rPr lang="en-US" i="1" dirty="0" err="1"/>
+              <a:t>SuperTest</a:t>
+            </a:r>
+            <a:r>
+              <a:rPr lang="en-US" dirty="0"/>
+              <a:t> to connect with the server</a:t>
+            </a:r>
+          </a:p>
+          <a:p>
+            <a:endParaRPr lang="en-US" dirty="0"/>
+          </a:p>
+        </p:txBody>
+      </p:sp>
+    </p:spTree>
+    <p:extLst>
+      <p:ext uri="{BB962C8B-B14F-4D97-AF65-F5344CB8AC3E}">
+        <p14:creationId xmlns:p14="http://schemas.microsoft.com/office/powerpoint/2010/main" val="3003859767"/>
+      </p:ext>
+    </p:extLst>
+  </p:cSld>
+  <p:clrMapOvr>
+    <a:masterClrMapping/>
+  </p:clrMapOvr>
+</p:sld>
+</file>
+
 <file path=ppt/slides/slide2.xml><?xml version="1.0" encoding="utf-8"?>
 <p:sld xmlns:a="http://schemas.openxmlformats.org/drawingml/2006/main" xmlns:r="http://schemas.openxmlformats.org/officeDocument/2006/relationships" xmlns:p="http://schemas.openxmlformats.org/presentationml/2006/main">
   <p:cSld>
@@ -3657,17 +4078,13 @@
           <a:p>
             <a:r>
               <a:rPr lang="en-US" dirty="0"/>
-              <a:t>Introduction on how to build a REST web service </a:t>
-            </a:r>
-            <a:r>
-              <a:rPr lang="en-US"/>
-              <a:t>using NodeJS</a:t>
-            </a:r>
-          </a:p>
-          <a:p>
-            <a:r>
-              <a:rPr lang="en-US" dirty="0"/>
-              <a:t>TODO</a:t>
+              <a:t>Learn how to build a REST web service using NodeJS</a:t>
+            </a:r>
+          </a:p>
+          <a:p>
+            <a:r>
+              <a:rPr lang="en-US" dirty="0"/>
+              <a:t>Learn how to write tests for a REST web service</a:t>
             </a:r>
           </a:p>
         </p:txBody>
@@ -3676,6 +4093,1491 @@
     <p:extLst>
       <p:ext uri="{BB962C8B-B14F-4D97-AF65-F5344CB8AC3E}">
         <p14:creationId xmlns:p14="http://schemas.microsoft.com/office/powerpoint/2010/main" val="1370664921"/>
+      </p:ext>
+    </p:extLst>
+  </p:cSld>
+  <p:clrMapOvr>
+    <a:masterClrMapping/>
+  </p:clrMapOvr>
+</p:sld>
+</file>
+
+<file path=ppt/slides/slide3.xml><?xml version="1.0" encoding="utf-8"?>
+<p:sld xmlns:a="http://schemas.openxmlformats.org/drawingml/2006/main" xmlns:r="http://schemas.openxmlformats.org/officeDocument/2006/relationships" xmlns:p="http://schemas.openxmlformats.org/presentationml/2006/main">
+  <p:cSld>
+    <p:spTree>
+      <p:nvGrpSpPr>
+        <p:cNvPr id="1" name=""/>
+        <p:cNvGrpSpPr/>
+        <p:nvPr/>
+      </p:nvGrpSpPr>
+      <p:grpSpPr>
+        <a:xfrm>
+          <a:off x="0" y="0"/>
+          <a:ext cx="0" cy="0"/>
+          <a:chOff x="0" y="0"/>
+          <a:chExt cx="0" cy="0"/>
+        </a:xfrm>
+      </p:grpSpPr>
+      <p:sp>
+        <p:nvSpPr>
+          <p:cNvPr id="2" name="Title 1">
+            <a:extLst>
+              <a:ext uri="{FF2B5EF4-FFF2-40B4-BE49-F238E27FC236}">
+                <a16:creationId xmlns:a16="http://schemas.microsoft.com/office/drawing/2014/main" id="{ECBAA7DC-F577-432D-A12B-D355473F13B5}"/>
+              </a:ext>
+            </a:extLst>
+          </p:cNvPr>
+          <p:cNvSpPr>
+            <a:spLocks noGrp="1"/>
+          </p:cNvSpPr>
+          <p:nvPr>
+            <p:ph type="title"/>
+          </p:nvPr>
+        </p:nvSpPr>
+        <p:spPr/>
+        <p:txBody>
+          <a:bodyPr/>
+          <a:lstStyle/>
+          <a:p>
+            <a:r>
+              <a:rPr lang="en-US" dirty="0"/>
+              <a:t>Express</a:t>
+            </a:r>
+          </a:p>
+        </p:txBody>
+      </p:sp>
+      <p:sp>
+        <p:nvSpPr>
+          <p:cNvPr id="3" name="Content Placeholder 2">
+            <a:extLst>
+              <a:ext uri="{FF2B5EF4-FFF2-40B4-BE49-F238E27FC236}">
+                <a16:creationId xmlns:a16="http://schemas.microsoft.com/office/drawing/2014/main" id="{FC3500A6-6786-4F74-9504-081055F74154}"/>
+              </a:ext>
+            </a:extLst>
+          </p:cNvPr>
+          <p:cNvSpPr>
+            <a:spLocks noGrp="1"/>
+          </p:cNvSpPr>
+          <p:nvPr>
+            <p:ph idx="1"/>
+          </p:nvPr>
+        </p:nvSpPr>
+        <p:spPr>
+          <a:xfrm>
+            <a:off x="197963" y="1825624"/>
+            <a:ext cx="11764651" cy="4890973"/>
+          </a:xfrm>
+        </p:spPr>
+        <p:txBody>
+          <a:bodyPr/>
+          <a:lstStyle/>
+          <a:p>
+            <a:r>
+              <a:rPr lang="en-US" dirty="0"/>
+              <a:t>In NodeJS, need to run an HTTP server</a:t>
+            </a:r>
+          </a:p>
+          <a:p>
+            <a:r>
+              <a:rPr lang="en-US" b="1" dirty="0"/>
+              <a:t>Express</a:t>
+            </a:r>
+            <a:r>
+              <a:rPr lang="en-US" dirty="0"/>
+              <a:t> is the most used/famous</a:t>
+            </a:r>
+          </a:p>
+          <a:p>
+            <a:pPr lvl="1"/>
+            <a:r>
+              <a:rPr lang="en-US" dirty="0"/>
+              <a:t>but not necessarily the best</a:t>
+            </a:r>
+          </a:p>
+          <a:p>
+            <a:r>
+              <a:rPr lang="en-US" dirty="0"/>
+              <a:t>Going to write “</a:t>
+            </a:r>
+            <a:r>
+              <a:rPr lang="en-US" i="1" dirty="0"/>
+              <a:t>HTTP Handlers</a:t>
+            </a:r>
+            <a:r>
+              <a:rPr lang="en-US" dirty="0"/>
+              <a:t>”</a:t>
+            </a:r>
+          </a:p>
+          <a:p>
+            <a:pPr lvl="1"/>
+            <a:r>
+              <a:rPr lang="en-US" dirty="0"/>
+              <a:t>functions that are executed each time there is an incoming HTTP request for a given URI</a:t>
+            </a:r>
+          </a:p>
+          <a:p>
+            <a:pPr lvl="1"/>
+            <a:endParaRPr lang="en-US" dirty="0"/>
+          </a:p>
+          <a:p>
+            <a:endParaRPr lang="en-US" dirty="0"/>
+          </a:p>
+        </p:txBody>
+      </p:sp>
+    </p:spTree>
+    <p:extLst>
+      <p:ext uri="{BB962C8B-B14F-4D97-AF65-F5344CB8AC3E}">
+        <p14:creationId xmlns:p14="http://schemas.microsoft.com/office/powerpoint/2010/main" val="2094273473"/>
+      </p:ext>
+    </p:extLst>
+  </p:cSld>
+  <p:clrMapOvr>
+    <a:masterClrMapping/>
+  </p:clrMapOvr>
+</p:sld>
+</file>
+
+<file path=ppt/slides/slide4.xml><?xml version="1.0" encoding="utf-8"?>
+<p:sld xmlns:a="http://schemas.openxmlformats.org/drawingml/2006/main" xmlns:r="http://schemas.openxmlformats.org/officeDocument/2006/relationships" xmlns:p="http://schemas.openxmlformats.org/presentationml/2006/main">
+  <p:cSld>
+    <p:spTree>
+      <p:nvGrpSpPr>
+        <p:cNvPr id="1" name=""/>
+        <p:cNvGrpSpPr/>
+        <p:nvPr/>
+      </p:nvGrpSpPr>
+      <p:grpSpPr>
+        <a:xfrm>
+          <a:off x="0" y="0"/>
+          <a:ext cx="0" cy="0"/>
+          <a:chOff x="0" y="0"/>
+          <a:chExt cx="0" cy="0"/>
+        </a:xfrm>
+      </p:grpSpPr>
+      <p:sp>
+        <p:nvSpPr>
+          <p:cNvPr id="2" name="Title 1">
+            <a:extLst>
+              <a:ext uri="{FF2B5EF4-FFF2-40B4-BE49-F238E27FC236}">
+                <a16:creationId xmlns:a16="http://schemas.microsoft.com/office/drawing/2014/main" id="{23342085-517A-40C0-BE38-3A8548E042D0}"/>
+              </a:ext>
+            </a:extLst>
+          </p:cNvPr>
+          <p:cNvSpPr>
+            <a:spLocks noGrp="1"/>
+          </p:cNvSpPr>
+          <p:nvPr>
+            <p:ph type="title"/>
+          </p:nvPr>
+        </p:nvSpPr>
+        <p:spPr/>
+        <p:txBody>
+          <a:bodyPr/>
+          <a:lstStyle/>
+          <a:p>
+            <a:r>
+              <a:rPr lang="en-US" dirty="0"/>
+              <a:t>Request/Response Objects</a:t>
+            </a:r>
+          </a:p>
+        </p:txBody>
+      </p:sp>
+      <p:sp>
+        <p:nvSpPr>
+          <p:cNvPr id="3" name="Content Placeholder 2">
+            <a:extLst>
+              <a:ext uri="{FF2B5EF4-FFF2-40B4-BE49-F238E27FC236}">
+                <a16:creationId xmlns:a16="http://schemas.microsoft.com/office/drawing/2014/main" id="{38BF3B31-6CA5-4F8E-87B9-852E52D0F1F4}"/>
+              </a:ext>
+            </a:extLst>
+          </p:cNvPr>
+          <p:cNvSpPr>
+            <a:spLocks noGrp="1"/>
+          </p:cNvSpPr>
+          <p:nvPr>
+            <p:ph idx="1"/>
+          </p:nvPr>
+        </p:nvSpPr>
+        <p:spPr>
+          <a:xfrm>
+            <a:off x="197963" y="1825624"/>
+            <a:ext cx="11854206" cy="4923968"/>
+          </a:xfrm>
+        </p:spPr>
+        <p:txBody>
+          <a:bodyPr/>
+          <a:lstStyle/>
+          <a:p>
+            <a:r>
+              <a:rPr lang="en-US" dirty="0"/>
+              <a:t>We are not going to manipulate the HTTP messages directly</a:t>
+            </a:r>
+          </a:p>
+          <a:p>
+            <a:r>
+              <a:rPr lang="en-US" dirty="0"/>
+              <a:t>Handler will take as input a JS object representing the </a:t>
+            </a:r>
+            <a:r>
+              <a:rPr lang="en-US" i="1" dirty="0"/>
+              <a:t>request</a:t>
+            </a:r>
+          </a:p>
+          <a:p>
+            <a:pPr lvl="1"/>
+            <a:r>
+              <a:rPr lang="en-US" dirty="0"/>
+              <a:t>it is </a:t>
+            </a:r>
+            <a:r>
+              <a:rPr lang="en-US" i="1" dirty="0"/>
+              <a:t>Express</a:t>
+            </a:r>
+            <a:r>
+              <a:rPr lang="en-US" dirty="0"/>
+              <a:t> that will create such object based on incoming HTTP</a:t>
+            </a:r>
+          </a:p>
+          <a:p>
+            <a:r>
+              <a:rPr lang="en-US" dirty="0"/>
+              <a:t>Take as input as well a </a:t>
+            </a:r>
+            <a:r>
+              <a:rPr lang="en-US" i="1" dirty="0"/>
+              <a:t>response</a:t>
+            </a:r>
+            <a:r>
+              <a:rPr lang="en-US" dirty="0"/>
+              <a:t> object</a:t>
+            </a:r>
+          </a:p>
+          <a:p>
+            <a:pPr lvl="1"/>
+            <a:r>
+              <a:rPr lang="en-US" dirty="0"/>
+              <a:t>we can modify it in the handler function </a:t>
+            </a:r>
+          </a:p>
+          <a:p>
+            <a:pPr lvl="1"/>
+            <a:r>
+              <a:rPr lang="en-US" dirty="0"/>
+              <a:t>once handler function is completed, </a:t>
+            </a:r>
+            <a:r>
+              <a:rPr lang="en-US" i="1" dirty="0"/>
+              <a:t>Express</a:t>
+            </a:r>
+            <a:r>
+              <a:rPr lang="en-US" dirty="0"/>
+              <a:t> will create a HTTP response based on such response object</a:t>
+            </a:r>
+          </a:p>
+        </p:txBody>
+      </p:sp>
+    </p:spTree>
+    <p:extLst>
+      <p:ext uri="{BB962C8B-B14F-4D97-AF65-F5344CB8AC3E}">
+        <p14:creationId xmlns:p14="http://schemas.microsoft.com/office/powerpoint/2010/main" val="554633860"/>
+      </p:ext>
+    </p:extLst>
+  </p:cSld>
+  <p:clrMapOvr>
+    <a:masterClrMapping/>
+  </p:clrMapOvr>
+</p:sld>
+</file>
+
+<file path=ppt/slides/slide5.xml><?xml version="1.0" encoding="utf-8"?>
+<p:sld xmlns:a="http://schemas.openxmlformats.org/drawingml/2006/main" xmlns:r="http://schemas.openxmlformats.org/officeDocument/2006/relationships" xmlns:p="http://schemas.openxmlformats.org/presentationml/2006/main">
+  <p:cSld>
+    <p:spTree>
+      <p:nvGrpSpPr>
+        <p:cNvPr id="1" name=""/>
+        <p:cNvGrpSpPr/>
+        <p:nvPr/>
+      </p:nvGrpSpPr>
+      <p:grpSpPr>
+        <a:xfrm>
+          <a:off x="0" y="0"/>
+          <a:ext cx="0" cy="0"/>
+          <a:chOff x="0" y="0"/>
+          <a:chExt cx="0" cy="0"/>
+        </a:xfrm>
+      </p:grpSpPr>
+      <p:sp>
+        <p:nvSpPr>
+          <p:cNvPr id="2" name="Title 1">
+            <a:extLst>
+              <a:ext uri="{FF2B5EF4-FFF2-40B4-BE49-F238E27FC236}">
+                <a16:creationId xmlns:a16="http://schemas.microsoft.com/office/drawing/2014/main" id="{D0264C14-8153-44FB-8036-76ADA46491F4}"/>
+              </a:ext>
+            </a:extLst>
+          </p:cNvPr>
+          <p:cNvSpPr>
+            <a:spLocks noGrp="1"/>
+          </p:cNvSpPr>
+          <p:nvPr>
+            <p:ph type="title"/>
+          </p:nvPr>
+        </p:nvSpPr>
+        <p:spPr/>
+        <p:txBody>
+          <a:bodyPr/>
+          <a:lstStyle/>
+          <a:p>
+            <a:r>
+              <a:rPr lang="en-US" dirty="0"/>
+              <a:t>Static Assets</a:t>
+            </a:r>
+          </a:p>
+        </p:txBody>
+      </p:sp>
+      <p:sp>
+        <p:nvSpPr>
+          <p:cNvPr id="3" name="Content Placeholder 2">
+            <a:extLst>
+              <a:ext uri="{FF2B5EF4-FFF2-40B4-BE49-F238E27FC236}">
+                <a16:creationId xmlns:a16="http://schemas.microsoft.com/office/drawing/2014/main" id="{BE1E347A-7AB3-416A-8450-9F1A78A3B534}"/>
+              </a:ext>
+            </a:extLst>
+          </p:cNvPr>
+          <p:cNvSpPr>
+            <a:spLocks noGrp="1"/>
+          </p:cNvSpPr>
+          <p:nvPr>
+            <p:ph idx="1"/>
+          </p:nvPr>
+        </p:nvSpPr>
+        <p:spPr>
+          <a:xfrm>
+            <a:off x="188535" y="1825624"/>
+            <a:ext cx="11882487" cy="4905114"/>
+          </a:xfrm>
+        </p:spPr>
+        <p:txBody>
+          <a:bodyPr/>
+          <a:lstStyle/>
+          <a:p>
+            <a:r>
+              <a:rPr lang="en-US" dirty="0"/>
+              <a:t>As any HTTP server, can instruct </a:t>
+            </a:r>
+            <a:r>
+              <a:rPr lang="en-US" i="1" dirty="0"/>
+              <a:t>Express</a:t>
+            </a:r>
+            <a:r>
+              <a:rPr lang="en-US" dirty="0"/>
+              <a:t> to serve static assets</a:t>
+            </a:r>
+          </a:p>
+          <a:p>
+            <a:pPr lvl="1"/>
+            <a:r>
+              <a:rPr lang="en-US" dirty="0" err="1"/>
+              <a:t>eg</a:t>
+            </a:r>
+            <a:r>
+              <a:rPr lang="en-US" dirty="0"/>
+              <a:t>, all files under “</a:t>
+            </a:r>
+            <a:r>
+              <a:rPr lang="en-US" i="1" dirty="0"/>
+              <a:t>public</a:t>
+            </a:r>
+            <a:r>
+              <a:rPr lang="en-US" dirty="0"/>
+              <a:t>” folder</a:t>
+            </a:r>
+          </a:p>
+          <a:p>
+            <a:pPr lvl="1"/>
+            <a:r>
+              <a:rPr lang="en-US" dirty="0"/>
+              <a:t>going to be a HTTP handler, like the others</a:t>
+            </a:r>
+          </a:p>
+          <a:p>
+            <a:r>
+              <a:rPr lang="en-US" dirty="0"/>
+              <a:t>Can still use </a:t>
+            </a:r>
+            <a:r>
+              <a:rPr lang="en-US" i="1" dirty="0" err="1"/>
+              <a:t>WebPack</a:t>
+            </a:r>
+            <a:r>
+              <a:rPr lang="en-US" dirty="0"/>
+              <a:t> to create</a:t>
+            </a:r>
+            <a:r>
+              <a:rPr lang="en-US" i="1" dirty="0"/>
+              <a:t> bundle.js</a:t>
+            </a:r>
+            <a:r>
+              <a:rPr lang="en-US" dirty="0"/>
+              <a:t>, and put it under “</a:t>
+            </a:r>
+            <a:r>
+              <a:rPr lang="en-US" i="1" dirty="0"/>
+              <a:t>public</a:t>
+            </a:r>
+            <a:r>
+              <a:rPr lang="en-US" dirty="0"/>
+              <a:t>”</a:t>
+            </a:r>
+          </a:p>
+          <a:p>
+            <a:pPr marL="0" indent="0">
+              <a:buNone/>
+            </a:pPr>
+            <a:endParaRPr lang="en-US" dirty="0"/>
+          </a:p>
+        </p:txBody>
+      </p:sp>
+    </p:spTree>
+    <p:extLst>
+      <p:ext uri="{BB962C8B-B14F-4D97-AF65-F5344CB8AC3E}">
+        <p14:creationId xmlns:p14="http://schemas.microsoft.com/office/powerpoint/2010/main" val="779616821"/>
+      </p:ext>
+    </p:extLst>
+  </p:cSld>
+  <p:clrMapOvr>
+    <a:masterClrMapping/>
+  </p:clrMapOvr>
+</p:sld>
+</file>
+
+<file path=ppt/slides/slide6.xml><?xml version="1.0" encoding="utf-8"?>
+<p:sld xmlns:a="http://schemas.openxmlformats.org/drawingml/2006/main" xmlns:r="http://schemas.openxmlformats.org/officeDocument/2006/relationships" xmlns:p="http://schemas.openxmlformats.org/presentationml/2006/main">
+  <p:cSld>
+    <p:spTree>
+      <p:nvGrpSpPr>
+        <p:cNvPr id="1" name=""/>
+        <p:cNvGrpSpPr/>
+        <p:nvPr/>
+      </p:nvGrpSpPr>
+      <p:grpSpPr>
+        <a:xfrm>
+          <a:off x="0" y="0"/>
+          <a:ext cx="0" cy="0"/>
+          <a:chOff x="0" y="0"/>
+          <a:chExt cx="0" cy="0"/>
+        </a:xfrm>
+      </p:grpSpPr>
+      <p:sp>
+        <p:nvSpPr>
+          <p:cNvPr id="2" name="Title 1">
+            <a:extLst>
+              <a:ext uri="{FF2B5EF4-FFF2-40B4-BE49-F238E27FC236}">
+                <a16:creationId xmlns:a16="http://schemas.microsoft.com/office/drawing/2014/main" id="{C8FEAA04-FC53-4D00-99A9-D3F6F3DE7C51}"/>
+              </a:ext>
+            </a:extLst>
+          </p:cNvPr>
+          <p:cNvSpPr>
+            <a:spLocks noGrp="1"/>
+          </p:cNvSpPr>
+          <p:nvPr>
+            <p:ph type="title"/>
+          </p:nvPr>
+        </p:nvSpPr>
+        <p:spPr/>
+        <p:txBody>
+          <a:bodyPr/>
+          <a:lstStyle/>
+          <a:p>
+            <a:r>
+              <a:rPr lang="en-US" dirty="0"/>
+              <a:t>Application Entry Point</a:t>
+            </a:r>
+          </a:p>
+        </p:txBody>
+      </p:sp>
+      <p:sp>
+        <p:nvSpPr>
+          <p:cNvPr id="3" name="Content Placeholder 2">
+            <a:extLst>
+              <a:ext uri="{FF2B5EF4-FFF2-40B4-BE49-F238E27FC236}">
+                <a16:creationId xmlns:a16="http://schemas.microsoft.com/office/drawing/2014/main" id="{EBF92B7C-5B50-46D6-B09A-47905F920445}"/>
+              </a:ext>
+            </a:extLst>
+          </p:cNvPr>
+          <p:cNvSpPr>
+            <a:spLocks noGrp="1"/>
+          </p:cNvSpPr>
+          <p:nvPr>
+            <p:ph idx="1"/>
+          </p:nvPr>
+        </p:nvSpPr>
+        <p:spPr>
+          <a:xfrm>
+            <a:off x="235669" y="1825624"/>
+            <a:ext cx="11863633" cy="4890973"/>
+          </a:xfrm>
+        </p:spPr>
+        <p:txBody>
+          <a:bodyPr/>
+          <a:lstStyle/>
+          <a:p>
+            <a:r>
+              <a:rPr lang="en-US" dirty="0"/>
+              <a:t>Need one entry point JS file that starts </a:t>
+            </a:r>
+            <a:r>
+              <a:rPr lang="en-US" i="1" dirty="0"/>
+              <a:t>Express</a:t>
+            </a:r>
+          </a:p>
+          <a:p>
+            <a:r>
+              <a:rPr lang="en-US" dirty="0"/>
+              <a:t>We will use “</a:t>
+            </a:r>
+            <a:r>
+              <a:rPr lang="en-US" i="1" dirty="0"/>
+              <a:t>node</a:t>
+            </a:r>
+            <a:r>
+              <a:rPr lang="en-US" dirty="0"/>
+              <a:t>” command to run it</a:t>
+            </a:r>
+          </a:p>
+          <a:p>
+            <a:pPr lvl="1"/>
+            <a:r>
+              <a:rPr lang="en-US" dirty="0"/>
+              <a:t>recall that JS is not compiled</a:t>
+            </a:r>
+          </a:p>
+          <a:p>
+            <a:r>
+              <a:rPr lang="en-US" dirty="0" err="1"/>
+              <a:t>Eg</a:t>
+            </a:r>
+            <a:r>
+              <a:rPr lang="en-US" dirty="0"/>
+              <a:t> in </a:t>
+            </a:r>
+            <a:r>
+              <a:rPr lang="en-US" i="1" dirty="0" err="1"/>
+              <a:t>package.json</a:t>
+            </a:r>
+            <a:r>
+              <a:rPr lang="en-US" dirty="0"/>
+              <a:t>, </a:t>
+            </a:r>
+            <a:r>
+              <a:rPr lang="en-US" b="1" dirty="0"/>
+              <a:t>"start": "node </a:t>
+            </a:r>
+            <a:r>
+              <a:rPr lang="en-US" b="1" dirty="0" err="1"/>
+              <a:t>src</a:t>
+            </a:r>
+            <a:r>
+              <a:rPr lang="en-US" b="1" dirty="0"/>
+              <a:t>/server/server.js"</a:t>
+            </a:r>
+          </a:p>
+          <a:p>
+            <a:r>
+              <a:rPr lang="en-US" dirty="0"/>
+              <a:t>But need to remember to build the </a:t>
+            </a:r>
+            <a:r>
+              <a:rPr lang="en-US" i="1" dirty="0"/>
+              <a:t>bundle.js</a:t>
+            </a:r>
+            <a:r>
+              <a:rPr lang="en-US" dirty="0"/>
+              <a:t> first, </a:t>
+            </a:r>
+            <a:r>
+              <a:rPr lang="en-US" dirty="0" err="1"/>
+              <a:t>ie</a:t>
+            </a:r>
+            <a:r>
+              <a:rPr lang="en-US" dirty="0"/>
+              <a:t>, </a:t>
+            </a:r>
+            <a:r>
+              <a:rPr lang="en-US" b="1" dirty="0"/>
+              <a:t>"build": "webpack --mode production"</a:t>
+            </a:r>
+          </a:p>
+        </p:txBody>
+      </p:sp>
+    </p:spTree>
+    <p:extLst>
+      <p:ext uri="{BB962C8B-B14F-4D97-AF65-F5344CB8AC3E}">
+        <p14:creationId xmlns:p14="http://schemas.microsoft.com/office/powerpoint/2010/main" val="321564929"/>
+      </p:ext>
+    </p:extLst>
+  </p:cSld>
+  <p:clrMapOvr>
+    <a:masterClrMapping/>
+  </p:clrMapOvr>
+</p:sld>
+</file>
+
+<file path=ppt/slides/slide7.xml><?xml version="1.0" encoding="utf-8"?>
+<p:sld xmlns:a="http://schemas.openxmlformats.org/drawingml/2006/main" xmlns:r="http://schemas.openxmlformats.org/officeDocument/2006/relationships" xmlns:p="http://schemas.openxmlformats.org/presentationml/2006/main">
+  <p:cSld>
+    <p:spTree>
+      <p:nvGrpSpPr>
+        <p:cNvPr id="1" name=""/>
+        <p:cNvGrpSpPr/>
+        <p:nvPr/>
+      </p:nvGrpSpPr>
+      <p:grpSpPr>
+        <a:xfrm>
+          <a:off x="0" y="0"/>
+          <a:ext cx="0" cy="0"/>
+          <a:chOff x="0" y="0"/>
+          <a:chExt cx="0" cy="0"/>
+        </a:xfrm>
+      </p:grpSpPr>
+      <p:sp>
+        <p:nvSpPr>
+          <p:cNvPr id="2" name="Title 1">
+            <a:extLst>
+              <a:ext uri="{FF2B5EF4-FFF2-40B4-BE49-F238E27FC236}">
+                <a16:creationId xmlns:a16="http://schemas.microsoft.com/office/drawing/2014/main" id="{766C35A9-9D98-43FB-8AF4-2B460FC60A49}"/>
+              </a:ext>
+            </a:extLst>
+          </p:cNvPr>
+          <p:cNvSpPr>
+            <a:spLocks noGrp="1"/>
+          </p:cNvSpPr>
+          <p:nvPr>
+            <p:ph type="title"/>
+          </p:nvPr>
+        </p:nvSpPr>
+        <p:spPr/>
+        <p:txBody>
+          <a:bodyPr/>
+          <a:lstStyle/>
+          <a:p>
+            <a:r>
+              <a:rPr lang="en-US" dirty="0"/>
+              <a:t>Development Mode</a:t>
+            </a:r>
+          </a:p>
+        </p:txBody>
+      </p:sp>
+      <p:sp>
+        <p:nvSpPr>
+          <p:cNvPr id="3" name="Content Placeholder 2">
+            <a:extLst>
+              <a:ext uri="{FF2B5EF4-FFF2-40B4-BE49-F238E27FC236}">
+                <a16:creationId xmlns:a16="http://schemas.microsoft.com/office/drawing/2014/main" id="{773067FC-F4C1-4038-AAE6-EEB42E59EBA2}"/>
+              </a:ext>
+            </a:extLst>
+          </p:cNvPr>
+          <p:cNvSpPr>
+            <a:spLocks noGrp="1"/>
+          </p:cNvSpPr>
+          <p:nvPr>
+            <p:ph idx="1"/>
+          </p:nvPr>
+        </p:nvSpPr>
+        <p:spPr>
+          <a:xfrm>
+            <a:off x="296944" y="1825625"/>
+            <a:ext cx="11731658" cy="4881546"/>
+          </a:xfrm>
+        </p:spPr>
+        <p:txBody>
+          <a:bodyPr/>
+          <a:lstStyle/>
+          <a:p>
+            <a:r>
+              <a:rPr lang="en-US" dirty="0"/>
+              <a:t>During development, it is annoying to rebuild </a:t>
+            </a:r>
+            <a:r>
+              <a:rPr lang="en-US" i="1" dirty="0"/>
+              <a:t>bundle.js </a:t>
+            </a:r>
+            <a:r>
+              <a:rPr lang="en-US" dirty="0"/>
+              <a:t>and restart server at each code change</a:t>
+            </a:r>
+          </a:p>
+          <a:p>
+            <a:r>
+              <a:rPr lang="en-US" i="1" dirty="0"/>
+              <a:t>Hot Reload</a:t>
+            </a:r>
+            <a:r>
+              <a:rPr lang="en-US" dirty="0"/>
+              <a:t>: automatically detect if any change in the source code, and update server automatically</a:t>
+            </a:r>
+          </a:p>
+        </p:txBody>
+      </p:sp>
+    </p:spTree>
+    <p:extLst>
+      <p:ext uri="{BB962C8B-B14F-4D97-AF65-F5344CB8AC3E}">
+        <p14:creationId xmlns:p14="http://schemas.microsoft.com/office/powerpoint/2010/main" val="301375581"/>
+      </p:ext>
+    </p:extLst>
+  </p:cSld>
+  <p:clrMapOvr>
+    <a:masterClrMapping/>
+  </p:clrMapOvr>
+</p:sld>
+</file>
+
+<file path=ppt/slides/slide8.xml><?xml version="1.0" encoding="utf-8"?>
+<p:sld xmlns:a="http://schemas.openxmlformats.org/drawingml/2006/main" xmlns:r="http://schemas.openxmlformats.org/officeDocument/2006/relationships" xmlns:p="http://schemas.openxmlformats.org/presentationml/2006/main">
+  <p:cSld>
+    <p:spTree>
+      <p:nvGrpSpPr>
+        <p:cNvPr id="1" name=""/>
+        <p:cNvGrpSpPr/>
+        <p:nvPr/>
+      </p:nvGrpSpPr>
+      <p:grpSpPr>
+        <a:xfrm>
+          <a:off x="0" y="0"/>
+          <a:ext cx="0" cy="0"/>
+          <a:chOff x="0" y="0"/>
+          <a:chExt cx="0" cy="0"/>
+        </a:xfrm>
+      </p:grpSpPr>
+      <p:sp>
+        <p:nvSpPr>
+          <p:cNvPr id="3" name="Content Placeholder 2">
+            <a:extLst>
+              <a:ext uri="{FF2B5EF4-FFF2-40B4-BE49-F238E27FC236}">
+                <a16:creationId xmlns:a16="http://schemas.microsoft.com/office/drawing/2014/main" id="{3B2DA83B-4B0D-464B-AA33-6772E57A8BAF}"/>
+              </a:ext>
+            </a:extLst>
+          </p:cNvPr>
+          <p:cNvSpPr>
+            <a:spLocks noGrp="1"/>
+          </p:cNvSpPr>
+          <p:nvPr>
+            <p:ph idx="1"/>
+          </p:nvPr>
+        </p:nvSpPr>
+        <p:spPr>
+          <a:xfrm>
+            <a:off x="155541" y="1748673"/>
+            <a:ext cx="11924907" cy="4428290"/>
+          </a:xfrm>
+        </p:spPr>
+        <p:txBody>
+          <a:bodyPr/>
+          <a:lstStyle/>
+          <a:p>
+            <a:r>
+              <a:rPr lang="en-US" dirty="0"/>
+              <a:t>In “</a:t>
+            </a:r>
+            <a:r>
+              <a:rPr lang="en-US" i="1" dirty="0"/>
+              <a:t>dev</a:t>
+            </a:r>
+            <a:r>
+              <a:rPr lang="en-US" dirty="0"/>
+              <a:t>”, run 2 processes in parallel, using the “</a:t>
+            </a:r>
+            <a:r>
+              <a:rPr lang="en-US" i="1" dirty="0"/>
+              <a:t>concurrently</a:t>
+            </a:r>
+            <a:r>
+              <a:rPr lang="en-US" dirty="0"/>
+              <a:t>” command</a:t>
+            </a:r>
+          </a:p>
+          <a:p>
+            <a:r>
+              <a:rPr lang="en-US" dirty="0"/>
+              <a:t>1) Run </a:t>
+            </a:r>
+            <a:r>
+              <a:rPr lang="en-US" i="1" dirty="0" err="1"/>
+              <a:t>WebPack</a:t>
+            </a:r>
+            <a:r>
+              <a:rPr lang="en-US" dirty="0"/>
+              <a:t> in “</a:t>
+            </a:r>
+            <a:r>
+              <a:rPr lang="en-US" i="1" dirty="0"/>
+              <a:t>watch</a:t>
+            </a:r>
+            <a:r>
+              <a:rPr lang="en-US" dirty="0"/>
+              <a:t>” mode, which rebuilds the </a:t>
+            </a:r>
+            <a:r>
+              <a:rPr lang="en-US" i="1" dirty="0"/>
+              <a:t>bundle.js </a:t>
+            </a:r>
+            <a:r>
+              <a:rPr lang="en-US" dirty="0"/>
+              <a:t>at each source code change</a:t>
+            </a:r>
+          </a:p>
+          <a:p>
+            <a:r>
+              <a:rPr lang="en-US" dirty="0"/>
+              <a:t>2) Run “</a:t>
+            </a:r>
+            <a:r>
+              <a:rPr lang="en-US" i="1" dirty="0" err="1"/>
+              <a:t>nodemon</a:t>
+            </a:r>
+            <a:r>
+              <a:rPr lang="en-US" dirty="0"/>
+              <a:t>”, which is equivalent to “</a:t>
+            </a:r>
+            <a:r>
+              <a:rPr lang="en-US" i="1" dirty="0"/>
+              <a:t>node</a:t>
+            </a:r>
+            <a:r>
+              <a:rPr lang="en-US" dirty="0"/>
+              <a:t>”, but can automatically restart if it detects any change in the files/folders specified with “</a:t>
+            </a:r>
+            <a:r>
+              <a:rPr lang="en-US" i="1" dirty="0"/>
+              <a:t>--watch</a:t>
+            </a:r>
+            <a:r>
+              <a:rPr lang="en-US" dirty="0"/>
+              <a:t>”</a:t>
+            </a:r>
+          </a:p>
+        </p:txBody>
+      </p:sp>
+      <p:sp>
+        <p:nvSpPr>
+          <p:cNvPr id="4" name="Rectangle 1">
+            <a:extLst>
+              <a:ext uri="{FF2B5EF4-FFF2-40B4-BE49-F238E27FC236}">
+                <a16:creationId xmlns:a16="http://schemas.microsoft.com/office/drawing/2014/main" id="{55886A92-4AB1-4171-A5BB-BB9A7AA9DE53}"/>
+              </a:ext>
+            </a:extLst>
+          </p:cNvPr>
+          <p:cNvSpPr>
+            <a:spLocks noChangeArrowheads="1"/>
+          </p:cNvSpPr>
+          <p:nvPr/>
+        </p:nvSpPr>
+        <p:spPr bwMode="auto">
+          <a:xfrm>
+            <a:off x="117835" y="139838"/>
+            <a:ext cx="11613823" cy="1200329"/>
+          </a:xfrm>
+          <a:prstGeom prst="rect">
+            <a:avLst/>
+          </a:prstGeom>
+          <a:solidFill>
+            <a:srgbClr val="2B2B2B"/>
+          </a:solidFill>
+          <a:ln>
+            <a:noFill/>
+          </a:ln>
+          <a:effectLst/>
+          <a:extLst>
+            <a:ext uri="{91240B29-F687-4F45-9708-019B960494DF}">
+              <a14:hiddenLine xmlns:a14="http://schemas.microsoft.com/office/drawing/2010/main" w="9525">
+                <a:solidFill>
+                  <a:schemeClr val="tx1"/>
+                </a:solidFill>
+                <a:miter lim="800000"/>
+                <a:headEnd/>
+                <a:tailEnd/>
+              </a14:hiddenLine>
+            </a:ext>
+            <a:ext uri="{AF507438-7753-43E0-B8FC-AC1667EBCBE1}">
+              <a14:hiddenEffects xmlns:a14="http://schemas.microsoft.com/office/drawing/2010/main">
+                <a:effectLst>
+                  <a:outerShdw dist="35921" dir="2700000" algn="ctr" rotWithShape="0">
+                    <a:schemeClr val="bg2"/>
+                  </a:outerShdw>
+                </a:effectLst>
+              </a14:hiddenEffects>
+            </a:ext>
+          </a:extLst>
+        </p:spPr>
+        <p:txBody>
+          <a:bodyPr vert="horz" wrap="square" lIns="91440" tIns="45720" rIns="91440" bIns="45720" numCol="1" anchor="ctr" anchorCtr="0" compatLnSpc="1">
+            <a:prstTxWarp prst="textNoShape">
+              <a:avLst/>
+            </a:prstTxWarp>
+            <a:spAutoFit/>
+          </a:bodyPr>
+          <a:lstStyle/>
+          <a:p>
+            <a:pPr marL="0" marR="0" lvl="0" indent="0" algn="l" defTabSz="914400" rtl="0" eaLnBrk="0" fontAlgn="base" latinLnBrk="0" hangingPunct="0">
+              <a:lnSpc>
+                <a:spcPct val="100000"/>
+              </a:lnSpc>
+              <a:spcBef>
+                <a:spcPct val="0"/>
+              </a:spcBef>
+              <a:spcAft>
+                <a:spcPct val="0"/>
+              </a:spcAft>
+              <a:buClrTx/>
+              <a:buSzTx/>
+              <a:buFontTx/>
+              <a:buNone/>
+              <a:tabLst/>
+            </a:pPr>
+            <a:r>
+              <a:rPr kumimoji="0" lang="en-US" altLang="en-US" sz="2400" b="0" i="0" u="none" strike="noStrike" cap="none" normalizeH="0" baseline="0" dirty="0">
+                <a:ln>
+                  <a:noFill/>
+                </a:ln>
+                <a:solidFill>
+                  <a:srgbClr val="9876AA"/>
+                </a:solidFill>
+                <a:effectLst/>
+                <a:latin typeface="JetBrains Mono"/>
+              </a:rPr>
+              <a:t>"dev"</a:t>
+            </a:r>
+            <a:r>
+              <a:rPr kumimoji="0" lang="en-US" altLang="en-US" sz="2400" b="0" i="0" u="none" strike="noStrike" cap="none" normalizeH="0" baseline="0" dirty="0">
+                <a:ln>
+                  <a:noFill/>
+                </a:ln>
+                <a:solidFill>
+                  <a:srgbClr val="CC7832"/>
+                </a:solidFill>
+                <a:effectLst/>
+                <a:latin typeface="JetBrains Mono"/>
+              </a:rPr>
+              <a:t>: </a:t>
+            </a:r>
+            <a:r>
+              <a:rPr kumimoji="0" lang="en-US" altLang="en-US" sz="2400" b="0" i="0" u="none" strike="noStrike" cap="none" normalizeH="0" baseline="0" dirty="0">
+                <a:ln>
+                  <a:noFill/>
+                </a:ln>
+                <a:solidFill>
+                  <a:srgbClr val="6A8759"/>
+                </a:solidFill>
+                <a:effectLst/>
+                <a:latin typeface="JetBrains Mono"/>
+              </a:rPr>
+              <a:t>"concurrently </a:t>
+            </a:r>
+            <a:r>
+              <a:rPr kumimoji="0" lang="en-US" altLang="en-US" sz="2400" b="0" i="0" u="none" strike="noStrike" cap="none" normalizeH="0" baseline="0" dirty="0">
+                <a:ln>
+                  <a:noFill/>
+                </a:ln>
+                <a:solidFill>
+                  <a:srgbClr val="CC7832"/>
+                </a:solidFill>
+                <a:effectLst/>
+                <a:latin typeface="JetBrains Mono"/>
+              </a:rPr>
+              <a:t>\"</a:t>
+            </a:r>
+            <a:r>
+              <a:rPr kumimoji="0" lang="en-US" altLang="en-US" sz="2400" b="0" i="0" u="none" strike="noStrike" cap="none" normalizeH="0" baseline="0" dirty="0">
+                <a:ln>
+                  <a:noFill/>
+                </a:ln>
+                <a:solidFill>
+                  <a:srgbClr val="6A8759"/>
+                </a:solidFill>
+                <a:effectLst/>
+                <a:latin typeface="JetBrains Mono"/>
+              </a:rPr>
+              <a:t>yarn </a:t>
+            </a:r>
+            <a:r>
+              <a:rPr kumimoji="0" lang="en-US" altLang="en-US" sz="2400" b="0" i="0" u="none" strike="noStrike" cap="none" normalizeH="0" baseline="0" dirty="0" err="1">
+                <a:ln>
+                  <a:noFill/>
+                </a:ln>
+                <a:solidFill>
+                  <a:srgbClr val="6A8759"/>
+                </a:solidFill>
+                <a:effectLst/>
+                <a:latin typeface="JetBrains Mono"/>
+              </a:rPr>
+              <a:t>watch:client</a:t>
+            </a:r>
+            <a:r>
+              <a:rPr kumimoji="0" lang="en-US" altLang="en-US" sz="2400" b="0" i="0" u="none" strike="noStrike" cap="none" normalizeH="0" baseline="0" dirty="0">
+                <a:ln>
+                  <a:noFill/>
+                </a:ln>
+                <a:solidFill>
+                  <a:srgbClr val="CC7832"/>
+                </a:solidFill>
+                <a:effectLst/>
+                <a:latin typeface="JetBrains Mono"/>
+              </a:rPr>
+              <a:t>\" \"</a:t>
+            </a:r>
+            <a:r>
+              <a:rPr kumimoji="0" lang="en-US" altLang="en-US" sz="2400" b="0" i="0" u="none" strike="noStrike" cap="none" normalizeH="0" baseline="0" dirty="0">
+                <a:ln>
+                  <a:noFill/>
+                </a:ln>
+                <a:solidFill>
+                  <a:srgbClr val="6A8759"/>
+                </a:solidFill>
+                <a:effectLst/>
+                <a:latin typeface="JetBrains Mono"/>
+              </a:rPr>
+              <a:t>yarn </a:t>
+            </a:r>
+            <a:r>
+              <a:rPr kumimoji="0" lang="en-US" altLang="en-US" sz="2400" b="0" i="0" u="none" strike="noStrike" cap="none" normalizeH="0" baseline="0" dirty="0" err="1">
+                <a:ln>
+                  <a:noFill/>
+                </a:ln>
+                <a:solidFill>
+                  <a:srgbClr val="6A8759"/>
+                </a:solidFill>
+                <a:effectLst/>
+                <a:latin typeface="JetBrains Mono"/>
+              </a:rPr>
+              <a:t>watch:server</a:t>
+            </a:r>
+            <a:r>
+              <a:rPr kumimoji="0" lang="en-US" altLang="en-US" sz="2400" b="0" i="0" u="none" strike="noStrike" cap="none" normalizeH="0" baseline="0" dirty="0">
+                <a:ln>
+                  <a:noFill/>
+                </a:ln>
+                <a:solidFill>
+                  <a:srgbClr val="CC7832"/>
+                </a:solidFill>
+                <a:effectLst/>
+                <a:latin typeface="JetBrains Mono"/>
+              </a:rPr>
+              <a:t>\"</a:t>
+            </a:r>
+            <a:r>
+              <a:rPr kumimoji="0" lang="en-US" altLang="en-US" sz="2400" b="0" i="0" u="none" strike="noStrike" cap="none" normalizeH="0" baseline="0" dirty="0">
+                <a:ln>
+                  <a:noFill/>
+                </a:ln>
+                <a:solidFill>
+                  <a:srgbClr val="6A8759"/>
+                </a:solidFill>
+                <a:effectLst/>
+                <a:latin typeface="JetBrains Mono"/>
+              </a:rPr>
+              <a:t>"</a:t>
+            </a:r>
+            <a:r>
+              <a:rPr kumimoji="0" lang="en-US" altLang="en-US" sz="2400" b="0" i="0" u="none" strike="noStrike" cap="none" normalizeH="0" baseline="0" dirty="0">
+                <a:ln>
+                  <a:noFill/>
+                </a:ln>
+                <a:solidFill>
+                  <a:srgbClr val="CC7832"/>
+                </a:solidFill>
+                <a:effectLst/>
+                <a:latin typeface="JetBrains Mono"/>
+              </a:rPr>
+              <a:t>,</a:t>
+            </a:r>
+            <a:br>
+              <a:rPr kumimoji="0" lang="en-US" altLang="en-US" sz="2400" b="0" i="0" u="none" strike="noStrike" cap="none" normalizeH="0" baseline="0" dirty="0">
+                <a:ln>
+                  <a:noFill/>
+                </a:ln>
+                <a:solidFill>
+                  <a:srgbClr val="CC7832"/>
+                </a:solidFill>
+                <a:effectLst/>
+                <a:latin typeface="JetBrains Mono"/>
+              </a:rPr>
+            </a:br>
+            <a:r>
+              <a:rPr kumimoji="0" lang="en-US" altLang="en-US" sz="2400" b="0" i="0" u="none" strike="noStrike" cap="none" normalizeH="0" baseline="0" dirty="0">
+                <a:ln>
+                  <a:noFill/>
+                </a:ln>
+                <a:solidFill>
+                  <a:srgbClr val="9876AA"/>
+                </a:solidFill>
+                <a:effectLst/>
+                <a:latin typeface="JetBrains Mono"/>
+              </a:rPr>
+              <a:t>"</a:t>
+            </a:r>
+            <a:r>
+              <a:rPr kumimoji="0" lang="en-US" altLang="en-US" sz="2400" b="0" i="0" u="none" strike="noStrike" cap="none" normalizeH="0" baseline="0" dirty="0" err="1">
+                <a:ln>
+                  <a:noFill/>
+                </a:ln>
+                <a:solidFill>
+                  <a:srgbClr val="9876AA"/>
+                </a:solidFill>
+                <a:effectLst/>
+                <a:latin typeface="JetBrains Mono"/>
+              </a:rPr>
+              <a:t>watch:client</a:t>
+            </a:r>
+            <a:r>
+              <a:rPr kumimoji="0" lang="en-US" altLang="en-US" sz="2400" b="0" i="0" u="none" strike="noStrike" cap="none" normalizeH="0" baseline="0" dirty="0">
+                <a:ln>
+                  <a:noFill/>
+                </a:ln>
+                <a:solidFill>
+                  <a:srgbClr val="9876AA"/>
+                </a:solidFill>
+                <a:effectLst/>
+                <a:latin typeface="JetBrains Mono"/>
+              </a:rPr>
+              <a:t>"</a:t>
+            </a:r>
+            <a:r>
+              <a:rPr kumimoji="0" lang="en-US" altLang="en-US" sz="2400" b="0" i="0" u="none" strike="noStrike" cap="none" normalizeH="0" baseline="0" dirty="0">
+                <a:ln>
+                  <a:noFill/>
+                </a:ln>
+                <a:solidFill>
+                  <a:srgbClr val="CC7832"/>
+                </a:solidFill>
+                <a:effectLst/>
+                <a:latin typeface="JetBrains Mono"/>
+              </a:rPr>
+              <a:t>: </a:t>
+            </a:r>
+            <a:r>
+              <a:rPr kumimoji="0" lang="en-US" altLang="en-US" sz="2400" b="0" i="0" u="none" strike="noStrike" cap="none" normalizeH="0" baseline="0" dirty="0">
+                <a:ln>
+                  <a:noFill/>
+                </a:ln>
+                <a:solidFill>
+                  <a:srgbClr val="6A8759"/>
+                </a:solidFill>
+                <a:effectLst/>
+                <a:latin typeface="JetBrains Mono"/>
+              </a:rPr>
+              <a:t>"webpack --watch --mode development"</a:t>
+            </a:r>
+            <a:r>
+              <a:rPr kumimoji="0" lang="en-US" altLang="en-US" sz="2400" b="0" i="0" u="none" strike="noStrike" cap="none" normalizeH="0" baseline="0" dirty="0">
+                <a:ln>
+                  <a:noFill/>
+                </a:ln>
+                <a:solidFill>
+                  <a:srgbClr val="CC7832"/>
+                </a:solidFill>
+                <a:effectLst/>
+                <a:latin typeface="JetBrains Mono"/>
+              </a:rPr>
+              <a:t>,</a:t>
+            </a:r>
+            <a:br>
+              <a:rPr kumimoji="0" lang="en-US" altLang="en-US" sz="2400" b="0" i="0" u="none" strike="noStrike" cap="none" normalizeH="0" baseline="0" dirty="0">
+                <a:ln>
+                  <a:noFill/>
+                </a:ln>
+                <a:solidFill>
+                  <a:srgbClr val="CC7832"/>
+                </a:solidFill>
+                <a:effectLst/>
+                <a:latin typeface="JetBrains Mono"/>
+              </a:rPr>
+            </a:br>
+            <a:r>
+              <a:rPr kumimoji="0" lang="en-US" altLang="en-US" sz="2400" b="0" i="0" u="none" strike="noStrike" cap="none" normalizeH="0" baseline="0" dirty="0">
+                <a:ln>
+                  <a:noFill/>
+                </a:ln>
+                <a:solidFill>
+                  <a:srgbClr val="9876AA"/>
+                </a:solidFill>
+                <a:effectLst/>
+                <a:latin typeface="JetBrains Mono"/>
+              </a:rPr>
+              <a:t>"</a:t>
+            </a:r>
+            <a:r>
+              <a:rPr kumimoji="0" lang="en-US" altLang="en-US" sz="2400" b="0" i="0" u="none" strike="noStrike" cap="none" normalizeH="0" baseline="0" dirty="0" err="1">
+                <a:ln>
+                  <a:noFill/>
+                </a:ln>
+                <a:solidFill>
+                  <a:srgbClr val="9876AA"/>
+                </a:solidFill>
+                <a:effectLst/>
+                <a:latin typeface="JetBrains Mono"/>
+              </a:rPr>
+              <a:t>watch:server</a:t>
+            </a:r>
+            <a:r>
+              <a:rPr kumimoji="0" lang="en-US" altLang="en-US" sz="2400" b="0" i="0" u="none" strike="noStrike" cap="none" normalizeH="0" baseline="0" dirty="0">
+                <a:ln>
+                  <a:noFill/>
+                </a:ln>
+                <a:solidFill>
+                  <a:srgbClr val="9876AA"/>
+                </a:solidFill>
+                <a:effectLst/>
+                <a:latin typeface="JetBrains Mono"/>
+              </a:rPr>
+              <a:t>"</a:t>
+            </a:r>
+            <a:r>
+              <a:rPr kumimoji="0" lang="en-US" altLang="en-US" sz="2400" b="0" i="0" u="none" strike="noStrike" cap="none" normalizeH="0" baseline="0" dirty="0">
+                <a:ln>
+                  <a:noFill/>
+                </a:ln>
+                <a:solidFill>
+                  <a:srgbClr val="CC7832"/>
+                </a:solidFill>
+                <a:effectLst/>
+                <a:latin typeface="JetBrains Mono"/>
+              </a:rPr>
+              <a:t>: </a:t>
+            </a:r>
+            <a:r>
+              <a:rPr kumimoji="0" lang="en-US" altLang="en-US" sz="2400" b="0" i="0" u="none" strike="noStrike" cap="none" normalizeH="0" baseline="0" dirty="0">
+                <a:ln>
+                  <a:noFill/>
+                </a:ln>
+                <a:solidFill>
+                  <a:srgbClr val="6A8759"/>
+                </a:solidFill>
+                <a:effectLst/>
+                <a:latin typeface="JetBrains Mono"/>
+              </a:rPr>
+              <a:t>"</a:t>
+            </a:r>
+            <a:r>
+              <a:rPr kumimoji="0" lang="en-US" altLang="en-US" sz="2400" b="0" i="0" u="none" strike="noStrike" cap="none" normalizeH="0" baseline="0" dirty="0" err="1">
+                <a:ln>
+                  <a:noFill/>
+                </a:ln>
+                <a:solidFill>
+                  <a:srgbClr val="6A8759"/>
+                </a:solidFill>
+                <a:effectLst/>
+                <a:latin typeface="JetBrains Mono"/>
+              </a:rPr>
+              <a:t>nodemon</a:t>
+            </a:r>
+            <a:r>
+              <a:rPr kumimoji="0" lang="en-US" altLang="en-US" sz="2400" b="0" i="0" u="none" strike="noStrike" cap="none" normalizeH="0" baseline="0" dirty="0">
+                <a:ln>
+                  <a:noFill/>
+                </a:ln>
+                <a:solidFill>
+                  <a:srgbClr val="6A8759"/>
+                </a:solidFill>
+                <a:effectLst/>
+                <a:latin typeface="JetBrains Mono"/>
+              </a:rPr>
+              <a:t> </a:t>
+            </a:r>
+            <a:r>
+              <a:rPr kumimoji="0" lang="en-US" altLang="en-US" sz="2400" b="0" i="0" u="none" strike="noStrike" cap="none" normalizeH="0" baseline="0" dirty="0" err="1">
+                <a:ln>
+                  <a:noFill/>
+                </a:ln>
+                <a:solidFill>
+                  <a:srgbClr val="6A8759"/>
+                </a:solidFill>
+                <a:effectLst/>
+                <a:latin typeface="JetBrains Mono"/>
+              </a:rPr>
+              <a:t>src</a:t>
+            </a:r>
+            <a:r>
+              <a:rPr kumimoji="0" lang="en-US" altLang="en-US" sz="2400" b="0" i="0" u="none" strike="noStrike" cap="none" normalizeH="0" baseline="0" dirty="0">
+                <a:ln>
+                  <a:noFill/>
+                </a:ln>
+                <a:solidFill>
+                  <a:srgbClr val="6A8759"/>
+                </a:solidFill>
+                <a:effectLst/>
+                <a:latin typeface="JetBrains Mono"/>
+              </a:rPr>
+              <a:t>/server/server.js --watch </a:t>
+            </a:r>
+            <a:r>
+              <a:rPr kumimoji="0" lang="en-US" altLang="en-US" sz="2400" b="0" i="0" u="none" strike="noStrike" cap="none" normalizeH="0" baseline="0" dirty="0" err="1">
+                <a:ln>
+                  <a:noFill/>
+                </a:ln>
+                <a:solidFill>
+                  <a:srgbClr val="6A8759"/>
+                </a:solidFill>
+                <a:effectLst/>
+                <a:latin typeface="JetBrains Mono"/>
+              </a:rPr>
+              <a:t>src</a:t>
+            </a:r>
+            <a:r>
+              <a:rPr kumimoji="0" lang="en-US" altLang="en-US" sz="2400" b="0" i="0" u="none" strike="noStrike" cap="none" normalizeH="0" baseline="0" dirty="0">
+                <a:ln>
+                  <a:noFill/>
+                </a:ln>
+                <a:solidFill>
+                  <a:srgbClr val="6A8759"/>
+                </a:solidFill>
+                <a:effectLst/>
+                <a:latin typeface="JetBrains Mono"/>
+              </a:rPr>
+              <a:t>/server --watch public/bundle.js"</a:t>
+            </a:r>
+            <a:endParaRPr kumimoji="0" lang="en-US" altLang="en-US" sz="2400" b="0" i="0" u="none" strike="noStrike" cap="none" normalizeH="0" baseline="0" dirty="0">
+              <a:ln>
+                <a:noFill/>
+              </a:ln>
+              <a:solidFill>
+                <a:schemeClr val="tx1"/>
+              </a:solidFill>
+              <a:effectLst/>
+              <a:latin typeface="Arial" panose="020B0604020202020204" pitchFamily="34" charset="0"/>
+            </a:endParaRPr>
+          </a:p>
+        </p:txBody>
+      </p:sp>
+    </p:spTree>
+    <p:extLst>
+      <p:ext uri="{BB962C8B-B14F-4D97-AF65-F5344CB8AC3E}">
+        <p14:creationId xmlns:p14="http://schemas.microsoft.com/office/powerpoint/2010/main" val="131239533"/>
+      </p:ext>
+    </p:extLst>
+  </p:cSld>
+  <p:clrMapOvr>
+    <a:masterClrMapping/>
+  </p:clrMapOvr>
+</p:sld>
+</file>
+
+<file path=ppt/slides/slide9.xml><?xml version="1.0" encoding="utf-8"?>
+<p:sld xmlns:a="http://schemas.openxmlformats.org/drawingml/2006/main" xmlns:r="http://schemas.openxmlformats.org/officeDocument/2006/relationships" xmlns:p="http://schemas.openxmlformats.org/presentationml/2006/main">
+  <p:cSld>
+    <p:spTree>
+      <p:nvGrpSpPr>
+        <p:cNvPr id="1" name=""/>
+        <p:cNvGrpSpPr/>
+        <p:nvPr/>
+      </p:nvGrpSpPr>
+      <p:grpSpPr>
+        <a:xfrm>
+          <a:off x="0" y="0"/>
+          <a:ext cx="0" cy="0"/>
+          <a:chOff x="0" y="0"/>
+          <a:chExt cx="0" cy="0"/>
+        </a:xfrm>
+      </p:grpSpPr>
+      <p:sp>
+        <p:nvSpPr>
+          <p:cNvPr id="2" name="Title 1">
+            <a:extLst>
+              <a:ext uri="{FF2B5EF4-FFF2-40B4-BE49-F238E27FC236}">
+                <a16:creationId xmlns:a16="http://schemas.microsoft.com/office/drawing/2014/main" id="{62B0E0AC-11E8-4B69-BD2A-F194A8A660BE}"/>
+              </a:ext>
+            </a:extLst>
+          </p:cNvPr>
+          <p:cNvSpPr>
+            <a:spLocks noGrp="1"/>
+          </p:cNvSpPr>
+          <p:nvPr>
+            <p:ph type="title"/>
+          </p:nvPr>
+        </p:nvSpPr>
+        <p:spPr/>
+        <p:txBody>
+          <a:bodyPr/>
+          <a:lstStyle/>
+          <a:p>
+            <a:r>
+              <a:rPr lang="en-US" dirty="0"/>
+              <a:t>Testing a REST API</a:t>
+            </a:r>
+          </a:p>
+        </p:txBody>
+      </p:sp>
+      <p:sp>
+        <p:nvSpPr>
+          <p:cNvPr id="3" name="Content Placeholder 2">
+            <a:extLst>
+              <a:ext uri="{FF2B5EF4-FFF2-40B4-BE49-F238E27FC236}">
+                <a16:creationId xmlns:a16="http://schemas.microsoft.com/office/drawing/2014/main" id="{30BF3D84-AFC1-4DC3-9EE5-7044A364F56E}"/>
+              </a:ext>
+            </a:extLst>
+          </p:cNvPr>
+          <p:cNvSpPr>
+            <a:spLocks noGrp="1"/>
+          </p:cNvSpPr>
+          <p:nvPr>
+            <p:ph idx="1"/>
+          </p:nvPr>
+        </p:nvSpPr>
+        <p:spPr>
+          <a:xfrm>
+            <a:off x="183823" y="1825624"/>
+            <a:ext cx="11759938" cy="4857979"/>
+          </a:xfrm>
+        </p:spPr>
+        <p:txBody>
+          <a:bodyPr/>
+          <a:lstStyle/>
+          <a:p>
+            <a:r>
+              <a:rPr lang="en-US" dirty="0"/>
+              <a:t>Can of course write </a:t>
+            </a:r>
+            <a:r>
+              <a:rPr lang="en-US" i="1" dirty="0"/>
+              <a:t>Unit Tests</a:t>
+            </a:r>
+            <a:r>
+              <a:rPr lang="en-US" dirty="0"/>
+              <a:t> </a:t>
+            </a:r>
+          </a:p>
+          <a:p>
+            <a:r>
+              <a:rPr lang="en-US" dirty="0"/>
+              <a:t>But also good to write “</a:t>
+            </a:r>
+            <a:r>
+              <a:rPr lang="en-US" i="1" dirty="0"/>
+              <a:t>System Tests</a:t>
+            </a:r>
+            <a:r>
+              <a:rPr lang="en-US" dirty="0"/>
+              <a:t>”</a:t>
+            </a:r>
+          </a:p>
+          <a:p>
+            <a:r>
+              <a:rPr lang="en-US" dirty="0"/>
+              <a:t>In case of REST, we start the HTTP server, and from test cases, execute HTTP calls over TCP</a:t>
+            </a:r>
+          </a:p>
+          <a:p>
+            <a:pPr lvl="1"/>
+            <a:r>
+              <a:rPr lang="en-US" dirty="0"/>
+              <a:t>and then write assertions on the returned HTTP responses</a:t>
+            </a:r>
+          </a:p>
+        </p:txBody>
+      </p:sp>
+    </p:spTree>
+    <p:extLst>
+      <p:ext uri="{BB962C8B-B14F-4D97-AF65-F5344CB8AC3E}">
+        <p14:creationId xmlns:p14="http://schemas.microsoft.com/office/powerpoint/2010/main" val="2497493730"/>
       </p:ext>
     </p:extLst>
   </p:cSld>
